--- a/프로젝트 보고서.pptx
+++ b/프로젝트 보고서.pptx
@@ -1,28 +1,29 @@
 
 <file path=ppt/presentation.xml><?xml version="1.0" encoding="utf-8"?>
-<p:presentation xmlns:r="http://schemas.openxmlformats.org/officeDocument/2006/relationships" xmlns:c="http://schemas.openxmlformats.org/drawingml/2006/chart" xmlns:a="http://schemas.openxmlformats.org/drawingml/2006/main" xmlns:dgm="http://schemas.openxmlformats.org/drawingml/2006/diagram" xmlns:dsp="http://schemas.microsoft.com/office/drawing/2008/diagram" xmlns:p="http://schemas.openxmlformats.org/presentationml/2006/main" saveSubsetFonts="1">
+<p:presentation xmlns:a="http://schemas.openxmlformats.org/drawingml/2006/main" xmlns:r="http://schemas.openxmlformats.org/officeDocument/2006/relationships" xmlns:p="http://schemas.openxmlformats.org/presentationml/2006/main" saveSubsetFonts="1">
   <p:sldMasterIdLst>
-    <p:sldMasterId id="2147483695" r:id="rId17"/>
-    <p:sldMasterId id="2147483696" r:id="rId19"/>
+    <p:sldMasterId id="2147483695" r:id="rId1"/>
+    <p:sldMasterId id="2147483696" r:id="rId2"/>
   </p:sldMasterIdLst>
   <p:notesMasterIdLst>
-    <p:notesMasterId r:id="rId20"/>
+    <p:notesMasterId r:id="rId18"/>
   </p:notesMasterIdLst>
   <p:sldIdLst>
-    <p:sldId id="257" r:id="rId1"/>
-    <p:sldId id="258" r:id="rId2"/>
-    <p:sldId id="259" r:id="rId3"/>
-    <p:sldId id="260" r:id="rId4"/>
-    <p:sldId id="261" r:id="rId5"/>
-    <p:sldId id="262" r:id="rId6"/>
-    <p:sldId id="263" r:id="rId7"/>
-    <p:sldId id="264" r:id="rId8"/>
-    <p:sldId id="265" r:id="rId9"/>
-    <p:sldId id="266" r:id="rId10"/>
-    <p:sldId id="267" r:id="rId11"/>
-    <p:sldId id="268" r:id="rId12"/>
-    <p:sldId id="269" r:id="rId13"/>
-    <p:sldId id="270" r:id="rId14"/>
+    <p:sldId id="257" r:id="rId3"/>
+    <p:sldId id="258" r:id="rId4"/>
+    <p:sldId id="271" r:id="rId5"/>
+    <p:sldId id="272" r:id="rId6"/>
+    <p:sldId id="273" r:id="rId7"/>
+    <p:sldId id="274" r:id="rId8"/>
+    <p:sldId id="275" r:id="rId9"/>
+    <p:sldId id="276" r:id="rId10"/>
+    <p:sldId id="277" r:id="rId11"/>
+    <p:sldId id="264" r:id="rId12"/>
+    <p:sldId id="265" r:id="rId13"/>
+    <p:sldId id="266" r:id="rId14"/>
+    <p:sldId id="267" r:id="rId15"/>
+    <p:sldId id="268" r:id="rId16"/>
+    <p:sldId id="270" r:id="rId17"/>
   </p:sldIdLst>
   <p:sldSz cx="9144000" cy="6858000" type="screen4x3"/>
   <p:notesSz cx="6858000" cy="9144000"/>
@@ -121,11 +122,27 @@
       </a:defRPr>
     </a:lvl9pPr>
   </p:defaultTextStyle>
+  <p:extLst>
+    <p:ext uri="{EFAFB233-063F-42B5-8137-9DF3F51BA10A}">
+      <p15:sldGuideLst xmlns:p15="http://schemas.microsoft.com/office/powerpoint/2012/main">
+        <p15:guide id="1" orient="horz" pos="2156">
+          <p15:clr>
+            <a:srgbClr val="A4A3A4"/>
+          </p15:clr>
+        </p15:guide>
+        <p15:guide id="2" pos="2877">
+          <p15:clr>
+            <a:srgbClr val="A4A3A4"/>
+          </p15:clr>
+        </p15:guide>
+      </p15:sldGuideLst>
+    </p:ext>
+  </p:extLst>
 </p:presentation>
 </file>
 
 <file path=ppt/notesMasters/notesMaster1.xml><?xml version="1.0" encoding="utf-8"?>
-<p:notesMaster xmlns:r="http://schemas.openxmlformats.org/officeDocument/2006/relationships" xmlns:c="http://schemas.openxmlformats.org/drawingml/2006/chart" xmlns:a="http://schemas.openxmlformats.org/drawingml/2006/main" xmlns:dgm="http://schemas.openxmlformats.org/drawingml/2006/diagram" xmlns:dsp="http://schemas.microsoft.com/office/drawing/2008/diagram" xmlns:p="http://schemas.openxmlformats.org/presentationml/2006/main">
+<p:notesMaster xmlns:a="http://schemas.openxmlformats.org/drawingml/2006/main" xmlns:r="http://schemas.openxmlformats.org/officeDocument/2006/relationships" xmlns:p="http://schemas.openxmlformats.org/presentationml/2006/main">
   <p:cSld>
     <p:bg>
       <p:bgRef idx="1001">
@@ -153,7 +170,7 @@
             <a:spLocks noGrp="1"/>
           </p:cNvSpPr>
           <p:nvPr>
-            <p:ph type="hdr" sz="quarter" idx="0"/>
+            <p:ph type="hdr" sz="quarter"/>
           </p:nvPr>
         </p:nvSpPr>
         <p:spPr>
@@ -176,10 +193,6 @@
             <a:pPr lvl="0">
               <a:defRPr lang="ko-KR" altLang="en-US"/>
             </a:pPr>
-            <a:r>
-              <a:rPr lang="ko-KR" altLang="en-US"/>
-              <a:t/>
-            </a:r>
             <a:endParaRPr lang="ko-KR" altLang="en-US"/>
           </a:p>
         </p:txBody>
@@ -219,7 +232,7 @@
               <a:pPr lvl="0">
                 <a:defRPr lang="ko-KR" altLang="en-US"/>
               </a:pPr>
-              <a:t>2018-12-27</a:t>
+              <a:t>2018-12-28</a:t>
             </a:fld>
             <a:endParaRPr lang="ko-KR" altLang="en-US"/>
           </a:p>
@@ -291,7 +304,6 @@
               <a:rPr lang="ko-KR" altLang="en-US"/>
               <a:t>마스터 텍스트 스타일을 편집합니다</a:t>
             </a:r>
-            <a:endParaRPr lang="ko-KR" altLang="en-US"/>
           </a:p>
           <a:p>
             <a:pPr lvl="1">
@@ -301,7 +313,6 @@
               <a:rPr lang="ko-KR" altLang="en-US"/>
               <a:t>둘째 수준</a:t>
             </a:r>
-            <a:endParaRPr lang="ko-KR" altLang="en-US"/>
           </a:p>
           <a:p>
             <a:pPr lvl="2">
@@ -311,7 +322,6 @@
               <a:rPr lang="ko-KR" altLang="en-US"/>
               <a:t>셋째 수준</a:t>
             </a:r>
-            <a:endParaRPr lang="ko-KR" altLang="en-US"/>
           </a:p>
           <a:p>
             <a:pPr lvl="3">
@@ -321,7 +331,6 @@
               <a:rPr lang="ko-KR" altLang="en-US"/>
               <a:t>넷째 수준</a:t>
             </a:r>
-            <a:endParaRPr lang="ko-KR" altLang="en-US"/>
           </a:p>
           <a:p>
             <a:pPr lvl="4">
@@ -331,7 +340,6 @@
               <a:rPr lang="ko-KR" altLang="en-US"/>
               <a:t>다섯째 수준</a:t>
             </a:r>
-            <a:endParaRPr lang="ko-KR" altLang="en-US"/>
           </a:p>
         </p:txBody>
       </p:sp>
@@ -365,10 +373,6 @@
             <a:pPr lvl="0">
               <a:defRPr lang="ko-KR" altLang="en-US"/>
             </a:pPr>
-            <a:r>
-              <a:rPr lang="ko-KR" altLang="en-US"/>
-              <a:t/>
-            </a:r>
             <a:endParaRPr lang="ko-KR" altLang="en-US"/>
           </a:p>
         </p:txBody>
@@ -415,6 +419,11 @@
         </p:txBody>
       </p:sp>
     </p:spTree>
+    <p:extLst>
+      <p:ext uri="{BB962C8B-B14F-4D97-AF65-F5344CB8AC3E}">
+        <p14:creationId xmlns:p14="http://schemas.microsoft.com/office/powerpoint/2010/main" val="3650370285"/>
+      </p:ext>
+    </p:extLst>
   </p:cSld>
   <p:clrMap bg1="lt1" tx1="dk1" bg2="lt2" tx2="dk2" accent1="accent1" accent2="accent2" accent3="accent3" accent4="accent4" accent5="accent5" accent6="accent6" hlink="hlink" folHlink="folHlink"/>
   <p:hf hdr="0" ftr="0" dt="0"/>
@@ -513,8 +522,204 @@
 </p:notesMaster>
 </file>
 
+<file path=ppt/notesSlides/notesSlide1.xml><?xml version="1.0" encoding="utf-8"?>
+<p:notes xmlns:a="http://schemas.openxmlformats.org/drawingml/2006/main" xmlns:r="http://schemas.openxmlformats.org/officeDocument/2006/relationships" xmlns:p="http://schemas.openxmlformats.org/presentationml/2006/main">
+  <p:cSld>
+    <p:spTree>
+      <p:nvGrpSpPr>
+        <p:cNvPr id="1" name=""/>
+        <p:cNvGrpSpPr/>
+        <p:nvPr/>
+      </p:nvGrpSpPr>
+      <p:grpSpPr>
+        <a:xfrm>
+          <a:off x="0" y="0"/>
+          <a:ext cx="0" cy="0"/>
+          <a:chOff x="0" y="0"/>
+          <a:chExt cx="0" cy="0"/>
+        </a:xfrm>
+      </p:grpSpPr>
+      <p:sp>
+        <p:nvSpPr>
+          <p:cNvPr id="2" name="슬라이드 이미지 개체 틀 1"/>
+          <p:cNvSpPr>
+            <a:spLocks noGrp="1" noRot="1" noChangeAspect="1"/>
+          </p:cNvSpPr>
+          <p:nvPr>
+            <p:ph type="sldImg"/>
+          </p:nvPr>
+        </p:nvSpPr>
+        <p:spPr/>
+      </p:sp>
+      <p:sp>
+        <p:nvSpPr>
+          <p:cNvPr id="3" name="슬라이드 노트 개체 틀 2"/>
+          <p:cNvSpPr>
+            <a:spLocks noGrp="1"/>
+          </p:cNvSpPr>
+          <p:nvPr>
+            <p:ph type="body" idx="1"/>
+          </p:nvPr>
+        </p:nvSpPr>
+        <p:spPr/>
+        <p:txBody>
+          <a:bodyPr/>
+          <a:lstStyle/>
+          <a:p>
+            <a:r>
+              <a:rPr lang="en-US" altLang="ko-KR" dirty="0" smtClean="0"/>
+              <a:t>Entity</a:t>
+            </a:r>
+            <a:r>
+              <a:rPr lang="en-US" altLang="ko-KR" baseline="0" dirty="0" smtClean="0"/>
+              <a:t> </a:t>
+            </a:r>
+            <a:r>
+              <a:rPr lang="ko-KR" altLang="en-US" baseline="0" dirty="0" smtClean="0"/>
+              <a:t>는 반복적으로 나오는 문장이나 문자열을 다른 곳에 저장해 놓고 참조하는 개체</a:t>
+            </a:r>
+            <a:endParaRPr lang="ko-KR" altLang="en-US" dirty="0"/>
+          </a:p>
+        </p:txBody>
+      </p:sp>
+      <p:sp>
+        <p:nvSpPr>
+          <p:cNvPr id="4" name="슬라이드 번호 개체 틀 3"/>
+          <p:cNvSpPr>
+            <a:spLocks noGrp="1"/>
+          </p:cNvSpPr>
+          <p:nvPr>
+            <p:ph type="sldNum" sz="quarter" idx="10"/>
+          </p:nvPr>
+        </p:nvSpPr>
+        <p:spPr/>
+        <p:txBody>
+          <a:bodyPr/>
+          <a:lstStyle/>
+          <a:p>
+            <a:pPr lvl="0">
+              <a:defRPr lang="ko-KR" altLang="en-US"/>
+            </a:pPr>
+            <a:fld id="{CBA5EA50-99C2-41C3-A45B-E47BF4FC6AA5}" type="slidenum">
+              <a:rPr lang="ko-KR" altLang="en-US" smtClean="0"/>
+              <a:pPr lvl="0">
+                <a:defRPr lang="ko-KR" altLang="en-US"/>
+              </a:pPr>
+              <a:t>6</a:t>
+            </a:fld>
+            <a:endParaRPr lang="ko-KR" altLang="en-US"/>
+          </a:p>
+        </p:txBody>
+      </p:sp>
+    </p:spTree>
+    <p:extLst>
+      <p:ext uri="{BB962C8B-B14F-4D97-AF65-F5344CB8AC3E}">
+        <p14:creationId xmlns:p14="http://schemas.microsoft.com/office/powerpoint/2010/main" val="55855658"/>
+      </p:ext>
+    </p:extLst>
+  </p:cSld>
+  <p:clrMapOvr>
+    <a:masterClrMapping/>
+  </p:clrMapOvr>
+</p:notes>
+</file>
+
+<file path=ppt/notesSlides/notesSlide2.xml><?xml version="1.0" encoding="utf-8"?>
+<p:notes xmlns:a="http://schemas.openxmlformats.org/drawingml/2006/main" xmlns:r="http://schemas.openxmlformats.org/officeDocument/2006/relationships" xmlns:p="http://schemas.openxmlformats.org/presentationml/2006/main">
+  <p:cSld>
+    <p:spTree>
+      <p:nvGrpSpPr>
+        <p:cNvPr id="1" name=""/>
+        <p:cNvGrpSpPr/>
+        <p:nvPr/>
+      </p:nvGrpSpPr>
+      <p:grpSpPr>
+        <a:xfrm>
+          <a:off x="0" y="0"/>
+          <a:ext cx="0" cy="0"/>
+          <a:chOff x="0" y="0"/>
+          <a:chExt cx="0" cy="0"/>
+        </a:xfrm>
+      </p:grpSpPr>
+      <p:sp>
+        <p:nvSpPr>
+          <p:cNvPr id="2" name="슬라이드 이미지 개체 틀 1"/>
+          <p:cNvSpPr>
+            <a:spLocks noGrp="1" noRot="1" noChangeAspect="1"/>
+          </p:cNvSpPr>
+          <p:nvPr>
+            <p:ph type="sldImg"/>
+          </p:nvPr>
+        </p:nvSpPr>
+        <p:spPr/>
+      </p:sp>
+      <p:sp>
+        <p:nvSpPr>
+          <p:cNvPr id="3" name="슬라이드 노트 개체 틀 2"/>
+          <p:cNvSpPr>
+            <a:spLocks noGrp="1"/>
+          </p:cNvSpPr>
+          <p:nvPr>
+            <p:ph type="body" idx="1"/>
+          </p:nvPr>
+        </p:nvSpPr>
+        <p:spPr/>
+        <p:txBody>
+          <a:bodyPr/>
+          <a:lstStyle/>
+          <a:p>
+            <a:r>
+              <a:rPr lang="en-US" altLang="ko-KR" dirty="0" smtClean="0"/>
+              <a:t>http://blog.naver.com/PostView.nhn?blogId=koromoon&amp;logNo=120208853424</a:t>
+            </a:r>
+            <a:endParaRPr lang="ko-KR" altLang="en-US" dirty="0"/>
+          </a:p>
+        </p:txBody>
+      </p:sp>
+      <p:sp>
+        <p:nvSpPr>
+          <p:cNvPr id="4" name="슬라이드 번호 개체 틀 3"/>
+          <p:cNvSpPr>
+            <a:spLocks noGrp="1"/>
+          </p:cNvSpPr>
+          <p:nvPr>
+            <p:ph type="sldNum" sz="quarter" idx="10"/>
+          </p:nvPr>
+        </p:nvSpPr>
+        <p:spPr/>
+        <p:txBody>
+          <a:bodyPr/>
+          <a:lstStyle/>
+          <a:p>
+            <a:pPr lvl="0">
+              <a:defRPr lang="ko-KR" altLang="en-US"/>
+            </a:pPr>
+            <a:fld id="{CBA5EA50-99C2-41C3-A45B-E47BF4FC6AA5}" type="slidenum">
+              <a:rPr lang="ko-KR" altLang="en-US" smtClean="0"/>
+              <a:pPr lvl="0">
+                <a:defRPr lang="ko-KR" altLang="en-US"/>
+              </a:pPr>
+              <a:t>7</a:t>
+            </a:fld>
+            <a:endParaRPr lang="ko-KR" altLang="en-US"/>
+          </a:p>
+        </p:txBody>
+      </p:sp>
+    </p:spTree>
+    <p:extLst>
+      <p:ext uri="{BB962C8B-B14F-4D97-AF65-F5344CB8AC3E}">
+        <p14:creationId xmlns:p14="http://schemas.microsoft.com/office/powerpoint/2010/main" val="176799285"/>
+      </p:ext>
+    </p:extLst>
+  </p:cSld>
+  <p:clrMapOvr>
+    <a:masterClrMapping/>
+  </p:clrMapOvr>
+</p:notes>
+</file>
+
 <file path=ppt/slideLayouts/slideLayout1.xml><?xml version="1.0" encoding="utf-8"?>
-<p:sldLayout xmlns:r="http://schemas.openxmlformats.org/officeDocument/2006/relationships" xmlns:c="http://schemas.openxmlformats.org/drawingml/2006/chart" xmlns:a="http://schemas.openxmlformats.org/drawingml/2006/main" xmlns:dgm="http://schemas.openxmlformats.org/drawingml/2006/diagram" xmlns:dsp="http://schemas.microsoft.com/office/drawing/2008/diagram" xmlns:p="http://schemas.openxmlformats.org/presentationml/2006/main" showMasterPhAnim="1" matchingName="제목 슬라이드" type="title" preserve="1">
+<p:sldLayout xmlns:a="http://schemas.openxmlformats.org/drawingml/2006/main" xmlns:r="http://schemas.openxmlformats.org/officeDocument/2006/relationships" xmlns:p="http://schemas.openxmlformats.org/presentationml/2006/main" matchingName="제목 슬라이드" type="title" preserve="1">
   <p:cSld name="제목 슬라이드">
     <p:spTree>
       <p:nvGrpSpPr>
@@ -537,7 +742,7 @@
             <a:spLocks noGrp="1"/>
           </p:cNvSpPr>
           <p:nvPr>
-            <p:ph type="ctrTitle" idx="0"/>
+            <p:ph type="ctrTitle"/>
           </p:nvPr>
         </p:nvSpPr>
         <p:spPr>
@@ -557,7 +762,6 @@
               <a:rPr lang="ko-KR" altLang="en-US"/>
               <a:t>마스터 제목 스타일 편집</a:t>
             </a:r>
-            <a:endParaRPr lang="ko-KR" altLang="en-US"/>
           </a:p>
         </p:txBody>
       </p:sp>
@@ -679,7 +883,6 @@
               <a:rPr lang="ko-KR" altLang="en-US"/>
               <a:t>마스터 부제목 스타일 편집</a:t>
             </a:r>
-            <a:endParaRPr lang="ko-KR" altLang="en-US"/>
           </a:p>
         </p:txBody>
       </p:sp>
@@ -706,7 +909,7 @@
               <a:pPr lvl="0">
                 <a:defRPr lang="ko-KR" altLang="en-US"/>
               </a:pPr>
-              <a:t>2018-12-27</a:t>
+              <a:t>2018-12-28</a:t>
             </a:fld>
             <a:endParaRPr lang="ko-KR" altLang="en-US"/>
           </a:p>
@@ -730,10 +933,6 @@
             <a:pPr lvl="0">
               <a:defRPr lang="ko-KR" altLang="en-US"/>
             </a:pPr>
-            <a:r>
-              <a:rPr lang="ko-KR" altLang="en-US"/>
-              <a:t/>
-            </a:r>
             <a:endParaRPr lang="ko-KR" altLang="en-US"/>
           </a:p>
         </p:txBody>
@@ -776,7 +975,7 @@
 </file>
 
 <file path=ppt/slideLayouts/slideLayout10.xml><?xml version="1.0" encoding="utf-8"?>
-<p:sldLayout xmlns:r="http://schemas.openxmlformats.org/officeDocument/2006/relationships" xmlns:c="http://schemas.openxmlformats.org/drawingml/2006/chart" xmlns:a="http://schemas.openxmlformats.org/drawingml/2006/main" xmlns:dgm="http://schemas.openxmlformats.org/drawingml/2006/diagram" xmlns:dsp="http://schemas.microsoft.com/office/drawing/2008/diagram" xmlns:p="http://schemas.openxmlformats.org/presentationml/2006/main" showMasterPhAnim="1" matchingName="제목 및 세로 본문" type="vertTx" preserve="1">
+<p:sldLayout xmlns:a="http://schemas.openxmlformats.org/drawingml/2006/main" xmlns:r="http://schemas.openxmlformats.org/officeDocument/2006/relationships" xmlns:p="http://schemas.openxmlformats.org/presentationml/2006/main" matchingName="제목 및 세로 본문" type="vertTx" preserve="1">
   <p:cSld name="제목 및 세로 본문">
     <p:spTree>
       <p:nvGrpSpPr>
@@ -799,7 +998,7 @@
             <a:spLocks noGrp="1"/>
           </p:cNvSpPr>
           <p:nvPr>
-            <p:ph type="title" idx="0"/>
+            <p:ph type="title"/>
           </p:nvPr>
         </p:nvSpPr>
         <p:spPr/>
@@ -814,7 +1013,6 @@
               <a:rPr lang="ko-KR" altLang="en-US"/>
               <a:t>마스터 제목 스타일 편집</a:t>
             </a:r>
-            <a:endParaRPr lang="ko-KR" altLang="en-US"/>
           </a:p>
         </p:txBody>
       </p:sp>
@@ -840,7 +1038,6 @@
               <a:rPr lang="ko-KR" altLang="en-US"/>
               <a:t>마스터 텍스트 스타일을 편집합니다</a:t>
             </a:r>
-            <a:endParaRPr lang="ko-KR" altLang="en-US"/>
           </a:p>
           <a:p>
             <a:pPr lvl="1">
@@ -850,7 +1047,6 @@
               <a:rPr lang="ko-KR" altLang="en-US"/>
               <a:t>둘째 수준</a:t>
             </a:r>
-            <a:endParaRPr lang="ko-KR" altLang="en-US"/>
           </a:p>
           <a:p>
             <a:pPr lvl="2">
@@ -860,7 +1056,6 @@
               <a:rPr lang="ko-KR" altLang="en-US"/>
               <a:t>셋째 수준</a:t>
             </a:r>
-            <a:endParaRPr lang="ko-KR" altLang="en-US"/>
           </a:p>
           <a:p>
             <a:pPr lvl="3">
@@ -870,7 +1065,6 @@
               <a:rPr lang="ko-KR" altLang="en-US"/>
               <a:t>넷째 수준</a:t>
             </a:r>
-            <a:endParaRPr lang="ko-KR" altLang="en-US"/>
           </a:p>
           <a:p>
             <a:pPr lvl="4">
@@ -880,7 +1074,6 @@
               <a:rPr lang="ko-KR" altLang="en-US"/>
               <a:t>다섯째 수준</a:t>
             </a:r>
-            <a:endParaRPr lang="ko-KR" altLang="en-US"/>
           </a:p>
         </p:txBody>
       </p:sp>
@@ -907,7 +1100,7 @@
               <a:pPr lvl="0">
                 <a:defRPr lang="ko-KR" altLang="en-US"/>
               </a:pPr>
-              <a:t>2018-12-27</a:t>
+              <a:t>2018-12-28</a:t>
             </a:fld>
             <a:endParaRPr lang="ko-KR" altLang="en-US"/>
           </a:p>
@@ -931,10 +1124,6 @@
             <a:pPr lvl="0">
               <a:defRPr lang="ko-KR" altLang="en-US"/>
             </a:pPr>
-            <a:r>
-              <a:rPr lang="ko-KR" altLang="en-US"/>
-              <a:t/>
-            </a:r>
             <a:endParaRPr lang="ko-KR" altLang="en-US"/>
           </a:p>
         </p:txBody>
@@ -977,7 +1166,7 @@
 </file>
 
 <file path=ppt/slideLayouts/slideLayout11.xml><?xml version="1.0" encoding="utf-8"?>
-<p:sldLayout xmlns:r="http://schemas.openxmlformats.org/officeDocument/2006/relationships" xmlns:c="http://schemas.openxmlformats.org/drawingml/2006/chart" xmlns:a="http://schemas.openxmlformats.org/drawingml/2006/main" xmlns:dgm="http://schemas.openxmlformats.org/drawingml/2006/diagram" xmlns:dsp="http://schemas.microsoft.com/office/drawing/2008/diagram" xmlns:p="http://schemas.openxmlformats.org/presentationml/2006/main" showMasterPhAnim="1" matchingName="세로 제목 및 본문" type="vertTitleAndTx" preserve="1">
+<p:sldLayout xmlns:a="http://schemas.openxmlformats.org/drawingml/2006/main" xmlns:r="http://schemas.openxmlformats.org/officeDocument/2006/relationships" xmlns:p="http://schemas.openxmlformats.org/presentationml/2006/main" matchingName="세로 제목 및 본문" type="vertTitleAndTx" preserve="1">
   <p:cSld name="세로 제목 및 본문">
     <p:spTree>
       <p:nvGrpSpPr>
@@ -1000,7 +1189,7 @@
             <a:spLocks noGrp="1"/>
           </p:cNvSpPr>
           <p:nvPr>
-            <p:ph type="title" orient="vert" idx="0"/>
+            <p:ph type="title" orient="vert"/>
           </p:nvPr>
         </p:nvSpPr>
         <p:spPr>
@@ -1020,7 +1209,6 @@
               <a:rPr lang="ko-KR" altLang="en-US"/>
               <a:t>마스터 제목 스타일 편집</a:t>
             </a:r>
-            <a:endParaRPr lang="ko-KR" altLang="en-US"/>
           </a:p>
         </p:txBody>
       </p:sp>
@@ -1051,7 +1239,6 @@
               <a:rPr lang="ko-KR" altLang="en-US"/>
               <a:t>마스터 텍스트 스타일을 편집합니다</a:t>
             </a:r>
-            <a:endParaRPr lang="ko-KR" altLang="en-US"/>
           </a:p>
           <a:p>
             <a:pPr lvl="1">
@@ -1061,7 +1248,6 @@
               <a:rPr lang="ko-KR" altLang="en-US"/>
               <a:t>둘째 수준</a:t>
             </a:r>
-            <a:endParaRPr lang="ko-KR" altLang="en-US"/>
           </a:p>
           <a:p>
             <a:pPr lvl="2">
@@ -1071,7 +1257,6 @@
               <a:rPr lang="ko-KR" altLang="en-US"/>
               <a:t>셋째 수준</a:t>
             </a:r>
-            <a:endParaRPr lang="ko-KR" altLang="en-US"/>
           </a:p>
           <a:p>
             <a:pPr lvl="3">
@@ -1081,7 +1266,6 @@
               <a:rPr lang="ko-KR" altLang="en-US"/>
               <a:t>넷째 수준</a:t>
             </a:r>
-            <a:endParaRPr lang="ko-KR" altLang="en-US"/>
           </a:p>
           <a:p>
             <a:pPr lvl="4">
@@ -1091,7 +1275,6 @@
               <a:rPr lang="ko-KR" altLang="en-US"/>
               <a:t>다섯째 수준</a:t>
             </a:r>
-            <a:endParaRPr lang="ko-KR" altLang="en-US"/>
           </a:p>
         </p:txBody>
       </p:sp>
@@ -1118,7 +1301,7 @@
               <a:pPr lvl="0">
                 <a:defRPr lang="ko-KR" altLang="en-US"/>
               </a:pPr>
-              <a:t>2018-12-27</a:t>
+              <a:t>2018-12-28</a:t>
             </a:fld>
             <a:endParaRPr lang="ko-KR" altLang="en-US"/>
           </a:p>
@@ -1142,10 +1325,6 @@
             <a:pPr lvl="0">
               <a:defRPr lang="ko-KR" altLang="en-US"/>
             </a:pPr>
-            <a:r>
-              <a:rPr lang="ko-KR" altLang="en-US"/>
-              <a:t/>
-            </a:r>
             <a:endParaRPr lang="ko-KR" altLang="en-US"/>
           </a:p>
         </p:txBody>
@@ -1188,7 +1367,7 @@
 </file>
 
 <file path=ppt/slideLayouts/slideLayout12.xml><?xml version="1.0" encoding="utf-8"?>
-<p:sldLayout xmlns:r="http://schemas.openxmlformats.org/officeDocument/2006/relationships" xmlns:c="http://schemas.openxmlformats.org/drawingml/2006/chart" xmlns:a="http://schemas.openxmlformats.org/drawingml/2006/main" xmlns:dgm="http://schemas.openxmlformats.org/drawingml/2006/diagram" xmlns:dsp="http://schemas.microsoft.com/office/drawing/2008/diagram" xmlns:p="http://schemas.openxmlformats.org/presentationml/2006/main" showMasterPhAnim="1" matchingName="제목 슬라이드" type="title">
+<p:sldLayout xmlns:a="http://schemas.openxmlformats.org/drawingml/2006/main" xmlns:r="http://schemas.openxmlformats.org/officeDocument/2006/relationships" xmlns:p="http://schemas.openxmlformats.org/presentationml/2006/main" matchingName="제목 슬라이드" type="title">
   <p:cSld name="제목 슬라이드">
     <p:spTree>
       <p:nvGrpSpPr>
@@ -1211,7 +1390,7 @@
             <a:spLocks noGrp="1"/>
           </p:cNvSpPr>
           <p:nvPr>
-            <p:ph type="ctrTitle" idx="0"/>
+            <p:ph type="ctrTitle"/>
           </p:nvPr>
         </p:nvSpPr>
         <p:spPr>
@@ -1225,7 +1404,7 @@
         </p:spPr>
         <p:txBody>
           <a:bodyPr vert="horz" wrap="square" lIns="91440" tIns="45720" rIns="91440" bIns="45720" anchor="b">
-            <a:normAutofit lnSpcReduction="0"/>
+            <a:normAutofit/>
           </a:bodyPr>
           <a:lstStyle/>
           <a:p>
@@ -1263,7 +1442,7 @@
             <a:spLocks noGrp="1"/>
           </p:cNvSpPr>
           <p:nvPr>
-            <p:ph type="subTitle" idx="0"/>
+            <p:ph type="subTitle"/>
           </p:nvPr>
         </p:nvSpPr>
         <p:spPr>
@@ -1277,7 +1456,7 @@
         </p:spPr>
         <p:txBody>
           <a:bodyPr vert="horz" wrap="square" lIns="91440" tIns="45720" rIns="91440" bIns="45720" anchor="t">
-            <a:normAutofit lnSpcReduction="0"/>
+            <a:normAutofit/>
           </a:bodyPr>
           <a:lstStyle/>
           <a:p>
@@ -1315,7 +1494,7 @@
             <a:spLocks noGrp="1"/>
           </p:cNvSpPr>
           <p:nvPr>
-            <p:ph type="dt" idx="0"/>
+            <p:ph type="dt"/>
           </p:nvPr>
         </p:nvSpPr>
         <p:spPr>
@@ -1369,7 +1548,7 @@
                 <a:buNone/>
                 <a:defRPr lang="ko-KR" altLang="en-US"/>
               </a:pPr>
-              <a:t>2018-12-27</a:t>
+              <a:t>2018-12-28</a:t>
             </a:fld>
             <a:endParaRPr lang="ko-KR" altLang="en-US" sz="900" b="0">
               <a:solidFill>
@@ -1390,7 +1569,7 @@
             <a:spLocks noGrp="1"/>
           </p:cNvSpPr>
           <p:nvPr>
-            <p:ph type="ftr" idx="0"/>
+            <p:ph type="ftr"/>
           </p:nvPr>
         </p:nvSpPr>
         <p:spPr>
@@ -1421,18 +1600,6 @@
               <a:buNone/>
               <a:defRPr lang="ko-KR" altLang="en-US"/>
             </a:pPr>
-            <a:r>
-              <a:rPr lang="ko-KR" altLang="en-US" sz="900" b="0">
-                <a:solidFill>
-                  <a:schemeClr val="tx1">
-                    <a:tint val="75000"/>
-                  </a:schemeClr>
-                </a:solidFill>
-                <a:latin typeface="맑은 고딕"/>
-                <a:ea typeface="맑은 고딕"/>
-              </a:rPr>
-              <a:t/>
-            </a:r>
             <a:endParaRPr lang="ko-KR" altLang="en-US" sz="900" b="0">
               <a:solidFill>
                 <a:schemeClr val="tx1">
@@ -1452,7 +1619,7 @@
             <a:spLocks noGrp="1"/>
           </p:cNvSpPr>
           <p:nvPr>
-            <p:ph type="sldNum" idx="0"/>
+            <p:ph type="sldNum"/>
           </p:nvPr>
         </p:nvSpPr>
         <p:spPr>
@@ -1529,7 +1696,7 @@
 </file>
 
 <file path=ppt/slideLayouts/slideLayout13.xml><?xml version="1.0" encoding="utf-8"?>
-<p:sldLayout xmlns:r="http://schemas.openxmlformats.org/officeDocument/2006/relationships" xmlns:c="http://schemas.openxmlformats.org/drawingml/2006/chart" xmlns:a="http://schemas.openxmlformats.org/drawingml/2006/main" xmlns:dgm="http://schemas.openxmlformats.org/drawingml/2006/diagram" xmlns:dsp="http://schemas.microsoft.com/office/drawing/2008/diagram" xmlns:p="http://schemas.openxmlformats.org/presentationml/2006/main" showMasterPhAnim="1" matchingName="제목 및 내용" type="obj">
+<p:sldLayout xmlns:a="http://schemas.openxmlformats.org/drawingml/2006/main" xmlns:r="http://schemas.openxmlformats.org/officeDocument/2006/relationships" xmlns:p="http://schemas.openxmlformats.org/presentationml/2006/main" matchingName="제목 및 내용" type="obj">
   <p:cSld name="제목 및 내용">
     <p:spTree>
       <p:nvGrpSpPr>
@@ -1552,7 +1719,7 @@
             <a:spLocks noGrp="1"/>
           </p:cNvSpPr>
           <p:nvPr>
-            <p:ph type="title" idx="0"/>
+            <p:ph type="title"/>
           </p:nvPr>
         </p:nvSpPr>
         <p:spPr>
@@ -1566,7 +1733,7 @@
         </p:spPr>
         <p:txBody>
           <a:bodyPr vert="horz" wrap="square" lIns="91440" tIns="45720" rIns="91440" bIns="45720" anchor="ctr">
-            <a:normAutofit lnSpcReduction="0"/>
+            <a:normAutofit/>
           </a:bodyPr>
           <a:lstStyle/>
           <a:p>
@@ -1604,7 +1771,7 @@
             <a:spLocks noGrp="1"/>
           </p:cNvSpPr>
           <p:nvPr>
-            <p:ph idx="0"/>
+            <p:ph/>
           </p:nvPr>
         </p:nvSpPr>
         <p:spPr>
@@ -1618,7 +1785,7 @@
         </p:spPr>
         <p:txBody>
           <a:bodyPr vert="horz" wrap="square" lIns="91440" tIns="45720" rIns="91440" bIns="45720" anchor="t">
-            <a:normAutofit lnSpcReduction="0"/>
+            <a:normAutofit/>
           </a:bodyPr>
           <a:lstStyle/>
           <a:p>
@@ -1646,10 +1813,6 @@
               </a:rPr>
               <a:t>마스터 텍스트 스타일을 편집합니다</a:t>
             </a:r>
-            <a:endParaRPr lang="en-US" altLang="ko-KR" sz="2100" b="0">
-              <a:latin typeface="맑은 고딕"/>
-              <a:ea typeface="맑은 고딕"/>
-            </a:endParaRPr>
           </a:p>
           <a:p>
             <a:pPr marL="628650" indent="-171450" algn="l" defTabSz="914400">
@@ -1676,10 +1839,6 @@
               </a:rPr>
               <a:t>둘째 수준</a:t>
             </a:r>
-            <a:endParaRPr lang="en-US" altLang="ko-KR" sz="1800" b="0">
-              <a:latin typeface="맑은 고딕"/>
-              <a:ea typeface="맑은 고딕"/>
-            </a:endParaRPr>
           </a:p>
           <a:p>
             <a:pPr marL="1085850" indent="-171450" algn="l" defTabSz="914400">
@@ -1706,10 +1865,6 @@
               </a:rPr>
               <a:t>셋째 수준</a:t>
             </a:r>
-            <a:endParaRPr lang="en-US" altLang="ko-KR" sz="1500" b="0">
-              <a:latin typeface="맑은 고딕"/>
-              <a:ea typeface="맑은 고딕"/>
-            </a:endParaRPr>
           </a:p>
           <a:p>
             <a:pPr marL="1543050" indent="-171450" algn="l" defTabSz="914400">
@@ -1736,10 +1891,6 @@
               </a:rPr>
               <a:t>넷째 수준</a:t>
             </a:r>
-            <a:endParaRPr lang="en-US" altLang="ko-KR" sz="1350" b="0">
-              <a:latin typeface="맑은 고딕"/>
-              <a:ea typeface="맑은 고딕"/>
-            </a:endParaRPr>
           </a:p>
           <a:p>
             <a:pPr marL="2000250" indent="-171450" algn="l" defTabSz="914400">
@@ -1780,7 +1931,7 @@
             <a:spLocks noGrp="1"/>
           </p:cNvSpPr>
           <p:nvPr>
-            <p:ph type="dt" idx="0"/>
+            <p:ph type="dt"/>
           </p:nvPr>
         </p:nvSpPr>
         <p:spPr>
@@ -1834,7 +1985,7 @@
                 <a:buNone/>
                 <a:defRPr lang="ko-KR" altLang="en-US"/>
               </a:pPr>
-              <a:t>2018-12-27</a:t>
+              <a:t>2018-12-28</a:t>
             </a:fld>
             <a:endParaRPr lang="ko-KR" altLang="en-US" sz="900" b="0">
               <a:solidFill>
@@ -1855,7 +2006,7 @@
             <a:spLocks noGrp="1"/>
           </p:cNvSpPr>
           <p:nvPr>
-            <p:ph type="ftr" idx="0"/>
+            <p:ph type="ftr"/>
           </p:nvPr>
         </p:nvSpPr>
         <p:spPr>
@@ -1886,18 +2037,6 @@
               <a:buNone/>
               <a:defRPr lang="ko-KR" altLang="en-US"/>
             </a:pPr>
-            <a:r>
-              <a:rPr lang="ko-KR" altLang="en-US" sz="900" b="0">
-                <a:solidFill>
-                  <a:schemeClr val="tx1">
-                    <a:tint val="75000"/>
-                  </a:schemeClr>
-                </a:solidFill>
-                <a:latin typeface="맑은 고딕"/>
-                <a:ea typeface="맑은 고딕"/>
-              </a:rPr>
-              <a:t/>
-            </a:r>
             <a:endParaRPr lang="ko-KR" altLang="en-US" sz="900" b="0">
               <a:solidFill>
                 <a:schemeClr val="tx1">
@@ -1917,7 +2056,7 @@
             <a:spLocks noGrp="1"/>
           </p:cNvSpPr>
           <p:nvPr>
-            <p:ph type="sldNum" idx="0"/>
+            <p:ph type="sldNum"/>
           </p:nvPr>
         </p:nvSpPr>
         <p:spPr>
@@ -1994,7 +2133,7 @@
 </file>
 
 <file path=ppt/slideLayouts/slideLayout14.xml><?xml version="1.0" encoding="utf-8"?>
-<p:sldLayout xmlns:r="http://schemas.openxmlformats.org/officeDocument/2006/relationships" xmlns:c="http://schemas.openxmlformats.org/drawingml/2006/chart" xmlns:a="http://schemas.openxmlformats.org/drawingml/2006/main" xmlns:dgm="http://schemas.openxmlformats.org/drawingml/2006/diagram" xmlns:dsp="http://schemas.microsoft.com/office/drawing/2008/diagram" xmlns:p="http://schemas.openxmlformats.org/presentationml/2006/main" showMasterPhAnim="1" matchingName="구역 머리글" type="secHead">
+<p:sldLayout xmlns:a="http://schemas.openxmlformats.org/drawingml/2006/main" xmlns:r="http://schemas.openxmlformats.org/officeDocument/2006/relationships" xmlns:p="http://schemas.openxmlformats.org/presentationml/2006/main" matchingName="구역 머리글" type="secHead">
   <p:cSld name="구역 머리글">
     <p:spTree>
       <p:nvGrpSpPr>
@@ -2017,7 +2156,7 @@
             <a:spLocks noGrp="1"/>
           </p:cNvSpPr>
           <p:nvPr>
-            <p:ph type="title" idx="0"/>
+            <p:ph type="title"/>
           </p:nvPr>
         </p:nvSpPr>
         <p:spPr>
@@ -2031,7 +2170,7 @@
         </p:spPr>
         <p:txBody>
           <a:bodyPr vert="horz" wrap="square" lIns="91440" tIns="45720" rIns="91440" bIns="45720" anchor="b">
-            <a:normAutofit lnSpcReduction="0"/>
+            <a:normAutofit/>
           </a:bodyPr>
           <a:lstStyle/>
           <a:p>
@@ -2069,7 +2208,7 @@
             <a:spLocks noGrp="1"/>
           </p:cNvSpPr>
           <p:nvPr>
-            <p:ph type="body" idx="0"/>
+            <p:ph type="body"/>
           </p:nvPr>
         </p:nvSpPr>
         <p:spPr>
@@ -2083,7 +2222,7 @@
         </p:spPr>
         <p:txBody>
           <a:bodyPr vert="horz" wrap="square" lIns="91440" tIns="45720" rIns="91440" bIns="45720" anchor="t">
-            <a:normAutofit lnSpcReduction="0"/>
+            <a:normAutofit/>
           </a:bodyPr>
           <a:lstStyle/>
           <a:p>
@@ -2131,7 +2270,7 @@
             <a:spLocks noGrp="1"/>
           </p:cNvSpPr>
           <p:nvPr>
-            <p:ph type="dt" idx="0"/>
+            <p:ph type="dt"/>
           </p:nvPr>
         </p:nvSpPr>
         <p:spPr>
@@ -2185,7 +2324,7 @@
                 <a:buNone/>
                 <a:defRPr lang="ko-KR" altLang="en-US"/>
               </a:pPr>
-              <a:t>2018-12-27</a:t>
+              <a:t>2018-12-28</a:t>
             </a:fld>
             <a:endParaRPr lang="ko-KR" altLang="en-US" sz="900" b="0">
               <a:solidFill>
@@ -2206,7 +2345,7 @@
             <a:spLocks noGrp="1"/>
           </p:cNvSpPr>
           <p:nvPr>
-            <p:ph type="ftr" idx="0"/>
+            <p:ph type="ftr"/>
           </p:nvPr>
         </p:nvSpPr>
         <p:spPr>
@@ -2237,18 +2376,6 @@
               <a:buNone/>
               <a:defRPr lang="ko-KR" altLang="en-US"/>
             </a:pPr>
-            <a:r>
-              <a:rPr lang="ko-KR" altLang="en-US" sz="900" b="0">
-                <a:solidFill>
-                  <a:schemeClr val="tx1">
-                    <a:tint val="75000"/>
-                  </a:schemeClr>
-                </a:solidFill>
-                <a:latin typeface="맑은 고딕"/>
-                <a:ea typeface="맑은 고딕"/>
-              </a:rPr>
-              <a:t/>
-            </a:r>
             <a:endParaRPr lang="ko-KR" altLang="en-US" sz="900" b="0">
               <a:solidFill>
                 <a:schemeClr val="tx1">
@@ -2268,7 +2395,7 @@
             <a:spLocks noGrp="1"/>
           </p:cNvSpPr>
           <p:nvPr>
-            <p:ph type="sldNum" idx="0"/>
+            <p:ph type="sldNum"/>
           </p:nvPr>
         </p:nvSpPr>
         <p:spPr>
@@ -2345,7 +2472,7 @@
 </file>
 
 <file path=ppt/slideLayouts/slideLayout15.xml><?xml version="1.0" encoding="utf-8"?>
-<p:sldLayout xmlns:r="http://schemas.openxmlformats.org/officeDocument/2006/relationships" xmlns:c="http://schemas.openxmlformats.org/drawingml/2006/chart" xmlns:a="http://schemas.openxmlformats.org/drawingml/2006/main" xmlns:dgm="http://schemas.openxmlformats.org/drawingml/2006/diagram" xmlns:dsp="http://schemas.microsoft.com/office/drawing/2008/diagram" xmlns:p="http://schemas.openxmlformats.org/presentationml/2006/main" showMasterPhAnim="1" matchingName="콘텐츠 2개" type="twoObj">
+<p:sldLayout xmlns:a="http://schemas.openxmlformats.org/drawingml/2006/main" xmlns:r="http://schemas.openxmlformats.org/officeDocument/2006/relationships" xmlns:p="http://schemas.openxmlformats.org/presentationml/2006/main" matchingName="콘텐츠 2개" type="twoObj">
   <p:cSld name="콘텐츠 2개">
     <p:spTree>
       <p:nvGrpSpPr>
@@ -2368,7 +2495,7 @@
             <a:spLocks noGrp="1"/>
           </p:cNvSpPr>
           <p:nvPr>
-            <p:ph type="title" idx="0"/>
+            <p:ph type="title"/>
           </p:nvPr>
         </p:nvSpPr>
         <p:spPr>
@@ -2382,7 +2509,7 @@
         </p:spPr>
         <p:txBody>
           <a:bodyPr vert="horz" wrap="square" lIns="91440" tIns="45720" rIns="91440" bIns="45720" anchor="ctr">
-            <a:normAutofit lnSpcReduction="0"/>
+            <a:normAutofit/>
           </a:bodyPr>
           <a:lstStyle/>
           <a:p>
@@ -2420,7 +2547,7 @@
             <a:spLocks noGrp="1"/>
           </p:cNvSpPr>
           <p:nvPr>
-            <p:ph idx="0"/>
+            <p:ph/>
           </p:nvPr>
         </p:nvSpPr>
         <p:spPr>
@@ -2434,7 +2561,7 @@
         </p:spPr>
         <p:txBody>
           <a:bodyPr vert="horz" wrap="square" lIns="91440" tIns="45720" rIns="91440" bIns="45720" anchor="t">
-            <a:normAutofit lnSpcReduction="0"/>
+            <a:normAutofit/>
           </a:bodyPr>
           <a:lstStyle/>
           <a:p>
@@ -2462,10 +2589,6 @@
               </a:rPr>
               <a:t>마스터 텍스트 스타일을 편집합니다</a:t>
             </a:r>
-            <a:endParaRPr lang="en-US" altLang="ko-KR" sz="2100" b="0">
-              <a:latin typeface="맑은 고딕"/>
-              <a:ea typeface="맑은 고딕"/>
-            </a:endParaRPr>
           </a:p>
           <a:p>
             <a:pPr marL="628650" indent="-171450" algn="l" defTabSz="914400">
@@ -2492,10 +2615,6 @@
               </a:rPr>
               <a:t>둘째 수준</a:t>
             </a:r>
-            <a:endParaRPr lang="en-US" altLang="ko-KR" sz="1800" b="0">
-              <a:latin typeface="맑은 고딕"/>
-              <a:ea typeface="맑은 고딕"/>
-            </a:endParaRPr>
           </a:p>
           <a:p>
             <a:pPr marL="1085850" indent="-171450" algn="l" defTabSz="914400">
@@ -2522,10 +2641,6 @@
               </a:rPr>
               <a:t>셋째 수준</a:t>
             </a:r>
-            <a:endParaRPr lang="en-US" altLang="ko-KR" sz="1500" b="0">
-              <a:latin typeface="맑은 고딕"/>
-              <a:ea typeface="맑은 고딕"/>
-            </a:endParaRPr>
           </a:p>
           <a:p>
             <a:pPr marL="1543050" indent="-171450" algn="l" defTabSz="914400">
@@ -2552,10 +2667,6 @@
               </a:rPr>
               <a:t>넷째 수준</a:t>
             </a:r>
-            <a:endParaRPr lang="en-US" altLang="ko-KR" sz="1350" b="0">
-              <a:latin typeface="맑은 고딕"/>
-              <a:ea typeface="맑은 고딕"/>
-            </a:endParaRPr>
           </a:p>
           <a:p>
             <a:pPr marL="2000250" indent="-171450" algn="l" defTabSz="914400">
@@ -2596,7 +2707,7 @@
             <a:spLocks noGrp="1"/>
           </p:cNvSpPr>
           <p:nvPr>
-            <p:ph idx="0"/>
+            <p:ph/>
           </p:nvPr>
         </p:nvSpPr>
         <p:spPr>
@@ -2610,7 +2721,7 @@
         </p:spPr>
         <p:txBody>
           <a:bodyPr vert="horz" wrap="square" lIns="91440" tIns="45720" rIns="91440" bIns="45720" anchor="t">
-            <a:normAutofit lnSpcReduction="0"/>
+            <a:normAutofit/>
           </a:bodyPr>
           <a:lstStyle/>
           <a:p>
@@ -2638,10 +2749,6 @@
               </a:rPr>
               <a:t>마스터 텍스트 스타일을 편집합니다</a:t>
             </a:r>
-            <a:endParaRPr lang="en-US" altLang="ko-KR" sz="2100" b="0">
-              <a:latin typeface="맑은 고딕"/>
-              <a:ea typeface="맑은 고딕"/>
-            </a:endParaRPr>
           </a:p>
           <a:p>
             <a:pPr marL="628650" indent="-171450" algn="l" defTabSz="914400">
@@ -2668,10 +2775,6 @@
               </a:rPr>
               <a:t>둘째 수준</a:t>
             </a:r>
-            <a:endParaRPr lang="en-US" altLang="ko-KR" sz="1800" b="0">
-              <a:latin typeface="맑은 고딕"/>
-              <a:ea typeface="맑은 고딕"/>
-            </a:endParaRPr>
           </a:p>
           <a:p>
             <a:pPr marL="1085850" indent="-171450" algn="l" defTabSz="914400">
@@ -2698,10 +2801,6 @@
               </a:rPr>
               <a:t>셋째 수준</a:t>
             </a:r>
-            <a:endParaRPr lang="en-US" altLang="ko-KR" sz="1500" b="0">
-              <a:latin typeface="맑은 고딕"/>
-              <a:ea typeface="맑은 고딕"/>
-            </a:endParaRPr>
           </a:p>
           <a:p>
             <a:pPr marL="1543050" indent="-171450" algn="l" defTabSz="914400">
@@ -2728,10 +2827,6 @@
               </a:rPr>
               <a:t>넷째 수준</a:t>
             </a:r>
-            <a:endParaRPr lang="en-US" altLang="ko-KR" sz="1350" b="0">
-              <a:latin typeface="맑은 고딕"/>
-              <a:ea typeface="맑은 고딕"/>
-            </a:endParaRPr>
           </a:p>
           <a:p>
             <a:pPr marL="2000250" indent="-171450" algn="l" defTabSz="914400">
@@ -2772,7 +2867,7 @@
             <a:spLocks noGrp="1"/>
           </p:cNvSpPr>
           <p:nvPr>
-            <p:ph type="dt" idx="0"/>
+            <p:ph type="dt"/>
           </p:nvPr>
         </p:nvSpPr>
         <p:spPr>
@@ -2826,7 +2921,7 @@
                 <a:buNone/>
                 <a:defRPr lang="ko-KR" altLang="en-US"/>
               </a:pPr>
-              <a:t>2018-12-27</a:t>
+              <a:t>2018-12-28</a:t>
             </a:fld>
             <a:endParaRPr lang="ko-KR" altLang="en-US" sz="900" b="0">
               <a:solidFill>
@@ -2847,7 +2942,7 @@
             <a:spLocks noGrp="1"/>
           </p:cNvSpPr>
           <p:nvPr>
-            <p:ph type="ftr" idx="0"/>
+            <p:ph type="ftr"/>
           </p:nvPr>
         </p:nvSpPr>
         <p:spPr>
@@ -2878,18 +2973,6 @@
               <a:buNone/>
               <a:defRPr lang="ko-KR" altLang="en-US"/>
             </a:pPr>
-            <a:r>
-              <a:rPr lang="ko-KR" altLang="en-US" sz="900" b="0">
-                <a:solidFill>
-                  <a:schemeClr val="tx1">
-                    <a:tint val="75000"/>
-                  </a:schemeClr>
-                </a:solidFill>
-                <a:latin typeface="맑은 고딕"/>
-                <a:ea typeface="맑은 고딕"/>
-              </a:rPr>
-              <a:t/>
-            </a:r>
             <a:endParaRPr lang="ko-KR" altLang="en-US" sz="900" b="0">
               <a:solidFill>
                 <a:schemeClr val="tx1">
@@ -2909,7 +2992,7 @@
             <a:spLocks noGrp="1"/>
           </p:cNvSpPr>
           <p:nvPr>
-            <p:ph type="sldNum" idx="0"/>
+            <p:ph type="sldNum"/>
           </p:nvPr>
         </p:nvSpPr>
         <p:spPr>
@@ -2986,7 +3069,7 @@
 </file>
 
 <file path=ppt/slideLayouts/slideLayout16.xml><?xml version="1.0" encoding="utf-8"?>
-<p:sldLayout xmlns:r="http://schemas.openxmlformats.org/officeDocument/2006/relationships" xmlns:c="http://schemas.openxmlformats.org/drawingml/2006/chart" xmlns:a="http://schemas.openxmlformats.org/drawingml/2006/main" xmlns:dgm="http://schemas.openxmlformats.org/drawingml/2006/diagram" xmlns:dsp="http://schemas.microsoft.com/office/drawing/2008/diagram" xmlns:p="http://schemas.openxmlformats.org/presentationml/2006/main" showMasterPhAnim="1" matchingName="비교" type="twoTxTwoObj">
+<p:sldLayout xmlns:a="http://schemas.openxmlformats.org/drawingml/2006/main" xmlns:r="http://schemas.openxmlformats.org/officeDocument/2006/relationships" xmlns:p="http://schemas.openxmlformats.org/presentationml/2006/main" matchingName="비교" type="twoTxTwoObj">
   <p:cSld name="비교">
     <p:spTree>
       <p:nvGrpSpPr>
@@ -3009,7 +3092,7 @@
             <a:spLocks noGrp="1"/>
           </p:cNvSpPr>
           <p:nvPr>
-            <p:ph type="title" idx="0"/>
+            <p:ph type="title"/>
           </p:nvPr>
         </p:nvSpPr>
         <p:spPr>
@@ -3023,7 +3106,7 @@
         </p:spPr>
         <p:txBody>
           <a:bodyPr vert="horz" wrap="square" lIns="91440" tIns="45720" rIns="91440" bIns="45720" anchor="ctr">
-            <a:normAutofit lnSpcReduction="0"/>
+            <a:normAutofit/>
           </a:bodyPr>
           <a:lstStyle/>
           <a:p>
@@ -3061,7 +3144,7 @@
             <a:spLocks noGrp="1"/>
           </p:cNvSpPr>
           <p:nvPr>
-            <p:ph type="body" idx="0"/>
+            <p:ph type="body"/>
           </p:nvPr>
         </p:nvSpPr>
         <p:spPr>
@@ -3075,7 +3158,7 @@
         </p:spPr>
         <p:txBody>
           <a:bodyPr vert="horz" wrap="square" lIns="91440" tIns="45720" rIns="91440" bIns="45720" anchor="b">
-            <a:normAutofit lnSpcReduction="0"/>
+            <a:normAutofit/>
           </a:bodyPr>
           <a:lstStyle/>
           <a:p>
@@ -3113,7 +3196,7 @@
             <a:spLocks noGrp="1"/>
           </p:cNvSpPr>
           <p:nvPr>
-            <p:ph idx="0"/>
+            <p:ph/>
           </p:nvPr>
         </p:nvSpPr>
         <p:spPr>
@@ -3127,7 +3210,7 @@
         </p:spPr>
         <p:txBody>
           <a:bodyPr vert="horz" wrap="square" lIns="91440" tIns="45720" rIns="91440" bIns="45720" anchor="t">
-            <a:normAutofit lnSpcReduction="0"/>
+            <a:normAutofit/>
           </a:bodyPr>
           <a:lstStyle/>
           <a:p>
@@ -3155,10 +3238,6 @@
               </a:rPr>
               <a:t>마스터 텍스트 스타일을 편집합니다</a:t>
             </a:r>
-            <a:endParaRPr lang="en-US" altLang="ko-KR" sz="2100" b="0">
-              <a:latin typeface="맑은 고딕"/>
-              <a:ea typeface="맑은 고딕"/>
-            </a:endParaRPr>
           </a:p>
           <a:p>
             <a:pPr marL="628650" indent="-171450" algn="l" defTabSz="914400">
@@ -3185,10 +3264,6 @@
               </a:rPr>
               <a:t>둘째 수준</a:t>
             </a:r>
-            <a:endParaRPr lang="en-US" altLang="ko-KR" sz="1800" b="0">
-              <a:latin typeface="맑은 고딕"/>
-              <a:ea typeface="맑은 고딕"/>
-            </a:endParaRPr>
           </a:p>
           <a:p>
             <a:pPr marL="1085850" indent="-171450" algn="l" defTabSz="914400">
@@ -3215,10 +3290,6 @@
               </a:rPr>
               <a:t>셋째 수준</a:t>
             </a:r>
-            <a:endParaRPr lang="en-US" altLang="ko-KR" sz="1500" b="0">
-              <a:latin typeface="맑은 고딕"/>
-              <a:ea typeface="맑은 고딕"/>
-            </a:endParaRPr>
           </a:p>
           <a:p>
             <a:pPr marL="1543050" indent="-171450" algn="l" defTabSz="914400">
@@ -3245,10 +3316,6 @@
               </a:rPr>
               <a:t>넷째 수준</a:t>
             </a:r>
-            <a:endParaRPr lang="en-US" altLang="ko-KR" sz="1350" b="0">
-              <a:latin typeface="맑은 고딕"/>
-              <a:ea typeface="맑은 고딕"/>
-            </a:endParaRPr>
           </a:p>
           <a:p>
             <a:pPr marL="2000250" indent="-171450" algn="l" defTabSz="914400">
@@ -3289,7 +3356,7 @@
             <a:spLocks noGrp="1"/>
           </p:cNvSpPr>
           <p:nvPr>
-            <p:ph type="body" idx="0"/>
+            <p:ph type="body"/>
           </p:nvPr>
         </p:nvSpPr>
         <p:spPr>
@@ -3303,7 +3370,7 @@
         </p:spPr>
         <p:txBody>
           <a:bodyPr vert="horz" wrap="square" lIns="91440" tIns="45720" rIns="91440" bIns="45720" anchor="b">
-            <a:normAutofit lnSpcReduction="0"/>
+            <a:normAutofit/>
           </a:bodyPr>
           <a:lstStyle/>
           <a:p>
@@ -3341,7 +3408,7 @@
             <a:spLocks noGrp="1"/>
           </p:cNvSpPr>
           <p:nvPr>
-            <p:ph idx="0"/>
+            <p:ph/>
           </p:nvPr>
         </p:nvSpPr>
         <p:spPr>
@@ -3355,7 +3422,7 @@
         </p:spPr>
         <p:txBody>
           <a:bodyPr vert="horz" wrap="square" lIns="91440" tIns="45720" rIns="91440" bIns="45720" anchor="t">
-            <a:normAutofit lnSpcReduction="0"/>
+            <a:normAutofit/>
           </a:bodyPr>
           <a:lstStyle/>
           <a:p>
@@ -3383,10 +3450,6 @@
               </a:rPr>
               <a:t>마스터 텍스트 스타일을 편집합니다</a:t>
             </a:r>
-            <a:endParaRPr lang="en-US" altLang="ko-KR" sz="2100" b="0">
-              <a:latin typeface="맑은 고딕"/>
-              <a:ea typeface="맑은 고딕"/>
-            </a:endParaRPr>
           </a:p>
           <a:p>
             <a:pPr marL="628650" indent="-171450" algn="l" defTabSz="914400">
@@ -3413,10 +3476,6 @@
               </a:rPr>
               <a:t>둘째 수준</a:t>
             </a:r>
-            <a:endParaRPr lang="en-US" altLang="ko-KR" sz="1800" b="0">
-              <a:latin typeface="맑은 고딕"/>
-              <a:ea typeface="맑은 고딕"/>
-            </a:endParaRPr>
           </a:p>
           <a:p>
             <a:pPr marL="1085850" indent="-171450" algn="l" defTabSz="914400">
@@ -3443,10 +3502,6 @@
               </a:rPr>
               <a:t>셋째 수준</a:t>
             </a:r>
-            <a:endParaRPr lang="en-US" altLang="ko-KR" sz="1500" b="0">
-              <a:latin typeface="맑은 고딕"/>
-              <a:ea typeface="맑은 고딕"/>
-            </a:endParaRPr>
           </a:p>
           <a:p>
             <a:pPr marL="1543050" indent="-171450" algn="l" defTabSz="914400">
@@ -3473,10 +3528,6 @@
               </a:rPr>
               <a:t>넷째 수준</a:t>
             </a:r>
-            <a:endParaRPr lang="en-US" altLang="ko-KR" sz="1350" b="0">
-              <a:latin typeface="맑은 고딕"/>
-              <a:ea typeface="맑은 고딕"/>
-            </a:endParaRPr>
           </a:p>
           <a:p>
             <a:pPr marL="2000250" indent="-171450" algn="l" defTabSz="914400">
@@ -3517,7 +3568,7 @@
             <a:spLocks noGrp="1"/>
           </p:cNvSpPr>
           <p:nvPr>
-            <p:ph type="dt" idx="0"/>
+            <p:ph type="dt"/>
           </p:nvPr>
         </p:nvSpPr>
         <p:spPr>
@@ -3571,7 +3622,7 @@
                 <a:buNone/>
                 <a:defRPr lang="ko-KR" altLang="en-US"/>
               </a:pPr>
-              <a:t>2018-12-27</a:t>
+              <a:t>2018-12-28</a:t>
             </a:fld>
             <a:endParaRPr lang="ko-KR" altLang="en-US" sz="900" b="0">
               <a:solidFill>
@@ -3592,7 +3643,7 @@
             <a:spLocks noGrp="1"/>
           </p:cNvSpPr>
           <p:nvPr>
-            <p:ph type="ftr" idx="0"/>
+            <p:ph type="ftr"/>
           </p:nvPr>
         </p:nvSpPr>
         <p:spPr>
@@ -3623,18 +3674,6 @@
               <a:buNone/>
               <a:defRPr lang="ko-KR" altLang="en-US"/>
             </a:pPr>
-            <a:r>
-              <a:rPr lang="ko-KR" altLang="en-US" sz="900" b="0">
-                <a:solidFill>
-                  <a:schemeClr val="tx1">
-                    <a:tint val="75000"/>
-                  </a:schemeClr>
-                </a:solidFill>
-                <a:latin typeface="맑은 고딕"/>
-                <a:ea typeface="맑은 고딕"/>
-              </a:rPr>
-              <a:t/>
-            </a:r>
             <a:endParaRPr lang="ko-KR" altLang="en-US" sz="900" b="0">
               <a:solidFill>
                 <a:schemeClr val="tx1">
@@ -3654,7 +3693,7 @@
             <a:spLocks noGrp="1"/>
           </p:cNvSpPr>
           <p:nvPr>
-            <p:ph type="sldNum" idx="0"/>
+            <p:ph type="sldNum"/>
           </p:nvPr>
         </p:nvSpPr>
         <p:spPr>
@@ -3731,7 +3770,7 @@
 </file>
 
 <file path=ppt/slideLayouts/slideLayout17.xml><?xml version="1.0" encoding="utf-8"?>
-<p:sldLayout xmlns:r="http://schemas.openxmlformats.org/officeDocument/2006/relationships" xmlns:c="http://schemas.openxmlformats.org/drawingml/2006/chart" xmlns:a="http://schemas.openxmlformats.org/drawingml/2006/main" xmlns:dgm="http://schemas.openxmlformats.org/drawingml/2006/diagram" xmlns:dsp="http://schemas.microsoft.com/office/drawing/2008/diagram" xmlns:p="http://schemas.openxmlformats.org/presentationml/2006/main" showMasterPhAnim="1" matchingName="제목만" type="titleOnly">
+<p:sldLayout xmlns:a="http://schemas.openxmlformats.org/drawingml/2006/main" xmlns:r="http://schemas.openxmlformats.org/officeDocument/2006/relationships" xmlns:p="http://schemas.openxmlformats.org/presentationml/2006/main" matchingName="제목만" type="titleOnly">
   <p:cSld name="제목만">
     <p:spTree>
       <p:nvGrpSpPr>
@@ -3754,7 +3793,7 @@
             <a:spLocks noGrp="1"/>
           </p:cNvSpPr>
           <p:nvPr>
-            <p:ph type="title" idx="0"/>
+            <p:ph type="title"/>
           </p:nvPr>
         </p:nvSpPr>
         <p:spPr>
@@ -3768,7 +3807,7 @@
         </p:spPr>
         <p:txBody>
           <a:bodyPr vert="horz" wrap="square" lIns="91440" tIns="45720" rIns="91440" bIns="45720" anchor="ctr">
-            <a:normAutofit lnSpcReduction="0"/>
+            <a:normAutofit/>
           </a:bodyPr>
           <a:lstStyle/>
           <a:p>
@@ -3806,7 +3845,7 @@
             <a:spLocks noGrp="1"/>
           </p:cNvSpPr>
           <p:nvPr>
-            <p:ph type="dt" idx="0"/>
+            <p:ph type="dt"/>
           </p:nvPr>
         </p:nvSpPr>
         <p:spPr>
@@ -3860,7 +3899,7 @@
                 <a:buNone/>
                 <a:defRPr lang="ko-KR" altLang="en-US"/>
               </a:pPr>
-              <a:t>2018-12-27</a:t>
+              <a:t>2018-12-28</a:t>
             </a:fld>
             <a:endParaRPr lang="ko-KR" altLang="en-US" sz="900" b="0">
               <a:solidFill>
@@ -3881,7 +3920,7 @@
             <a:spLocks noGrp="1"/>
           </p:cNvSpPr>
           <p:nvPr>
-            <p:ph type="ftr" idx="0"/>
+            <p:ph type="ftr"/>
           </p:nvPr>
         </p:nvSpPr>
         <p:spPr>
@@ -3912,18 +3951,6 @@
               <a:buNone/>
               <a:defRPr lang="ko-KR" altLang="en-US"/>
             </a:pPr>
-            <a:r>
-              <a:rPr lang="ko-KR" altLang="en-US" sz="900" b="0">
-                <a:solidFill>
-                  <a:schemeClr val="tx1">
-                    <a:tint val="75000"/>
-                  </a:schemeClr>
-                </a:solidFill>
-                <a:latin typeface="맑은 고딕"/>
-                <a:ea typeface="맑은 고딕"/>
-              </a:rPr>
-              <a:t/>
-            </a:r>
             <a:endParaRPr lang="ko-KR" altLang="en-US" sz="900" b="0">
               <a:solidFill>
                 <a:schemeClr val="tx1">
@@ -3943,7 +3970,7 @@
             <a:spLocks noGrp="1"/>
           </p:cNvSpPr>
           <p:nvPr>
-            <p:ph type="sldNum" idx="0"/>
+            <p:ph type="sldNum"/>
           </p:nvPr>
         </p:nvSpPr>
         <p:spPr>
@@ -4020,7 +4047,7 @@
 </file>
 
 <file path=ppt/slideLayouts/slideLayout18.xml><?xml version="1.0" encoding="utf-8"?>
-<p:sldLayout xmlns:r="http://schemas.openxmlformats.org/officeDocument/2006/relationships" xmlns:c="http://schemas.openxmlformats.org/drawingml/2006/chart" xmlns:a="http://schemas.openxmlformats.org/drawingml/2006/main" xmlns:dgm="http://schemas.openxmlformats.org/drawingml/2006/diagram" xmlns:dsp="http://schemas.microsoft.com/office/drawing/2008/diagram" xmlns:p="http://schemas.openxmlformats.org/presentationml/2006/main" showMasterPhAnim="1" matchingName="빈 화면" type="blank">
+<p:sldLayout xmlns:a="http://schemas.openxmlformats.org/drawingml/2006/main" xmlns:r="http://schemas.openxmlformats.org/officeDocument/2006/relationships" xmlns:p="http://schemas.openxmlformats.org/presentationml/2006/main" matchingName="빈 화면" type="blank">
   <p:cSld name="빈 화면">
     <p:spTree>
       <p:nvGrpSpPr>
@@ -4043,7 +4070,7 @@
             <a:spLocks noGrp="1"/>
           </p:cNvSpPr>
           <p:nvPr>
-            <p:ph type="dt" idx="0"/>
+            <p:ph type="dt"/>
           </p:nvPr>
         </p:nvSpPr>
         <p:spPr>
@@ -4097,7 +4124,7 @@
                 <a:buNone/>
                 <a:defRPr lang="ko-KR" altLang="en-US"/>
               </a:pPr>
-              <a:t>2018-12-27</a:t>
+              <a:t>2018-12-28</a:t>
             </a:fld>
             <a:endParaRPr lang="ko-KR" altLang="en-US" sz="900" b="0">
               <a:solidFill>
@@ -4118,7 +4145,7 @@
             <a:spLocks noGrp="1"/>
           </p:cNvSpPr>
           <p:nvPr>
-            <p:ph type="ftr" idx="0"/>
+            <p:ph type="ftr"/>
           </p:nvPr>
         </p:nvSpPr>
         <p:spPr>
@@ -4149,18 +4176,6 @@
               <a:buNone/>
               <a:defRPr lang="ko-KR" altLang="en-US"/>
             </a:pPr>
-            <a:r>
-              <a:rPr lang="ko-KR" altLang="en-US" sz="900" b="0">
-                <a:solidFill>
-                  <a:schemeClr val="tx1">
-                    <a:tint val="75000"/>
-                  </a:schemeClr>
-                </a:solidFill>
-                <a:latin typeface="맑은 고딕"/>
-                <a:ea typeface="맑은 고딕"/>
-              </a:rPr>
-              <a:t/>
-            </a:r>
             <a:endParaRPr lang="ko-KR" altLang="en-US" sz="900" b="0">
               <a:solidFill>
                 <a:schemeClr val="tx1">
@@ -4180,7 +4195,7 @@
             <a:spLocks noGrp="1"/>
           </p:cNvSpPr>
           <p:nvPr>
-            <p:ph type="sldNum" idx="0"/>
+            <p:ph type="sldNum"/>
           </p:nvPr>
         </p:nvSpPr>
         <p:spPr>
@@ -4257,7 +4272,7 @@
 </file>
 
 <file path=ppt/slideLayouts/slideLayout19.xml><?xml version="1.0" encoding="utf-8"?>
-<p:sldLayout xmlns:r="http://schemas.openxmlformats.org/officeDocument/2006/relationships" xmlns:c="http://schemas.openxmlformats.org/drawingml/2006/chart" xmlns:a="http://schemas.openxmlformats.org/drawingml/2006/main" xmlns:dgm="http://schemas.openxmlformats.org/drawingml/2006/diagram" xmlns:dsp="http://schemas.microsoft.com/office/drawing/2008/diagram" xmlns:p="http://schemas.openxmlformats.org/presentationml/2006/main" showMasterPhAnim="1" matchingName="캡션 있는 콘텐츠" type="objTx">
+<p:sldLayout xmlns:a="http://schemas.openxmlformats.org/drawingml/2006/main" xmlns:r="http://schemas.openxmlformats.org/officeDocument/2006/relationships" xmlns:p="http://schemas.openxmlformats.org/presentationml/2006/main" matchingName="캡션 있는 콘텐츠" type="objTx">
   <p:cSld name="캡션 있는 콘텐츠">
     <p:spTree>
       <p:nvGrpSpPr>
@@ -4280,7 +4295,7 @@
             <a:spLocks noGrp="1"/>
           </p:cNvSpPr>
           <p:nvPr>
-            <p:ph type="title" idx="0"/>
+            <p:ph type="title"/>
           </p:nvPr>
         </p:nvSpPr>
         <p:spPr>
@@ -4294,7 +4309,7 @@
         </p:spPr>
         <p:txBody>
           <a:bodyPr vert="horz" wrap="square" lIns="91440" tIns="45720" rIns="91440" bIns="45720" anchor="b">
-            <a:normAutofit lnSpcReduction="0"/>
+            <a:normAutofit/>
           </a:bodyPr>
           <a:lstStyle/>
           <a:p>
@@ -4332,7 +4347,7 @@
             <a:spLocks noGrp="1"/>
           </p:cNvSpPr>
           <p:nvPr>
-            <p:ph idx="0"/>
+            <p:ph/>
           </p:nvPr>
         </p:nvSpPr>
         <p:spPr>
@@ -4346,7 +4361,7 @@
         </p:spPr>
         <p:txBody>
           <a:bodyPr vert="horz" wrap="square" lIns="91440" tIns="45720" rIns="91440" bIns="45720" anchor="t">
-            <a:normAutofit lnSpcReduction="0"/>
+            <a:normAutofit/>
           </a:bodyPr>
           <a:lstStyle/>
           <a:p>
@@ -4374,10 +4389,6 @@
               </a:rPr>
               <a:t>마스터 텍스트 스타일을 편집합니다</a:t>
             </a:r>
-            <a:endParaRPr lang="en-US" altLang="ko-KR" sz="2400" b="0">
-              <a:latin typeface="맑은 고딕"/>
-              <a:ea typeface="맑은 고딕"/>
-            </a:endParaRPr>
           </a:p>
           <a:p>
             <a:pPr marL="628650" indent="-171450" algn="l" defTabSz="914400">
@@ -4404,10 +4415,6 @@
               </a:rPr>
               <a:t>둘째 수준</a:t>
             </a:r>
-            <a:endParaRPr lang="en-US" altLang="ko-KR" sz="2100" b="0">
-              <a:latin typeface="맑은 고딕"/>
-              <a:ea typeface="맑은 고딕"/>
-            </a:endParaRPr>
           </a:p>
           <a:p>
             <a:pPr marL="1085850" indent="-171450" algn="l" defTabSz="914400">
@@ -4434,10 +4441,6 @@
               </a:rPr>
               <a:t>셋째 수준</a:t>
             </a:r>
-            <a:endParaRPr lang="en-US" altLang="ko-KR" sz="1800" b="0">
-              <a:latin typeface="맑은 고딕"/>
-              <a:ea typeface="맑은 고딕"/>
-            </a:endParaRPr>
           </a:p>
           <a:p>
             <a:pPr marL="1543050" indent="-171450" algn="l" defTabSz="914400">
@@ -4464,10 +4467,6 @@
               </a:rPr>
               <a:t>넷째 수준</a:t>
             </a:r>
-            <a:endParaRPr lang="en-US" altLang="ko-KR" sz="1500" b="0">
-              <a:latin typeface="맑은 고딕"/>
-              <a:ea typeface="맑은 고딕"/>
-            </a:endParaRPr>
           </a:p>
           <a:p>
             <a:pPr marL="2000250" indent="-171450" algn="l" defTabSz="914400">
@@ -4508,7 +4507,7 @@
             <a:spLocks noGrp="1"/>
           </p:cNvSpPr>
           <p:nvPr>
-            <p:ph type="body" idx="0"/>
+            <p:ph type="body"/>
           </p:nvPr>
         </p:nvSpPr>
         <p:spPr>
@@ -4522,7 +4521,7 @@
         </p:spPr>
         <p:txBody>
           <a:bodyPr vert="horz" wrap="square" lIns="91440" tIns="45720" rIns="91440" bIns="45720" anchor="t">
-            <a:normAutofit lnSpcReduction="0"/>
+            <a:normAutofit/>
           </a:bodyPr>
           <a:lstStyle/>
           <a:p>
@@ -4560,7 +4559,7 @@
             <a:spLocks noGrp="1"/>
           </p:cNvSpPr>
           <p:nvPr>
-            <p:ph type="dt" idx="0"/>
+            <p:ph type="dt"/>
           </p:nvPr>
         </p:nvSpPr>
         <p:spPr>
@@ -4614,7 +4613,7 @@
                 <a:buNone/>
                 <a:defRPr lang="ko-KR" altLang="en-US"/>
               </a:pPr>
-              <a:t>2018-12-27</a:t>
+              <a:t>2018-12-28</a:t>
             </a:fld>
             <a:endParaRPr lang="ko-KR" altLang="en-US" sz="900" b="0">
               <a:solidFill>
@@ -4635,7 +4634,7 @@
             <a:spLocks noGrp="1"/>
           </p:cNvSpPr>
           <p:nvPr>
-            <p:ph type="ftr" idx="0"/>
+            <p:ph type="ftr"/>
           </p:nvPr>
         </p:nvSpPr>
         <p:spPr>
@@ -4666,18 +4665,6 @@
               <a:buNone/>
               <a:defRPr lang="ko-KR" altLang="en-US"/>
             </a:pPr>
-            <a:r>
-              <a:rPr lang="ko-KR" altLang="en-US" sz="900" b="0">
-                <a:solidFill>
-                  <a:schemeClr val="tx1">
-                    <a:tint val="75000"/>
-                  </a:schemeClr>
-                </a:solidFill>
-                <a:latin typeface="맑은 고딕"/>
-                <a:ea typeface="맑은 고딕"/>
-              </a:rPr>
-              <a:t/>
-            </a:r>
             <a:endParaRPr lang="ko-KR" altLang="en-US" sz="900" b="0">
               <a:solidFill>
                 <a:schemeClr val="tx1">
@@ -4697,7 +4684,7 @@
             <a:spLocks noGrp="1"/>
           </p:cNvSpPr>
           <p:nvPr>
-            <p:ph type="sldNum" idx="0"/>
+            <p:ph type="sldNum"/>
           </p:nvPr>
         </p:nvSpPr>
         <p:spPr>
@@ -4774,7 +4761,7 @@
 </file>
 
 <file path=ppt/slideLayouts/slideLayout2.xml><?xml version="1.0" encoding="utf-8"?>
-<p:sldLayout xmlns:r="http://schemas.openxmlformats.org/officeDocument/2006/relationships" xmlns:c="http://schemas.openxmlformats.org/drawingml/2006/chart" xmlns:a="http://schemas.openxmlformats.org/drawingml/2006/main" xmlns:dgm="http://schemas.openxmlformats.org/drawingml/2006/diagram" xmlns:dsp="http://schemas.microsoft.com/office/drawing/2008/diagram" xmlns:p="http://schemas.openxmlformats.org/presentationml/2006/main" showMasterPhAnim="1" matchingName="제목 및 내용" type="obj" preserve="1">
+<p:sldLayout xmlns:a="http://schemas.openxmlformats.org/drawingml/2006/main" xmlns:r="http://schemas.openxmlformats.org/officeDocument/2006/relationships" xmlns:p="http://schemas.openxmlformats.org/presentationml/2006/main" matchingName="제목 및 내용" type="obj" preserve="1">
   <p:cSld name="제목 및 내용">
     <p:spTree>
       <p:nvGrpSpPr>
@@ -4797,7 +4784,7 @@
             <a:spLocks noGrp="1"/>
           </p:cNvSpPr>
           <p:nvPr>
-            <p:ph type="title" idx="0"/>
+            <p:ph type="title"/>
           </p:nvPr>
         </p:nvSpPr>
         <p:spPr/>
@@ -4812,7 +4799,6 @@
               <a:rPr lang="ko-KR" altLang="en-US"/>
               <a:t>마스터 제목 스타일 편집</a:t>
             </a:r>
-            <a:endParaRPr lang="ko-KR" altLang="en-US"/>
           </a:p>
         </p:txBody>
       </p:sp>
@@ -4838,7 +4824,6 @@
               <a:rPr lang="ko-KR" altLang="en-US"/>
               <a:t>마스터 텍스트 스타일을 편집합니다</a:t>
             </a:r>
-            <a:endParaRPr lang="ko-KR" altLang="en-US"/>
           </a:p>
           <a:p>
             <a:pPr lvl="1">
@@ -4848,7 +4833,6 @@
               <a:rPr lang="ko-KR" altLang="en-US"/>
               <a:t>둘째 수준</a:t>
             </a:r>
-            <a:endParaRPr lang="ko-KR" altLang="en-US"/>
           </a:p>
           <a:p>
             <a:pPr lvl="2">
@@ -4858,7 +4842,6 @@
               <a:rPr lang="ko-KR" altLang="en-US"/>
               <a:t>셋째 수준</a:t>
             </a:r>
-            <a:endParaRPr lang="ko-KR" altLang="en-US"/>
           </a:p>
           <a:p>
             <a:pPr lvl="3">
@@ -4868,7 +4851,6 @@
               <a:rPr lang="ko-KR" altLang="en-US"/>
               <a:t>넷째 수준</a:t>
             </a:r>
-            <a:endParaRPr lang="ko-KR" altLang="en-US"/>
           </a:p>
           <a:p>
             <a:pPr lvl="4">
@@ -4878,7 +4860,6 @@
               <a:rPr lang="ko-KR" altLang="en-US"/>
               <a:t>다섯째 수준</a:t>
             </a:r>
-            <a:endParaRPr lang="ko-KR" altLang="en-US"/>
           </a:p>
         </p:txBody>
       </p:sp>
@@ -4905,7 +4886,7 @@
               <a:pPr lvl="0">
                 <a:defRPr lang="ko-KR" altLang="en-US"/>
               </a:pPr>
-              <a:t>2018-12-27</a:t>
+              <a:t>2018-12-28</a:t>
             </a:fld>
             <a:endParaRPr lang="ko-KR" altLang="en-US"/>
           </a:p>
@@ -4929,10 +4910,6 @@
             <a:pPr lvl="0">
               <a:defRPr lang="ko-KR" altLang="en-US"/>
             </a:pPr>
-            <a:r>
-              <a:rPr lang="ko-KR" altLang="en-US"/>
-              <a:t/>
-            </a:r>
             <a:endParaRPr lang="ko-KR" altLang="en-US"/>
           </a:p>
         </p:txBody>
@@ -4975,7 +4952,7 @@
 </file>
 
 <file path=ppt/slideLayouts/slideLayout20.xml><?xml version="1.0" encoding="utf-8"?>
-<p:sldLayout xmlns:r="http://schemas.openxmlformats.org/officeDocument/2006/relationships" xmlns:c="http://schemas.openxmlformats.org/drawingml/2006/chart" xmlns:a="http://schemas.openxmlformats.org/drawingml/2006/main" xmlns:dgm="http://schemas.openxmlformats.org/drawingml/2006/diagram" xmlns:dsp="http://schemas.microsoft.com/office/drawing/2008/diagram" xmlns:p="http://schemas.openxmlformats.org/presentationml/2006/main" showMasterPhAnim="1" matchingName="캡션 있는 그림" type="picTx">
+<p:sldLayout xmlns:a="http://schemas.openxmlformats.org/drawingml/2006/main" xmlns:r="http://schemas.openxmlformats.org/officeDocument/2006/relationships" xmlns:p="http://schemas.openxmlformats.org/presentationml/2006/main" matchingName="캡션 있는 그림" type="picTx">
   <p:cSld name="캡션 있는 그림">
     <p:spTree>
       <p:nvGrpSpPr>
@@ -4998,7 +4975,7 @@
             <a:spLocks noGrp="1"/>
           </p:cNvSpPr>
           <p:nvPr>
-            <p:ph type="title" idx="0"/>
+            <p:ph type="title"/>
           </p:nvPr>
         </p:nvSpPr>
         <p:spPr>
@@ -5012,7 +4989,7 @@
         </p:spPr>
         <p:txBody>
           <a:bodyPr vert="horz" wrap="square" lIns="91440" tIns="45720" rIns="91440" bIns="45720" anchor="b">
-            <a:normAutofit lnSpcReduction="0"/>
+            <a:normAutofit/>
           </a:bodyPr>
           <a:lstStyle/>
           <a:p>
@@ -5050,7 +5027,7 @@
             <a:spLocks noGrp="1" noTextEdit="1"/>
           </p:cNvSpPr>
           <p:nvPr>
-            <p:ph type="pic" idx="0"/>
+            <p:ph type="pic"/>
           </p:nvPr>
         </p:nvSpPr>
         <p:spPr>
@@ -5064,7 +5041,7 @@
         </p:spPr>
         <p:txBody>
           <a:bodyPr vert="horz" wrap="square" lIns="91440" tIns="45720" rIns="91440" bIns="45720" anchor="t">
-            <a:normAutofit lnSpcReduction="0"/>
+            <a:normAutofit/>
           </a:bodyPr>
           <a:lstStyle/>
           <a:p>
@@ -5081,13 +5058,6 @@
               <a:buNone/>
               <a:defRPr lang="ko-KR" altLang="en-US"/>
             </a:pPr>
-            <a:r>
-              <a:rPr lang="ko-KR" altLang="en-US" sz="2000" b="0">
-                <a:latin typeface="맑은 고딕"/>
-                <a:ea typeface="맑은 고딕"/>
-              </a:rPr>
-              <a:t/>
-            </a:r>
             <a:endParaRPr lang="ko-KR" altLang="en-US" sz="2000" b="0">
               <a:latin typeface="맑은 고딕"/>
               <a:ea typeface="맑은 고딕"/>
@@ -5102,7 +5072,7 @@
             <a:spLocks noGrp="1"/>
           </p:cNvSpPr>
           <p:nvPr>
-            <p:ph type="body" idx="0"/>
+            <p:ph type="body"/>
           </p:nvPr>
         </p:nvSpPr>
         <p:spPr>
@@ -5116,7 +5086,7 @@
         </p:spPr>
         <p:txBody>
           <a:bodyPr vert="horz" wrap="square" lIns="91440" tIns="45720" rIns="91440" bIns="45720" anchor="t">
-            <a:normAutofit lnSpcReduction="0"/>
+            <a:normAutofit/>
           </a:bodyPr>
           <a:lstStyle/>
           <a:p>
@@ -5154,7 +5124,7 @@
             <a:spLocks noGrp="1"/>
           </p:cNvSpPr>
           <p:nvPr>
-            <p:ph type="dt" idx="0"/>
+            <p:ph type="dt"/>
           </p:nvPr>
         </p:nvSpPr>
         <p:spPr>
@@ -5208,7 +5178,7 @@
                 <a:buNone/>
                 <a:defRPr lang="ko-KR" altLang="en-US"/>
               </a:pPr>
-              <a:t>2018-12-27</a:t>
+              <a:t>2018-12-28</a:t>
             </a:fld>
             <a:endParaRPr lang="ko-KR" altLang="en-US" sz="900" b="0">
               <a:solidFill>
@@ -5229,7 +5199,7 @@
             <a:spLocks noGrp="1"/>
           </p:cNvSpPr>
           <p:nvPr>
-            <p:ph type="ftr" idx="0"/>
+            <p:ph type="ftr"/>
           </p:nvPr>
         </p:nvSpPr>
         <p:spPr>
@@ -5260,18 +5230,6 @@
               <a:buNone/>
               <a:defRPr lang="ko-KR" altLang="en-US"/>
             </a:pPr>
-            <a:r>
-              <a:rPr lang="ko-KR" altLang="en-US" sz="900" b="0">
-                <a:solidFill>
-                  <a:schemeClr val="tx1">
-                    <a:tint val="75000"/>
-                  </a:schemeClr>
-                </a:solidFill>
-                <a:latin typeface="맑은 고딕"/>
-                <a:ea typeface="맑은 고딕"/>
-              </a:rPr>
-              <a:t/>
-            </a:r>
             <a:endParaRPr lang="ko-KR" altLang="en-US" sz="900" b="0">
               <a:solidFill>
                 <a:schemeClr val="tx1">
@@ -5291,7 +5249,7 @@
             <a:spLocks noGrp="1"/>
           </p:cNvSpPr>
           <p:nvPr>
-            <p:ph type="sldNum" idx="0"/>
+            <p:ph type="sldNum"/>
           </p:nvPr>
         </p:nvSpPr>
         <p:spPr>
@@ -5368,7 +5326,7 @@
 </file>
 
 <file path=ppt/slideLayouts/slideLayout21.xml><?xml version="1.0" encoding="utf-8"?>
-<p:sldLayout xmlns:r="http://schemas.openxmlformats.org/officeDocument/2006/relationships" xmlns:c="http://schemas.openxmlformats.org/drawingml/2006/chart" xmlns:a="http://schemas.openxmlformats.org/drawingml/2006/main" xmlns:dgm="http://schemas.openxmlformats.org/drawingml/2006/diagram" xmlns:dsp="http://schemas.microsoft.com/office/drawing/2008/diagram" xmlns:p="http://schemas.openxmlformats.org/presentationml/2006/main" showMasterPhAnim="1" matchingName="제목 및 세로 텍스트" type="vertTx">
+<p:sldLayout xmlns:a="http://schemas.openxmlformats.org/drawingml/2006/main" xmlns:r="http://schemas.openxmlformats.org/officeDocument/2006/relationships" xmlns:p="http://schemas.openxmlformats.org/presentationml/2006/main" matchingName="제목 및 세로 텍스트" type="vertTx">
   <p:cSld name="제목 및 세로 텍스트">
     <p:spTree>
       <p:nvGrpSpPr>
@@ -5391,7 +5349,7 @@
             <a:spLocks noGrp="1"/>
           </p:cNvSpPr>
           <p:nvPr>
-            <p:ph type="title" idx="0"/>
+            <p:ph type="title"/>
           </p:nvPr>
         </p:nvSpPr>
         <p:spPr>
@@ -5405,7 +5363,7 @@
         </p:spPr>
         <p:txBody>
           <a:bodyPr vert="horz" wrap="square" lIns="91440" tIns="45720" rIns="91440" bIns="45720" anchor="ctr">
-            <a:normAutofit lnSpcReduction="0"/>
+            <a:normAutofit/>
           </a:bodyPr>
           <a:lstStyle/>
           <a:p>
@@ -5443,7 +5401,7 @@
             <a:spLocks noGrp="1"/>
           </p:cNvSpPr>
           <p:nvPr>
-            <p:ph type="body" orient="vert" idx="0"/>
+            <p:ph type="body" orient="vert"/>
           </p:nvPr>
         </p:nvSpPr>
         <p:spPr>
@@ -5457,7 +5415,7 @@
         </p:spPr>
         <p:txBody>
           <a:bodyPr vert="eaVert" wrap="square" lIns="91440" tIns="45720" rIns="91440" bIns="45720" anchor="t">
-            <a:normAutofit lnSpcReduction="0"/>
+            <a:normAutofit/>
           </a:bodyPr>
           <a:lstStyle/>
           <a:p>
@@ -5485,10 +5443,6 @@
               </a:rPr>
               <a:t>마스터 텍스트 스타일을 편집합니다</a:t>
             </a:r>
-            <a:endParaRPr lang="en-US" altLang="ko-KR" sz="2100" b="0">
-              <a:latin typeface="맑은 고딕"/>
-              <a:ea typeface="맑은 고딕"/>
-            </a:endParaRPr>
           </a:p>
           <a:p>
             <a:pPr marL="628650" indent="-171450" algn="l" defTabSz="914400">
@@ -5515,10 +5469,6 @@
               </a:rPr>
               <a:t>둘째 수준</a:t>
             </a:r>
-            <a:endParaRPr lang="en-US" altLang="ko-KR" sz="1800" b="0">
-              <a:latin typeface="맑은 고딕"/>
-              <a:ea typeface="맑은 고딕"/>
-            </a:endParaRPr>
           </a:p>
           <a:p>
             <a:pPr marL="1085850" indent="-171450" algn="l" defTabSz="914400">
@@ -5545,10 +5495,6 @@
               </a:rPr>
               <a:t>셋째 수준</a:t>
             </a:r>
-            <a:endParaRPr lang="en-US" altLang="ko-KR" sz="1500" b="0">
-              <a:latin typeface="맑은 고딕"/>
-              <a:ea typeface="맑은 고딕"/>
-            </a:endParaRPr>
           </a:p>
           <a:p>
             <a:pPr marL="1543050" indent="-171450" algn="l" defTabSz="914400">
@@ -5575,10 +5521,6 @@
               </a:rPr>
               <a:t>넷째 수준</a:t>
             </a:r>
-            <a:endParaRPr lang="en-US" altLang="ko-KR" sz="1350" b="0">
-              <a:latin typeface="맑은 고딕"/>
-              <a:ea typeface="맑은 고딕"/>
-            </a:endParaRPr>
           </a:p>
           <a:p>
             <a:pPr marL="2000250" indent="-171450" algn="l" defTabSz="914400">
@@ -5619,7 +5561,7 @@
             <a:spLocks noGrp="1"/>
           </p:cNvSpPr>
           <p:nvPr>
-            <p:ph type="dt" idx="0"/>
+            <p:ph type="dt"/>
           </p:nvPr>
         </p:nvSpPr>
         <p:spPr>
@@ -5673,7 +5615,7 @@
                 <a:buNone/>
                 <a:defRPr lang="ko-KR" altLang="en-US"/>
               </a:pPr>
-              <a:t>2018-12-27</a:t>
+              <a:t>2018-12-28</a:t>
             </a:fld>
             <a:endParaRPr lang="ko-KR" altLang="en-US" sz="900" b="0">
               <a:solidFill>
@@ -5694,7 +5636,7 @@
             <a:spLocks noGrp="1"/>
           </p:cNvSpPr>
           <p:nvPr>
-            <p:ph type="ftr" idx="0"/>
+            <p:ph type="ftr"/>
           </p:nvPr>
         </p:nvSpPr>
         <p:spPr>
@@ -5725,18 +5667,6 @@
               <a:buNone/>
               <a:defRPr lang="ko-KR" altLang="en-US"/>
             </a:pPr>
-            <a:r>
-              <a:rPr lang="ko-KR" altLang="en-US" sz="900" b="0">
-                <a:solidFill>
-                  <a:schemeClr val="tx1">
-                    <a:tint val="75000"/>
-                  </a:schemeClr>
-                </a:solidFill>
-                <a:latin typeface="맑은 고딕"/>
-                <a:ea typeface="맑은 고딕"/>
-              </a:rPr>
-              <a:t/>
-            </a:r>
             <a:endParaRPr lang="ko-KR" altLang="en-US" sz="900" b="0">
               <a:solidFill>
                 <a:schemeClr val="tx1">
@@ -5756,7 +5686,7 @@
             <a:spLocks noGrp="1"/>
           </p:cNvSpPr>
           <p:nvPr>
-            <p:ph type="sldNum" idx="0"/>
+            <p:ph type="sldNum"/>
           </p:nvPr>
         </p:nvSpPr>
         <p:spPr>
@@ -5833,7 +5763,7 @@
 </file>
 
 <file path=ppt/slideLayouts/slideLayout22.xml><?xml version="1.0" encoding="utf-8"?>
-<p:sldLayout xmlns:r="http://schemas.openxmlformats.org/officeDocument/2006/relationships" xmlns:c="http://schemas.openxmlformats.org/drawingml/2006/chart" xmlns:a="http://schemas.openxmlformats.org/drawingml/2006/main" xmlns:dgm="http://schemas.openxmlformats.org/drawingml/2006/diagram" xmlns:dsp="http://schemas.microsoft.com/office/drawing/2008/diagram" xmlns:p="http://schemas.openxmlformats.org/presentationml/2006/main" showMasterPhAnim="1" matchingName="세로 제목 및 텍스트" type="vertTitleAndTx">
+<p:sldLayout xmlns:a="http://schemas.openxmlformats.org/drawingml/2006/main" xmlns:r="http://schemas.openxmlformats.org/officeDocument/2006/relationships" xmlns:p="http://schemas.openxmlformats.org/presentationml/2006/main" matchingName="세로 제목 및 텍스트" type="vertTitleAndTx">
   <p:cSld name="세로 제목 및 텍스트">
     <p:spTree>
       <p:nvGrpSpPr>
@@ -5856,7 +5786,7 @@
             <a:spLocks noGrp="1"/>
           </p:cNvSpPr>
           <p:nvPr>
-            <p:ph type="title" orient="vert" idx="0"/>
+            <p:ph type="title" orient="vert"/>
           </p:nvPr>
         </p:nvSpPr>
         <p:spPr>
@@ -5870,7 +5800,7 @@
         </p:spPr>
         <p:txBody>
           <a:bodyPr vert="eaVert" wrap="square" lIns="91440" tIns="45720" rIns="91440" bIns="45720" anchor="ctr">
-            <a:normAutofit lnSpcReduction="0"/>
+            <a:normAutofit/>
           </a:bodyPr>
           <a:lstStyle/>
           <a:p>
@@ -5908,7 +5838,7 @@
             <a:spLocks noGrp="1"/>
           </p:cNvSpPr>
           <p:nvPr>
-            <p:ph type="body" orient="vert" idx="0"/>
+            <p:ph type="body" orient="vert"/>
           </p:nvPr>
         </p:nvSpPr>
         <p:spPr>
@@ -5922,7 +5852,7 @@
         </p:spPr>
         <p:txBody>
           <a:bodyPr vert="eaVert" wrap="square" lIns="91440" tIns="45720" rIns="91440" bIns="45720" anchor="t">
-            <a:normAutofit lnSpcReduction="0"/>
+            <a:normAutofit/>
           </a:bodyPr>
           <a:lstStyle/>
           <a:p>
@@ -5950,10 +5880,6 @@
               </a:rPr>
               <a:t>마스터 텍스트 스타일을 편집합니다</a:t>
             </a:r>
-            <a:endParaRPr lang="en-US" altLang="ko-KR" sz="2100" b="0">
-              <a:latin typeface="맑은 고딕"/>
-              <a:ea typeface="맑은 고딕"/>
-            </a:endParaRPr>
           </a:p>
           <a:p>
             <a:pPr marL="628650" indent="-171450" algn="l" defTabSz="914400">
@@ -5980,10 +5906,6 @@
               </a:rPr>
               <a:t>둘째 수준</a:t>
             </a:r>
-            <a:endParaRPr lang="en-US" altLang="ko-KR" sz="1800" b="0">
-              <a:latin typeface="맑은 고딕"/>
-              <a:ea typeface="맑은 고딕"/>
-            </a:endParaRPr>
           </a:p>
           <a:p>
             <a:pPr marL="1085850" indent="-171450" algn="l" defTabSz="914400">
@@ -6010,10 +5932,6 @@
               </a:rPr>
               <a:t>셋째 수준</a:t>
             </a:r>
-            <a:endParaRPr lang="en-US" altLang="ko-KR" sz="1500" b="0">
-              <a:latin typeface="맑은 고딕"/>
-              <a:ea typeface="맑은 고딕"/>
-            </a:endParaRPr>
           </a:p>
           <a:p>
             <a:pPr marL="1543050" indent="-171450" algn="l" defTabSz="914400">
@@ -6040,10 +5958,6 @@
               </a:rPr>
               <a:t>넷째 수준</a:t>
             </a:r>
-            <a:endParaRPr lang="en-US" altLang="ko-KR" sz="1350" b="0">
-              <a:latin typeface="맑은 고딕"/>
-              <a:ea typeface="맑은 고딕"/>
-            </a:endParaRPr>
           </a:p>
           <a:p>
             <a:pPr marL="2000250" indent="-171450" algn="l" defTabSz="914400">
@@ -6084,7 +5998,7 @@
             <a:spLocks noGrp="1"/>
           </p:cNvSpPr>
           <p:nvPr>
-            <p:ph type="dt" idx="0"/>
+            <p:ph type="dt"/>
           </p:nvPr>
         </p:nvSpPr>
         <p:spPr>
@@ -6138,7 +6052,7 @@
                 <a:buNone/>
                 <a:defRPr lang="ko-KR" altLang="en-US"/>
               </a:pPr>
-              <a:t>2018-12-27</a:t>
+              <a:t>2018-12-28</a:t>
             </a:fld>
             <a:endParaRPr lang="ko-KR" altLang="en-US" sz="900" b="0">
               <a:solidFill>
@@ -6159,7 +6073,7 @@
             <a:spLocks noGrp="1"/>
           </p:cNvSpPr>
           <p:nvPr>
-            <p:ph type="ftr" idx="0"/>
+            <p:ph type="ftr"/>
           </p:nvPr>
         </p:nvSpPr>
         <p:spPr>
@@ -6190,18 +6104,6 @@
               <a:buNone/>
               <a:defRPr lang="ko-KR" altLang="en-US"/>
             </a:pPr>
-            <a:r>
-              <a:rPr lang="ko-KR" altLang="en-US" sz="900" b="0">
-                <a:solidFill>
-                  <a:schemeClr val="tx1">
-                    <a:tint val="75000"/>
-                  </a:schemeClr>
-                </a:solidFill>
-                <a:latin typeface="맑은 고딕"/>
-                <a:ea typeface="맑은 고딕"/>
-              </a:rPr>
-              <a:t/>
-            </a:r>
             <a:endParaRPr lang="ko-KR" altLang="en-US" sz="900" b="0">
               <a:solidFill>
                 <a:schemeClr val="tx1">
@@ -6221,7 +6123,7 @@
             <a:spLocks noGrp="1"/>
           </p:cNvSpPr>
           <p:nvPr>
-            <p:ph type="sldNum" idx="0"/>
+            <p:ph type="sldNum"/>
           </p:nvPr>
         </p:nvSpPr>
         <p:spPr>
@@ -6298,7 +6200,7 @@
 </file>
 
 <file path=ppt/slideLayouts/slideLayout3.xml><?xml version="1.0" encoding="utf-8"?>
-<p:sldLayout xmlns:r="http://schemas.openxmlformats.org/officeDocument/2006/relationships" xmlns:c="http://schemas.openxmlformats.org/drawingml/2006/chart" xmlns:a="http://schemas.openxmlformats.org/drawingml/2006/main" xmlns:dgm="http://schemas.openxmlformats.org/drawingml/2006/diagram" xmlns:dsp="http://schemas.microsoft.com/office/drawing/2008/diagram" xmlns:p="http://schemas.openxmlformats.org/presentationml/2006/main" showMasterPhAnim="1" matchingName="구역 머리글" type="secHead" preserve="1">
+<p:sldLayout xmlns:a="http://schemas.openxmlformats.org/drawingml/2006/main" xmlns:r="http://schemas.openxmlformats.org/officeDocument/2006/relationships" xmlns:p="http://schemas.openxmlformats.org/presentationml/2006/main" matchingName="구역 머리글" type="secHead" preserve="1">
   <p:cSld name="구역 머리글">
     <p:spTree>
       <p:nvGrpSpPr>
@@ -6321,7 +6223,7 @@
             <a:spLocks noGrp="1"/>
           </p:cNvSpPr>
           <p:nvPr>
-            <p:ph type="title" idx="0"/>
+            <p:ph type="title"/>
           </p:nvPr>
         </p:nvSpPr>
         <p:spPr>
@@ -6345,7 +6247,6 @@
               <a:rPr lang="ko-KR" altLang="en-US"/>
               <a:t>마스터 제목 스타일 편집</a:t>
             </a:r>
-            <a:endParaRPr lang="ko-KR" altLang="en-US"/>
           </a:p>
         </p:txBody>
       </p:sp>
@@ -6467,7 +6368,6 @@
               <a:rPr lang="ko-KR" altLang="en-US"/>
               <a:t>마스터 텍스트 스타일을 편집합니다</a:t>
             </a:r>
-            <a:endParaRPr lang="ko-KR" altLang="en-US"/>
           </a:p>
         </p:txBody>
       </p:sp>
@@ -6494,7 +6394,7 @@
               <a:pPr lvl="0">
                 <a:defRPr lang="ko-KR" altLang="en-US"/>
               </a:pPr>
-              <a:t>2018-12-27</a:t>
+              <a:t>2018-12-28</a:t>
             </a:fld>
             <a:endParaRPr lang="ko-KR" altLang="en-US"/>
           </a:p>
@@ -6518,10 +6418,6 @@
             <a:pPr lvl="0">
               <a:defRPr lang="ko-KR" altLang="en-US"/>
             </a:pPr>
-            <a:r>
-              <a:rPr lang="ko-KR" altLang="en-US"/>
-              <a:t/>
-            </a:r>
             <a:endParaRPr lang="ko-KR" altLang="en-US"/>
           </a:p>
         </p:txBody>
@@ -6564,7 +6460,7 @@
 </file>
 
 <file path=ppt/slideLayouts/slideLayout4.xml><?xml version="1.0" encoding="utf-8"?>
-<p:sldLayout xmlns:r="http://schemas.openxmlformats.org/officeDocument/2006/relationships" xmlns:c="http://schemas.openxmlformats.org/drawingml/2006/chart" xmlns:a="http://schemas.openxmlformats.org/drawingml/2006/main" xmlns:dgm="http://schemas.openxmlformats.org/drawingml/2006/diagram" xmlns:dsp="http://schemas.microsoft.com/office/drawing/2008/diagram" xmlns:p="http://schemas.openxmlformats.org/presentationml/2006/main" showMasterPhAnim="1" matchingName="내용 2개" type="twoObj" preserve="1">
+<p:sldLayout xmlns:a="http://schemas.openxmlformats.org/drawingml/2006/main" xmlns:r="http://schemas.openxmlformats.org/officeDocument/2006/relationships" xmlns:p="http://schemas.openxmlformats.org/presentationml/2006/main" matchingName="내용 2개" type="twoObj" preserve="1">
   <p:cSld name="내용 2개">
     <p:spTree>
       <p:nvGrpSpPr>
@@ -6587,7 +6483,7 @@
             <a:spLocks noGrp="1"/>
           </p:cNvSpPr>
           <p:nvPr>
-            <p:ph type="title" idx="0"/>
+            <p:ph type="title"/>
           </p:nvPr>
         </p:nvSpPr>
         <p:spPr/>
@@ -6602,7 +6498,6 @@
               <a:rPr lang="ko-KR" altLang="en-US"/>
               <a:t>마스터 제목 스타일 편집</a:t>
             </a:r>
-            <a:endParaRPr lang="ko-KR" altLang="en-US"/>
           </a:p>
         </p:txBody>
       </p:sp>
@@ -6661,7 +6556,6 @@
               <a:rPr lang="ko-KR" altLang="en-US"/>
               <a:t>마스터 텍스트 스타일을 편집합니다</a:t>
             </a:r>
-            <a:endParaRPr lang="ko-KR" altLang="en-US"/>
           </a:p>
           <a:p>
             <a:pPr lvl="1">
@@ -6671,7 +6565,6 @@
               <a:rPr lang="ko-KR" altLang="en-US"/>
               <a:t>둘째 수준</a:t>
             </a:r>
-            <a:endParaRPr lang="ko-KR" altLang="en-US"/>
           </a:p>
           <a:p>
             <a:pPr lvl="2">
@@ -6681,7 +6574,6 @@
               <a:rPr lang="ko-KR" altLang="en-US"/>
               <a:t>셋째 수준</a:t>
             </a:r>
-            <a:endParaRPr lang="ko-KR" altLang="en-US"/>
           </a:p>
           <a:p>
             <a:pPr lvl="3">
@@ -6691,7 +6583,6 @@
               <a:rPr lang="ko-KR" altLang="en-US"/>
               <a:t>넷째 수준</a:t>
             </a:r>
-            <a:endParaRPr lang="ko-KR" altLang="en-US"/>
           </a:p>
           <a:p>
             <a:pPr lvl="4">
@@ -6701,7 +6592,6 @@
               <a:rPr lang="ko-KR" altLang="en-US"/>
               <a:t>다섯째 수준</a:t>
             </a:r>
-            <a:endParaRPr lang="ko-KR" altLang="en-US"/>
           </a:p>
         </p:txBody>
       </p:sp>
@@ -6760,7 +6650,6 @@
               <a:rPr lang="ko-KR" altLang="en-US"/>
               <a:t>마스터 텍스트 스타일을 편집합니다</a:t>
             </a:r>
-            <a:endParaRPr lang="ko-KR" altLang="en-US"/>
           </a:p>
           <a:p>
             <a:pPr lvl="1">
@@ -6770,7 +6659,6 @@
               <a:rPr lang="ko-KR" altLang="en-US"/>
               <a:t>둘째 수준</a:t>
             </a:r>
-            <a:endParaRPr lang="ko-KR" altLang="en-US"/>
           </a:p>
           <a:p>
             <a:pPr lvl="2">
@@ -6780,7 +6668,6 @@
               <a:rPr lang="ko-KR" altLang="en-US"/>
               <a:t>셋째 수준</a:t>
             </a:r>
-            <a:endParaRPr lang="ko-KR" altLang="en-US"/>
           </a:p>
           <a:p>
             <a:pPr lvl="3">
@@ -6790,7 +6677,6 @@
               <a:rPr lang="ko-KR" altLang="en-US"/>
               <a:t>넷째 수준</a:t>
             </a:r>
-            <a:endParaRPr lang="ko-KR" altLang="en-US"/>
           </a:p>
           <a:p>
             <a:pPr lvl="4">
@@ -6800,7 +6686,6 @@
               <a:rPr lang="ko-KR" altLang="en-US"/>
               <a:t>다섯째 수준</a:t>
             </a:r>
-            <a:endParaRPr lang="ko-KR" altLang="en-US"/>
           </a:p>
         </p:txBody>
       </p:sp>
@@ -6827,7 +6712,7 @@
               <a:pPr lvl="0">
                 <a:defRPr lang="ko-KR" altLang="en-US"/>
               </a:pPr>
-              <a:t>2018-12-27</a:t>
+              <a:t>2018-12-28</a:t>
             </a:fld>
             <a:endParaRPr lang="ko-KR" altLang="en-US"/>
           </a:p>
@@ -6851,10 +6736,6 @@
             <a:pPr lvl="0">
               <a:defRPr lang="ko-KR" altLang="en-US"/>
             </a:pPr>
-            <a:r>
-              <a:rPr lang="ko-KR" altLang="en-US"/>
-              <a:t/>
-            </a:r>
             <a:endParaRPr lang="ko-KR" altLang="en-US"/>
           </a:p>
         </p:txBody>
@@ -6897,7 +6778,7 @@
 </file>
 
 <file path=ppt/slideLayouts/slideLayout5.xml><?xml version="1.0" encoding="utf-8"?>
-<p:sldLayout xmlns:r="http://schemas.openxmlformats.org/officeDocument/2006/relationships" xmlns:c="http://schemas.openxmlformats.org/drawingml/2006/chart" xmlns:a="http://schemas.openxmlformats.org/drawingml/2006/main" xmlns:dgm="http://schemas.openxmlformats.org/drawingml/2006/diagram" xmlns:dsp="http://schemas.microsoft.com/office/drawing/2008/diagram" xmlns:p="http://schemas.openxmlformats.org/presentationml/2006/main" showMasterPhAnim="1" matchingName="비교" type="twoTxTwoObj" preserve="1">
+<p:sldLayout xmlns:a="http://schemas.openxmlformats.org/drawingml/2006/main" xmlns:r="http://schemas.openxmlformats.org/officeDocument/2006/relationships" xmlns:p="http://schemas.openxmlformats.org/presentationml/2006/main" matchingName="비교" type="twoTxTwoObj" preserve="1">
   <p:cSld name="비교">
     <p:spTree>
       <p:nvGrpSpPr>
@@ -6920,7 +6801,7 @@
             <a:spLocks noGrp="1"/>
           </p:cNvSpPr>
           <p:nvPr>
-            <p:ph type="title" idx="0"/>
+            <p:ph type="title"/>
           </p:nvPr>
         </p:nvSpPr>
         <p:spPr/>
@@ -6939,7 +6820,6 @@
               <a:rPr lang="ko-KR" altLang="en-US"/>
               <a:t>마스터 제목 스타일 편집</a:t>
             </a:r>
-            <a:endParaRPr lang="ko-KR" altLang="en-US"/>
           </a:p>
         </p:txBody>
       </p:sp>
@@ -7007,7 +6887,6 @@
               <a:rPr lang="ko-KR" altLang="en-US"/>
               <a:t>마스터 텍스트 스타일을 편집합니다</a:t>
             </a:r>
-            <a:endParaRPr lang="ko-KR" altLang="en-US"/>
           </a:p>
         </p:txBody>
       </p:sp>
@@ -7066,7 +6945,6 @@
               <a:rPr lang="ko-KR" altLang="en-US"/>
               <a:t>마스터 텍스트 스타일을 편집합니다</a:t>
             </a:r>
-            <a:endParaRPr lang="ko-KR" altLang="en-US"/>
           </a:p>
           <a:p>
             <a:pPr lvl="1">
@@ -7076,7 +6954,6 @@
               <a:rPr lang="ko-KR" altLang="en-US"/>
               <a:t>둘째 수준</a:t>
             </a:r>
-            <a:endParaRPr lang="ko-KR" altLang="en-US"/>
           </a:p>
           <a:p>
             <a:pPr lvl="2">
@@ -7086,7 +6963,6 @@
               <a:rPr lang="ko-KR" altLang="en-US"/>
               <a:t>셋째 수준</a:t>
             </a:r>
-            <a:endParaRPr lang="ko-KR" altLang="en-US"/>
           </a:p>
           <a:p>
             <a:pPr lvl="3">
@@ -7096,7 +6972,6 @@
               <a:rPr lang="ko-KR" altLang="en-US"/>
               <a:t>넷째 수준</a:t>
             </a:r>
-            <a:endParaRPr lang="ko-KR" altLang="en-US"/>
           </a:p>
           <a:p>
             <a:pPr lvl="4">
@@ -7106,7 +6981,6 @@
               <a:rPr lang="ko-KR" altLang="en-US"/>
               <a:t>다섯째 수준</a:t>
             </a:r>
-            <a:endParaRPr lang="ko-KR" altLang="en-US"/>
           </a:p>
         </p:txBody>
       </p:sp>
@@ -7174,7 +7048,6 @@
               <a:rPr lang="ko-KR" altLang="en-US"/>
               <a:t>마스터 텍스트 스타일을 편집합니다</a:t>
             </a:r>
-            <a:endParaRPr lang="ko-KR" altLang="en-US"/>
           </a:p>
         </p:txBody>
       </p:sp>
@@ -7233,7 +7106,6 @@
               <a:rPr lang="ko-KR" altLang="en-US"/>
               <a:t>마스터 텍스트 스타일을 편집합니다</a:t>
             </a:r>
-            <a:endParaRPr lang="ko-KR" altLang="en-US"/>
           </a:p>
           <a:p>
             <a:pPr lvl="1">
@@ -7243,7 +7115,6 @@
               <a:rPr lang="ko-KR" altLang="en-US"/>
               <a:t>둘째 수준</a:t>
             </a:r>
-            <a:endParaRPr lang="ko-KR" altLang="en-US"/>
           </a:p>
           <a:p>
             <a:pPr lvl="2">
@@ -7253,7 +7124,6 @@
               <a:rPr lang="ko-KR" altLang="en-US"/>
               <a:t>셋째 수준</a:t>
             </a:r>
-            <a:endParaRPr lang="ko-KR" altLang="en-US"/>
           </a:p>
           <a:p>
             <a:pPr lvl="3">
@@ -7263,7 +7133,6 @@
               <a:rPr lang="ko-KR" altLang="en-US"/>
               <a:t>넷째 수준</a:t>
             </a:r>
-            <a:endParaRPr lang="ko-KR" altLang="en-US"/>
           </a:p>
           <a:p>
             <a:pPr lvl="4">
@@ -7273,7 +7142,6 @@
               <a:rPr lang="ko-KR" altLang="en-US"/>
               <a:t>다섯째 수준</a:t>
             </a:r>
-            <a:endParaRPr lang="ko-KR" altLang="en-US"/>
           </a:p>
         </p:txBody>
       </p:sp>
@@ -7300,7 +7168,7 @@
               <a:pPr lvl="0">
                 <a:defRPr lang="ko-KR" altLang="en-US"/>
               </a:pPr>
-              <a:t>2018-12-27</a:t>
+              <a:t>2018-12-28</a:t>
             </a:fld>
             <a:endParaRPr lang="ko-KR" altLang="en-US"/>
           </a:p>
@@ -7324,10 +7192,6 @@
             <a:pPr lvl="0">
               <a:defRPr lang="ko-KR" altLang="en-US"/>
             </a:pPr>
-            <a:r>
-              <a:rPr lang="ko-KR" altLang="en-US"/>
-              <a:t/>
-            </a:r>
             <a:endParaRPr lang="ko-KR" altLang="en-US"/>
           </a:p>
         </p:txBody>
@@ -7370,7 +7234,7 @@
 </file>
 
 <file path=ppt/slideLayouts/slideLayout6.xml><?xml version="1.0" encoding="utf-8"?>
-<p:sldLayout xmlns:r="http://schemas.openxmlformats.org/officeDocument/2006/relationships" xmlns:c="http://schemas.openxmlformats.org/drawingml/2006/chart" xmlns:a="http://schemas.openxmlformats.org/drawingml/2006/main" xmlns:dgm="http://schemas.openxmlformats.org/drawingml/2006/diagram" xmlns:dsp="http://schemas.microsoft.com/office/drawing/2008/diagram" xmlns:p="http://schemas.openxmlformats.org/presentationml/2006/main" showMasterPhAnim="1" matchingName="제목만" type="titleOnly" preserve="1">
+<p:sldLayout xmlns:a="http://schemas.openxmlformats.org/drawingml/2006/main" xmlns:r="http://schemas.openxmlformats.org/officeDocument/2006/relationships" xmlns:p="http://schemas.openxmlformats.org/presentationml/2006/main" matchingName="제목만" type="titleOnly" preserve="1">
   <p:cSld name="제목만">
     <p:spTree>
       <p:nvGrpSpPr>
@@ -7393,7 +7257,7 @@
             <a:spLocks noGrp="1"/>
           </p:cNvSpPr>
           <p:nvPr>
-            <p:ph type="title" idx="0"/>
+            <p:ph type="title"/>
           </p:nvPr>
         </p:nvSpPr>
         <p:spPr/>
@@ -7408,7 +7272,6 @@
               <a:rPr lang="ko-KR" altLang="en-US"/>
               <a:t>마스터 제목 스타일 편집</a:t>
             </a:r>
-            <a:endParaRPr lang="ko-KR" altLang="en-US"/>
           </a:p>
         </p:txBody>
       </p:sp>
@@ -7435,7 +7298,7 @@
               <a:pPr lvl="0">
                 <a:defRPr lang="ko-KR" altLang="en-US"/>
               </a:pPr>
-              <a:t>2018-12-27</a:t>
+              <a:t>2018-12-28</a:t>
             </a:fld>
             <a:endParaRPr lang="ko-KR" altLang="en-US"/>
           </a:p>
@@ -7459,10 +7322,6 @@
             <a:pPr lvl="0">
               <a:defRPr lang="ko-KR" altLang="en-US"/>
             </a:pPr>
-            <a:r>
-              <a:rPr lang="ko-KR" altLang="en-US"/>
-              <a:t/>
-            </a:r>
             <a:endParaRPr lang="ko-KR" altLang="en-US"/>
           </a:p>
         </p:txBody>
@@ -7505,7 +7364,7 @@
 </file>
 
 <file path=ppt/slideLayouts/slideLayout7.xml><?xml version="1.0" encoding="utf-8"?>
-<p:sldLayout xmlns:r="http://schemas.openxmlformats.org/officeDocument/2006/relationships" xmlns:c="http://schemas.openxmlformats.org/drawingml/2006/chart" xmlns:a="http://schemas.openxmlformats.org/drawingml/2006/main" xmlns:dgm="http://schemas.openxmlformats.org/drawingml/2006/diagram" xmlns:dsp="http://schemas.microsoft.com/office/drawing/2008/diagram" xmlns:p="http://schemas.openxmlformats.org/presentationml/2006/main" showMasterPhAnim="1" matchingName="빈 화면" type="blank" preserve="1">
+<p:sldLayout xmlns:a="http://schemas.openxmlformats.org/drawingml/2006/main" xmlns:r="http://schemas.openxmlformats.org/officeDocument/2006/relationships" xmlns:p="http://schemas.openxmlformats.org/presentationml/2006/main" matchingName="빈 화면" type="blank" preserve="1">
   <p:cSld name="빈 화면">
     <p:spTree>
       <p:nvGrpSpPr>
@@ -7544,7 +7403,7 @@
               <a:pPr lvl="0">
                 <a:defRPr lang="ko-KR" altLang="en-US"/>
               </a:pPr>
-              <a:t>2018-12-27</a:t>
+              <a:t>2018-12-28</a:t>
             </a:fld>
             <a:endParaRPr lang="ko-KR" altLang="en-US"/>
           </a:p>
@@ -7568,10 +7427,6 @@
             <a:pPr lvl="0">
               <a:defRPr lang="ko-KR" altLang="en-US"/>
             </a:pPr>
-            <a:r>
-              <a:rPr lang="ko-KR" altLang="en-US"/>
-              <a:t/>
-            </a:r>
             <a:endParaRPr lang="ko-KR" altLang="en-US"/>
           </a:p>
         </p:txBody>
@@ -7614,7 +7469,7 @@
 </file>
 
 <file path=ppt/slideLayouts/slideLayout8.xml><?xml version="1.0" encoding="utf-8"?>
-<p:sldLayout xmlns:r="http://schemas.openxmlformats.org/officeDocument/2006/relationships" xmlns:c="http://schemas.openxmlformats.org/drawingml/2006/chart" xmlns:a="http://schemas.openxmlformats.org/drawingml/2006/main" xmlns:dgm="http://schemas.openxmlformats.org/drawingml/2006/diagram" xmlns:dsp="http://schemas.microsoft.com/office/drawing/2008/diagram" xmlns:p="http://schemas.openxmlformats.org/presentationml/2006/main" showMasterPhAnim="1" matchingName="내용 및 설명" type="objTx" preserve="1">
+<p:sldLayout xmlns:a="http://schemas.openxmlformats.org/drawingml/2006/main" xmlns:r="http://schemas.openxmlformats.org/officeDocument/2006/relationships" xmlns:p="http://schemas.openxmlformats.org/presentationml/2006/main" matchingName="내용 및 설명" type="objTx" preserve="1">
   <p:cSld name="내용 및 설명">
     <p:spTree>
       <p:nvGrpSpPr>
@@ -7637,7 +7492,7 @@
             <a:spLocks noGrp="1"/>
           </p:cNvSpPr>
           <p:nvPr>
-            <p:ph type="title" idx="0"/>
+            <p:ph type="title"/>
           </p:nvPr>
         </p:nvSpPr>
         <p:spPr>
@@ -7661,7 +7516,6 @@
               <a:rPr lang="ko-KR" altLang="en-US"/>
               <a:t>마스터 제목 스타일 편집</a:t>
             </a:r>
-            <a:endParaRPr lang="ko-KR" altLang="en-US"/>
           </a:p>
         </p:txBody>
       </p:sp>
@@ -7720,7 +7574,6 @@
               <a:rPr lang="ko-KR" altLang="en-US"/>
               <a:t>마스터 텍스트 스타일을 편집합니다</a:t>
             </a:r>
-            <a:endParaRPr lang="ko-KR" altLang="en-US"/>
           </a:p>
           <a:p>
             <a:pPr lvl="1">
@@ -7730,7 +7583,6 @@
               <a:rPr lang="ko-KR" altLang="en-US"/>
               <a:t>둘째 수준</a:t>
             </a:r>
-            <a:endParaRPr lang="ko-KR" altLang="en-US"/>
           </a:p>
           <a:p>
             <a:pPr lvl="2">
@@ -7740,7 +7592,6 @@
               <a:rPr lang="ko-KR" altLang="en-US"/>
               <a:t>셋째 수준</a:t>
             </a:r>
-            <a:endParaRPr lang="ko-KR" altLang="en-US"/>
           </a:p>
           <a:p>
             <a:pPr lvl="3">
@@ -7750,7 +7601,6 @@
               <a:rPr lang="ko-KR" altLang="en-US"/>
               <a:t>넷째 수준</a:t>
             </a:r>
-            <a:endParaRPr lang="ko-KR" altLang="en-US"/>
           </a:p>
           <a:p>
             <a:pPr lvl="4">
@@ -7760,7 +7610,6 @@
               <a:rPr lang="ko-KR" altLang="en-US"/>
               <a:t>다섯째 수준</a:t>
             </a:r>
-            <a:endParaRPr lang="ko-KR" altLang="en-US"/>
           </a:p>
         </p:txBody>
       </p:sp>
@@ -7828,7 +7677,6 @@
               <a:rPr lang="ko-KR" altLang="en-US"/>
               <a:t>마스터 텍스트 스타일을 편집합니다</a:t>
             </a:r>
-            <a:endParaRPr lang="ko-KR" altLang="en-US"/>
           </a:p>
         </p:txBody>
       </p:sp>
@@ -7855,7 +7703,7 @@
               <a:pPr lvl="0">
                 <a:defRPr lang="ko-KR" altLang="en-US"/>
               </a:pPr>
-              <a:t>2018-12-27</a:t>
+              <a:t>2018-12-28</a:t>
             </a:fld>
             <a:endParaRPr lang="ko-KR" altLang="en-US"/>
           </a:p>
@@ -7879,10 +7727,6 @@
             <a:pPr lvl="0">
               <a:defRPr lang="ko-KR" altLang="en-US"/>
             </a:pPr>
-            <a:r>
-              <a:rPr lang="ko-KR" altLang="en-US"/>
-              <a:t/>
-            </a:r>
             <a:endParaRPr lang="ko-KR" altLang="en-US"/>
           </a:p>
         </p:txBody>
@@ -7925,7 +7769,7 @@
 </file>
 
 <file path=ppt/slideLayouts/slideLayout9.xml><?xml version="1.0" encoding="utf-8"?>
-<p:sldLayout xmlns:r="http://schemas.openxmlformats.org/officeDocument/2006/relationships" xmlns:c="http://schemas.openxmlformats.org/drawingml/2006/chart" xmlns:a="http://schemas.openxmlformats.org/drawingml/2006/main" xmlns:dgm="http://schemas.openxmlformats.org/drawingml/2006/diagram" xmlns:dsp="http://schemas.microsoft.com/office/drawing/2008/diagram" xmlns:p="http://schemas.openxmlformats.org/presentationml/2006/main" showMasterPhAnim="1" matchingName="그림 및 설명" type="picTx" preserve="1">
+<p:sldLayout xmlns:a="http://schemas.openxmlformats.org/drawingml/2006/main" xmlns:r="http://schemas.openxmlformats.org/officeDocument/2006/relationships" xmlns:p="http://schemas.openxmlformats.org/presentationml/2006/main" matchingName="그림 및 설명" type="picTx" preserve="1">
   <p:cSld name="그림 및 설명">
     <p:spTree>
       <p:nvGrpSpPr>
@@ -7948,7 +7792,7 @@
             <a:spLocks noGrp="1"/>
           </p:cNvSpPr>
           <p:nvPr>
-            <p:ph type="title" idx="0"/>
+            <p:ph type="title"/>
           </p:nvPr>
         </p:nvSpPr>
         <p:spPr>
@@ -7972,7 +7816,6 @@
               <a:rPr lang="ko-KR" altLang="en-US"/>
               <a:t>마스터 제목 스타일 편집</a:t>
             </a:r>
-            <a:endParaRPr lang="ko-KR" altLang="en-US"/>
           </a:p>
         </p:txBody>
       </p:sp>
@@ -8036,10 +7879,6 @@
             <a:pPr lvl="0">
               <a:defRPr lang="ko-KR" altLang="en-US"/>
             </a:pPr>
-            <a:r>
-              <a:rPr lang="ko-KR" altLang="en-US"/>
-              <a:t/>
-            </a:r>
             <a:endParaRPr lang="ko-KR" altLang="en-US"/>
           </a:p>
         </p:txBody>
@@ -8108,7 +7947,6 @@
               <a:rPr lang="ko-KR" altLang="en-US"/>
               <a:t>마스터 텍스트 스타일을 편집합니다</a:t>
             </a:r>
-            <a:endParaRPr lang="ko-KR" altLang="en-US"/>
           </a:p>
         </p:txBody>
       </p:sp>
@@ -8135,7 +7973,7 @@
               <a:pPr lvl="0">
                 <a:defRPr lang="ko-KR" altLang="en-US"/>
               </a:pPr>
-              <a:t>2018-12-27</a:t>
+              <a:t>2018-12-28</a:t>
             </a:fld>
             <a:endParaRPr lang="ko-KR" altLang="en-US"/>
           </a:p>
@@ -8159,10 +7997,6 @@
             <a:pPr lvl="0">
               <a:defRPr lang="ko-KR" altLang="en-US"/>
             </a:pPr>
-            <a:r>
-              <a:rPr lang="ko-KR" altLang="en-US"/>
-              <a:t/>
-            </a:r>
             <a:endParaRPr lang="ko-KR" altLang="en-US"/>
           </a:p>
         </p:txBody>
@@ -8205,10 +8039,10 @@
 </file>
 
 <file path=ppt/slideMasters/slideMaster1.xml><?xml version="1.0" encoding="utf-8"?>
-<p:sldMaster xmlns:r="http://schemas.openxmlformats.org/officeDocument/2006/relationships" xmlns:c="http://schemas.openxmlformats.org/drawingml/2006/chart" xmlns:a="http://schemas.openxmlformats.org/drawingml/2006/main" xmlns:dgm="http://schemas.openxmlformats.org/drawingml/2006/diagram" xmlns:dsp="http://schemas.microsoft.com/office/drawing/2008/diagram" xmlns:p="http://schemas.openxmlformats.org/presentationml/2006/main">
+<p:sldMaster xmlns:a="http://schemas.openxmlformats.org/drawingml/2006/main" xmlns:r="http://schemas.openxmlformats.org/officeDocument/2006/relationships" xmlns:p="http://schemas.openxmlformats.org/presentationml/2006/main">
   <p:cSld name="Office 테마">
     <p:bg>
-      <p:bgPr shadeToTitle="0">
+      <p:bgPr>
         <a:gradFill flip="none" rotWithShape="1">
           <a:gsLst>
             <a:gs pos="0">
@@ -8230,6 +8064,7 @@
           <a:lin ang="5400000" scaled="0"/>
           <a:tileRect/>
         </a:gradFill>
+        <a:effectLst/>
       </p:bgPr>
     </p:bg>
     <p:spTree>
@@ -8253,7 +8088,7 @@
             <a:spLocks noGrp="1"/>
           </p:cNvSpPr>
           <p:nvPr>
-            <p:ph type="title" idx="0"/>
+            <p:ph type="title"/>
           </p:nvPr>
         </p:nvSpPr>
         <p:spPr>
@@ -8267,7 +8102,7 @@
         </p:spPr>
         <p:txBody>
           <a:bodyPr vert="horz" lIns="91440" tIns="45720" rIns="91440" bIns="45720" anchor="ctr">
-            <a:normAutofit lnSpcReduction="0"/>
+            <a:normAutofit/>
           </a:bodyPr>
           <a:lstStyle/>
           <a:p>
@@ -8278,7 +8113,6 @@
               <a:rPr lang="ko-KR" altLang="en-US"/>
               <a:t>마스터 제목 스타일 편집</a:t>
             </a:r>
-            <a:endParaRPr lang="ko-KR" altLang="en-US"/>
           </a:p>
         </p:txBody>
       </p:sp>
@@ -8303,7 +8137,7 @@
         </p:spPr>
         <p:txBody>
           <a:bodyPr vert="horz" lIns="91440" tIns="45720" rIns="91440" bIns="45720">
-            <a:normAutofit lnSpcReduction="0"/>
+            <a:normAutofit/>
           </a:bodyPr>
           <a:lstStyle/>
           <a:p>
@@ -8314,7 +8148,6 @@
               <a:rPr lang="ko-KR" altLang="en-US"/>
               <a:t>마스터 텍스트 스타일을 편집합니다</a:t>
             </a:r>
-            <a:endParaRPr lang="ko-KR" altLang="en-US"/>
           </a:p>
           <a:p>
             <a:pPr lvl="1">
@@ -8324,7 +8157,6 @@
               <a:rPr lang="ko-KR" altLang="en-US"/>
               <a:t>둘째 수준</a:t>
             </a:r>
-            <a:endParaRPr lang="ko-KR" altLang="en-US"/>
           </a:p>
           <a:p>
             <a:pPr lvl="2">
@@ -8334,7 +8166,6 @@
               <a:rPr lang="ko-KR" altLang="en-US"/>
               <a:t>셋째 수준</a:t>
             </a:r>
-            <a:endParaRPr lang="ko-KR" altLang="en-US"/>
           </a:p>
           <a:p>
             <a:pPr lvl="3">
@@ -8344,7 +8175,6 @@
               <a:rPr lang="ko-KR" altLang="en-US"/>
               <a:t>넷째 수준</a:t>
             </a:r>
-            <a:endParaRPr lang="ko-KR" altLang="en-US"/>
           </a:p>
           <a:p>
             <a:pPr lvl="4">
@@ -8354,7 +8184,6 @@
               <a:rPr lang="ko-KR" altLang="en-US"/>
               <a:t>다섯째 수준</a:t>
             </a:r>
-            <a:endParaRPr lang="ko-KR" altLang="en-US"/>
           </a:p>
         </p:txBody>
       </p:sp>
@@ -8399,7 +8228,7 @@
               <a:pPr lvl="0">
                 <a:defRPr lang="ko-KR" altLang="en-US"/>
               </a:pPr>
-              <a:t>2018-12-27</a:t>
+              <a:t>2018-12-28</a:t>
             </a:fld>
             <a:endParaRPr lang="ko-KR" altLang="en-US"/>
           </a:p>
@@ -8441,10 +8270,6 @@
             <a:pPr lvl="0">
               <a:defRPr lang="ko-KR" altLang="en-US"/>
             </a:pPr>
-            <a:r>
-              <a:rPr lang="ko-KR" altLang="en-US"/>
-              <a:t/>
-            </a:r>
             <a:endParaRPr lang="ko-KR" altLang="en-US"/>
           </a:p>
         </p:txBody>
@@ -8500,17 +8325,17 @@
   </p:cSld>
   <p:clrMap bg1="lt1" tx1="dk1" bg2="lt2" tx2="dk2" accent1="accent1" accent2="accent2" accent3="accent3" accent4="accent4" accent5="accent5" accent6="accent6" hlink="hlink" folHlink="folHlink"/>
   <p:sldLayoutIdLst>
-    <p:sldLayoutId id="2147483673" r:id="rId2"/>
-    <p:sldLayoutId id="2147483674" r:id="rId3"/>
-    <p:sldLayoutId id="2147483675" r:id="rId4"/>
-    <p:sldLayoutId id="2147483676" r:id="rId5"/>
-    <p:sldLayoutId id="2147483677" r:id="rId6"/>
-    <p:sldLayoutId id="2147483678" r:id="rId7"/>
-    <p:sldLayoutId id="2147483679" r:id="rId8"/>
-    <p:sldLayoutId id="2147483680" r:id="rId9"/>
-    <p:sldLayoutId id="2147483681" r:id="rId10"/>
-    <p:sldLayoutId id="2147483682" r:id="rId11"/>
-    <p:sldLayoutId id="2147483683" r:id="rId12"/>
+    <p:sldLayoutId id="2147483673" r:id="rId1"/>
+    <p:sldLayoutId id="2147483674" r:id="rId2"/>
+    <p:sldLayoutId id="2147483675" r:id="rId3"/>
+    <p:sldLayoutId id="2147483676" r:id="rId4"/>
+    <p:sldLayoutId id="2147483677" r:id="rId5"/>
+    <p:sldLayoutId id="2147483678" r:id="rId6"/>
+    <p:sldLayoutId id="2147483679" r:id="rId7"/>
+    <p:sldLayoutId id="2147483680" r:id="rId8"/>
+    <p:sldLayoutId id="2147483681" r:id="rId9"/>
+    <p:sldLayoutId id="2147483682" r:id="rId10"/>
+    <p:sldLayoutId id="2147483683" r:id="rId11"/>
   </p:sldLayoutIdLst>
   <p:txStyles>
     <p:titleStyle>
@@ -8766,7 +8591,7 @@
 </file>
 
 <file path=ppt/slideMasters/slideMaster2.xml><?xml version="1.0" encoding="utf-8"?>
-<p:sldMaster xmlns:r="http://schemas.openxmlformats.org/officeDocument/2006/relationships" xmlns:c="http://schemas.openxmlformats.org/drawingml/2006/chart" xmlns:a="http://schemas.openxmlformats.org/drawingml/2006/main" xmlns:dgm="http://schemas.openxmlformats.org/drawingml/2006/diagram" xmlns:dsp="http://schemas.microsoft.com/office/drawing/2008/diagram" xmlns:p="http://schemas.openxmlformats.org/presentationml/2006/main">
+<p:sldMaster xmlns:a="http://schemas.openxmlformats.org/drawingml/2006/main" xmlns:r="http://schemas.openxmlformats.org/officeDocument/2006/relationships" xmlns:p="http://schemas.openxmlformats.org/presentationml/2006/main">
   <p:cSld name="Office theme">
     <p:bg>
       <p:bgRef idx="1001">
@@ -8794,7 +8619,7 @@
             <a:spLocks noGrp="1"/>
           </p:cNvSpPr>
           <p:nvPr>
-            <p:ph type="title" idx="0"/>
+            <p:ph type="title"/>
           </p:nvPr>
         </p:nvSpPr>
         <p:spPr>
@@ -8808,7 +8633,7 @@
         </p:spPr>
         <p:txBody>
           <a:bodyPr vert="horz" wrap="square" lIns="91440" tIns="45720" rIns="91440" bIns="45720" anchor="ctr">
-            <a:normAutofit lnSpcReduction="0"/>
+            <a:normAutofit/>
           </a:bodyPr>
           <a:lstStyle/>
           <a:p>
@@ -8846,7 +8671,7 @@
             <a:spLocks noGrp="1"/>
           </p:cNvSpPr>
           <p:nvPr>
-            <p:ph type="body" idx="0"/>
+            <p:ph type="body"/>
           </p:nvPr>
         </p:nvSpPr>
         <p:spPr>
@@ -8860,7 +8685,7 @@
         </p:spPr>
         <p:txBody>
           <a:bodyPr vert="horz" wrap="square" lIns="91440" tIns="45720" rIns="91440" bIns="45720" anchor="t">
-            <a:normAutofit lnSpcReduction="0"/>
+            <a:normAutofit/>
           </a:bodyPr>
           <a:lstStyle/>
           <a:p>
@@ -8888,10 +8713,6 @@
               </a:rPr>
               <a:t>마스터 텍스트 스타일을 편집합니다</a:t>
             </a:r>
-            <a:endParaRPr lang="en-US" altLang="ko-KR" sz="2100" b="0">
-              <a:latin typeface="맑은 고딕"/>
-              <a:ea typeface="맑은 고딕"/>
-            </a:endParaRPr>
           </a:p>
           <a:p>
             <a:pPr marL="628650" indent="-171450" algn="l" defTabSz="914400">
@@ -8918,10 +8739,6 @@
               </a:rPr>
               <a:t>둘째 수준</a:t>
             </a:r>
-            <a:endParaRPr lang="en-US" altLang="ko-KR" sz="1800" b="0">
-              <a:latin typeface="맑은 고딕"/>
-              <a:ea typeface="맑은 고딕"/>
-            </a:endParaRPr>
           </a:p>
           <a:p>
             <a:pPr marL="1085850" indent="-171450" algn="l" defTabSz="914400">
@@ -8948,10 +8765,6 @@
               </a:rPr>
               <a:t>셋째 수준</a:t>
             </a:r>
-            <a:endParaRPr lang="en-US" altLang="ko-KR" sz="1500" b="0">
-              <a:latin typeface="맑은 고딕"/>
-              <a:ea typeface="맑은 고딕"/>
-            </a:endParaRPr>
           </a:p>
           <a:p>
             <a:pPr marL="1543050" indent="-171450" algn="l" defTabSz="914400">
@@ -8978,10 +8791,6 @@
               </a:rPr>
               <a:t>넷째 수준</a:t>
             </a:r>
-            <a:endParaRPr lang="en-US" altLang="ko-KR" sz="1350" b="0">
-              <a:latin typeface="맑은 고딕"/>
-              <a:ea typeface="맑은 고딕"/>
-            </a:endParaRPr>
           </a:p>
           <a:p>
             <a:pPr marL="2000250" indent="-171450" algn="l" defTabSz="914400">
@@ -9022,7 +8831,7 @@
             <a:spLocks noGrp="1"/>
           </p:cNvSpPr>
           <p:nvPr>
-            <p:ph type="dt" idx="0"/>
+            <p:ph type="dt"/>
           </p:nvPr>
         </p:nvSpPr>
         <p:spPr>
@@ -9076,7 +8885,7 @@
                 <a:buNone/>
                 <a:defRPr lang="ko-KR" altLang="en-US"/>
               </a:pPr>
-              <a:t>2018-12-27</a:t>
+              <a:t>2018-12-28</a:t>
             </a:fld>
             <a:endParaRPr lang="ko-KR" altLang="en-US" sz="900" b="0">
               <a:solidFill>
@@ -9097,7 +8906,7 @@
             <a:spLocks noGrp="1"/>
           </p:cNvSpPr>
           <p:nvPr>
-            <p:ph type="ftr" idx="0"/>
+            <p:ph type="ftr"/>
           </p:nvPr>
         </p:nvSpPr>
         <p:spPr>
@@ -9128,18 +8937,6 @@
               <a:buNone/>
               <a:defRPr lang="ko-KR" altLang="en-US"/>
             </a:pPr>
-            <a:r>
-              <a:rPr lang="ko-KR" altLang="en-US" sz="900" b="0">
-                <a:solidFill>
-                  <a:schemeClr val="tx1">
-                    <a:tint val="75000"/>
-                  </a:schemeClr>
-                </a:solidFill>
-                <a:latin typeface="맑은 고딕"/>
-                <a:ea typeface="맑은 고딕"/>
-              </a:rPr>
-              <a:t/>
-            </a:r>
             <a:endParaRPr lang="ko-KR" altLang="en-US" sz="900" b="0">
               <a:solidFill>
                 <a:schemeClr val="tx1">
@@ -9159,7 +8956,7 @@
             <a:spLocks noGrp="1"/>
           </p:cNvSpPr>
           <p:nvPr>
-            <p:ph type="sldNum" idx="0"/>
+            <p:ph type="sldNum"/>
           </p:nvPr>
         </p:nvSpPr>
         <p:spPr>
@@ -9231,17 +9028,17 @@
   </p:cSld>
   <p:clrMap bg1="lt1" tx1="dk1" bg2="lt2" tx2="dk2" accent1="accent1" accent2="accent2" accent3="accent3" accent4="accent4" accent5="accent5" accent6="accent6" hlink="hlink" folHlink="folHlink"/>
   <p:sldLayoutIdLst>
-    <p:sldLayoutId id="2147483684" r:id="rId2"/>
-    <p:sldLayoutId id="2147483685" r:id="rId3"/>
-    <p:sldLayoutId id="2147483686" r:id="rId4"/>
-    <p:sldLayoutId id="2147483687" r:id="rId5"/>
-    <p:sldLayoutId id="2147483688" r:id="rId6"/>
-    <p:sldLayoutId id="2147483689" r:id="rId7"/>
-    <p:sldLayoutId id="2147483690" r:id="rId8"/>
-    <p:sldLayoutId id="2147483691" r:id="rId9"/>
-    <p:sldLayoutId id="2147483692" r:id="rId10"/>
-    <p:sldLayoutId id="2147483693" r:id="rId11"/>
-    <p:sldLayoutId id="2147483694" r:id="rId12"/>
+    <p:sldLayoutId id="2147483684" r:id="rId1"/>
+    <p:sldLayoutId id="2147483685" r:id="rId2"/>
+    <p:sldLayoutId id="2147483686" r:id="rId3"/>
+    <p:sldLayoutId id="2147483687" r:id="rId4"/>
+    <p:sldLayoutId id="2147483688" r:id="rId5"/>
+    <p:sldLayoutId id="2147483689" r:id="rId6"/>
+    <p:sldLayoutId id="2147483690" r:id="rId7"/>
+    <p:sldLayoutId id="2147483691" r:id="rId8"/>
+    <p:sldLayoutId id="2147483692" r:id="rId9"/>
+    <p:sldLayoutId id="2147483693" r:id="rId10"/>
+    <p:sldLayoutId id="2147483694" r:id="rId11"/>
   </p:sldLayoutIdLst>
   <p:txStyles>
     <p:titleStyle>
@@ -9317,7 +9114,7 @@
 </file>
 
 <file path=ppt/slides/slide1.xml><?xml version="1.0" encoding="utf-8"?>
-<p:sld xmlns:r="http://schemas.openxmlformats.org/officeDocument/2006/relationships" xmlns:c="http://schemas.openxmlformats.org/drawingml/2006/chart" xmlns:a="http://schemas.openxmlformats.org/drawingml/2006/main" xmlns:dgm="http://schemas.openxmlformats.org/drawingml/2006/diagram" xmlns:dsp="http://schemas.microsoft.com/office/drawing/2008/diagram" xmlns:p="http://schemas.openxmlformats.org/presentationml/2006/main">
+<p:sld xmlns:a="http://schemas.openxmlformats.org/drawingml/2006/main" xmlns:r="http://schemas.openxmlformats.org/officeDocument/2006/relationships" xmlns:p="http://schemas.openxmlformats.org/presentationml/2006/main">
   <p:cSld>
     <p:spTree>
       <p:nvGrpSpPr>
@@ -9340,7 +9137,7 @@
             <a:spLocks noGrp="1"/>
           </p:cNvSpPr>
           <p:nvPr>
-            <p:ph type="ctrTitle" idx="0"/>
+            <p:ph type="ctrTitle"/>
           </p:nvPr>
         </p:nvSpPr>
         <p:spPr>
@@ -9351,7 +9148,7 @@
         </p:spPr>
         <p:txBody>
           <a:bodyPr>
-            <a:normAutofit lnSpcReduction="0"/>
+            <a:normAutofit/>
           </a:bodyPr>
           <a:lstStyle/>
           <a:p>
@@ -9382,15 +9179,6 @@
               </a:rPr>
               <a:t>프로젝트</a:t>
             </a:r>
-            <a:endParaRPr lang="ko-KR" altLang="en-US" sz="4800">
-              <a:solidFill>
-                <a:schemeClr val="accent1">
-                  <a:lumMod val="50000"/>
-                </a:schemeClr>
-              </a:solidFill>
-              <a:latin typeface="HY견고딕"/>
-              <a:ea typeface="HY견고딕"/>
-            </a:endParaRPr>
           </a:p>
         </p:txBody>
       </p:sp>
@@ -9847,11 +9635,11 @@
             <a:avLst/>
           </a:prstGeom>
           <a:solidFill>
-            <a:srgbClr val="00b0f0"/>
+            <a:srgbClr val="00B0F0"/>
           </a:solidFill>
           <a:ln>
             <a:solidFill>
-              <a:srgbClr val="00b0f0"/>
+              <a:srgbClr val="00B0F0"/>
             </a:solidFill>
           </a:ln>
           <a:effectLst>
@@ -9965,11 +9753,11 @@
             <a:avLst/>
           </a:prstGeom>
           <a:solidFill>
-            <a:srgbClr val="00b0f0"/>
+            <a:srgbClr val="00B0F0"/>
           </a:solidFill>
           <a:ln>
             <a:solidFill>
-              <a:srgbClr val="00b0f0"/>
+              <a:srgbClr val="00B0F0"/>
             </a:solidFill>
           </a:ln>
           <a:effectLst/>
@@ -10016,11 +9804,11 @@
             <a:avLst/>
           </a:prstGeom>
           <a:solidFill>
-            <a:srgbClr val="00b0f0"/>
+            <a:srgbClr val="00B0F0"/>
           </a:solidFill>
           <a:ln>
             <a:solidFill>
-              <a:srgbClr val="00b0f0"/>
+              <a:srgbClr val="00B0F0"/>
             </a:solidFill>
           </a:ln>
           <a:effectLst>
@@ -10073,11 +9861,11 @@
             <a:avLst/>
           </a:prstGeom>
           <a:solidFill>
-            <a:srgbClr val="00b0f0"/>
+            <a:srgbClr val="00B0F0"/>
           </a:solidFill>
           <a:ln>
             <a:solidFill>
-              <a:srgbClr val="00b0f0"/>
+              <a:srgbClr val="00B0F0"/>
             </a:solidFill>
           </a:ln>
           <a:effectLst>
@@ -10148,11 +9936,6 @@
               </a:rPr>
               <a:t>팀원 정요한 이준우</a:t>
             </a:r>
-            <a:endParaRPr lang="ko-KR" altLang="en-US" sz="2000" b="1">
-              <a:solidFill>
-                <a:srgbClr val="254061"/>
-              </a:solidFill>
-            </a:endParaRPr>
           </a:p>
         </p:txBody>
       </p:sp>
@@ -10161,14 +9944,14 @@
   <p:clrMapOvr>
     <a:masterClrMapping/>
   </p:clrMapOvr>
-  <p:transition xmlns:mc="http://schemas.openxmlformats.org/markup-compatibility/2006" xmlns:hp="http://schemas.haansoft.com/office/presentation/8.0" spd="slow" mc:Ignorable="hp" hp:hslDur="3000">
+  <p:transition spd="slow">
     <p:fade/>
   </p:transition>
 </p:sld>
 </file>
 
 <file path=ppt/slides/slide10.xml><?xml version="1.0" encoding="utf-8"?>
-<p:sld xmlns:r="http://schemas.openxmlformats.org/officeDocument/2006/relationships" xmlns:c="http://schemas.openxmlformats.org/drawingml/2006/chart" xmlns:a="http://schemas.openxmlformats.org/drawingml/2006/main" xmlns:dgm="http://schemas.openxmlformats.org/drawingml/2006/diagram" xmlns:dsp="http://schemas.microsoft.com/office/drawing/2008/diagram" xmlns:p="http://schemas.openxmlformats.org/presentationml/2006/main">
+<p:sld xmlns:a="http://schemas.openxmlformats.org/drawingml/2006/main" xmlns:r="http://schemas.openxmlformats.org/officeDocument/2006/relationships" xmlns:p="http://schemas.openxmlformats.org/presentationml/2006/main">
   <p:cSld>
     <p:spTree>
       <p:nvGrpSpPr>
@@ -10192,8 +9975,8 @@
         </p:nvSpPr>
         <p:spPr>
           <a:xfrm>
-            <a:off x="719572" y="201930"/>
-            <a:ext cx="7848793" cy="830997"/>
+            <a:off x="1115695" y="201930"/>
+            <a:ext cx="6768465" cy="831215"/>
           </a:xfrm>
           <a:prstGeom prst="rect">
             <a:avLst/>
@@ -10226,7 +10009,7 @@
                 <a:latin typeface="HY견고딕"/>
                 <a:ea typeface="HY견고딕"/>
               </a:rPr>
-              <a:t>A8:</a:t>
+              <a:t>A6:</a:t>
             </a:r>
             <a:r>
               <a:rPr lang="ko-KR" altLang="en-US" sz="4800">
@@ -10238,17 +10021,8 @@
                 <a:latin typeface="HY견고딕"/>
                 <a:ea typeface="HY견고딕"/>
               </a:rPr>
-              <a:t>안전하지 않은 역직렬화</a:t>
-            </a:r>
-            <a:endParaRPr lang="ko-KR" altLang="en-US" sz="4800">
-              <a:solidFill>
-                <a:schemeClr val="accent1">
-                  <a:lumMod val="50000"/>
-                </a:schemeClr>
-              </a:solidFill>
-              <a:latin typeface="HY견고딕"/>
-              <a:ea typeface="HY견고딕"/>
-            </a:endParaRPr>
+              <a:t>잘못된 보안 구성</a:t>
+            </a:r>
           </a:p>
         </p:txBody>
       </p:sp>
@@ -10524,14 +10298,61 @@
       </p:sp>
       <p:sp>
         <p:nvSpPr>
-          <p:cNvPr id="10" name="TextBox 9"/>
+          <p:cNvPr id="9" name="TextBox 8"/>
           <p:cNvSpPr txBox="1"/>
           <p:nvPr/>
         </p:nvSpPr>
         <p:spPr>
           <a:xfrm>
-            <a:off x="971597" y="2203015"/>
-            <a:ext cx="7596769" cy="643055"/>
+            <a:off x="755576" y="4005064"/>
+            <a:ext cx="1774264" cy="450731"/>
+          </a:xfrm>
+          <a:prstGeom prst="rect">
+            <a:avLst/>
+          </a:prstGeom>
+          <a:noFill/>
+        </p:spPr>
+        <p:txBody>
+          <a:bodyPr wrap="none">
+            <a:spAutoFit/>
+          </a:bodyPr>
+          <a:lstStyle/>
+          <a:p>
+            <a:pPr marL="285750" indent="-285750">
+              <a:buFont typeface="Wingdings"/>
+              <a:buChar char="l"/>
+              <a:defRPr lang="ko-KR" altLang="en-US"/>
+            </a:pPr>
+            <a:r>
+              <a:rPr lang="ko-KR" altLang="en-US" sz="2400" b="1">
+                <a:solidFill>
+                  <a:schemeClr val="tx2">
+                    <a:lumMod val="50000"/>
+                  </a:schemeClr>
+                </a:solidFill>
+              </a:rPr>
+              <a:t> 보안대책</a:t>
+            </a:r>
+            <a:endParaRPr lang="ko-KR" altLang="en-US" b="1">
+              <a:solidFill>
+                <a:schemeClr val="tx2">
+                  <a:lumMod val="50000"/>
+                </a:schemeClr>
+              </a:solidFill>
+            </a:endParaRPr>
+          </a:p>
+        </p:txBody>
+      </p:sp>
+      <p:sp>
+        <p:nvSpPr>
+          <p:cNvPr id="13" name="TextBox 12"/>
+          <p:cNvSpPr txBox="1"/>
+          <p:nvPr/>
+        </p:nvSpPr>
+        <p:spPr>
+          <a:xfrm>
+            <a:off x="971599" y="2203015"/>
+            <a:ext cx="7673291" cy="643055"/>
           </a:xfrm>
           <a:prstGeom prst="rect">
             <a:avLst/>
@@ -10549,9 +10370,8 @@
             </a:pPr>
             <a:r>
               <a:rPr lang="en-US" altLang="ko-KR"/>
-              <a:t>역직렬화 취약점은 직렬화 형태로 처리되는 개채에 변조</a:t>
-            </a:r>
-            <a:endParaRPr lang="en-US" altLang="ko-KR"/>
+              <a:t>개발자와 시스템 관리자들이 자주 실수로</a:t>
+            </a:r>
           </a:p>
           <a:p>
             <a:pPr lvl="0">
@@ -10559,9 +10379,49 @@
             </a:pPr>
             <a:r>
               <a:rPr lang="en-US" altLang="ko-KR"/>
-              <a:t>공격자 권한 상승 등의 문제가 발생되는 취약점이다.</a:t>
-            </a:r>
-            <a:endParaRPr lang="en-US" altLang="ko-KR"/>
+              <a:t>놓치게 되어 발생하는 문제들을 말한다.</a:t>
+            </a:r>
+          </a:p>
+        </p:txBody>
+      </p:sp>
+      <p:sp>
+        <p:nvSpPr>
+          <p:cNvPr id="14" name="TextBox 13"/>
+          <p:cNvSpPr txBox="1"/>
+          <p:nvPr/>
+        </p:nvSpPr>
+        <p:spPr>
+          <a:xfrm>
+            <a:off x="971598" y="4581128"/>
+            <a:ext cx="7730442" cy="636667"/>
+          </a:xfrm>
+          <a:prstGeom prst="rect">
+            <a:avLst/>
+          </a:prstGeom>
+          <a:noFill/>
+        </p:spPr>
+        <p:txBody>
+          <a:bodyPr wrap="none">
+            <a:spAutoFit/>
+          </a:bodyPr>
+          <a:lstStyle/>
+          <a:p>
+            <a:pPr lvl="0">
+              <a:defRPr lang="ko-KR" altLang="en-US"/>
+            </a:pPr>
+            <a:r>
+              <a:rPr lang="en-US" altLang="ko-KR"/>
+              <a:t>불필요한 파일 관리, 최소한의 사용자 계정 사용, 디렉토리 index설정 제거</a:t>
+            </a:r>
+          </a:p>
+          <a:p>
+            <a:pPr lvl="0">
+              <a:defRPr lang="ko-KR" altLang="en-US"/>
+            </a:pPr>
+            <a:r>
+              <a:rPr lang="en-US" altLang="ko-KR"/>
+              <a:t>심볼릭 링크 사용 설정 제거, 메소드 제한, 헤더 정보 제한 등</a:t>
+            </a:r>
           </a:p>
         </p:txBody>
       </p:sp>
@@ -10570,14 +10430,14 @@
   <p:clrMapOvr>
     <a:masterClrMapping/>
   </p:clrMapOvr>
-  <p:transition xmlns:mc="http://schemas.openxmlformats.org/markup-compatibility/2006" xmlns:hp="http://schemas.haansoft.com/office/presentation/8.0" spd="slow" mc:Ignorable="hp" hp:hslDur="3000">
+  <p:transition spd="slow">
     <p:push/>
   </p:transition>
 </p:sld>
 </file>
 
 <file path=ppt/slides/slide11.xml><?xml version="1.0" encoding="utf-8"?>
-<p:sld xmlns:r="http://schemas.openxmlformats.org/officeDocument/2006/relationships" xmlns:c="http://schemas.openxmlformats.org/drawingml/2006/chart" xmlns:a="http://schemas.openxmlformats.org/drawingml/2006/main" xmlns:dgm="http://schemas.openxmlformats.org/drawingml/2006/diagram" xmlns:dsp="http://schemas.microsoft.com/office/drawing/2008/diagram" xmlns:p="http://schemas.openxmlformats.org/presentationml/2006/main">
+<p:sld xmlns:a="http://schemas.openxmlformats.org/drawingml/2006/main" xmlns:r="http://schemas.openxmlformats.org/officeDocument/2006/relationships" xmlns:p="http://schemas.openxmlformats.org/presentationml/2006/main">
   <p:cSld>
     <p:spTree>
       <p:nvGrpSpPr>
@@ -10601,8 +10461,8 @@
         </p:nvSpPr>
         <p:spPr>
           <a:xfrm>
-            <a:off x="215516" y="226385"/>
-            <a:ext cx="8712968" cy="646331"/>
+            <a:off x="0" y="201930"/>
+            <a:ext cx="9144001" cy="758190"/>
           </a:xfrm>
           <a:prstGeom prst="rect">
             <a:avLst/>
@@ -10626,7 +10486,7 @@
               <a:defRPr lang="ko-KR" altLang="en-US"/>
             </a:pPr>
             <a:r>
-              <a:rPr lang="en-US" altLang="ko-KR" sz="3600">
+              <a:rPr lang="en-US" altLang="ko-KR" sz="4400">
                 <a:solidFill>
                   <a:schemeClr val="accent1">
                     <a:lumMod val="50000"/>
@@ -10635,10 +10495,10 @@
                 <a:latin typeface="HY견고딕"/>
                 <a:ea typeface="HY견고딕"/>
               </a:rPr>
-              <a:t>A9:</a:t>
-            </a:r>
-            <a:r>
-              <a:rPr lang="ko-KR" altLang="en-US" sz="3600">
+              <a:t>A7:</a:t>
+            </a:r>
+            <a:r>
+              <a:rPr lang="ko-KR" altLang="en-US" sz="4400">
                 <a:solidFill>
                   <a:schemeClr val="accent1">
                     <a:lumMod val="50000"/>
@@ -10647,9 +10507,21 @@
                 <a:latin typeface="HY견고딕"/>
                 <a:ea typeface="HY견고딕"/>
               </a:rPr>
-              <a:t>알려진 취약점이 있는 구성요소 사용</a:t>
-            </a:r>
-            <a:endParaRPr lang="ko-KR" altLang="en-US" sz="3600">
+              <a:t>크로스 사이트 스크립팅</a:t>
+            </a:r>
+            <a:r>
+              <a:rPr lang="en-US" altLang="ko-KR" sz="4400">
+                <a:solidFill>
+                  <a:schemeClr val="accent1">
+                    <a:lumMod val="50000"/>
+                  </a:schemeClr>
+                </a:solidFill>
+                <a:latin typeface="HY견고딕"/>
+                <a:ea typeface="HY견고딕"/>
+              </a:rPr>
+              <a:t>(XSS)</a:t>
+            </a:r>
+            <a:endParaRPr lang="ko-KR" altLang="en-US" sz="4400">
               <a:solidFill>
                 <a:schemeClr val="accent1">
                   <a:lumMod val="50000"/>
@@ -11005,9 +10877,8 @@
             </a:pPr>
             <a:r>
               <a:rPr lang="en-US" altLang="ko-KR"/>
-              <a:t>취약한 컴포넌트를 악용하는 공격으로</a:t>
-            </a:r>
-            <a:endParaRPr lang="en-US" altLang="ko-KR"/>
+              <a:t>공격자가 스크립트를 삽입한 웹사이트에 사용자가</a:t>
+            </a:r>
           </a:p>
           <a:p>
             <a:pPr lvl="0">
@@ -11015,9 +10886,8 @@
             </a:pPr>
             <a:r>
               <a:rPr lang="en-US" altLang="ko-KR"/>
-              <a:t>심각한 데이터 손실이 생기고 서버가 장악된다.</a:t>
-            </a:r>
-            <a:endParaRPr lang="en-US" altLang="ko-KR"/>
+              <a:t>접근할 경우 스크립트가 실행되는 공격 기법이다.</a:t>
+            </a:r>
           </a:p>
         </p:txBody>
       </p:sp>
@@ -11030,7 +10900,7 @@
         <p:spPr>
           <a:xfrm>
             <a:off x="971598" y="4581128"/>
-            <a:ext cx="7358967" cy="1455817"/>
+            <a:ext cx="7673292" cy="636667"/>
           </a:xfrm>
           <a:prstGeom prst="rect">
             <a:avLst/>
@@ -11038,7 +10908,7 @@
           <a:noFill/>
         </p:spPr>
         <p:txBody>
-          <a:bodyPr wrap="none">
+          <a:bodyPr wrap="square">
             <a:spAutoFit/>
           </a:bodyPr>
           <a:lstStyle/>
@@ -11048,9 +10918,8 @@
             </a:pPr>
             <a:r>
               <a:rPr lang="en-US" altLang="ko-KR"/>
-              <a:t>사용중인 컴포넌트 서비스, 프로그램들에 대하여 버전, </a:t>
-            </a:r>
-            <a:endParaRPr lang="en-US" altLang="ko-KR"/>
+              <a:t>쿠키 인증 방식이 아닌 세션 인증 방식으로 바꾸면 된다.</a:t>
+            </a:r>
           </a:p>
           <a:p>
             <a:pPr lvl="0">
@@ -11058,35 +10927,8 @@
             </a:pPr>
             <a:r>
               <a:rPr lang="en-US" altLang="ko-KR"/>
-              <a:t>의존성, 필요 권한 등을 식별하여 리스트화 시킨다</a:t>
-            </a:r>
-            <a:endParaRPr lang="en-US" altLang="ko-KR"/>
-          </a:p>
-          <a:p>
-            <a:pPr lvl="0">
-              <a:defRPr lang="ko-KR" altLang="en-US"/>
-            </a:pPr>
-            <a:r>
-              <a:rPr lang="en-US" altLang="ko-KR"/>
-              <a:t>이를 이용하여 CVE나 NVD를 통하여 지속적으로 비교한다.</a:t>
-            </a:r>
-            <a:endParaRPr lang="en-US" altLang="ko-KR"/>
-          </a:p>
-          <a:p>
-            <a:pPr lvl="0">
-              <a:defRPr lang="ko-KR" altLang="en-US"/>
-            </a:pPr>
-            <a:endParaRPr lang="en-US" altLang="ko-KR"/>
-          </a:p>
-          <a:p>
-            <a:pPr lvl="0">
-              <a:defRPr lang="ko-KR" altLang="en-US"/>
-            </a:pPr>
-            <a:r>
-              <a:rPr lang="en-US" altLang="ko-KR"/>
-              <a:t>위 항목들에 대한 보안 정책을 새우고 사용하지 않는 기능들은 꺼둔다.</a:t>
-            </a:r>
-            <a:endParaRPr lang="en-US" altLang="ko-KR"/>
+              <a:t>적절한 필터링, HTML포맷 사용 금지, 스크립트 자체 무효화 등</a:t>
+            </a:r>
           </a:p>
         </p:txBody>
       </p:sp>
@@ -11095,14 +10937,14 @@
   <p:clrMapOvr>
     <a:masterClrMapping/>
   </p:clrMapOvr>
-  <p:transition xmlns:mc="http://schemas.openxmlformats.org/markup-compatibility/2006" xmlns:hp="http://schemas.haansoft.com/office/presentation/8.0" spd="slow" mc:Ignorable="hp" hp:hslDur="3000">
+  <p:transition spd="slow">
     <p:push/>
   </p:transition>
 </p:sld>
 </file>
 
 <file path=ppt/slides/slide12.xml><?xml version="1.0" encoding="utf-8"?>
-<p:sld xmlns:r="http://schemas.openxmlformats.org/officeDocument/2006/relationships" xmlns:c="http://schemas.openxmlformats.org/drawingml/2006/chart" xmlns:a="http://schemas.openxmlformats.org/drawingml/2006/main" xmlns:dgm="http://schemas.openxmlformats.org/drawingml/2006/diagram" xmlns:dsp="http://schemas.microsoft.com/office/drawing/2008/diagram" xmlns:p="http://schemas.openxmlformats.org/presentationml/2006/main">
+<p:sld xmlns:a="http://schemas.openxmlformats.org/drawingml/2006/main" xmlns:r="http://schemas.openxmlformats.org/officeDocument/2006/relationships" xmlns:p="http://schemas.openxmlformats.org/presentationml/2006/main">
   <p:cSld>
     <p:spTree>
       <p:nvGrpSpPr>
@@ -11126,8 +10968,8 @@
         </p:nvSpPr>
         <p:spPr>
           <a:xfrm>
-            <a:off x="323528" y="201930"/>
-            <a:ext cx="8532948" cy="758190"/>
+            <a:off x="719572" y="201930"/>
+            <a:ext cx="7848793" cy="830997"/>
           </a:xfrm>
           <a:prstGeom prst="rect">
             <a:avLst/>
@@ -11151,7 +10993,7 @@
               <a:defRPr lang="ko-KR" altLang="en-US"/>
             </a:pPr>
             <a:r>
-              <a:rPr lang="en-US" altLang="ko-KR" sz="4400">
+              <a:rPr lang="en-US" altLang="ko-KR" sz="4800">
                 <a:solidFill>
                   <a:schemeClr val="accent1">
                     <a:lumMod val="50000"/>
@@ -11160,10 +11002,10 @@
                 <a:latin typeface="HY견고딕"/>
                 <a:ea typeface="HY견고딕"/>
               </a:rPr>
-              <a:t>A10:</a:t>
-            </a:r>
-            <a:r>
-              <a:rPr lang="ko-KR" altLang="en-US" sz="4400">
+              <a:t>A8:</a:t>
+            </a:r>
+            <a:r>
+              <a:rPr lang="ko-KR" altLang="en-US" sz="4800">
                 <a:solidFill>
                   <a:schemeClr val="accent1">
                     <a:lumMod val="50000"/>
@@ -11172,41 +11014,8 @@
                 <a:latin typeface="HY견고딕"/>
                 <a:ea typeface="HY견고딕"/>
               </a:rPr>
-              <a:t>불충분한 로깅 </a:t>
-            </a:r>
-            <a:r>
-              <a:rPr lang="en-US" altLang="ko-KR" sz="4400">
-                <a:solidFill>
-                  <a:schemeClr val="accent1">
-                    <a:lumMod val="50000"/>
-                  </a:schemeClr>
-                </a:solidFill>
-                <a:latin typeface="HY견고딕"/>
-                <a:ea typeface="HY견고딕"/>
-              </a:rPr>
-              <a:t>&amp; </a:t>
-            </a:r>
-            <a:r>
-              <a:rPr lang="ko-KR" altLang="en-US" sz="4400">
-                <a:solidFill>
-                  <a:schemeClr val="accent1">
-                    <a:lumMod val="50000"/>
-                  </a:schemeClr>
-                </a:solidFill>
-                <a:latin typeface="HY견고딕"/>
-                <a:ea typeface="HY견고딕"/>
-              </a:rPr>
-              <a:t>모니터링</a:t>
-            </a:r>
-            <a:endParaRPr lang="ko-KR" altLang="en-US" sz="4400">
-              <a:solidFill>
-                <a:schemeClr val="accent1">
-                  <a:lumMod val="50000"/>
-                </a:schemeClr>
-              </a:solidFill>
-              <a:latin typeface="HY견고딕"/>
-              <a:ea typeface="HY견고딕"/>
-            </a:endParaRPr>
+              <a:t>안전하지 않은 역직렬화</a:t>
+            </a:r>
           </a:p>
         </p:txBody>
       </p:sp>
@@ -11482,61 +11291,14 @@
       </p:sp>
       <p:sp>
         <p:nvSpPr>
-          <p:cNvPr id="9" name="TextBox 8"/>
-          <p:cNvSpPr txBox="1"/>
-          <p:nvPr/>
-        </p:nvSpPr>
-        <p:spPr>
-          <a:xfrm>
-            <a:off x="755576" y="4005064"/>
-            <a:ext cx="1774264" cy="450731"/>
-          </a:xfrm>
-          <a:prstGeom prst="rect">
-            <a:avLst/>
-          </a:prstGeom>
-          <a:noFill/>
-        </p:spPr>
-        <p:txBody>
-          <a:bodyPr wrap="none">
-            <a:spAutoFit/>
-          </a:bodyPr>
-          <a:lstStyle/>
-          <a:p>
-            <a:pPr marL="285750" indent="-285750">
-              <a:buFont typeface="Wingdings"/>
-              <a:buChar char="l"/>
-              <a:defRPr lang="ko-KR" altLang="en-US"/>
-            </a:pPr>
-            <a:r>
-              <a:rPr lang="ko-KR" altLang="en-US" sz="2400" b="1">
-                <a:solidFill>
-                  <a:schemeClr val="tx2">
-                    <a:lumMod val="50000"/>
-                  </a:schemeClr>
-                </a:solidFill>
-              </a:rPr>
-              <a:t> 보안대책</a:t>
-            </a:r>
-            <a:endParaRPr lang="ko-KR" altLang="en-US" b="1">
-              <a:solidFill>
-                <a:schemeClr val="tx2">
-                  <a:lumMod val="50000"/>
-                </a:schemeClr>
-              </a:solidFill>
-            </a:endParaRPr>
-          </a:p>
-        </p:txBody>
-      </p:sp>
-      <p:sp>
-        <p:nvSpPr>
           <p:cNvPr id="10" name="TextBox 9"/>
           <p:cNvSpPr txBox="1"/>
           <p:nvPr/>
         </p:nvSpPr>
         <p:spPr>
           <a:xfrm>
-            <a:off x="971599" y="2203015"/>
-            <a:ext cx="6692215" cy="909755"/>
+            <a:off x="971597" y="2203015"/>
+            <a:ext cx="7596769" cy="643055"/>
           </a:xfrm>
           <a:prstGeom prst="rect">
             <a:avLst/>
@@ -11544,7 +11306,7 @@
           <a:noFill/>
         </p:spPr>
         <p:txBody>
-          <a:bodyPr wrap="none">
+          <a:bodyPr wrap="square">
             <a:spAutoFit/>
           </a:bodyPr>
           <a:lstStyle/>
@@ -11554,9 +11316,8 @@
             </a:pPr>
             <a:r>
               <a:rPr lang="en-US" altLang="ko-KR"/>
-              <a:t>불충분한 로깅 및 모니터링과 사고 대응과의 통합이 누락되거나</a:t>
-            </a:r>
-            <a:endParaRPr lang="en-US" altLang="ko-KR"/>
+              <a:t>역직렬화 취약점은 직렬화 형태로 처리되는 개채에 변조</a:t>
+            </a:r>
           </a:p>
           <a:p>
             <a:pPr lvl="0">
@@ -11564,80 +11325,8 @@
             </a:pPr>
             <a:r>
               <a:rPr lang="en-US" altLang="ko-KR"/>
-              <a:t>비효율적인 경우 공격자에 의해 시스템 공격으로 이어지거나</a:t>
-            </a:r>
-            <a:endParaRPr lang="en-US" altLang="ko-KR"/>
-          </a:p>
-          <a:p>
-            <a:pPr lvl="0">
-              <a:defRPr lang="ko-KR" altLang="en-US"/>
-            </a:pPr>
-            <a:r>
-              <a:rPr lang="en-US" altLang="ko-KR"/>
-              <a:t>데이터 변조와 추출, 심지어 파괴될 수 있는</a:t>
-            </a:r>
-            <a:r>
-              <a:rPr lang="ko-KR" altLang="en-US"/>
-              <a:t> </a:t>
-            </a:r>
-            <a:r>
-              <a:rPr lang="en-US" altLang="ko-KR"/>
-              <a:t>취약점이다.</a:t>
-            </a:r>
-            <a:endParaRPr lang="en-US" altLang="ko-KR"/>
-          </a:p>
-        </p:txBody>
-      </p:sp>
-      <p:sp>
-        <p:nvSpPr>
-          <p:cNvPr id="11" name="TextBox 10"/>
-          <p:cNvSpPr txBox="1"/>
-          <p:nvPr/>
-        </p:nvSpPr>
-        <p:spPr>
-          <a:xfrm>
-            <a:off x="971597" y="4581128"/>
-            <a:ext cx="6720793" cy="903366"/>
-          </a:xfrm>
-          <a:prstGeom prst="rect">
-            <a:avLst/>
-          </a:prstGeom>
-          <a:noFill/>
-        </p:spPr>
-        <p:txBody>
-          <a:bodyPr wrap="none">
-            <a:spAutoFit/>
-          </a:bodyPr>
-          <a:lstStyle/>
-          <a:p>
-            <a:pPr lvl="0">
-              <a:defRPr lang="ko-KR" altLang="en-US"/>
-            </a:pPr>
-            <a:r>
-              <a:rPr lang="en-US" altLang="ko-KR"/>
-              <a:t>클라이언트와 API사이의 통신이 보호되고 있는지 확인해야 하며</a:t>
-            </a:r>
-            <a:endParaRPr lang="en-US" altLang="ko-KR"/>
-          </a:p>
-          <a:p>
-            <a:pPr lvl="0">
-              <a:defRPr lang="ko-KR" altLang="en-US"/>
-            </a:pPr>
-            <a:r>
-              <a:rPr lang="en-US" altLang="ko-KR"/>
-              <a:t>API에 강력한 인증방식이 모든 인증 정보, 키 및 토큰을</a:t>
-            </a:r>
-            <a:endParaRPr lang="en-US" altLang="ko-KR"/>
-          </a:p>
-          <a:p>
-            <a:pPr lvl="0">
-              <a:defRPr lang="ko-KR" altLang="en-US"/>
-            </a:pPr>
-            <a:r>
-              <a:rPr lang="en-US" altLang="ko-KR"/>
-              <a:t>보호하고 있는지 확인해야 한다.</a:t>
-            </a:r>
-            <a:endParaRPr lang="en-US" altLang="ko-KR"/>
+              <a:t>공격자 권한 상승 등의 문제가 발생되는 취약점이다.</a:t>
+            </a:r>
           </a:p>
         </p:txBody>
       </p:sp>
@@ -11646,14 +11335,14 @@
   <p:clrMapOvr>
     <a:masterClrMapping/>
   </p:clrMapOvr>
-  <p:transition xmlns:mc="http://schemas.openxmlformats.org/markup-compatibility/2006" xmlns:hp="http://schemas.haansoft.com/office/presentation/8.0" spd="slow" mc:Ignorable="hp" hp:hslDur="3000">
+  <p:transition spd="slow">
     <p:push/>
   </p:transition>
 </p:sld>
 </file>
 
 <file path=ppt/slides/slide13.xml><?xml version="1.0" encoding="utf-8"?>
-<p:sld xmlns:r="http://schemas.openxmlformats.org/officeDocument/2006/relationships" xmlns:c="http://schemas.openxmlformats.org/drawingml/2006/chart" xmlns:a="http://schemas.openxmlformats.org/drawingml/2006/main" xmlns:dgm="http://schemas.openxmlformats.org/drawingml/2006/diagram" xmlns:dsp="http://schemas.microsoft.com/office/drawing/2008/diagram" xmlns:p="http://schemas.openxmlformats.org/presentationml/2006/main">
+<p:sld xmlns:a="http://schemas.openxmlformats.org/drawingml/2006/main" xmlns:r="http://schemas.openxmlformats.org/officeDocument/2006/relationships" xmlns:p="http://schemas.openxmlformats.org/presentationml/2006/main">
   <p:cSld>
     <p:spTree>
       <p:nvGrpSpPr>
@@ -11677,8 +11366,8 @@
         </p:nvSpPr>
         <p:spPr>
           <a:xfrm>
-            <a:off x="323528" y="201930"/>
-            <a:ext cx="8532948" cy="758190"/>
+            <a:off x="215516" y="226385"/>
+            <a:ext cx="8712968" cy="646331"/>
           </a:xfrm>
           <a:prstGeom prst="rect">
             <a:avLst/>
@@ -11702,7 +11391,7 @@
               <a:defRPr lang="ko-KR" altLang="en-US"/>
             </a:pPr>
             <a:r>
-              <a:rPr lang="ko-KR" altLang="en-US" sz="4400">
+              <a:rPr lang="en-US" altLang="ko-KR" sz="3600">
                 <a:solidFill>
                   <a:schemeClr val="accent1">
                     <a:lumMod val="50000"/>
@@ -11711,17 +11400,20 @@
                 <a:latin typeface="HY견고딕"/>
                 <a:ea typeface="HY견고딕"/>
               </a:rPr>
-              <a:t>프로젝트 향후 계획</a:t>
-            </a:r>
-            <a:endParaRPr lang="ko-KR" altLang="en-US" sz="4400">
-              <a:solidFill>
-                <a:schemeClr val="accent1">
-                  <a:lumMod val="50000"/>
-                </a:schemeClr>
-              </a:solidFill>
-              <a:latin typeface="HY견고딕"/>
-              <a:ea typeface="HY견고딕"/>
-            </a:endParaRPr>
+              <a:t>A9:</a:t>
+            </a:r>
+            <a:r>
+              <a:rPr lang="ko-KR" altLang="en-US" sz="3600">
+                <a:solidFill>
+                  <a:schemeClr val="accent1">
+                    <a:lumMod val="50000"/>
+                  </a:schemeClr>
+                </a:solidFill>
+                <a:latin typeface="HY견고딕"/>
+                <a:ea typeface="HY견고딕"/>
+              </a:rPr>
+              <a:t>알려진 취약점이 있는 구성요소 사용</a:t>
+            </a:r>
           </a:p>
         </p:txBody>
       </p:sp>
@@ -11948,19 +11640,219 @@
           </a:p>
         </p:txBody>
       </p:sp>
+      <p:sp>
+        <p:nvSpPr>
+          <p:cNvPr id="8" name="TextBox 7"/>
+          <p:cNvSpPr txBox="1"/>
+          <p:nvPr/>
+        </p:nvSpPr>
+        <p:spPr>
+          <a:xfrm>
+            <a:off x="755576" y="1659795"/>
+            <a:ext cx="1164664" cy="461665"/>
+          </a:xfrm>
+          <a:prstGeom prst="rect">
+            <a:avLst/>
+          </a:prstGeom>
+          <a:noFill/>
+        </p:spPr>
+        <p:txBody>
+          <a:bodyPr wrap="none">
+            <a:spAutoFit/>
+          </a:bodyPr>
+          <a:lstStyle/>
+          <a:p>
+            <a:pPr marL="285750" indent="-285750">
+              <a:buFont typeface="Wingdings"/>
+              <a:buChar char="l"/>
+              <a:defRPr lang="ko-KR" altLang="en-US"/>
+            </a:pPr>
+            <a:r>
+              <a:rPr lang="ko-KR" altLang="en-US" sz="2400" b="1">
+                <a:solidFill>
+                  <a:schemeClr val="tx2">
+                    <a:lumMod val="50000"/>
+                  </a:schemeClr>
+                </a:solidFill>
+              </a:rPr>
+              <a:t> 정의</a:t>
+            </a:r>
+            <a:endParaRPr lang="ko-KR" altLang="en-US" b="1">
+              <a:solidFill>
+                <a:schemeClr val="tx2">
+                  <a:lumMod val="50000"/>
+                </a:schemeClr>
+              </a:solidFill>
+            </a:endParaRPr>
+          </a:p>
+        </p:txBody>
+      </p:sp>
+      <p:sp>
+        <p:nvSpPr>
+          <p:cNvPr id="9" name="TextBox 8"/>
+          <p:cNvSpPr txBox="1"/>
+          <p:nvPr/>
+        </p:nvSpPr>
+        <p:spPr>
+          <a:xfrm>
+            <a:off x="755576" y="4005064"/>
+            <a:ext cx="1774264" cy="450731"/>
+          </a:xfrm>
+          <a:prstGeom prst="rect">
+            <a:avLst/>
+          </a:prstGeom>
+          <a:noFill/>
+        </p:spPr>
+        <p:txBody>
+          <a:bodyPr wrap="none">
+            <a:spAutoFit/>
+          </a:bodyPr>
+          <a:lstStyle/>
+          <a:p>
+            <a:pPr marL="285750" indent="-285750">
+              <a:buFont typeface="Wingdings"/>
+              <a:buChar char="l"/>
+              <a:defRPr lang="ko-KR" altLang="en-US"/>
+            </a:pPr>
+            <a:r>
+              <a:rPr lang="ko-KR" altLang="en-US" sz="2400" b="1">
+                <a:solidFill>
+                  <a:schemeClr val="tx2">
+                    <a:lumMod val="50000"/>
+                  </a:schemeClr>
+                </a:solidFill>
+              </a:rPr>
+              <a:t> 보안대책</a:t>
+            </a:r>
+            <a:endParaRPr lang="ko-KR" altLang="en-US" b="1">
+              <a:solidFill>
+                <a:schemeClr val="tx2">
+                  <a:lumMod val="50000"/>
+                </a:schemeClr>
+              </a:solidFill>
+            </a:endParaRPr>
+          </a:p>
+        </p:txBody>
+      </p:sp>
+      <p:sp>
+        <p:nvSpPr>
+          <p:cNvPr id="10" name="TextBox 9"/>
+          <p:cNvSpPr txBox="1"/>
+          <p:nvPr/>
+        </p:nvSpPr>
+        <p:spPr>
+          <a:xfrm>
+            <a:off x="971599" y="2203015"/>
+            <a:ext cx="7673291" cy="643055"/>
+          </a:xfrm>
+          <a:prstGeom prst="rect">
+            <a:avLst/>
+          </a:prstGeom>
+          <a:noFill/>
+        </p:spPr>
+        <p:txBody>
+          <a:bodyPr wrap="square">
+            <a:spAutoFit/>
+          </a:bodyPr>
+          <a:lstStyle/>
+          <a:p>
+            <a:pPr lvl="0">
+              <a:defRPr lang="ko-KR" altLang="en-US"/>
+            </a:pPr>
+            <a:r>
+              <a:rPr lang="en-US" altLang="ko-KR"/>
+              <a:t>취약한 컴포넌트를 악용하는 공격으로</a:t>
+            </a:r>
+          </a:p>
+          <a:p>
+            <a:pPr lvl="0">
+              <a:defRPr lang="ko-KR" altLang="en-US"/>
+            </a:pPr>
+            <a:r>
+              <a:rPr lang="en-US" altLang="ko-KR"/>
+              <a:t>심각한 데이터 손실이 생기고 서버가 장악된다.</a:t>
+            </a:r>
+          </a:p>
+        </p:txBody>
+      </p:sp>
+      <p:sp>
+        <p:nvSpPr>
+          <p:cNvPr id="11" name="TextBox 10"/>
+          <p:cNvSpPr txBox="1"/>
+          <p:nvPr/>
+        </p:nvSpPr>
+        <p:spPr>
+          <a:xfrm>
+            <a:off x="971598" y="4581128"/>
+            <a:ext cx="7358967" cy="1455817"/>
+          </a:xfrm>
+          <a:prstGeom prst="rect">
+            <a:avLst/>
+          </a:prstGeom>
+          <a:noFill/>
+        </p:spPr>
+        <p:txBody>
+          <a:bodyPr wrap="none">
+            <a:spAutoFit/>
+          </a:bodyPr>
+          <a:lstStyle/>
+          <a:p>
+            <a:pPr lvl="0">
+              <a:defRPr lang="ko-KR" altLang="en-US"/>
+            </a:pPr>
+            <a:r>
+              <a:rPr lang="en-US" altLang="ko-KR"/>
+              <a:t>사용중인 컴포넌트 서비스, 프로그램들에 대하여 버전, </a:t>
+            </a:r>
+          </a:p>
+          <a:p>
+            <a:pPr lvl="0">
+              <a:defRPr lang="ko-KR" altLang="en-US"/>
+            </a:pPr>
+            <a:r>
+              <a:rPr lang="en-US" altLang="ko-KR"/>
+              <a:t>의존성, 필요 권한 등을 식별하여 리스트화 시킨다</a:t>
+            </a:r>
+          </a:p>
+          <a:p>
+            <a:pPr lvl="0">
+              <a:defRPr lang="ko-KR" altLang="en-US"/>
+            </a:pPr>
+            <a:r>
+              <a:rPr lang="en-US" altLang="ko-KR"/>
+              <a:t>이를 이용하여 CVE나 NVD를 통하여 지속적으로 비교한다.</a:t>
+            </a:r>
+          </a:p>
+          <a:p>
+            <a:pPr lvl="0">
+              <a:defRPr lang="ko-KR" altLang="en-US"/>
+            </a:pPr>
+            <a:endParaRPr lang="en-US" altLang="ko-KR"/>
+          </a:p>
+          <a:p>
+            <a:pPr lvl="0">
+              <a:defRPr lang="ko-KR" altLang="en-US"/>
+            </a:pPr>
+            <a:r>
+              <a:rPr lang="en-US" altLang="ko-KR"/>
+              <a:t>위 항목들에 대한 보안 정책을 새우고 사용하지 않는 기능들은 꺼둔다.</a:t>
+            </a:r>
+          </a:p>
+        </p:txBody>
+      </p:sp>
     </p:spTree>
   </p:cSld>
   <p:clrMapOvr>
     <a:masterClrMapping/>
   </p:clrMapOvr>
-  <p:transition xmlns:mc="http://schemas.openxmlformats.org/markup-compatibility/2006" xmlns:hp="http://schemas.haansoft.com/office/presentation/8.0" spd="slow" mc:Ignorable="hp" hp:hslDur="3000">
+  <p:transition spd="slow">
     <p:push/>
   </p:transition>
 </p:sld>
 </file>
 
 <file path=ppt/slides/slide14.xml><?xml version="1.0" encoding="utf-8"?>
-<p:sld xmlns:r="http://schemas.openxmlformats.org/officeDocument/2006/relationships" xmlns:c="http://schemas.openxmlformats.org/drawingml/2006/chart" xmlns:a="http://schemas.openxmlformats.org/drawingml/2006/main" xmlns:dgm="http://schemas.openxmlformats.org/drawingml/2006/diagram" xmlns:dsp="http://schemas.microsoft.com/office/drawing/2008/diagram" xmlns:p="http://schemas.openxmlformats.org/presentationml/2006/main">
+<p:sld xmlns:a="http://schemas.openxmlformats.org/drawingml/2006/main" xmlns:r="http://schemas.openxmlformats.org/officeDocument/2006/relationships" xmlns:p="http://schemas.openxmlformats.org/presentationml/2006/main">
   <p:cSld>
     <p:spTree>
       <p:nvGrpSpPr>
@@ -11984,8 +11876,8 @@
         </p:nvSpPr>
         <p:spPr>
           <a:xfrm>
-            <a:off x="1177290" y="2589525"/>
-            <a:ext cx="6769734" cy="1180470"/>
+            <a:off x="323528" y="201930"/>
+            <a:ext cx="8532948" cy="758190"/>
           </a:xfrm>
           <a:prstGeom prst="rect">
             <a:avLst/>
@@ -12000,26 +11892,16 @@
           </a:effectLst>
         </p:spPr>
         <p:txBody>
-          <a:bodyPr vert="horz" wrap="square" lIns="91440" tIns="45720" rIns="91440" bIns="45720" anchor="t">
+          <a:bodyPr wrap="square">
             <a:spAutoFit/>
           </a:bodyPr>
           <a:lstStyle/>
           <a:p>
-            <a:pPr marL="0" indent="0" algn="ctr" defTabSz="914400" eaLnBrk="0">
-              <a:lnSpc>
-                <a:spcPct val="150000"/>
-              </a:lnSpc>
-              <a:spcBef>
-                <a:spcPct val="0"/>
-              </a:spcBef>
-              <a:spcAft>
-                <a:spcPct val="0"/>
-              </a:spcAft>
-              <a:buNone/>
-              <a:defRPr lang="ko-KR" altLang="en-US"/>
-            </a:pPr>
-            <a:r>
-              <a:rPr lang="en-US" altLang="ko-KR" sz="4800" b="0" i="1">
+            <a:pPr algn="ctr">
+              <a:defRPr lang="ko-KR" altLang="en-US"/>
+            </a:pPr>
+            <a:r>
+              <a:rPr lang="en-US" altLang="ko-KR" sz="4400">
                 <a:solidFill>
                   <a:schemeClr val="accent1">
                     <a:lumMod val="50000"/>
@@ -12028,80 +11910,10 @@
                 <a:latin typeface="HY견고딕"/>
                 <a:ea typeface="HY견고딕"/>
               </a:rPr>
-              <a:t>THANK YOU :)</a:t>
-            </a:r>
-            <a:endParaRPr lang="ko-KR" altLang="en-US" sz="4800" b="0" i="1">
-              <a:solidFill>
-                <a:schemeClr val="accent1">
-                  <a:lumMod val="50000"/>
-                </a:schemeClr>
-              </a:solidFill>
-              <a:latin typeface="HY견고딕"/>
-              <a:ea typeface="HY견고딕"/>
-            </a:endParaRPr>
-          </a:p>
-        </p:txBody>
-      </p:sp>
-    </p:spTree>
-  </p:cSld>
-  <p:clrMapOvr>
-    <a:masterClrMapping/>
-  </p:clrMapOvr>
-  <p:transition xmlns:mc="http://schemas.openxmlformats.org/markup-compatibility/2006" xmlns:hp="http://schemas.haansoft.com/office/presentation/8.0" spd="slow" mc:Ignorable="hp" hp:hslDur="3000"/>
-</p:sld>
-</file>
-
-<file path=ppt/slides/slide2.xml><?xml version="1.0" encoding="utf-8"?>
-<p:sld xmlns:r="http://schemas.openxmlformats.org/officeDocument/2006/relationships" xmlns:c="http://schemas.openxmlformats.org/drawingml/2006/chart" xmlns:a="http://schemas.openxmlformats.org/drawingml/2006/main" xmlns:dgm="http://schemas.openxmlformats.org/drawingml/2006/diagram" xmlns:dsp="http://schemas.microsoft.com/office/drawing/2008/diagram" xmlns:p="http://schemas.openxmlformats.org/presentationml/2006/main">
-  <p:cSld>
-    <p:spTree>
-      <p:nvGrpSpPr>
-        <p:cNvPr id="1" name=""/>
-        <p:cNvGrpSpPr/>
-        <p:nvPr/>
-      </p:nvGrpSpPr>
-      <p:grpSpPr>
-        <a:xfrm>
-          <a:off x="0" y="0"/>
-          <a:ext cx="0" cy="0"/>
-          <a:chOff x="0" y="0"/>
-          <a:chExt cx="0" cy="0"/>
-        </a:xfrm>
-      </p:grpSpPr>
-      <p:sp>
-        <p:nvSpPr>
-          <p:cNvPr id="12" name="TextBox 11"/>
-          <p:cNvSpPr txBox="1"/>
-          <p:nvPr/>
-        </p:nvSpPr>
-        <p:spPr>
-          <a:xfrm>
-            <a:off x="1115695" y="201930"/>
-            <a:ext cx="6768465" cy="831215"/>
-          </a:xfrm>
-          <a:prstGeom prst="rect">
-            <a:avLst/>
-          </a:prstGeom>
-          <a:noFill/>
-          <a:effectLst>
-            <a:outerShdw blurRad="50800" dist="38100" dir="5400000" algn="t" rotWithShape="0">
-              <a:prstClr val="black">
-                <a:alpha val="40000"/>
-              </a:prstClr>
-            </a:outerShdw>
-          </a:effectLst>
-        </p:spPr>
-        <p:txBody>
-          <a:bodyPr wrap="square">
-            <a:spAutoFit/>
-          </a:bodyPr>
-          <a:lstStyle/>
-          <a:p>
-            <a:pPr algn="ctr">
-              <a:defRPr lang="ko-KR" altLang="en-US"/>
-            </a:pPr>
-            <a:r>
-              <a:rPr lang="en-US" altLang="ko-KR" sz="4800">
+              <a:t>A10:</a:t>
+            </a:r>
+            <a:r>
+              <a:rPr lang="ko-KR" altLang="en-US" sz="4400">
                 <a:solidFill>
                   <a:schemeClr val="accent1">
                     <a:lumMod val="50000"/>
@@ -12110,680 +11922,10 @@
                 <a:latin typeface="HY견고딕"/>
                 <a:ea typeface="HY견고딕"/>
               </a:rPr>
-              <a:t>CONTENTS</a:t>
-            </a:r>
-            <a:endParaRPr lang="ko-KR" altLang="en-US" sz="4800">
-              <a:solidFill>
-                <a:schemeClr val="accent1">
-                  <a:lumMod val="50000"/>
-                </a:schemeClr>
-              </a:solidFill>
-              <a:latin typeface="HY견고딕"/>
-              <a:ea typeface="HY견고딕"/>
-            </a:endParaRPr>
-          </a:p>
-        </p:txBody>
-      </p:sp>
-      <p:sp>
-        <p:nvSpPr>
-          <p:cNvPr id="3" name="TextBox 2"/>
-          <p:cNvSpPr txBox="1"/>
-          <p:nvPr/>
-        </p:nvSpPr>
-        <p:spPr>
-          <a:xfrm>
-            <a:off x="685800" y="1340485"/>
-            <a:ext cx="7706359" cy="4620260"/>
-          </a:xfrm>
-          <a:prstGeom prst="rect">
-            <a:avLst/>
-          </a:prstGeom>
-          <a:noFill/>
-        </p:spPr>
-        <p:txBody>
-          <a:bodyPr vert="horz" wrap="square" lIns="91440" tIns="45720" rIns="91440" bIns="45720" anchor="t">
-            <a:spAutoFit/>
-          </a:bodyPr>
-          <a:lstStyle/>
-          <a:p>
-            <a:pPr marL="342900" indent="-342900" algn="l" defTabSz="914400" eaLnBrk="0">
-              <a:lnSpc>
-                <a:spcPct val="150000"/>
-              </a:lnSpc>
-              <a:spcBef>
-                <a:spcPct val="0"/>
-              </a:spcBef>
-              <a:spcAft>
-                <a:spcPct val="0"/>
-              </a:spcAft>
-              <a:buFont typeface="+mj-lt"/>
-              <a:buAutoNum type="arabicParenR"/>
-              <a:defRPr lang="ko-KR" altLang="en-US"/>
-            </a:pPr>
-            <a:r>
-              <a:rPr lang="en-US" altLang="ko-KR" sz="1800" b="0">
-                <a:solidFill>
-                  <a:schemeClr val="tx2">
-                    <a:lumMod val="50000"/>
-                  </a:schemeClr>
-                </a:solidFill>
-                <a:latin typeface="HY견고딕"/>
-                <a:ea typeface="HY견고딕"/>
-              </a:rPr>
-              <a:t>A1:</a:t>
-            </a:r>
-            <a:r>
-              <a:rPr lang="ko-KR" altLang="en-US" sz="1800" b="0">
-                <a:solidFill>
-                  <a:schemeClr val="tx2">
-                    <a:lumMod val="50000"/>
-                  </a:schemeClr>
-                </a:solidFill>
-                <a:latin typeface="HY견고딕"/>
-                <a:ea typeface="HY견고딕"/>
-              </a:rPr>
-              <a:t>인젝션</a:t>
-            </a:r>
-            <a:endParaRPr lang="ko-KR" altLang="en-US" sz="1800" b="0">
-              <a:solidFill>
-                <a:schemeClr val="tx2">
-                  <a:lumMod val="50000"/>
-                </a:schemeClr>
-              </a:solidFill>
-              <a:latin typeface="HY견고딕"/>
-              <a:ea typeface="HY견고딕"/>
-            </a:endParaRPr>
-          </a:p>
-          <a:p>
-            <a:pPr marL="342900" indent="-342900" algn="l" defTabSz="914400" eaLnBrk="0">
-              <a:lnSpc>
-                <a:spcPct val="150000"/>
-              </a:lnSpc>
-              <a:spcBef>
-                <a:spcPct val="0"/>
-              </a:spcBef>
-              <a:spcAft>
-                <a:spcPct val="0"/>
-              </a:spcAft>
-              <a:buFont typeface="+mj-lt"/>
-              <a:buAutoNum type="arabicParenR"/>
-              <a:defRPr lang="ko-KR" altLang="en-US"/>
-            </a:pPr>
-            <a:r>
-              <a:rPr lang="en-US" altLang="ko-KR" sz="1800" b="0">
-                <a:solidFill>
-                  <a:schemeClr val="tx2">
-                    <a:lumMod val="50000"/>
-                  </a:schemeClr>
-                </a:solidFill>
-                <a:latin typeface="HY견고딕"/>
-                <a:ea typeface="HY견고딕"/>
-              </a:rPr>
-              <a:t>A2:</a:t>
-            </a:r>
-            <a:r>
-              <a:rPr lang="ko-KR" altLang="en-US">
-                <a:solidFill>
-                  <a:schemeClr val="tx2">
-                    <a:lumMod val="50000"/>
-                  </a:schemeClr>
-                </a:solidFill>
-                <a:latin typeface="HY견고딕"/>
-                <a:ea typeface="HY견고딕"/>
-              </a:rPr>
-              <a:t>취약한 인증</a:t>
-            </a:r>
-            <a:endParaRPr lang="ko-KR" altLang="en-US">
-              <a:solidFill>
-                <a:schemeClr val="tx2">
-                  <a:lumMod val="50000"/>
-                </a:schemeClr>
-              </a:solidFill>
-              <a:latin typeface="HY견고딕"/>
-              <a:ea typeface="HY견고딕"/>
-            </a:endParaRPr>
-          </a:p>
-          <a:p>
-            <a:pPr marL="342900" indent="-342900" algn="l" defTabSz="914400" eaLnBrk="0">
-              <a:lnSpc>
-                <a:spcPct val="150000"/>
-              </a:lnSpc>
-              <a:spcBef>
-                <a:spcPct val="0"/>
-              </a:spcBef>
-              <a:spcAft>
-                <a:spcPct val="0"/>
-              </a:spcAft>
-              <a:buFont typeface="+mj-lt"/>
-              <a:buAutoNum type="arabicParenR"/>
-              <a:defRPr lang="ko-KR" altLang="en-US"/>
-            </a:pPr>
-            <a:r>
-              <a:rPr lang="en-US" altLang="ko-KR" sz="1800" b="0">
-                <a:solidFill>
-                  <a:schemeClr val="tx2">
-                    <a:lumMod val="50000"/>
-                  </a:schemeClr>
-                </a:solidFill>
-                <a:latin typeface="HY견고딕"/>
-                <a:ea typeface="HY견고딕"/>
-              </a:rPr>
-              <a:t>A3:</a:t>
-            </a:r>
-            <a:r>
-              <a:rPr lang="ko-KR" altLang="en-US" sz="1800" b="0">
-                <a:solidFill>
-                  <a:schemeClr val="tx2">
-                    <a:lumMod val="50000"/>
-                  </a:schemeClr>
-                </a:solidFill>
-                <a:latin typeface="HY견고딕"/>
-                <a:ea typeface="HY견고딕"/>
-              </a:rPr>
-              <a:t>민감한 데이터 노출</a:t>
-            </a:r>
-            <a:endParaRPr lang="ko-KR" altLang="en-US" sz="1800" b="0">
-              <a:solidFill>
-                <a:schemeClr val="tx2">
-                  <a:lumMod val="50000"/>
-                </a:schemeClr>
-              </a:solidFill>
-              <a:latin typeface="HY견고딕"/>
-              <a:ea typeface="HY견고딕"/>
-            </a:endParaRPr>
-          </a:p>
-          <a:p>
-            <a:pPr marL="342900" indent="-342900" algn="l" defTabSz="914400" eaLnBrk="0">
-              <a:lnSpc>
-                <a:spcPct val="150000"/>
-              </a:lnSpc>
-              <a:spcBef>
-                <a:spcPct val="0"/>
-              </a:spcBef>
-              <a:spcAft>
-                <a:spcPct val="0"/>
-              </a:spcAft>
-              <a:buFont typeface="+mj-lt"/>
-              <a:buAutoNum type="arabicParenR"/>
-              <a:defRPr lang="ko-KR" altLang="en-US"/>
-            </a:pPr>
-            <a:r>
-              <a:rPr lang="en-US" altLang="ko-KR" sz="1800" b="0">
-                <a:solidFill>
-                  <a:schemeClr val="tx2">
-                    <a:lumMod val="50000"/>
-                  </a:schemeClr>
-                </a:solidFill>
-                <a:latin typeface="HY견고딕"/>
-                <a:ea typeface="HY견고딕"/>
-              </a:rPr>
-              <a:t>A4:XML </a:t>
-            </a:r>
-            <a:r>
-              <a:rPr lang="ko-KR" altLang="en-US">
-                <a:solidFill>
-                  <a:schemeClr val="tx2">
-                    <a:lumMod val="50000"/>
-                  </a:schemeClr>
-                </a:solidFill>
-                <a:latin typeface="HY견고딕"/>
-                <a:ea typeface="HY견고딕"/>
-              </a:rPr>
-              <a:t>외부 개체</a:t>
-            </a:r>
-            <a:r>
-              <a:rPr lang="en-US" altLang="ko-KR">
-                <a:solidFill>
-                  <a:schemeClr val="tx2">
-                    <a:lumMod val="50000"/>
-                  </a:schemeClr>
-                </a:solidFill>
-                <a:latin typeface="HY견고딕"/>
-                <a:ea typeface="HY견고딕"/>
-              </a:rPr>
-              <a:t>(XXE)</a:t>
-            </a:r>
-            <a:endParaRPr lang="en-US" altLang="ko-KR">
-              <a:solidFill>
-                <a:schemeClr val="tx2">
-                  <a:lumMod val="50000"/>
-                </a:schemeClr>
-              </a:solidFill>
-              <a:latin typeface="HY견고딕"/>
-              <a:ea typeface="HY견고딕"/>
-            </a:endParaRPr>
-          </a:p>
-          <a:p>
-            <a:pPr marL="342900" indent="-342900" algn="l" defTabSz="914400" eaLnBrk="0">
-              <a:lnSpc>
-                <a:spcPct val="150000"/>
-              </a:lnSpc>
-              <a:spcBef>
-                <a:spcPct val="0"/>
-              </a:spcBef>
-              <a:spcAft>
-                <a:spcPct val="0"/>
-              </a:spcAft>
-              <a:buFont typeface="+mj-lt"/>
-              <a:buAutoNum type="arabicParenR"/>
-              <a:defRPr lang="ko-KR" altLang="en-US"/>
-            </a:pPr>
-            <a:r>
-              <a:rPr lang="en-US" altLang="ko-KR">
-                <a:solidFill>
-                  <a:schemeClr val="tx2">
-                    <a:lumMod val="50000"/>
-                  </a:schemeClr>
-                </a:solidFill>
-                <a:latin typeface="HY견고딕"/>
-                <a:ea typeface="HY견고딕"/>
-              </a:rPr>
-              <a:t>A5:</a:t>
-            </a:r>
-            <a:r>
-              <a:rPr lang="ko-KR" altLang="en-US">
-                <a:solidFill>
-                  <a:schemeClr val="tx2">
-                    <a:lumMod val="50000"/>
-                  </a:schemeClr>
-                </a:solidFill>
-                <a:latin typeface="HY견고딕"/>
-                <a:ea typeface="HY견고딕"/>
-              </a:rPr>
-              <a:t>취약한 접근 통제</a:t>
-            </a:r>
-            <a:endParaRPr lang="ko-KR" altLang="en-US">
-              <a:solidFill>
-                <a:schemeClr val="tx2">
-                  <a:lumMod val="50000"/>
-                </a:schemeClr>
-              </a:solidFill>
-              <a:latin typeface="HY견고딕"/>
-              <a:ea typeface="HY견고딕"/>
-            </a:endParaRPr>
-          </a:p>
-          <a:p>
-            <a:pPr marL="342900" indent="-342900" algn="l" defTabSz="914400" eaLnBrk="0">
-              <a:lnSpc>
-                <a:spcPct val="150000"/>
-              </a:lnSpc>
-              <a:spcBef>
-                <a:spcPct val="0"/>
-              </a:spcBef>
-              <a:spcAft>
-                <a:spcPct val="0"/>
-              </a:spcAft>
-              <a:buFont typeface="+mj-lt"/>
-              <a:buAutoNum type="arabicParenR"/>
-              <a:defRPr lang="ko-KR" altLang="en-US"/>
-            </a:pPr>
-            <a:r>
-              <a:rPr lang="en-US" altLang="ko-KR" sz="1800" b="0">
-                <a:solidFill>
-                  <a:schemeClr val="tx2">
-                    <a:lumMod val="50000"/>
-                  </a:schemeClr>
-                </a:solidFill>
-                <a:latin typeface="HY견고딕"/>
-                <a:ea typeface="HY견고딕"/>
-              </a:rPr>
-              <a:t>A6:</a:t>
-            </a:r>
-            <a:r>
-              <a:rPr lang="ko-KR" altLang="en-US" sz="1800" b="0">
-                <a:solidFill>
-                  <a:schemeClr val="tx2">
-                    <a:lumMod val="50000"/>
-                  </a:schemeClr>
-                </a:solidFill>
-                <a:latin typeface="HY견고딕"/>
-                <a:ea typeface="HY견고딕"/>
-              </a:rPr>
-              <a:t>잘못된 보안 구성</a:t>
-            </a:r>
-            <a:endParaRPr lang="ko-KR" altLang="en-US" sz="1800" b="0">
-              <a:solidFill>
-                <a:schemeClr val="tx2">
-                  <a:lumMod val="50000"/>
-                </a:schemeClr>
-              </a:solidFill>
-              <a:latin typeface="HY견고딕"/>
-              <a:ea typeface="HY견고딕"/>
-            </a:endParaRPr>
-          </a:p>
-          <a:p>
-            <a:pPr marL="342900" indent="-342900" algn="l" defTabSz="914400" eaLnBrk="0">
-              <a:lnSpc>
-                <a:spcPct val="150000"/>
-              </a:lnSpc>
-              <a:spcBef>
-                <a:spcPct val="0"/>
-              </a:spcBef>
-              <a:spcAft>
-                <a:spcPct val="0"/>
-              </a:spcAft>
-              <a:buFont typeface="+mj-lt"/>
-              <a:buAutoNum type="arabicParenR"/>
-              <a:defRPr lang="ko-KR" altLang="en-US"/>
-            </a:pPr>
-            <a:r>
-              <a:rPr lang="en-US" altLang="ko-KR" sz="1800" b="0">
-                <a:solidFill>
-                  <a:schemeClr val="tx2">
-                    <a:lumMod val="50000"/>
-                  </a:schemeClr>
-                </a:solidFill>
-                <a:latin typeface="HY견고딕"/>
-                <a:ea typeface="HY견고딕"/>
-              </a:rPr>
-              <a:t>A7:</a:t>
-            </a:r>
-            <a:r>
-              <a:rPr lang="ko-KR" altLang="en-US" sz="1800" b="0">
-                <a:solidFill>
-                  <a:schemeClr val="tx2">
-                    <a:lumMod val="50000"/>
-                  </a:schemeClr>
-                </a:solidFill>
-                <a:latin typeface="HY견고딕"/>
-                <a:ea typeface="HY견고딕"/>
-              </a:rPr>
-              <a:t>크로스 사이트 스크립팅</a:t>
-            </a:r>
-            <a:r>
-              <a:rPr lang="en-US" altLang="ko-KR" sz="1800" b="0">
-                <a:solidFill>
-                  <a:schemeClr val="tx2">
-                    <a:lumMod val="50000"/>
-                  </a:schemeClr>
-                </a:solidFill>
-                <a:latin typeface="HY견고딕"/>
-                <a:ea typeface="HY견고딕"/>
-              </a:rPr>
-              <a:t>(XSS)</a:t>
-            </a:r>
-            <a:endParaRPr lang="en-US" altLang="ko-KR" sz="1800" b="0">
-              <a:solidFill>
-                <a:schemeClr val="tx2">
-                  <a:lumMod val="50000"/>
-                </a:schemeClr>
-              </a:solidFill>
-              <a:latin typeface="HY견고딕"/>
-              <a:ea typeface="HY견고딕"/>
-            </a:endParaRPr>
-          </a:p>
-          <a:p>
-            <a:pPr marL="342900" indent="-342900" algn="l" defTabSz="914400" eaLnBrk="0">
-              <a:lnSpc>
-                <a:spcPct val="150000"/>
-              </a:lnSpc>
-              <a:spcBef>
-                <a:spcPct val="0"/>
-              </a:spcBef>
-              <a:spcAft>
-                <a:spcPct val="0"/>
-              </a:spcAft>
-              <a:buFont typeface="+mj-lt"/>
-              <a:buAutoNum type="arabicParenR"/>
-              <a:defRPr lang="ko-KR" altLang="en-US"/>
-            </a:pPr>
-            <a:r>
-              <a:rPr lang="en-US" altLang="ko-KR">
-                <a:solidFill>
-                  <a:schemeClr val="tx2">
-                    <a:lumMod val="50000"/>
-                  </a:schemeClr>
-                </a:solidFill>
-                <a:latin typeface="HY견고딕"/>
-                <a:ea typeface="HY견고딕"/>
-              </a:rPr>
-              <a:t>A8:</a:t>
-            </a:r>
-            <a:r>
-              <a:rPr lang="ko-KR" altLang="en-US">
-                <a:solidFill>
-                  <a:schemeClr val="tx2">
-                    <a:lumMod val="50000"/>
-                  </a:schemeClr>
-                </a:solidFill>
-                <a:latin typeface="HY견고딕"/>
-                <a:ea typeface="HY견고딕"/>
-              </a:rPr>
-              <a:t>안전하지 않은 역직렬화</a:t>
-            </a:r>
-            <a:endParaRPr lang="ko-KR" altLang="en-US">
-              <a:solidFill>
-                <a:schemeClr val="tx2">
-                  <a:lumMod val="50000"/>
-                </a:schemeClr>
-              </a:solidFill>
-              <a:latin typeface="HY견고딕"/>
-              <a:ea typeface="HY견고딕"/>
-            </a:endParaRPr>
-          </a:p>
-          <a:p>
-            <a:pPr marL="342900" indent="-342900" algn="l" defTabSz="914400" eaLnBrk="0">
-              <a:lnSpc>
-                <a:spcPct val="150000"/>
-              </a:lnSpc>
-              <a:spcBef>
-                <a:spcPct val="0"/>
-              </a:spcBef>
-              <a:spcAft>
-                <a:spcPct val="0"/>
-              </a:spcAft>
-              <a:buFont typeface="+mj-lt"/>
-              <a:buAutoNum type="arabicParenR"/>
-              <a:defRPr lang="ko-KR" altLang="en-US"/>
-            </a:pPr>
-            <a:r>
-              <a:rPr lang="en-US" altLang="ko-KR" sz="1800" b="0">
-                <a:solidFill>
-                  <a:schemeClr val="tx2">
-                    <a:lumMod val="50000"/>
-                  </a:schemeClr>
-                </a:solidFill>
-                <a:latin typeface="HY견고딕"/>
-                <a:ea typeface="HY견고딕"/>
-              </a:rPr>
-              <a:t>A9:</a:t>
-            </a:r>
-            <a:r>
-              <a:rPr lang="ko-KR" altLang="en-US">
-                <a:solidFill>
-                  <a:schemeClr val="tx2">
-                    <a:lumMod val="50000"/>
-                  </a:schemeClr>
-                </a:solidFill>
-                <a:latin typeface="HY견고딕"/>
-                <a:ea typeface="HY견고딕"/>
-              </a:rPr>
-              <a:t>알려진 취약점이 있는 구성요소 사용</a:t>
-            </a:r>
-            <a:endParaRPr lang="ko-KR" altLang="en-US">
-              <a:solidFill>
-                <a:schemeClr val="tx2">
-                  <a:lumMod val="50000"/>
-                </a:schemeClr>
-              </a:solidFill>
-              <a:latin typeface="HY견고딕"/>
-              <a:ea typeface="HY견고딕"/>
-            </a:endParaRPr>
-          </a:p>
-          <a:p>
-            <a:pPr marL="342900" indent="-342900" algn="l" defTabSz="914400" eaLnBrk="0">
-              <a:lnSpc>
-                <a:spcPct val="150000"/>
-              </a:lnSpc>
-              <a:spcBef>
-                <a:spcPct val="0"/>
-              </a:spcBef>
-              <a:spcAft>
-                <a:spcPct val="0"/>
-              </a:spcAft>
-              <a:buFont typeface="+mj-lt"/>
-              <a:buAutoNum type="arabicParenR"/>
-              <a:defRPr lang="ko-KR" altLang="en-US"/>
-            </a:pPr>
-            <a:r>
-              <a:rPr lang="en-US" altLang="ko-KR" sz="1800" b="0">
-                <a:solidFill>
-                  <a:schemeClr val="tx2">
-                    <a:lumMod val="50000"/>
-                  </a:schemeClr>
-                </a:solidFill>
-                <a:latin typeface="HY견고딕"/>
-                <a:ea typeface="HY견고딕"/>
-              </a:rPr>
-              <a:t>A10:</a:t>
-            </a:r>
-            <a:r>
-              <a:rPr lang="ko-KR" altLang="en-US" sz="1800" b="0">
-                <a:solidFill>
-                  <a:schemeClr val="tx2">
-                    <a:lumMod val="50000"/>
-                  </a:schemeClr>
-                </a:solidFill>
-                <a:latin typeface="HY견고딕"/>
-                <a:ea typeface="HY견고딕"/>
-              </a:rPr>
               <a:t>불충분한 로깅 </a:t>
             </a:r>
             <a:r>
-              <a:rPr lang="en-US" altLang="ko-KR" sz="1800" b="0">
-                <a:solidFill>
-                  <a:schemeClr val="tx2">
-                    <a:lumMod val="50000"/>
-                  </a:schemeClr>
-                </a:solidFill>
-                <a:latin typeface="HY견고딕"/>
-                <a:ea typeface="HY견고딕"/>
-              </a:rPr>
-              <a:t>&amp; </a:t>
-            </a:r>
-            <a:r>
-              <a:rPr lang="ko-KR" altLang="en-US" sz="1800" b="0">
-                <a:solidFill>
-                  <a:schemeClr val="tx2">
-                    <a:lumMod val="50000"/>
-                  </a:schemeClr>
-                </a:solidFill>
-                <a:latin typeface="HY견고딕"/>
-                <a:ea typeface="HY견고딕"/>
-              </a:rPr>
-              <a:t>모니터링</a:t>
-            </a:r>
-            <a:endParaRPr lang="ko-KR" altLang="en-US" sz="1800" b="0">
-              <a:solidFill>
-                <a:schemeClr val="tx2">
-                  <a:lumMod val="50000"/>
-                </a:schemeClr>
-              </a:solidFill>
-              <a:latin typeface="HY견고딕"/>
-              <a:ea typeface="HY견고딕"/>
-            </a:endParaRPr>
-          </a:p>
-          <a:p>
-            <a:pPr marL="342900" indent="-342900" algn="l" defTabSz="914400" eaLnBrk="0">
-              <a:lnSpc>
-                <a:spcPct val="150000"/>
-              </a:lnSpc>
-              <a:spcBef>
-                <a:spcPct val="0"/>
-              </a:spcBef>
-              <a:spcAft>
-                <a:spcPct val="0"/>
-              </a:spcAft>
-              <a:buFont typeface="+mj-lt"/>
-              <a:buAutoNum type="arabicParenR"/>
-              <a:defRPr lang="ko-KR" altLang="en-US"/>
-            </a:pPr>
-            <a:r>
-              <a:rPr lang="ko-KR" altLang="en-US">
-                <a:solidFill>
-                  <a:schemeClr val="tx2">
-                    <a:lumMod val="50000"/>
-                  </a:schemeClr>
-                </a:solidFill>
-                <a:latin typeface="HY견고딕"/>
-                <a:ea typeface="HY견고딕"/>
-              </a:rPr>
-              <a:t>프로젝트 향후 계획</a:t>
-            </a:r>
-            <a:endParaRPr lang="ko-KR" altLang="en-US" sz="1800" b="0">
-              <a:solidFill>
-                <a:schemeClr val="tx2">
-                  <a:lumMod val="50000"/>
-                </a:schemeClr>
-              </a:solidFill>
-              <a:latin typeface="HY견고딕"/>
-              <a:ea typeface="HY견고딕"/>
-            </a:endParaRPr>
-          </a:p>
-        </p:txBody>
-      </p:sp>
-    </p:spTree>
-  </p:cSld>
-  <p:clrMapOvr>
-    <a:masterClrMapping/>
-  </p:clrMapOvr>
-  <p:transition xmlns:mc="http://schemas.openxmlformats.org/markup-compatibility/2006" xmlns:hp="http://schemas.haansoft.com/office/presentation/8.0" spd="slow" mc:Ignorable="hp" hp:hslDur="3000">
-    <p:push/>
-  </p:transition>
-</p:sld>
-</file>
-
-<file path=ppt/slides/slide3.xml><?xml version="1.0" encoding="utf-8"?>
-<p:sld xmlns:r="http://schemas.openxmlformats.org/officeDocument/2006/relationships" xmlns:c="http://schemas.openxmlformats.org/drawingml/2006/chart" xmlns:a="http://schemas.openxmlformats.org/drawingml/2006/main" xmlns:dgm="http://schemas.openxmlformats.org/drawingml/2006/diagram" xmlns:dsp="http://schemas.microsoft.com/office/drawing/2008/diagram" xmlns:p="http://schemas.openxmlformats.org/presentationml/2006/main">
-  <p:cSld>
-    <p:spTree>
-      <p:nvGrpSpPr>
-        <p:cNvPr id="1" name=""/>
-        <p:cNvGrpSpPr/>
-        <p:nvPr/>
-      </p:nvGrpSpPr>
-      <p:grpSpPr>
-        <a:xfrm>
-          <a:off x="0" y="0"/>
-          <a:ext cx="0" cy="0"/>
-          <a:chOff x="0" y="0"/>
-          <a:chExt cx="0" cy="0"/>
-        </a:xfrm>
-      </p:grpSpPr>
-      <p:sp>
-        <p:nvSpPr>
-          <p:cNvPr id="12" name="TextBox 11"/>
-          <p:cNvSpPr txBox="1"/>
-          <p:nvPr/>
-        </p:nvSpPr>
-        <p:spPr>
-          <a:xfrm>
-            <a:off x="1115695" y="201930"/>
-            <a:ext cx="6768465" cy="831215"/>
-          </a:xfrm>
-          <a:prstGeom prst="rect">
-            <a:avLst/>
-          </a:prstGeom>
-          <a:noFill/>
-          <a:effectLst>
-            <a:outerShdw blurRad="50800" dist="38100" dir="5400000" algn="t" rotWithShape="0">
-              <a:prstClr val="black">
-                <a:alpha val="40000"/>
-              </a:prstClr>
-            </a:outerShdw>
-          </a:effectLst>
-        </p:spPr>
-        <p:txBody>
-          <a:bodyPr wrap="square">
-            <a:spAutoFit/>
-          </a:bodyPr>
-          <a:lstStyle/>
-          <a:p>
-            <a:pPr algn="ctr">
-              <a:defRPr lang="ko-KR" altLang="en-US"/>
-            </a:pPr>
-            <a:r>
-              <a:rPr lang="en-US" altLang="ko-KR" sz="4800">
+              <a:rPr lang="en-US" altLang="ko-KR" sz="4400">
                 <a:solidFill>
                   <a:schemeClr val="accent1">
                     <a:lumMod val="50000"/>
@@ -12792,10 +11934,10 @@
                 <a:latin typeface="HY견고딕"/>
                 <a:ea typeface="HY견고딕"/>
               </a:rPr>
-              <a:t>A1:</a:t>
-            </a:r>
-            <a:r>
-              <a:rPr lang="ko-KR" altLang="en-US" sz="4800">
+              <a:t>&amp; </a:t>
+            </a:r>
+            <a:r>
+              <a:rPr lang="ko-KR" altLang="en-US" sz="4400">
                 <a:solidFill>
                   <a:schemeClr val="accent1">
                     <a:lumMod val="50000"/>
@@ -12804,17 +11946,8 @@
                 <a:latin typeface="HY견고딕"/>
                 <a:ea typeface="HY견고딕"/>
               </a:rPr>
-              <a:t>인젝션</a:t>
-            </a:r>
-            <a:endParaRPr lang="ko-KR" altLang="en-US" sz="4800">
-              <a:solidFill>
-                <a:schemeClr val="accent1">
-                  <a:lumMod val="50000"/>
-                </a:schemeClr>
-              </a:solidFill>
-              <a:latin typeface="HY견고딕"/>
-              <a:ea typeface="HY견고딕"/>
-            </a:endParaRPr>
+              <a:t>모니터링</a:t>
+            </a:r>
           </a:p>
         </p:txBody>
       </p:sp>
@@ -13043,7 +12176,7 @@
       </p:sp>
       <p:sp>
         <p:nvSpPr>
-          <p:cNvPr id="3" name="TextBox 2"/>
+          <p:cNvPr id="8" name="TextBox 7"/>
           <p:cNvSpPr txBox="1"/>
           <p:nvPr/>
         </p:nvSpPr>
@@ -13090,7 +12223,7 @@
       </p:sp>
       <p:sp>
         <p:nvSpPr>
-          <p:cNvPr id="8" name="TextBox 7"/>
+          <p:cNvPr id="9" name="TextBox 8"/>
           <p:cNvSpPr txBox="1"/>
           <p:nvPr/>
         </p:nvSpPr>
@@ -13137,14 +12270,14 @@
       </p:sp>
       <p:sp>
         <p:nvSpPr>
-          <p:cNvPr id="4" name="TextBox 3"/>
+          <p:cNvPr id="10" name="TextBox 9"/>
           <p:cNvSpPr txBox="1"/>
           <p:nvPr/>
         </p:nvSpPr>
         <p:spPr>
           <a:xfrm>
-            <a:off x="971600" y="2203015"/>
-            <a:ext cx="7673289" cy="646331"/>
+            <a:off x="971599" y="2203015"/>
+            <a:ext cx="6692215" cy="909755"/>
           </a:xfrm>
           <a:prstGeom prst="rect">
             <a:avLst/>
@@ -13162,48 +12295,47 @@
             </a:pPr>
             <a:r>
               <a:rPr lang="en-US" altLang="ko-KR"/>
-              <a:t>SQL, OS, XXE, LDAP </a:t>
+              <a:t>불충분한 로깅 및 모니터링과 사고 대응과의 통합이 누락되거나</a:t>
+            </a:r>
+          </a:p>
+          <a:p>
+            <a:pPr lvl="0">
+              <a:defRPr lang="ko-KR" altLang="en-US"/>
+            </a:pPr>
+            <a:r>
+              <a:rPr lang="en-US" altLang="ko-KR"/>
+              <a:t>비효율적인 경우 공격자에 의해 시스템 공격으로 이어지거나</a:t>
+            </a:r>
+          </a:p>
+          <a:p>
+            <a:pPr lvl="0">
+              <a:defRPr lang="ko-KR" altLang="en-US"/>
+            </a:pPr>
+            <a:r>
+              <a:rPr lang="en-US" altLang="ko-KR"/>
+              <a:t>데이터 변조와 추출, 심지어 파괴될 수 있는</a:t>
             </a:r>
             <a:r>
               <a:rPr lang="ko-KR" altLang="en-US"/>
-              <a:t>인젝션 취약점은 신뢰할 수 없는 데이터가 명령어나 </a:t>
-            </a:r>
-            <a:endParaRPr lang="ko-KR" altLang="en-US"/>
-          </a:p>
-          <a:p>
-            <a:pPr lvl="0">
-              <a:defRPr lang="ko-KR" altLang="en-US"/>
-            </a:pPr>
-            <a:r>
-              <a:rPr lang="ko-KR" altLang="en-US"/>
-              <a:t>쿼리문의 일부분으로써</a:t>
+              <a:t> </a:t>
             </a:r>
             <a:r>
               <a:rPr lang="en-US" altLang="ko-KR"/>
-              <a:t>, </a:t>
-            </a:r>
-            <a:r>
-              <a:rPr lang="ko-KR" altLang="en-US"/>
-              <a:t>인터프리터로 보내질 때 발생한다</a:t>
-            </a:r>
-            <a:r>
-              <a:rPr lang="en-US" altLang="ko-KR"/>
-              <a:t>.</a:t>
-            </a:r>
-            <a:endParaRPr lang="ko-KR" altLang="en-US"/>
-          </a:p>
-        </p:txBody>
-      </p:sp>
-      <p:sp>
-        <p:nvSpPr>
-          <p:cNvPr id="10" name="TextBox 9"/>
+              <a:t>취약점이다.</a:t>
+            </a:r>
+          </a:p>
+        </p:txBody>
+      </p:sp>
+      <p:sp>
+        <p:nvSpPr>
+          <p:cNvPr id="11" name="TextBox 10"/>
           <p:cNvSpPr txBox="1"/>
           <p:nvPr/>
         </p:nvSpPr>
         <p:spPr>
           <a:xfrm>
-            <a:off x="971599" y="4581128"/>
-            <a:ext cx="7673290" cy="636667"/>
+            <a:off x="971597" y="4581128"/>
+            <a:ext cx="6720793" cy="903366"/>
           </a:xfrm>
           <a:prstGeom prst="rect">
             <a:avLst/>
@@ -13221,35 +12353,26 @@
             </a:pPr>
             <a:r>
               <a:rPr lang="en-US" altLang="ko-KR"/>
-              <a:t>SQL, OS, XXE, LDAP </a:t>
-            </a:r>
-            <a:r>
-              <a:rPr lang="ko-KR" altLang="en-US"/>
-              <a:t>인젝션 취약점은 신뢰할 수 없는 데이터가 명령어나 </a:t>
-            </a:r>
-            <a:endParaRPr lang="ko-KR" altLang="en-US"/>
+              <a:t>클라이언트와 API사이의 통신이 보호되고 있는지 확인해야 하며</a:t>
+            </a:r>
           </a:p>
           <a:p>
             <a:pPr lvl="0">
               <a:defRPr lang="ko-KR" altLang="en-US"/>
             </a:pPr>
             <a:r>
-              <a:rPr lang="ko-KR" altLang="en-US"/>
-              <a:t>쿼리문의 일부분으로써</a:t>
-            </a:r>
-            <a:r>
               <a:rPr lang="en-US" altLang="ko-KR"/>
-              <a:t>, </a:t>
-            </a:r>
-            <a:r>
-              <a:rPr lang="ko-KR" altLang="en-US"/>
-              <a:t>인터프리터로 보내질 때 발생한다</a:t>
-            </a:r>
+              <a:t>API에 강력한 인증방식이 모든 인증 정보, 키 및 토큰을</a:t>
+            </a:r>
+          </a:p>
+          <a:p>
+            <a:pPr lvl="0">
+              <a:defRPr lang="ko-KR" altLang="en-US"/>
+            </a:pPr>
             <a:r>
               <a:rPr lang="en-US" altLang="ko-KR"/>
-              <a:t>.</a:t>
-            </a:r>
-            <a:endParaRPr lang="ko-KR" altLang="en-US"/>
+              <a:t>보호하고 있는지 확인해야 한다.</a:t>
+            </a:r>
           </a:p>
         </p:txBody>
       </p:sp>
@@ -13258,14 +12381,14 @@
   <p:clrMapOvr>
     <a:masterClrMapping/>
   </p:clrMapOvr>
-  <p:transition xmlns:mc="http://schemas.openxmlformats.org/markup-compatibility/2006" xmlns:hp="http://schemas.haansoft.com/office/presentation/8.0" spd="slow" mc:Ignorable="hp" hp:hslDur="3000">
+  <p:transition spd="slow">
     <p:push/>
   </p:transition>
 </p:sld>
 </file>
 
-<file path=ppt/slides/slide4.xml><?xml version="1.0" encoding="utf-8"?>
-<p:sld xmlns:r="http://schemas.openxmlformats.org/officeDocument/2006/relationships" xmlns:c="http://schemas.openxmlformats.org/drawingml/2006/chart" xmlns:a="http://schemas.openxmlformats.org/drawingml/2006/main" xmlns:dgm="http://schemas.openxmlformats.org/drawingml/2006/diagram" xmlns:dsp="http://schemas.microsoft.com/office/drawing/2008/diagram" xmlns:p="http://schemas.openxmlformats.org/presentationml/2006/main">
+<file path=ppt/slides/slide15.xml><?xml version="1.0" encoding="utf-8"?>
+<p:sld xmlns:a="http://schemas.openxmlformats.org/drawingml/2006/main" xmlns:r="http://schemas.openxmlformats.org/officeDocument/2006/relationships" xmlns:p="http://schemas.openxmlformats.org/presentationml/2006/main">
   <p:cSld>
     <p:spTree>
       <p:nvGrpSpPr>
@@ -13289,8 +12412,8 @@
         </p:nvSpPr>
         <p:spPr>
           <a:xfrm>
-            <a:off x="1115695" y="201930"/>
-            <a:ext cx="6768465" cy="831215"/>
+            <a:off x="1177290" y="2589525"/>
+            <a:ext cx="6769734" cy="1180470"/>
           </a:xfrm>
           <a:prstGeom prst="rect">
             <a:avLst/>
@@ -13305,6 +12428,98 @@
           </a:effectLst>
         </p:spPr>
         <p:txBody>
+          <a:bodyPr vert="horz" wrap="square" lIns="91440" tIns="45720" rIns="91440" bIns="45720" anchor="t">
+            <a:spAutoFit/>
+          </a:bodyPr>
+          <a:lstStyle/>
+          <a:p>
+            <a:pPr marL="0" indent="0" algn="ctr" defTabSz="914400" eaLnBrk="0">
+              <a:lnSpc>
+                <a:spcPct val="150000"/>
+              </a:lnSpc>
+              <a:spcBef>
+                <a:spcPct val="0"/>
+              </a:spcBef>
+              <a:spcAft>
+                <a:spcPct val="0"/>
+              </a:spcAft>
+              <a:buNone/>
+              <a:defRPr lang="ko-KR" altLang="en-US"/>
+            </a:pPr>
+            <a:r>
+              <a:rPr lang="en-US" altLang="ko-KR" sz="4800" b="0" i="1">
+                <a:solidFill>
+                  <a:schemeClr val="accent1">
+                    <a:lumMod val="50000"/>
+                  </a:schemeClr>
+                </a:solidFill>
+                <a:latin typeface="HY견고딕"/>
+                <a:ea typeface="HY견고딕"/>
+              </a:rPr>
+              <a:t>THANK YOU :)</a:t>
+            </a:r>
+            <a:endParaRPr lang="ko-KR" altLang="en-US" sz="4800" b="0" i="1">
+              <a:solidFill>
+                <a:schemeClr val="accent1">
+                  <a:lumMod val="50000"/>
+                </a:schemeClr>
+              </a:solidFill>
+              <a:latin typeface="HY견고딕"/>
+              <a:ea typeface="HY견고딕"/>
+            </a:endParaRPr>
+          </a:p>
+        </p:txBody>
+      </p:sp>
+    </p:spTree>
+  </p:cSld>
+  <p:clrMapOvr>
+    <a:masterClrMapping/>
+  </p:clrMapOvr>
+  <p:transition spd="slow"/>
+</p:sld>
+</file>
+
+<file path=ppt/slides/slide2.xml><?xml version="1.0" encoding="utf-8"?>
+<p:sld xmlns:a="http://schemas.openxmlformats.org/drawingml/2006/main" xmlns:r="http://schemas.openxmlformats.org/officeDocument/2006/relationships" xmlns:p="http://schemas.openxmlformats.org/presentationml/2006/main">
+  <p:cSld>
+    <p:spTree>
+      <p:nvGrpSpPr>
+        <p:cNvPr id="1" name=""/>
+        <p:cNvGrpSpPr/>
+        <p:nvPr/>
+      </p:nvGrpSpPr>
+      <p:grpSpPr>
+        <a:xfrm>
+          <a:off x="0" y="0"/>
+          <a:ext cx="0" cy="0"/>
+          <a:chOff x="0" y="0"/>
+          <a:chExt cx="0" cy="0"/>
+        </a:xfrm>
+      </p:grpSpPr>
+      <p:sp>
+        <p:nvSpPr>
+          <p:cNvPr id="12" name="TextBox 11"/>
+          <p:cNvSpPr txBox="1"/>
+          <p:nvPr/>
+        </p:nvSpPr>
+        <p:spPr>
+          <a:xfrm>
+            <a:off x="1115695" y="201930"/>
+            <a:ext cx="6768465" cy="831215"/>
+          </a:xfrm>
+          <a:prstGeom prst="rect">
+            <a:avLst/>
+          </a:prstGeom>
+          <a:noFill/>
+          <a:effectLst>
+            <a:outerShdw blurRad="50800" dist="38100" dir="5400000" algn="t" rotWithShape="0">
+              <a:prstClr val="black">
+                <a:alpha val="40000"/>
+              </a:prstClr>
+            </a:outerShdw>
+          </a:effectLst>
+        </p:spPr>
+        <p:txBody>
           <a:bodyPr wrap="square">
             <a:spAutoFit/>
           </a:bodyPr>
@@ -13323,19 +12538,7 @@
                 <a:latin typeface="HY견고딕"/>
                 <a:ea typeface="HY견고딕"/>
               </a:rPr>
-              <a:t>A2:</a:t>
-            </a:r>
-            <a:r>
-              <a:rPr lang="ko-KR" altLang="en-US" sz="4800">
-                <a:solidFill>
-                  <a:schemeClr val="accent1">
-                    <a:lumMod val="50000"/>
-                  </a:schemeClr>
-                </a:solidFill>
-                <a:latin typeface="HY견고딕"/>
-                <a:ea typeface="HY견고딕"/>
-              </a:rPr>
-              <a:t>취약점 인증</a:t>
+              <a:t>CONTENTS</a:t>
             </a:r>
             <a:endParaRPr lang="ko-KR" altLang="en-US" sz="4800">
               <a:solidFill>
@@ -13345,6 +12548,608 @@
               </a:solidFill>
               <a:latin typeface="HY견고딕"/>
               <a:ea typeface="HY견고딕"/>
+            </a:endParaRPr>
+          </a:p>
+        </p:txBody>
+      </p:sp>
+      <p:sp>
+        <p:nvSpPr>
+          <p:cNvPr id="3" name="TextBox 2"/>
+          <p:cNvSpPr txBox="1"/>
+          <p:nvPr/>
+        </p:nvSpPr>
+        <p:spPr>
+          <a:xfrm>
+            <a:off x="685800" y="1340485"/>
+            <a:ext cx="7706359" cy="4620260"/>
+          </a:xfrm>
+          <a:prstGeom prst="rect">
+            <a:avLst/>
+          </a:prstGeom>
+          <a:noFill/>
+        </p:spPr>
+        <p:txBody>
+          <a:bodyPr vert="horz" wrap="square" lIns="91440" tIns="45720" rIns="91440" bIns="45720" anchor="t">
+            <a:spAutoFit/>
+          </a:bodyPr>
+          <a:lstStyle/>
+          <a:p>
+            <a:pPr marL="342900" indent="-342900" algn="l" defTabSz="914400" eaLnBrk="0">
+              <a:lnSpc>
+                <a:spcPct val="150000"/>
+              </a:lnSpc>
+              <a:spcBef>
+                <a:spcPct val="0"/>
+              </a:spcBef>
+              <a:spcAft>
+                <a:spcPct val="0"/>
+              </a:spcAft>
+              <a:buFont typeface="+mj-lt"/>
+              <a:buAutoNum type="arabicParenR"/>
+              <a:defRPr lang="ko-KR" altLang="en-US"/>
+            </a:pPr>
+            <a:r>
+              <a:rPr lang="en-US" altLang="ko-KR" sz="1800" b="0">
+                <a:solidFill>
+                  <a:schemeClr val="tx2">
+                    <a:lumMod val="50000"/>
+                  </a:schemeClr>
+                </a:solidFill>
+                <a:latin typeface="HY견고딕"/>
+                <a:ea typeface="HY견고딕"/>
+              </a:rPr>
+              <a:t>A1:</a:t>
+            </a:r>
+            <a:r>
+              <a:rPr lang="ko-KR" altLang="en-US" sz="1800" b="0">
+                <a:solidFill>
+                  <a:schemeClr val="tx2">
+                    <a:lumMod val="50000"/>
+                  </a:schemeClr>
+                </a:solidFill>
+                <a:latin typeface="HY견고딕"/>
+                <a:ea typeface="HY견고딕"/>
+              </a:rPr>
+              <a:t>인젝션</a:t>
+            </a:r>
+          </a:p>
+          <a:p>
+            <a:pPr marL="342900" indent="-342900" algn="l" defTabSz="914400" eaLnBrk="0">
+              <a:lnSpc>
+                <a:spcPct val="150000"/>
+              </a:lnSpc>
+              <a:spcBef>
+                <a:spcPct val="0"/>
+              </a:spcBef>
+              <a:spcAft>
+                <a:spcPct val="0"/>
+              </a:spcAft>
+              <a:buFont typeface="+mj-lt"/>
+              <a:buAutoNum type="arabicParenR"/>
+              <a:defRPr lang="ko-KR" altLang="en-US"/>
+            </a:pPr>
+            <a:r>
+              <a:rPr lang="en-US" altLang="ko-KR" sz="1800" b="0">
+                <a:solidFill>
+                  <a:schemeClr val="tx2">
+                    <a:lumMod val="50000"/>
+                  </a:schemeClr>
+                </a:solidFill>
+                <a:latin typeface="HY견고딕"/>
+                <a:ea typeface="HY견고딕"/>
+              </a:rPr>
+              <a:t>A2:</a:t>
+            </a:r>
+            <a:r>
+              <a:rPr lang="ko-KR" altLang="en-US">
+                <a:solidFill>
+                  <a:schemeClr val="tx2">
+                    <a:lumMod val="50000"/>
+                  </a:schemeClr>
+                </a:solidFill>
+                <a:latin typeface="HY견고딕"/>
+                <a:ea typeface="HY견고딕"/>
+              </a:rPr>
+              <a:t>취약한 인증</a:t>
+            </a:r>
+          </a:p>
+          <a:p>
+            <a:pPr marL="342900" indent="-342900" algn="l" defTabSz="914400" eaLnBrk="0">
+              <a:lnSpc>
+                <a:spcPct val="150000"/>
+              </a:lnSpc>
+              <a:spcBef>
+                <a:spcPct val="0"/>
+              </a:spcBef>
+              <a:spcAft>
+                <a:spcPct val="0"/>
+              </a:spcAft>
+              <a:buFont typeface="+mj-lt"/>
+              <a:buAutoNum type="arabicParenR"/>
+              <a:defRPr lang="ko-KR" altLang="en-US"/>
+            </a:pPr>
+            <a:r>
+              <a:rPr lang="en-US" altLang="ko-KR" sz="1800" b="0">
+                <a:solidFill>
+                  <a:schemeClr val="tx2">
+                    <a:lumMod val="50000"/>
+                  </a:schemeClr>
+                </a:solidFill>
+                <a:latin typeface="HY견고딕"/>
+                <a:ea typeface="HY견고딕"/>
+              </a:rPr>
+              <a:t>A3:</a:t>
+            </a:r>
+            <a:r>
+              <a:rPr lang="ko-KR" altLang="en-US" sz="1800" b="0">
+                <a:solidFill>
+                  <a:schemeClr val="tx2">
+                    <a:lumMod val="50000"/>
+                  </a:schemeClr>
+                </a:solidFill>
+                <a:latin typeface="HY견고딕"/>
+                <a:ea typeface="HY견고딕"/>
+              </a:rPr>
+              <a:t>민감한 데이터 노출</a:t>
+            </a:r>
+          </a:p>
+          <a:p>
+            <a:pPr marL="342900" indent="-342900" algn="l" defTabSz="914400" eaLnBrk="0">
+              <a:lnSpc>
+                <a:spcPct val="150000"/>
+              </a:lnSpc>
+              <a:spcBef>
+                <a:spcPct val="0"/>
+              </a:spcBef>
+              <a:spcAft>
+                <a:spcPct val="0"/>
+              </a:spcAft>
+              <a:buFont typeface="+mj-lt"/>
+              <a:buAutoNum type="arabicParenR"/>
+              <a:defRPr lang="ko-KR" altLang="en-US"/>
+            </a:pPr>
+            <a:r>
+              <a:rPr lang="en-US" altLang="ko-KR" sz="1800" b="0">
+                <a:solidFill>
+                  <a:schemeClr val="tx2">
+                    <a:lumMod val="50000"/>
+                  </a:schemeClr>
+                </a:solidFill>
+                <a:latin typeface="HY견고딕"/>
+                <a:ea typeface="HY견고딕"/>
+              </a:rPr>
+              <a:t>A4:XML </a:t>
+            </a:r>
+            <a:r>
+              <a:rPr lang="ko-KR" altLang="en-US">
+                <a:solidFill>
+                  <a:schemeClr val="tx2">
+                    <a:lumMod val="50000"/>
+                  </a:schemeClr>
+                </a:solidFill>
+                <a:latin typeface="HY견고딕"/>
+                <a:ea typeface="HY견고딕"/>
+              </a:rPr>
+              <a:t>외부 개체</a:t>
+            </a:r>
+            <a:r>
+              <a:rPr lang="en-US" altLang="ko-KR">
+                <a:solidFill>
+                  <a:schemeClr val="tx2">
+                    <a:lumMod val="50000"/>
+                  </a:schemeClr>
+                </a:solidFill>
+                <a:latin typeface="HY견고딕"/>
+                <a:ea typeface="HY견고딕"/>
+              </a:rPr>
+              <a:t>(XXE)</a:t>
+            </a:r>
+          </a:p>
+          <a:p>
+            <a:pPr marL="342900" indent="-342900" algn="l" defTabSz="914400" eaLnBrk="0">
+              <a:lnSpc>
+                <a:spcPct val="150000"/>
+              </a:lnSpc>
+              <a:spcBef>
+                <a:spcPct val="0"/>
+              </a:spcBef>
+              <a:spcAft>
+                <a:spcPct val="0"/>
+              </a:spcAft>
+              <a:buFont typeface="+mj-lt"/>
+              <a:buAutoNum type="arabicParenR"/>
+              <a:defRPr lang="ko-KR" altLang="en-US"/>
+            </a:pPr>
+            <a:r>
+              <a:rPr lang="en-US" altLang="ko-KR">
+                <a:solidFill>
+                  <a:schemeClr val="tx2">
+                    <a:lumMod val="50000"/>
+                  </a:schemeClr>
+                </a:solidFill>
+                <a:latin typeface="HY견고딕"/>
+                <a:ea typeface="HY견고딕"/>
+              </a:rPr>
+              <a:t>A5:</a:t>
+            </a:r>
+            <a:r>
+              <a:rPr lang="ko-KR" altLang="en-US">
+                <a:solidFill>
+                  <a:schemeClr val="tx2">
+                    <a:lumMod val="50000"/>
+                  </a:schemeClr>
+                </a:solidFill>
+                <a:latin typeface="HY견고딕"/>
+                <a:ea typeface="HY견고딕"/>
+              </a:rPr>
+              <a:t>취약한 접근 통제</a:t>
+            </a:r>
+          </a:p>
+          <a:p>
+            <a:pPr marL="342900" indent="-342900" algn="l" defTabSz="914400" eaLnBrk="0">
+              <a:lnSpc>
+                <a:spcPct val="150000"/>
+              </a:lnSpc>
+              <a:spcBef>
+                <a:spcPct val="0"/>
+              </a:spcBef>
+              <a:spcAft>
+                <a:spcPct val="0"/>
+              </a:spcAft>
+              <a:buFont typeface="+mj-lt"/>
+              <a:buAutoNum type="arabicParenR"/>
+              <a:defRPr lang="ko-KR" altLang="en-US"/>
+            </a:pPr>
+            <a:r>
+              <a:rPr lang="en-US" altLang="ko-KR" sz="1800" b="0">
+                <a:solidFill>
+                  <a:schemeClr val="tx2">
+                    <a:lumMod val="50000"/>
+                  </a:schemeClr>
+                </a:solidFill>
+                <a:latin typeface="HY견고딕"/>
+                <a:ea typeface="HY견고딕"/>
+              </a:rPr>
+              <a:t>A6:</a:t>
+            </a:r>
+            <a:r>
+              <a:rPr lang="ko-KR" altLang="en-US" sz="1800" b="0">
+                <a:solidFill>
+                  <a:schemeClr val="tx2">
+                    <a:lumMod val="50000"/>
+                  </a:schemeClr>
+                </a:solidFill>
+                <a:latin typeface="HY견고딕"/>
+                <a:ea typeface="HY견고딕"/>
+              </a:rPr>
+              <a:t>잘못된 보안 구성</a:t>
+            </a:r>
+          </a:p>
+          <a:p>
+            <a:pPr marL="342900" indent="-342900" algn="l" defTabSz="914400" eaLnBrk="0">
+              <a:lnSpc>
+                <a:spcPct val="150000"/>
+              </a:lnSpc>
+              <a:spcBef>
+                <a:spcPct val="0"/>
+              </a:spcBef>
+              <a:spcAft>
+                <a:spcPct val="0"/>
+              </a:spcAft>
+              <a:buFont typeface="+mj-lt"/>
+              <a:buAutoNum type="arabicParenR"/>
+              <a:defRPr lang="ko-KR" altLang="en-US"/>
+            </a:pPr>
+            <a:r>
+              <a:rPr lang="en-US" altLang="ko-KR" sz="1800" b="0">
+                <a:solidFill>
+                  <a:schemeClr val="tx2">
+                    <a:lumMod val="50000"/>
+                  </a:schemeClr>
+                </a:solidFill>
+                <a:latin typeface="HY견고딕"/>
+                <a:ea typeface="HY견고딕"/>
+              </a:rPr>
+              <a:t>A7:</a:t>
+            </a:r>
+            <a:r>
+              <a:rPr lang="ko-KR" altLang="en-US" sz="1800" b="0">
+                <a:solidFill>
+                  <a:schemeClr val="tx2">
+                    <a:lumMod val="50000"/>
+                  </a:schemeClr>
+                </a:solidFill>
+                <a:latin typeface="HY견고딕"/>
+                <a:ea typeface="HY견고딕"/>
+              </a:rPr>
+              <a:t>크로스 사이트 스크립팅</a:t>
+            </a:r>
+            <a:r>
+              <a:rPr lang="en-US" altLang="ko-KR" sz="1800" b="0">
+                <a:solidFill>
+                  <a:schemeClr val="tx2">
+                    <a:lumMod val="50000"/>
+                  </a:schemeClr>
+                </a:solidFill>
+                <a:latin typeface="HY견고딕"/>
+                <a:ea typeface="HY견고딕"/>
+              </a:rPr>
+              <a:t>(XSS)</a:t>
+            </a:r>
+          </a:p>
+          <a:p>
+            <a:pPr marL="342900" indent="-342900" algn="l" defTabSz="914400" eaLnBrk="0">
+              <a:lnSpc>
+                <a:spcPct val="150000"/>
+              </a:lnSpc>
+              <a:spcBef>
+                <a:spcPct val="0"/>
+              </a:spcBef>
+              <a:spcAft>
+                <a:spcPct val="0"/>
+              </a:spcAft>
+              <a:buFont typeface="+mj-lt"/>
+              <a:buAutoNum type="arabicParenR"/>
+              <a:defRPr lang="ko-KR" altLang="en-US"/>
+            </a:pPr>
+            <a:r>
+              <a:rPr lang="en-US" altLang="ko-KR">
+                <a:solidFill>
+                  <a:schemeClr val="tx2">
+                    <a:lumMod val="50000"/>
+                  </a:schemeClr>
+                </a:solidFill>
+                <a:latin typeface="HY견고딕"/>
+                <a:ea typeface="HY견고딕"/>
+              </a:rPr>
+              <a:t>A8:</a:t>
+            </a:r>
+            <a:r>
+              <a:rPr lang="ko-KR" altLang="en-US">
+                <a:solidFill>
+                  <a:schemeClr val="tx2">
+                    <a:lumMod val="50000"/>
+                  </a:schemeClr>
+                </a:solidFill>
+                <a:latin typeface="HY견고딕"/>
+                <a:ea typeface="HY견고딕"/>
+              </a:rPr>
+              <a:t>안전하지 않은 역직렬화</a:t>
+            </a:r>
+          </a:p>
+          <a:p>
+            <a:pPr marL="342900" indent="-342900" algn="l" defTabSz="914400" eaLnBrk="0">
+              <a:lnSpc>
+                <a:spcPct val="150000"/>
+              </a:lnSpc>
+              <a:spcBef>
+                <a:spcPct val="0"/>
+              </a:spcBef>
+              <a:spcAft>
+                <a:spcPct val="0"/>
+              </a:spcAft>
+              <a:buFont typeface="+mj-lt"/>
+              <a:buAutoNum type="arabicParenR"/>
+              <a:defRPr lang="ko-KR" altLang="en-US"/>
+            </a:pPr>
+            <a:r>
+              <a:rPr lang="en-US" altLang="ko-KR" sz="1800" b="0">
+                <a:solidFill>
+                  <a:schemeClr val="tx2">
+                    <a:lumMod val="50000"/>
+                  </a:schemeClr>
+                </a:solidFill>
+                <a:latin typeface="HY견고딕"/>
+                <a:ea typeface="HY견고딕"/>
+              </a:rPr>
+              <a:t>A9:</a:t>
+            </a:r>
+            <a:r>
+              <a:rPr lang="ko-KR" altLang="en-US">
+                <a:solidFill>
+                  <a:schemeClr val="tx2">
+                    <a:lumMod val="50000"/>
+                  </a:schemeClr>
+                </a:solidFill>
+                <a:latin typeface="HY견고딕"/>
+                <a:ea typeface="HY견고딕"/>
+              </a:rPr>
+              <a:t>알려진 취약점이 있는 구성요소 사용</a:t>
+            </a:r>
+          </a:p>
+          <a:p>
+            <a:pPr marL="342900" indent="-342900" algn="l" defTabSz="914400" eaLnBrk="0">
+              <a:lnSpc>
+                <a:spcPct val="150000"/>
+              </a:lnSpc>
+              <a:spcBef>
+                <a:spcPct val="0"/>
+              </a:spcBef>
+              <a:spcAft>
+                <a:spcPct val="0"/>
+              </a:spcAft>
+              <a:buFont typeface="+mj-lt"/>
+              <a:buAutoNum type="arabicParenR"/>
+              <a:defRPr lang="ko-KR" altLang="en-US"/>
+            </a:pPr>
+            <a:r>
+              <a:rPr lang="en-US" altLang="ko-KR" sz="1800" b="0">
+                <a:solidFill>
+                  <a:schemeClr val="tx2">
+                    <a:lumMod val="50000"/>
+                  </a:schemeClr>
+                </a:solidFill>
+                <a:latin typeface="HY견고딕"/>
+                <a:ea typeface="HY견고딕"/>
+              </a:rPr>
+              <a:t>A10:</a:t>
+            </a:r>
+            <a:r>
+              <a:rPr lang="ko-KR" altLang="en-US" sz="1800" b="0">
+                <a:solidFill>
+                  <a:schemeClr val="tx2">
+                    <a:lumMod val="50000"/>
+                  </a:schemeClr>
+                </a:solidFill>
+                <a:latin typeface="HY견고딕"/>
+                <a:ea typeface="HY견고딕"/>
+              </a:rPr>
+              <a:t>불충분한 로깅 </a:t>
+            </a:r>
+            <a:r>
+              <a:rPr lang="en-US" altLang="ko-KR" sz="1800" b="0">
+                <a:solidFill>
+                  <a:schemeClr val="tx2">
+                    <a:lumMod val="50000"/>
+                  </a:schemeClr>
+                </a:solidFill>
+                <a:latin typeface="HY견고딕"/>
+                <a:ea typeface="HY견고딕"/>
+              </a:rPr>
+              <a:t>&amp; </a:t>
+            </a:r>
+            <a:r>
+              <a:rPr lang="ko-KR" altLang="en-US" sz="1800" b="0">
+                <a:solidFill>
+                  <a:schemeClr val="tx2">
+                    <a:lumMod val="50000"/>
+                  </a:schemeClr>
+                </a:solidFill>
+                <a:latin typeface="HY견고딕"/>
+                <a:ea typeface="HY견고딕"/>
+              </a:rPr>
+              <a:t>모니터링</a:t>
+            </a:r>
+          </a:p>
+          <a:p>
+            <a:pPr marL="342900" indent="-342900" algn="l" defTabSz="914400" eaLnBrk="0">
+              <a:lnSpc>
+                <a:spcPct val="150000"/>
+              </a:lnSpc>
+              <a:spcBef>
+                <a:spcPct val="0"/>
+              </a:spcBef>
+              <a:spcAft>
+                <a:spcPct val="0"/>
+              </a:spcAft>
+              <a:buFont typeface="+mj-lt"/>
+              <a:buAutoNum type="arabicParenR"/>
+              <a:defRPr lang="ko-KR" altLang="en-US"/>
+            </a:pPr>
+            <a:r>
+              <a:rPr lang="ko-KR" altLang="en-US">
+                <a:solidFill>
+                  <a:schemeClr val="tx2">
+                    <a:lumMod val="50000"/>
+                  </a:schemeClr>
+                </a:solidFill>
+                <a:latin typeface="HY견고딕"/>
+                <a:ea typeface="HY견고딕"/>
+              </a:rPr>
+              <a:t>프로젝트 향후 계획</a:t>
+            </a:r>
+            <a:endParaRPr lang="ko-KR" altLang="en-US" sz="1800" b="0">
+              <a:solidFill>
+                <a:schemeClr val="tx2">
+                  <a:lumMod val="50000"/>
+                </a:schemeClr>
+              </a:solidFill>
+              <a:latin typeface="HY견고딕"/>
+              <a:ea typeface="HY견고딕"/>
+            </a:endParaRPr>
+          </a:p>
+        </p:txBody>
+      </p:sp>
+    </p:spTree>
+  </p:cSld>
+  <p:clrMapOvr>
+    <a:masterClrMapping/>
+  </p:clrMapOvr>
+  <p:transition spd="slow">
+    <p:push/>
+  </p:transition>
+</p:sld>
+</file>
+
+<file path=ppt/slides/slide3.xml><?xml version="1.0" encoding="utf-8"?>
+<p:sld xmlns:a="http://schemas.openxmlformats.org/drawingml/2006/main" xmlns:r="http://schemas.openxmlformats.org/officeDocument/2006/relationships" xmlns:p="http://schemas.openxmlformats.org/presentationml/2006/main">
+  <p:cSld>
+    <p:spTree>
+      <p:nvGrpSpPr>
+        <p:cNvPr id="1" name=""/>
+        <p:cNvGrpSpPr/>
+        <p:nvPr/>
+      </p:nvGrpSpPr>
+      <p:grpSpPr>
+        <a:xfrm>
+          <a:off x="0" y="0"/>
+          <a:ext cx="0" cy="0"/>
+          <a:chOff x="0" y="0"/>
+          <a:chExt cx="0" cy="0"/>
+        </a:xfrm>
+      </p:grpSpPr>
+      <p:sp>
+        <p:nvSpPr>
+          <p:cNvPr id="12" name="TextBox 11"/>
+          <p:cNvSpPr txBox="1"/>
+          <p:nvPr/>
+        </p:nvSpPr>
+        <p:spPr>
+          <a:xfrm>
+            <a:off x="1115695" y="201930"/>
+            <a:ext cx="6768465" cy="831215"/>
+          </a:xfrm>
+          <a:prstGeom prst="rect">
+            <a:avLst/>
+          </a:prstGeom>
+          <a:noFill/>
+          <a:effectLst>
+            <a:outerShdw blurRad="50800" dist="38100" dir="5400000" algn="t" rotWithShape="0">
+              <a:prstClr val="black">
+                <a:alpha val="40000"/>
+              </a:prstClr>
+            </a:outerShdw>
+          </a:effectLst>
+        </p:spPr>
+        <p:txBody>
+          <a:bodyPr wrap="square" rtlCol="0">
+            <a:spAutoFit/>
+          </a:bodyPr>
+          <a:lstStyle/>
+          <a:p>
+            <a:pPr algn="ctr"/>
+            <a:r>
+              <a:rPr lang="en-US" altLang="ko-KR" sz="4800" dirty="0" smtClean="0">
+                <a:solidFill>
+                  <a:schemeClr val="accent1">
+                    <a:lumMod val="50000"/>
+                  </a:schemeClr>
+                </a:solidFill>
+                <a:latin typeface="HY견고딕" panose="02030600000101010101" pitchFamily="18" charset="-127"/>
+                <a:ea typeface="HY견고딕" panose="02030600000101010101" pitchFamily="18" charset="-127"/>
+              </a:rPr>
+              <a:t>A1:</a:t>
+            </a:r>
+            <a:r>
+              <a:rPr lang="ko-KR" altLang="en-US" sz="4800" dirty="0" err="1" smtClean="0">
+                <a:solidFill>
+                  <a:schemeClr val="accent1">
+                    <a:lumMod val="50000"/>
+                  </a:schemeClr>
+                </a:solidFill>
+                <a:latin typeface="HY견고딕" panose="02030600000101010101" pitchFamily="18" charset="-127"/>
+                <a:ea typeface="HY견고딕" panose="02030600000101010101" pitchFamily="18" charset="-127"/>
+              </a:rPr>
+              <a:t>인젝션</a:t>
+            </a:r>
+            <a:endParaRPr lang="ko-KR" altLang="en-US" sz="4800" dirty="0">
+              <a:solidFill>
+                <a:schemeClr val="accent1">
+                  <a:lumMod val="50000"/>
+                </a:schemeClr>
+              </a:solidFill>
+              <a:latin typeface="HY견고딕" panose="02030600000101010101" pitchFamily="18" charset="-127"/>
+              <a:ea typeface="HY견고딕" panose="02030600000101010101" pitchFamily="18" charset="-127"/>
             </a:endParaRPr>
           </a:p>
         </p:txBody>
@@ -13409,12 +13214,10 @@
           </a:fontRef>
         </p:style>
         <p:txBody>
-          <a:bodyPr anchor="ctr"/>
-          <a:lstStyle/>
-          <a:p>
-            <a:pPr algn="ctr">
-              <a:defRPr lang="ko-KR" altLang="en-US"/>
-            </a:pPr>
+          <a:bodyPr rtlCol="0" anchor="ctr"/>
+          <a:lstStyle/>
+          <a:p>
+            <a:pPr algn="ctr"/>
             <a:endParaRPr lang="ko-KR" altLang="en-US"/>
           </a:p>
         </p:txBody>
@@ -13460,12 +13263,10 @@
           </a:fontRef>
         </p:style>
         <p:txBody>
-          <a:bodyPr anchor="ctr"/>
-          <a:lstStyle/>
-          <a:p>
-            <a:pPr algn="ctr">
-              <a:defRPr lang="ko-KR" altLang="en-US"/>
-            </a:pPr>
+          <a:bodyPr rtlCol="0" anchor="ctr"/>
+          <a:lstStyle/>
+          <a:p>
+            <a:pPr algn="ctr"/>
             <a:endParaRPr lang="ko-KR" altLang="en-US"/>
           </a:p>
         </p:txBody>
@@ -13511,12 +13312,10 @@
           </a:fontRef>
         </p:style>
         <p:txBody>
-          <a:bodyPr anchor="ctr"/>
-          <a:lstStyle/>
-          <a:p>
-            <a:pPr algn="ctr">
-              <a:defRPr lang="ko-KR" altLang="en-US"/>
-            </a:pPr>
+          <a:bodyPr rtlCol="0" anchor="ctr"/>
+          <a:lstStyle/>
+          <a:p>
+            <a:pPr algn="ctr"/>
             <a:endParaRPr lang="ko-KR" altLang="en-US"/>
           </a:p>
         </p:txBody>
@@ -13562,26 +13361,24 @@
           </a:fontRef>
         </p:style>
         <p:txBody>
-          <a:bodyPr anchor="ctr"/>
-          <a:lstStyle/>
-          <a:p>
-            <a:pPr algn="ctr">
-              <a:defRPr lang="ko-KR" altLang="en-US"/>
-            </a:pPr>
+          <a:bodyPr rtlCol="0" anchor="ctr"/>
+          <a:lstStyle/>
+          <a:p>
+            <a:pPr algn="ctr"/>
             <a:endParaRPr lang="ko-KR" altLang="en-US"/>
           </a:p>
         </p:txBody>
       </p:sp>
       <p:sp>
         <p:nvSpPr>
-          <p:cNvPr id="8" name="TextBox 7"/>
+          <p:cNvPr id="3" name="TextBox 2"/>
           <p:cNvSpPr txBox="1"/>
           <p:nvPr/>
         </p:nvSpPr>
         <p:spPr>
           <a:xfrm>
             <a:off x="755576" y="1659795"/>
-            <a:ext cx="1164664" cy="461665"/>
+            <a:ext cx="1197764" cy="461665"/>
           </a:xfrm>
           <a:prstGeom prst="rect">
             <a:avLst/>
@@ -13589,18 +13386,17 @@
           <a:noFill/>
         </p:spPr>
         <p:txBody>
-          <a:bodyPr wrap="none">
+          <a:bodyPr wrap="none" rtlCol="0">
             <a:spAutoFit/>
           </a:bodyPr>
           <a:lstStyle/>
           <a:p>
             <a:pPr marL="285750" indent="-285750">
-              <a:buFont typeface="Wingdings"/>
+              <a:buFont typeface="Wingdings" panose="05000000000000000000" pitchFamily="2" charset="2"/>
               <a:buChar char="l"/>
-              <a:defRPr lang="ko-KR" altLang="en-US"/>
-            </a:pPr>
-            <a:r>
-              <a:rPr lang="ko-KR" altLang="en-US" sz="2400" b="1">
+            </a:pPr>
+            <a:r>
+              <a:rPr lang="ko-KR" altLang="en-US" sz="2400" b="1" dirty="0" smtClean="0">
                 <a:solidFill>
                   <a:schemeClr val="tx2">
                     <a:lumMod val="50000"/>
@@ -13609,7 +13405,7 @@
               </a:rPr>
               <a:t> 정의</a:t>
             </a:r>
-            <a:endParaRPr lang="ko-KR" altLang="en-US" b="1">
+            <a:endParaRPr lang="ko-KR" altLang="en-US" b="1" dirty="0">
               <a:solidFill>
                 <a:schemeClr val="tx2">
                   <a:lumMod val="50000"/>
@@ -13621,14 +13417,14 @@
       </p:sp>
       <p:sp>
         <p:nvSpPr>
-          <p:cNvPr id="9" name="TextBox 8"/>
+          <p:cNvPr id="8" name="TextBox 7"/>
           <p:cNvSpPr txBox="1"/>
           <p:nvPr/>
         </p:nvSpPr>
         <p:spPr>
           <a:xfrm>
             <a:off x="755576" y="4005064"/>
-            <a:ext cx="1774264" cy="450731"/>
+            <a:ext cx="1813317" cy="461665"/>
           </a:xfrm>
           <a:prstGeom prst="rect">
             <a:avLst/>
@@ -13636,18 +13432,17 @@
           <a:noFill/>
         </p:spPr>
         <p:txBody>
-          <a:bodyPr wrap="none">
+          <a:bodyPr wrap="none" rtlCol="0">
             <a:spAutoFit/>
           </a:bodyPr>
           <a:lstStyle/>
           <a:p>
             <a:pPr marL="285750" indent="-285750">
-              <a:buFont typeface="Wingdings"/>
+              <a:buFont typeface="Wingdings" panose="05000000000000000000" pitchFamily="2" charset="2"/>
               <a:buChar char="l"/>
-              <a:defRPr lang="ko-KR" altLang="en-US"/>
-            </a:pPr>
-            <a:r>
-              <a:rPr lang="ko-KR" altLang="en-US" sz="2400" b="1">
+            </a:pPr>
+            <a:r>
+              <a:rPr lang="ko-KR" altLang="en-US" sz="2400" b="1" dirty="0" smtClean="0">
                 <a:solidFill>
                   <a:schemeClr val="tx2">
                     <a:lumMod val="50000"/>
@@ -13656,7 +13451,7 @@
               </a:rPr>
               <a:t> 보안대책</a:t>
             </a:r>
-            <a:endParaRPr lang="ko-KR" altLang="en-US" b="1">
+            <a:endParaRPr lang="ko-KR" altLang="en-US" b="1" dirty="0">
               <a:solidFill>
                 <a:schemeClr val="tx2">
                   <a:lumMod val="50000"/>
@@ -13668,14 +13463,71 @@
       </p:sp>
       <p:sp>
         <p:nvSpPr>
+          <p:cNvPr id="4" name="TextBox 3"/>
+          <p:cNvSpPr txBox="1"/>
+          <p:nvPr/>
+        </p:nvSpPr>
+        <p:spPr>
+          <a:xfrm>
+            <a:off x="971600" y="2203015"/>
+            <a:ext cx="7754815" cy="646331"/>
+          </a:xfrm>
+          <a:prstGeom prst="rect">
+            <a:avLst/>
+          </a:prstGeom>
+          <a:noFill/>
+        </p:spPr>
+        <p:txBody>
+          <a:bodyPr wrap="none" rtlCol="0">
+            <a:spAutoFit/>
+          </a:bodyPr>
+          <a:lstStyle/>
+          <a:p>
+            <a:r>
+              <a:rPr lang="en-US" altLang="ko-KR" dirty="0" smtClean="0"/>
+              <a:t>SQL, OS, XXE, LDAP </a:t>
+            </a:r>
+            <a:r>
+              <a:rPr lang="ko-KR" altLang="en-US" dirty="0" err="1" smtClean="0"/>
+              <a:t>인젝션</a:t>
+            </a:r>
+            <a:r>
+              <a:rPr lang="ko-KR" altLang="en-US" dirty="0" smtClean="0"/>
+              <a:t> 취약점은 신뢰할 수 없는 데이터가 명령어나 </a:t>
+            </a:r>
+            <a:endParaRPr lang="en-US" altLang="ko-KR" dirty="0" smtClean="0"/>
+          </a:p>
+          <a:p>
+            <a:r>
+              <a:rPr lang="ko-KR" altLang="en-US" dirty="0" smtClean="0"/>
+              <a:t>쿼리문의 일부분으로써</a:t>
+            </a:r>
+            <a:r>
+              <a:rPr lang="en-US" altLang="ko-KR" dirty="0" smtClean="0"/>
+              <a:t>, </a:t>
+            </a:r>
+            <a:r>
+              <a:rPr lang="ko-KR" altLang="en-US" dirty="0" smtClean="0"/>
+              <a:t>인터프리터로 보내질 때 발생한다</a:t>
+            </a:r>
+            <a:r>
+              <a:rPr lang="en-US" altLang="ko-KR" dirty="0" smtClean="0"/>
+              <a:t>.</a:t>
+            </a:r>
+            <a:endParaRPr lang="ko-KR" altLang="en-US" dirty="0"/>
+          </a:p>
+        </p:txBody>
+      </p:sp>
+      <p:sp>
+        <p:nvSpPr>
           <p:cNvPr id="10" name="TextBox 9"/>
           <p:cNvSpPr txBox="1"/>
           <p:nvPr/>
         </p:nvSpPr>
         <p:spPr>
           <a:xfrm>
-            <a:off x="971600" y="2203015"/>
-            <a:ext cx="7406590" cy="909755"/>
+            <a:off x="971599" y="4581128"/>
+            <a:ext cx="8131329" cy="646331"/>
           </a:xfrm>
           <a:prstGeom prst="rect">
             <a:avLst/>
@@ -13683,160 +13535,87 @@
           <a:noFill/>
         </p:spPr>
         <p:txBody>
-          <a:bodyPr wrap="none">
+          <a:bodyPr wrap="none" rtlCol="0">
             <a:spAutoFit/>
           </a:bodyPr>
           <a:lstStyle/>
           <a:p>
-            <a:pPr lvl="0">
-              <a:defRPr lang="ko-KR" altLang="en-US"/>
-            </a:pPr>
-            <a:r>
-              <a:rPr lang="ko-KR" altLang="en-US"/>
-              <a:t>인증 및 세션 관리와 관련된 에플리케이션 기능이 종종 잘못 구현되어 </a:t>
-            </a:r>
-            <a:endParaRPr lang="ko-KR" altLang="en-US"/>
-          </a:p>
-          <a:p>
-            <a:pPr lvl="0">
-              <a:defRPr lang="ko-KR" altLang="en-US"/>
-            </a:pPr>
-            <a:r>
-              <a:rPr lang="ko-KR" altLang="en-US"/>
-              <a:t>공격자에게 취약한 암호</a:t>
-            </a:r>
-            <a:r>
-              <a:rPr lang="en-US" altLang="ko-KR"/>
+            <a:r>
+              <a:rPr lang="ko-KR" altLang="en-US" dirty="0" smtClean="0"/>
+              <a:t>웹 방화벽 </a:t>
+            </a:r>
+            <a:r>
+              <a:rPr lang="en-US" altLang="ko-KR" dirty="0" smtClean="0"/>
+              <a:t>WAF</a:t>
+            </a:r>
+            <a:r>
+              <a:rPr lang="ko-KR" altLang="en-US" dirty="0" smtClean="0"/>
+              <a:t>를 사용</a:t>
+            </a:r>
+            <a:r>
+              <a:rPr lang="en-US" altLang="ko-KR" dirty="0" smtClean="0"/>
               <a:t>, </a:t>
             </a:r>
             <a:r>
-              <a:rPr lang="ko-KR" altLang="en-US"/>
-              <a:t>키 또는 세션 토큰을 제공하여</a:t>
-            </a:r>
-            <a:r>
-              <a:rPr lang="en-US" altLang="ko-KR"/>
-              <a:t>, </a:t>
-            </a:r>
-            <a:r>
-              <a:rPr lang="ko-KR" altLang="en-US"/>
-              <a:t>다른 사용자의</a:t>
-            </a:r>
-            <a:endParaRPr lang="ko-KR" altLang="en-US"/>
-          </a:p>
-          <a:p>
-            <a:pPr lvl="0">
-              <a:defRPr lang="ko-KR" altLang="en-US"/>
-            </a:pPr>
-            <a:r>
-              <a:rPr lang="ko-KR" altLang="en-US"/>
-              <a:t>권한을 착취하는 것을 말한다</a:t>
-            </a:r>
-            <a:r>
-              <a:rPr lang="en-US" altLang="ko-KR"/>
-              <a:t>.</a:t>
-            </a:r>
-            <a:endParaRPr lang="ko-KR" altLang="en-US"/>
-          </a:p>
-        </p:txBody>
-      </p:sp>
-      <p:sp>
-        <p:nvSpPr>
-          <p:cNvPr id="11" name="TextBox 10"/>
-          <p:cNvSpPr txBox="1"/>
-          <p:nvPr/>
-        </p:nvSpPr>
-        <p:spPr>
-          <a:xfrm>
-            <a:off x="971599" y="4581128"/>
-            <a:ext cx="7568515" cy="903367"/>
-          </a:xfrm>
-          <a:prstGeom prst="rect">
-            <a:avLst/>
-          </a:prstGeom>
-          <a:noFill/>
-        </p:spPr>
-        <p:txBody>
-          <a:bodyPr wrap="none">
-            <a:spAutoFit/>
-          </a:bodyPr>
-          <a:lstStyle/>
-          <a:p>
-            <a:pPr lvl="0">
-              <a:defRPr lang="ko-KR" altLang="en-US"/>
-            </a:pPr>
-            <a:r>
-              <a:rPr lang="ko-KR" altLang="en-US"/>
-              <a:t>강력한 패스워드 정책</a:t>
-            </a:r>
-            <a:r>
-              <a:rPr lang="en-US" altLang="ko-KR"/>
-              <a:t>, </a:t>
-            </a:r>
-            <a:r>
-              <a:rPr lang="ko-KR" altLang="en-US"/>
-              <a:t>전송 중의 자격증명 보호</a:t>
-            </a:r>
-            <a:r>
-              <a:rPr lang="en-US" altLang="ko-KR"/>
-              <a:t>, </a:t>
-            </a:r>
-            <a:r>
-              <a:rPr lang="ko-KR" altLang="en-US"/>
-              <a:t>서버 측 인증 기술 사용</a:t>
-            </a:r>
-            <a:endParaRPr lang="ko-KR" altLang="en-US"/>
-          </a:p>
-          <a:p>
-            <a:pPr lvl="0">
-              <a:defRPr lang="ko-KR" altLang="en-US"/>
-            </a:pPr>
-            <a:r>
-              <a:rPr lang="ko-KR" altLang="en-US"/>
-              <a:t>인증 관련 정보는 </a:t>
-            </a:r>
-            <a:r>
-              <a:rPr lang="en-US" altLang="ko-KR"/>
-              <a:t>Get </a:t>
-            </a:r>
-            <a:r>
-              <a:rPr lang="ko-KR" altLang="en-US"/>
-              <a:t>방식이 아닌 </a:t>
-            </a:r>
-            <a:r>
-              <a:rPr lang="en-US" altLang="ko-KR"/>
-              <a:t>Post</a:t>
-            </a:r>
-            <a:r>
-              <a:rPr lang="ko-KR" altLang="en-US"/>
-              <a:t>방식으로 요청</a:t>
-            </a:r>
-            <a:endParaRPr lang="ko-KR" altLang="en-US"/>
-          </a:p>
-          <a:p>
-            <a:pPr lvl="0">
-              <a:defRPr lang="ko-KR" altLang="en-US"/>
-            </a:pPr>
-            <a:r>
-              <a:rPr lang="ko-KR" altLang="en-US"/>
-              <a:t>동시 로그인 금지 및 암호화 채널 사용</a:t>
-            </a:r>
-            <a:endParaRPr lang="ko-KR" altLang="en-US"/>
+              <a:rPr lang="ko-KR" altLang="en-US" dirty="0" smtClean="0"/>
+              <a:t>특수문자 입력 차단</a:t>
+            </a:r>
+            <a:r>
+              <a:rPr lang="en-US" altLang="ko-KR" dirty="0" smtClean="0"/>
+              <a:t>, SQL</a:t>
+            </a:r>
+            <a:r>
+              <a:rPr lang="ko-KR" altLang="en-US" dirty="0" smtClean="0"/>
+              <a:t>서버 에러 메시지 표시 금지</a:t>
+            </a:r>
+            <a:r>
+              <a:rPr lang="en-US" altLang="ko-KR" dirty="0" smtClean="0"/>
+              <a:t>,</a:t>
+            </a:r>
+          </a:p>
+          <a:p>
+            <a:r>
+              <a:rPr lang="ko-KR" altLang="en-US" dirty="0" smtClean="0"/>
+              <a:t>일반 사용자 권한으로 시스템 저장 프로시저 접근 차단</a:t>
+            </a:r>
+            <a:endParaRPr lang="en-US" altLang="ko-KR" dirty="0" smtClean="0"/>
           </a:p>
         </p:txBody>
       </p:sp>
     </p:spTree>
+    <p:extLst>
+      <p:ext uri="{BB962C8B-B14F-4D97-AF65-F5344CB8AC3E}">
+        <p14:creationId xmlns:p14="http://schemas.microsoft.com/office/powerpoint/2010/main" val="63988960"/>
+      </p:ext>
+    </p:extLst>
   </p:cSld>
   <p:clrMapOvr>
     <a:masterClrMapping/>
   </p:clrMapOvr>
-  <p:transition xmlns:mc="http://schemas.openxmlformats.org/markup-compatibility/2006" xmlns:hp="http://schemas.haansoft.com/office/presentation/8.0" spd="slow" mc:Ignorable="hp" hp:hslDur="3000">
-    <p:push/>
-  </p:transition>
+  <mc:AlternateContent xmlns:mc="http://schemas.openxmlformats.org/markup-compatibility/2006" xmlns:p14="http://schemas.microsoft.com/office/powerpoint/2010/main">
+    <mc:Choice Requires="p14">
+      <p:transition spd="slow">
+        <p:push/>
+      </p:transition>
+    </mc:Choice>
+    <mc:Fallback xmlns="">
+      <p:transition spd="slow">
+        <p:push dir="l"/>
+      </p:transition>
+    </mc:Fallback>
+  </mc:AlternateContent>
+  <p:timing>
+    <p:tnLst>
+      <p:par>
+        <p:cTn id="1" dur="indefinite" restart="never" nodeType="tmRoot"/>
+      </p:par>
+    </p:tnLst>
+  </p:timing>
 </p:sld>
 </file>
 
-<file path=ppt/slides/slide5.xml><?xml version="1.0" encoding="utf-8"?>
-<p:sld xmlns:r="http://schemas.openxmlformats.org/officeDocument/2006/relationships" xmlns:c="http://schemas.openxmlformats.org/drawingml/2006/chart" xmlns:a="http://schemas.openxmlformats.org/drawingml/2006/main" xmlns:dgm="http://schemas.openxmlformats.org/drawingml/2006/diagram" xmlns:dsp="http://schemas.microsoft.com/office/drawing/2008/diagram" xmlns:p="http://schemas.openxmlformats.org/presentationml/2006/main">
+<file path=ppt/slides/slide4.xml><?xml version="1.0" encoding="utf-8"?>
+<p:sld xmlns:a="http://schemas.openxmlformats.org/drawingml/2006/main" xmlns:r="http://schemas.openxmlformats.org/officeDocument/2006/relationships" xmlns:p="http://schemas.openxmlformats.org/presentationml/2006/main">
   <p:cSld>
     <p:spTree>
       <p:nvGrpSpPr>
@@ -13860,8 +13639,8 @@
         </p:nvSpPr>
         <p:spPr>
           <a:xfrm>
-            <a:off x="395615" y="201930"/>
-            <a:ext cx="8316845" cy="830997"/>
+            <a:off x="1115695" y="201930"/>
+            <a:ext cx="6768465" cy="831215"/>
           </a:xfrm>
           <a:prstGeom prst="rect">
             <a:avLst/>
@@ -13876,46 +13655,44 @@
           </a:effectLst>
         </p:spPr>
         <p:txBody>
-          <a:bodyPr wrap="square">
+          <a:bodyPr wrap="square" rtlCol="0">
             <a:spAutoFit/>
           </a:bodyPr>
           <a:lstStyle/>
           <a:p>
-            <a:pPr algn="ctr">
-              <a:defRPr lang="ko-KR" altLang="en-US"/>
-            </a:pPr>
-            <a:r>
-              <a:rPr lang="en-US" altLang="ko-KR" sz="4800">
+            <a:pPr algn="ctr"/>
+            <a:r>
+              <a:rPr lang="en-US" altLang="ko-KR" sz="4800" dirty="0" smtClean="0">
                 <a:solidFill>
                   <a:schemeClr val="accent1">
                     <a:lumMod val="50000"/>
                   </a:schemeClr>
                 </a:solidFill>
-                <a:latin typeface="HY견고딕"/>
-                <a:ea typeface="HY견고딕"/>
-              </a:rPr>
-              <a:t>A3:</a:t>
-            </a:r>
-            <a:r>
-              <a:rPr lang="ko-KR" altLang="en-US" sz="4800">
+                <a:latin typeface="HY견고딕" panose="02030600000101010101" pitchFamily="18" charset="-127"/>
+                <a:ea typeface="HY견고딕" panose="02030600000101010101" pitchFamily="18" charset="-127"/>
+              </a:rPr>
+              <a:t>A2:</a:t>
+            </a:r>
+            <a:r>
+              <a:rPr lang="ko-KR" altLang="en-US" sz="4800" dirty="0" smtClean="0">
                 <a:solidFill>
                   <a:schemeClr val="accent1">
                     <a:lumMod val="50000"/>
                   </a:schemeClr>
                 </a:solidFill>
-                <a:latin typeface="HY견고딕"/>
-                <a:ea typeface="HY견고딕"/>
-              </a:rPr>
-              <a:t>민감한 데이터 노출</a:t>
-            </a:r>
-            <a:endParaRPr lang="ko-KR" altLang="en-US" sz="4800">
+                <a:latin typeface="HY견고딕" panose="02030600000101010101" pitchFamily="18" charset="-127"/>
+                <a:ea typeface="HY견고딕" panose="02030600000101010101" pitchFamily="18" charset="-127"/>
+              </a:rPr>
+              <a:t>취약점 인증</a:t>
+            </a:r>
+            <a:endParaRPr lang="ko-KR" altLang="en-US" sz="4800" dirty="0">
               <a:solidFill>
                 <a:schemeClr val="accent1">
                   <a:lumMod val="50000"/>
                 </a:schemeClr>
               </a:solidFill>
-              <a:latin typeface="HY견고딕"/>
-              <a:ea typeface="HY견고딕"/>
+              <a:latin typeface="HY견고딕" panose="02030600000101010101" pitchFamily="18" charset="-127"/>
+              <a:ea typeface="HY견고딕" panose="02030600000101010101" pitchFamily="18" charset="-127"/>
             </a:endParaRPr>
           </a:p>
         </p:txBody>
@@ -13980,12 +13757,10 @@
           </a:fontRef>
         </p:style>
         <p:txBody>
-          <a:bodyPr anchor="ctr"/>
-          <a:lstStyle/>
-          <a:p>
-            <a:pPr algn="ctr">
-              <a:defRPr lang="ko-KR" altLang="en-US"/>
-            </a:pPr>
+          <a:bodyPr rtlCol="0" anchor="ctr"/>
+          <a:lstStyle/>
+          <a:p>
+            <a:pPr algn="ctr"/>
             <a:endParaRPr lang="ko-KR" altLang="en-US"/>
           </a:p>
         </p:txBody>
@@ -14031,12 +13806,10 @@
           </a:fontRef>
         </p:style>
         <p:txBody>
-          <a:bodyPr anchor="ctr"/>
-          <a:lstStyle/>
-          <a:p>
-            <a:pPr algn="ctr">
-              <a:defRPr lang="ko-KR" altLang="en-US"/>
-            </a:pPr>
+          <a:bodyPr rtlCol="0" anchor="ctr"/>
+          <a:lstStyle/>
+          <a:p>
+            <a:pPr algn="ctr"/>
             <a:endParaRPr lang="ko-KR" altLang="en-US"/>
           </a:p>
         </p:txBody>
@@ -14082,12 +13855,10 @@
           </a:fontRef>
         </p:style>
         <p:txBody>
-          <a:bodyPr anchor="ctr"/>
-          <a:lstStyle/>
-          <a:p>
-            <a:pPr algn="ctr">
-              <a:defRPr lang="ko-KR" altLang="en-US"/>
-            </a:pPr>
+          <a:bodyPr rtlCol="0" anchor="ctr"/>
+          <a:lstStyle/>
+          <a:p>
+            <a:pPr algn="ctr"/>
             <a:endParaRPr lang="ko-KR" altLang="en-US"/>
           </a:p>
         </p:txBody>
@@ -14133,12 +13904,10 @@
           </a:fontRef>
         </p:style>
         <p:txBody>
-          <a:bodyPr anchor="ctr"/>
-          <a:lstStyle/>
-          <a:p>
-            <a:pPr algn="ctr">
-              <a:defRPr lang="ko-KR" altLang="en-US"/>
-            </a:pPr>
+          <a:bodyPr rtlCol="0" anchor="ctr"/>
+          <a:lstStyle/>
+          <a:p>
+            <a:pPr algn="ctr"/>
             <a:endParaRPr lang="ko-KR" altLang="en-US"/>
           </a:p>
         </p:txBody>
@@ -14152,7 +13921,7 @@
         <p:spPr>
           <a:xfrm>
             <a:off x="755576" y="1659795"/>
-            <a:ext cx="1164664" cy="461665"/>
+            <a:ext cx="1197764" cy="461665"/>
           </a:xfrm>
           <a:prstGeom prst="rect">
             <a:avLst/>
@@ -14160,18 +13929,17 @@
           <a:noFill/>
         </p:spPr>
         <p:txBody>
-          <a:bodyPr wrap="none">
+          <a:bodyPr wrap="none" rtlCol="0">
             <a:spAutoFit/>
           </a:bodyPr>
           <a:lstStyle/>
           <a:p>
             <a:pPr marL="285750" indent="-285750">
-              <a:buFont typeface="Wingdings"/>
+              <a:buFont typeface="Wingdings" panose="05000000000000000000" pitchFamily="2" charset="2"/>
               <a:buChar char="l"/>
-              <a:defRPr lang="ko-KR" altLang="en-US"/>
-            </a:pPr>
-            <a:r>
-              <a:rPr lang="ko-KR" altLang="en-US" sz="2400" b="1">
+            </a:pPr>
+            <a:r>
+              <a:rPr lang="ko-KR" altLang="en-US" sz="2400" b="1" dirty="0" smtClean="0">
                 <a:solidFill>
                   <a:schemeClr val="tx2">
                     <a:lumMod val="50000"/>
@@ -14180,7 +13948,7 @@
               </a:rPr>
               <a:t> 정의</a:t>
             </a:r>
-            <a:endParaRPr lang="ko-KR" altLang="en-US" b="1">
+            <a:endParaRPr lang="ko-KR" altLang="en-US" b="1" dirty="0">
               <a:solidFill>
                 <a:schemeClr val="tx2">
                   <a:lumMod val="50000"/>
@@ -14199,7 +13967,7 @@
         <p:spPr>
           <a:xfrm>
             <a:off x="755576" y="4005064"/>
-            <a:ext cx="1774264" cy="450731"/>
+            <a:ext cx="1813317" cy="461665"/>
           </a:xfrm>
           <a:prstGeom prst="rect">
             <a:avLst/>
@@ -14207,18 +13975,17 @@
           <a:noFill/>
         </p:spPr>
         <p:txBody>
-          <a:bodyPr wrap="none">
+          <a:bodyPr wrap="none" rtlCol="0">
             <a:spAutoFit/>
           </a:bodyPr>
           <a:lstStyle/>
           <a:p>
             <a:pPr marL="285750" indent="-285750">
-              <a:buFont typeface="Wingdings"/>
+              <a:buFont typeface="Wingdings" panose="05000000000000000000" pitchFamily="2" charset="2"/>
               <a:buChar char="l"/>
-              <a:defRPr lang="ko-KR" altLang="en-US"/>
-            </a:pPr>
-            <a:r>
-              <a:rPr lang="ko-KR" altLang="en-US" sz="2400" b="1">
+            </a:pPr>
+            <a:r>
+              <a:rPr lang="ko-KR" altLang="en-US" sz="2400" b="1" dirty="0" smtClean="0">
                 <a:solidFill>
                   <a:schemeClr val="tx2">
                     <a:lumMod val="50000"/>
@@ -14227,7 +13994,7 @@
               </a:rPr>
               <a:t> 보안대책</a:t>
             </a:r>
-            <a:endParaRPr lang="ko-KR" altLang="en-US" b="1">
+            <a:endParaRPr lang="ko-KR" altLang="en-US" b="1" dirty="0">
               <a:solidFill>
                 <a:schemeClr val="tx2">
                   <a:lumMod val="50000"/>
@@ -14246,7 +14013,7 @@
         <p:spPr>
           <a:xfrm>
             <a:off x="971600" y="2203015"/>
-            <a:ext cx="7673289" cy="646331"/>
+            <a:ext cx="7486345" cy="923330"/>
           </a:xfrm>
           <a:prstGeom prst="rect">
             <a:avLst/>
@@ -14254,45 +14021,58 @@
           <a:noFill/>
         </p:spPr>
         <p:txBody>
-          <a:bodyPr wrap="none">
+          <a:bodyPr wrap="none" rtlCol="0">
             <a:spAutoFit/>
           </a:bodyPr>
           <a:lstStyle/>
           <a:p>
-            <a:pPr lvl="0">
-              <a:defRPr lang="ko-KR" altLang="en-US"/>
-            </a:pPr>
-            <a:r>
-              <a:rPr lang="en-US" altLang="ko-KR"/>
-              <a:t>SQL, OS, XXE, LDAP </a:t>
-            </a:r>
-            <a:r>
-              <a:rPr lang="ko-KR" altLang="en-US"/>
-              <a:t>인젝션 취약점은 신뢰할 수 없는 데이터가 명령어나 </a:t>
-            </a:r>
-            <a:endParaRPr lang="ko-KR" altLang="en-US"/>
-          </a:p>
-          <a:p>
-            <a:pPr lvl="0">
-              <a:defRPr lang="ko-KR" altLang="en-US"/>
-            </a:pPr>
-            <a:r>
-              <a:rPr lang="ko-KR" altLang="en-US"/>
-              <a:t>쿼리문의 일부분으로써</a:t>
-            </a:r>
-            <a:r>
-              <a:rPr lang="en-US" altLang="ko-KR"/>
+            <a:r>
+              <a:rPr lang="ko-KR" altLang="en-US" dirty="0" smtClean="0"/>
+              <a:t>인증 및 세션 관리와 관련된 </a:t>
+            </a:r>
+            <a:r>
+              <a:rPr lang="ko-KR" altLang="en-US" dirty="0" err="1" smtClean="0"/>
+              <a:t>에플리케이션</a:t>
+            </a:r>
+            <a:r>
+              <a:rPr lang="ko-KR" altLang="en-US" dirty="0" smtClean="0"/>
+              <a:t> 기능이 종종 잘못 구현되어 </a:t>
+            </a:r>
+            <a:endParaRPr lang="en-US" altLang="ko-KR" dirty="0" smtClean="0"/>
+          </a:p>
+          <a:p>
+            <a:r>
+              <a:rPr lang="ko-KR" altLang="en-US" dirty="0" smtClean="0"/>
+              <a:t>공격자에게 취약한 암호</a:t>
+            </a:r>
+            <a:r>
+              <a:rPr lang="en-US" altLang="ko-KR" dirty="0" smtClean="0"/>
               <a:t>, </a:t>
             </a:r>
             <a:r>
-              <a:rPr lang="ko-KR" altLang="en-US"/>
-              <a:t>인터프리터로 보내질 때 발생한다</a:t>
-            </a:r>
-            <a:r>
-              <a:rPr lang="en-US" altLang="ko-KR"/>
+              <a:rPr lang="ko-KR" altLang="en-US" dirty="0" smtClean="0"/>
+              <a:t>키 또는 세션 토큰을 제공하여</a:t>
+            </a:r>
+            <a:r>
+              <a:rPr lang="en-US" altLang="ko-KR" dirty="0" smtClean="0"/>
+              <a:t>, </a:t>
+            </a:r>
+            <a:r>
+              <a:rPr lang="ko-KR" altLang="en-US" dirty="0" smtClean="0"/>
+              <a:t>다른 사용자의</a:t>
+            </a:r>
+            <a:endParaRPr lang="en-US" altLang="ko-KR" dirty="0" smtClean="0"/>
+          </a:p>
+          <a:p>
+            <a:r>
+              <a:rPr lang="ko-KR" altLang="en-US" dirty="0" smtClean="0"/>
+              <a:t>권한을 착취하는 것을 말한다</a:t>
+            </a:r>
+            <a:r>
+              <a:rPr lang="en-US" altLang="ko-KR" dirty="0" smtClean="0"/>
               <a:t>.</a:t>
             </a:r>
-            <a:endParaRPr lang="ko-KR" altLang="en-US"/>
+            <a:endParaRPr lang="ko-KR" altLang="en-US" dirty="0"/>
           </a:p>
         </p:txBody>
       </p:sp>
@@ -14305,7 +14085,7 @@
         <p:spPr>
           <a:xfrm>
             <a:off x="971599" y="4581128"/>
-            <a:ext cx="7673290" cy="636667"/>
+            <a:ext cx="7649851" cy="923330"/>
           </a:xfrm>
           <a:prstGeom prst="rect">
             <a:avLst/>
@@ -14313,61 +14093,99 @@
           <a:noFill/>
         </p:spPr>
         <p:txBody>
-          <a:bodyPr wrap="none">
+          <a:bodyPr wrap="none" rtlCol="0">
             <a:spAutoFit/>
           </a:bodyPr>
           <a:lstStyle/>
           <a:p>
-            <a:pPr lvl="0">
-              <a:defRPr lang="ko-KR" altLang="en-US"/>
-            </a:pPr>
-            <a:r>
-              <a:rPr lang="en-US" altLang="ko-KR"/>
-              <a:t>SQL, OS, XXE, LDAP </a:t>
-            </a:r>
-            <a:r>
-              <a:rPr lang="ko-KR" altLang="en-US"/>
-              <a:t>인젝션 취약점은 신뢰할 수 없는 데이터가 명령어나 </a:t>
-            </a:r>
-            <a:endParaRPr lang="ko-KR" altLang="en-US"/>
-          </a:p>
-          <a:p>
-            <a:pPr lvl="0">
-              <a:defRPr lang="ko-KR" altLang="en-US"/>
-            </a:pPr>
-            <a:r>
-              <a:rPr lang="ko-KR" altLang="en-US"/>
-              <a:t>쿼리문의 일부분으로써</a:t>
-            </a:r>
-            <a:r>
-              <a:rPr lang="en-US" altLang="ko-KR"/>
+            <a:r>
+              <a:rPr lang="ko-KR" altLang="en-US" dirty="0" smtClean="0"/>
+              <a:t>강력한 패스워드 정책</a:t>
+            </a:r>
+            <a:r>
+              <a:rPr lang="en-US" altLang="ko-KR" dirty="0" smtClean="0"/>
               <a:t>, </a:t>
             </a:r>
             <a:r>
-              <a:rPr lang="ko-KR" altLang="en-US"/>
-              <a:t>인터프리터로 보내질 때 발생한다</a:t>
-            </a:r>
-            <a:r>
-              <a:rPr lang="en-US" altLang="ko-KR"/>
-              <a:t>.</a:t>
-            </a:r>
-            <a:endParaRPr lang="ko-KR" altLang="en-US"/>
+              <a:rPr lang="ko-KR" altLang="en-US" dirty="0" smtClean="0"/>
+              <a:t>전송 중의 자격증명 보호</a:t>
+            </a:r>
+            <a:r>
+              <a:rPr lang="en-US" altLang="ko-KR" dirty="0" smtClean="0"/>
+              <a:t>, </a:t>
+            </a:r>
+            <a:r>
+              <a:rPr lang="ko-KR" altLang="en-US" dirty="0" smtClean="0"/>
+              <a:t>서버 측 인증 기술 사용</a:t>
+            </a:r>
+            <a:endParaRPr lang="en-US" altLang="ko-KR" dirty="0" smtClean="0"/>
+          </a:p>
+          <a:p>
+            <a:r>
+              <a:rPr lang="ko-KR" altLang="en-US" dirty="0" smtClean="0"/>
+              <a:t>인증 관련 정보는 </a:t>
+            </a:r>
+            <a:r>
+              <a:rPr lang="en-US" altLang="ko-KR" dirty="0" smtClean="0"/>
+              <a:t>Get </a:t>
+            </a:r>
+            <a:r>
+              <a:rPr lang="ko-KR" altLang="en-US" dirty="0" smtClean="0"/>
+              <a:t>방식이 아닌 </a:t>
+            </a:r>
+            <a:r>
+              <a:rPr lang="en-US" altLang="ko-KR" dirty="0" smtClean="0"/>
+              <a:t>Post</a:t>
+            </a:r>
+            <a:r>
+              <a:rPr lang="ko-KR" altLang="en-US" dirty="0" smtClean="0"/>
+              <a:t>방식으로 요청</a:t>
+            </a:r>
+            <a:endParaRPr lang="en-US" altLang="ko-KR" dirty="0" smtClean="0"/>
+          </a:p>
+          <a:p>
+            <a:r>
+              <a:rPr lang="ko-KR" altLang="en-US" dirty="0" smtClean="0"/>
+              <a:t>동시 로그인 금지 및 암호화 채널 사용</a:t>
+            </a:r>
+            <a:endParaRPr lang="ko-KR" altLang="en-US" dirty="0"/>
           </a:p>
         </p:txBody>
       </p:sp>
     </p:spTree>
+    <p:extLst>
+      <p:ext uri="{BB962C8B-B14F-4D97-AF65-F5344CB8AC3E}">
+        <p14:creationId xmlns:p14="http://schemas.microsoft.com/office/powerpoint/2010/main" val="1764063674"/>
+      </p:ext>
+    </p:extLst>
   </p:cSld>
   <p:clrMapOvr>
     <a:masterClrMapping/>
   </p:clrMapOvr>
-  <p:transition xmlns:mc="http://schemas.openxmlformats.org/markup-compatibility/2006" xmlns:hp="http://schemas.haansoft.com/office/presentation/8.0" spd="slow" mc:Ignorable="hp" hp:hslDur="3000">
-    <p:push/>
-  </p:transition>
+  <mc:AlternateContent xmlns:mc="http://schemas.openxmlformats.org/markup-compatibility/2006" xmlns:p14="http://schemas.microsoft.com/office/powerpoint/2010/main">
+    <mc:Choice Requires="p14">
+      <p:transition spd="slow">
+        <p:push/>
+      </p:transition>
+    </mc:Choice>
+    <mc:Fallback xmlns="">
+      <p:transition spd="slow">
+        <p:push dir="l"/>
+      </p:transition>
+    </mc:Fallback>
+  </mc:AlternateContent>
+  <p:timing>
+    <p:tnLst>
+      <p:par>
+        <p:cTn id="1" dur="indefinite" restart="never" nodeType="tmRoot"/>
+      </p:par>
+    </p:tnLst>
+  </p:timing>
 </p:sld>
 </file>
 
-<file path=ppt/slides/slide6.xml><?xml version="1.0" encoding="utf-8"?>
-<p:sld xmlns:r="http://schemas.openxmlformats.org/officeDocument/2006/relationships" xmlns:c="http://schemas.openxmlformats.org/drawingml/2006/chart" xmlns:a="http://schemas.openxmlformats.org/drawingml/2006/main" xmlns:dgm="http://schemas.openxmlformats.org/drawingml/2006/diagram" xmlns:dsp="http://schemas.microsoft.com/office/drawing/2008/diagram" xmlns:p="http://schemas.openxmlformats.org/presentationml/2006/main">
+<file path=ppt/slides/slide5.xml><?xml version="1.0" encoding="utf-8"?>
+<p:sld xmlns:a="http://schemas.openxmlformats.org/drawingml/2006/main" xmlns:r="http://schemas.openxmlformats.org/officeDocument/2006/relationships" xmlns:p="http://schemas.openxmlformats.org/presentationml/2006/main">
   <p:cSld>
     <p:spTree>
       <p:nvGrpSpPr>
@@ -14391,8 +14209,8 @@
         </p:nvSpPr>
         <p:spPr>
           <a:xfrm>
-            <a:off x="791580" y="201930"/>
-            <a:ext cx="7632769" cy="830997"/>
+            <a:off x="395615" y="201930"/>
+            <a:ext cx="8316845" cy="830997"/>
           </a:xfrm>
           <a:prstGeom prst="rect">
             <a:avLst/>
@@ -14407,58 +14225,44 @@
           </a:effectLst>
         </p:spPr>
         <p:txBody>
-          <a:bodyPr wrap="square">
+          <a:bodyPr wrap="square" rtlCol="0">
             <a:spAutoFit/>
           </a:bodyPr>
           <a:lstStyle/>
           <a:p>
-            <a:pPr algn="ctr">
-              <a:defRPr lang="ko-KR" altLang="en-US"/>
-            </a:pPr>
-            <a:r>
-              <a:rPr lang="en-US" altLang="ko-KR" sz="4800">
+            <a:pPr algn="ctr"/>
+            <a:r>
+              <a:rPr lang="en-US" altLang="ko-KR" sz="4800" dirty="0" smtClean="0">
                 <a:solidFill>
                   <a:schemeClr val="accent1">
                     <a:lumMod val="50000"/>
                   </a:schemeClr>
                 </a:solidFill>
-                <a:latin typeface="HY견고딕"/>
-                <a:ea typeface="HY견고딕"/>
-              </a:rPr>
-              <a:t>A4:XML-</a:t>
-            </a:r>
-            <a:r>
-              <a:rPr lang="ko-KR" altLang="en-US" sz="4800">
+                <a:latin typeface="HY견고딕" panose="02030600000101010101" pitchFamily="18" charset="-127"/>
+                <a:ea typeface="HY견고딕" panose="02030600000101010101" pitchFamily="18" charset="-127"/>
+              </a:rPr>
+              <a:t>A3:</a:t>
+            </a:r>
+            <a:r>
+              <a:rPr lang="ko-KR" altLang="en-US" sz="4800" dirty="0" smtClean="0">
                 <a:solidFill>
                   <a:schemeClr val="accent1">
                     <a:lumMod val="50000"/>
                   </a:schemeClr>
                 </a:solidFill>
-                <a:latin typeface="HY견고딕"/>
-                <a:ea typeface="HY견고딕"/>
-              </a:rPr>
-              <a:t>외부 개체</a:t>
-            </a:r>
-            <a:r>
-              <a:rPr lang="en-US" altLang="ko-KR" sz="4800">
-                <a:solidFill>
-                  <a:schemeClr val="accent1">
-                    <a:lumMod val="50000"/>
-                  </a:schemeClr>
-                </a:solidFill>
-                <a:latin typeface="HY견고딕"/>
-                <a:ea typeface="HY견고딕"/>
-              </a:rPr>
-              <a:t>(XXE)</a:t>
-            </a:r>
-            <a:endParaRPr lang="ko-KR" altLang="en-US" sz="4800">
+                <a:latin typeface="HY견고딕" panose="02030600000101010101" pitchFamily="18" charset="-127"/>
+                <a:ea typeface="HY견고딕" panose="02030600000101010101" pitchFamily="18" charset="-127"/>
+              </a:rPr>
+              <a:t>민감한 데이터 노출</a:t>
+            </a:r>
+            <a:endParaRPr lang="ko-KR" altLang="en-US" sz="4800" dirty="0">
               <a:solidFill>
                 <a:schemeClr val="accent1">
                   <a:lumMod val="50000"/>
                 </a:schemeClr>
               </a:solidFill>
-              <a:latin typeface="HY견고딕"/>
-              <a:ea typeface="HY견고딕"/>
+              <a:latin typeface="HY견고딕" panose="02030600000101010101" pitchFamily="18" charset="-127"/>
+              <a:ea typeface="HY견고딕" panose="02030600000101010101" pitchFamily="18" charset="-127"/>
             </a:endParaRPr>
           </a:p>
         </p:txBody>
@@ -14523,12 +14327,10 @@
           </a:fontRef>
         </p:style>
         <p:txBody>
-          <a:bodyPr anchor="ctr"/>
-          <a:lstStyle/>
-          <a:p>
-            <a:pPr algn="ctr">
-              <a:defRPr lang="ko-KR" altLang="en-US"/>
-            </a:pPr>
+          <a:bodyPr rtlCol="0" anchor="ctr"/>
+          <a:lstStyle/>
+          <a:p>
+            <a:pPr algn="ctr"/>
             <a:endParaRPr lang="ko-KR" altLang="en-US"/>
           </a:p>
         </p:txBody>
@@ -14574,12 +14376,10 @@
           </a:fontRef>
         </p:style>
         <p:txBody>
-          <a:bodyPr anchor="ctr"/>
-          <a:lstStyle/>
-          <a:p>
-            <a:pPr algn="ctr">
-              <a:defRPr lang="ko-KR" altLang="en-US"/>
-            </a:pPr>
+          <a:bodyPr rtlCol="0" anchor="ctr"/>
+          <a:lstStyle/>
+          <a:p>
+            <a:pPr algn="ctr"/>
             <a:endParaRPr lang="ko-KR" altLang="en-US"/>
           </a:p>
         </p:txBody>
@@ -14625,12 +14425,10 @@
           </a:fontRef>
         </p:style>
         <p:txBody>
-          <a:bodyPr anchor="ctr"/>
-          <a:lstStyle/>
-          <a:p>
-            <a:pPr algn="ctr">
-              <a:defRPr lang="ko-KR" altLang="en-US"/>
-            </a:pPr>
+          <a:bodyPr rtlCol="0" anchor="ctr"/>
+          <a:lstStyle/>
+          <a:p>
+            <a:pPr algn="ctr"/>
             <a:endParaRPr lang="ko-KR" altLang="en-US"/>
           </a:p>
         </p:txBody>
@@ -14676,12 +14474,10 @@
           </a:fontRef>
         </p:style>
         <p:txBody>
-          <a:bodyPr anchor="ctr"/>
-          <a:lstStyle/>
-          <a:p>
-            <a:pPr algn="ctr">
-              <a:defRPr lang="ko-KR" altLang="en-US"/>
-            </a:pPr>
+          <a:bodyPr rtlCol="0" anchor="ctr"/>
+          <a:lstStyle/>
+          <a:p>
+            <a:pPr algn="ctr"/>
             <a:endParaRPr lang="ko-KR" altLang="en-US"/>
           </a:p>
         </p:txBody>
@@ -14695,7 +14491,7 @@
         <p:spPr>
           <a:xfrm>
             <a:off x="755576" y="1659795"/>
-            <a:ext cx="1164664" cy="461665"/>
+            <a:ext cx="1197764" cy="461665"/>
           </a:xfrm>
           <a:prstGeom prst="rect">
             <a:avLst/>
@@ -14703,18 +14499,17 @@
           <a:noFill/>
         </p:spPr>
         <p:txBody>
-          <a:bodyPr wrap="none">
+          <a:bodyPr wrap="none" rtlCol="0">
             <a:spAutoFit/>
           </a:bodyPr>
           <a:lstStyle/>
           <a:p>
             <a:pPr marL="285750" indent="-285750">
-              <a:buFont typeface="Wingdings"/>
+              <a:buFont typeface="Wingdings" panose="05000000000000000000" pitchFamily="2" charset="2"/>
               <a:buChar char="l"/>
-              <a:defRPr lang="ko-KR" altLang="en-US"/>
-            </a:pPr>
-            <a:r>
-              <a:rPr lang="ko-KR" altLang="en-US" sz="2400" b="1">
+            </a:pPr>
+            <a:r>
+              <a:rPr lang="ko-KR" altLang="en-US" sz="2400" b="1" dirty="0" smtClean="0">
                 <a:solidFill>
                   <a:schemeClr val="tx2">
                     <a:lumMod val="50000"/>
@@ -14723,7 +14518,7 @@
               </a:rPr>
               <a:t> 정의</a:t>
             </a:r>
-            <a:endParaRPr lang="ko-KR" altLang="en-US" b="1">
+            <a:endParaRPr lang="ko-KR" altLang="en-US" b="1" dirty="0">
               <a:solidFill>
                 <a:schemeClr val="tx2">
                   <a:lumMod val="50000"/>
@@ -14742,7 +14537,7 @@
         <p:spPr>
           <a:xfrm>
             <a:off x="755576" y="4005064"/>
-            <a:ext cx="1774264" cy="450731"/>
+            <a:ext cx="1813317" cy="461665"/>
           </a:xfrm>
           <a:prstGeom prst="rect">
             <a:avLst/>
@@ -14750,18 +14545,17 @@
           <a:noFill/>
         </p:spPr>
         <p:txBody>
-          <a:bodyPr wrap="none">
+          <a:bodyPr wrap="none" rtlCol="0">
             <a:spAutoFit/>
           </a:bodyPr>
           <a:lstStyle/>
           <a:p>
             <a:pPr marL="285750" indent="-285750">
-              <a:buFont typeface="Wingdings"/>
+              <a:buFont typeface="Wingdings" panose="05000000000000000000" pitchFamily="2" charset="2"/>
               <a:buChar char="l"/>
-              <a:defRPr lang="ko-KR" altLang="en-US"/>
-            </a:pPr>
-            <a:r>
-              <a:rPr lang="ko-KR" altLang="en-US" sz="2400" b="1">
+            </a:pPr>
+            <a:r>
+              <a:rPr lang="ko-KR" altLang="en-US" sz="2400" b="1" dirty="0" smtClean="0">
                 <a:solidFill>
                   <a:schemeClr val="tx2">
                     <a:lumMod val="50000"/>
@@ -14770,7 +14564,7 @@
               </a:rPr>
               <a:t> 보안대책</a:t>
             </a:r>
-            <a:endParaRPr lang="ko-KR" altLang="en-US" b="1">
+            <a:endParaRPr lang="ko-KR" altLang="en-US" b="1" dirty="0">
               <a:solidFill>
                 <a:schemeClr val="tx2">
                   <a:lumMod val="50000"/>
@@ -14789,7 +14583,7 @@
         <p:spPr>
           <a:xfrm>
             <a:off x="971600" y="2203015"/>
-            <a:ext cx="7673289" cy="646331"/>
+            <a:ext cx="8145178" cy="923330"/>
           </a:xfrm>
           <a:prstGeom prst="rect">
             <a:avLst/>
@@ -14797,45 +14591,90 @@
           <a:noFill/>
         </p:spPr>
         <p:txBody>
-          <a:bodyPr wrap="none">
+          <a:bodyPr wrap="none" rtlCol="0">
             <a:spAutoFit/>
           </a:bodyPr>
           <a:lstStyle/>
           <a:p>
-            <a:pPr lvl="0">
-              <a:defRPr lang="ko-KR" altLang="en-US"/>
-            </a:pPr>
-            <a:r>
-              <a:rPr lang="en-US" altLang="ko-KR"/>
-              <a:t>SQL, OS, XXE, LDAP </a:t>
-            </a:r>
-            <a:r>
-              <a:rPr lang="ko-KR" altLang="en-US"/>
-              <a:t>인젝션 취약점은 신뢰할 수 없는 데이터가 명령어나 </a:t>
-            </a:r>
-            <a:endParaRPr lang="ko-KR" altLang="en-US"/>
-          </a:p>
-          <a:p>
-            <a:pPr lvl="0">
-              <a:defRPr lang="ko-KR" altLang="en-US"/>
-            </a:pPr>
-            <a:r>
-              <a:rPr lang="ko-KR" altLang="en-US"/>
-              <a:t>쿼리문의 일부분으로써</a:t>
-            </a:r>
-            <a:r>
-              <a:rPr lang="en-US" altLang="ko-KR"/>
+            <a:r>
+              <a:rPr lang="ko-KR" altLang="en-US" dirty="0" smtClean="0"/>
+              <a:t>대부분의 웹 </a:t>
+            </a:r>
+            <a:r>
+              <a:rPr lang="ko-KR" altLang="en-US" dirty="0"/>
+              <a:t>어</a:t>
+            </a:r>
+            <a:r>
+              <a:rPr lang="ko-KR" altLang="en-US" dirty="0" smtClean="0"/>
+              <a:t>플리케이션과  </a:t>
+            </a:r>
+            <a:r>
+              <a:rPr lang="en-US" altLang="ko-KR" dirty="0" smtClean="0"/>
+              <a:t>API</a:t>
+            </a:r>
+            <a:r>
+              <a:rPr lang="ko-KR" altLang="en-US" dirty="0" smtClean="0"/>
+              <a:t>는 금융</a:t>
+            </a:r>
+            <a:r>
+              <a:rPr lang="en-US" altLang="ko-KR" dirty="0" smtClean="0"/>
               <a:t>, </a:t>
             </a:r>
             <a:r>
-              <a:rPr lang="ko-KR" altLang="en-US"/>
-              <a:t>인터프리터로 보내질 때 발생한다</a:t>
-            </a:r>
-            <a:r>
-              <a:rPr lang="en-US" altLang="ko-KR"/>
+              <a:rPr lang="ko-KR" altLang="en-US" dirty="0" smtClean="0"/>
+              <a:t>건강</a:t>
+            </a:r>
+            <a:r>
+              <a:rPr lang="en-US" altLang="ko-KR" dirty="0" smtClean="0"/>
+              <a:t>, </a:t>
+            </a:r>
+            <a:r>
+              <a:rPr lang="ko-KR" altLang="en-US" dirty="0" smtClean="0"/>
+              <a:t>개인식별정보와 같은 민감한 </a:t>
+            </a:r>
+            <a:endParaRPr lang="en-US" altLang="ko-KR" dirty="0" smtClean="0"/>
+          </a:p>
+          <a:p>
+            <a:r>
+              <a:rPr lang="ko-KR" altLang="en-US" dirty="0" smtClean="0"/>
+              <a:t>정보를</a:t>
+            </a:r>
+            <a:r>
+              <a:rPr lang="en-US" altLang="ko-KR" dirty="0"/>
+              <a:t> </a:t>
+            </a:r>
+            <a:r>
+              <a:rPr lang="ko-KR" altLang="en-US" dirty="0" smtClean="0"/>
+              <a:t>제대로 보호하지 않습니다</a:t>
+            </a:r>
+            <a:r>
+              <a:rPr lang="en-US" altLang="ko-KR" dirty="0" smtClean="0"/>
+              <a:t>. </a:t>
+            </a:r>
+            <a:r>
+              <a:rPr lang="ko-KR" altLang="en-US" dirty="0" smtClean="0"/>
+              <a:t>공격자는 신용카드 사기</a:t>
+            </a:r>
+            <a:r>
+              <a:rPr lang="en-US" altLang="ko-KR" dirty="0" smtClean="0"/>
+              <a:t>, </a:t>
+            </a:r>
+            <a:r>
+              <a:rPr lang="ko-KR" altLang="en-US" dirty="0" smtClean="0"/>
+              <a:t>신분 도용 </a:t>
+            </a:r>
+            <a:endParaRPr lang="en-US" altLang="ko-KR" dirty="0" smtClean="0"/>
+          </a:p>
+          <a:p>
+            <a:r>
+              <a:rPr lang="ko-KR" altLang="en-US" dirty="0" smtClean="0"/>
+              <a:t>또는 다른 범죄를 수행하는 취약한 데이터를 훔치거나 변경활 수 있다</a:t>
+            </a:r>
+            <a:r>
+              <a:rPr lang="en-US" altLang="ko-KR" dirty="0"/>
               <a:t>.</a:t>
             </a:r>
-            <a:endParaRPr lang="ko-KR" altLang="en-US"/>
+            <a:endParaRPr lang="ko-KR" altLang="en-US" dirty="0"/>
           </a:p>
         </p:txBody>
       </p:sp>
@@ -14848,7 +14687,7 @@
         <p:spPr>
           <a:xfrm>
             <a:off x="971599" y="4581128"/>
-            <a:ext cx="7673290" cy="636667"/>
+            <a:ext cx="7978466" cy="646331"/>
           </a:xfrm>
           <a:prstGeom prst="rect">
             <a:avLst/>
@@ -14856,61 +14695,67 @@
           <a:noFill/>
         </p:spPr>
         <p:txBody>
-          <a:bodyPr wrap="none">
+          <a:bodyPr wrap="none" rtlCol="0">
             <a:spAutoFit/>
           </a:bodyPr>
           <a:lstStyle/>
           <a:p>
-            <a:pPr lvl="0">
-              <a:defRPr lang="ko-KR" altLang="en-US"/>
-            </a:pPr>
-            <a:r>
-              <a:rPr lang="en-US" altLang="ko-KR"/>
-              <a:t>SQL, OS, XXE, LDAP </a:t>
-            </a:r>
-            <a:r>
-              <a:rPr lang="ko-KR" altLang="en-US"/>
-              <a:t>인젝션 취약점은 신뢰할 수 없는 데이터가 명령어나 </a:t>
-            </a:r>
-            <a:endParaRPr lang="ko-KR" altLang="en-US"/>
-          </a:p>
-          <a:p>
-            <a:pPr lvl="0">
-              <a:defRPr lang="ko-KR" altLang="en-US"/>
-            </a:pPr>
-            <a:r>
-              <a:rPr lang="ko-KR" altLang="en-US"/>
-              <a:t>쿼리문의 일부분으로써</a:t>
-            </a:r>
-            <a:r>
-              <a:rPr lang="en-US" altLang="ko-KR"/>
-              <a:t>, </a:t>
-            </a:r>
-            <a:r>
-              <a:rPr lang="ko-KR" altLang="en-US"/>
-              <a:t>인터프리터로 보내질 때 발생한다</a:t>
-            </a:r>
-            <a:r>
-              <a:rPr lang="en-US" altLang="ko-KR"/>
+            <a:r>
+              <a:rPr lang="ko-KR" altLang="en-US" dirty="0" smtClean="0"/>
+              <a:t>인증 정보와 같은 민감한 정보 전송 시 안전하게 암호화해서 전송해야 한다</a:t>
+            </a:r>
+            <a:r>
+              <a:rPr lang="en-US" altLang="ko-KR" dirty="0" smtClean="0"/>
               <a:t>.</a:t>
             </a:r>
-            <a:endParaRPr lang="ko-KR" altLang="en-US"/>
+          </a:p>
+          <a:p>
+            <a:r>
+              <a:rPr lang="ko-KR" altLang="en-US" dirty="0" smtClean="0"/>
+              <a:t>쿠키에 포함되는 중요 정보는 암호화해서 전송해야 한다</a:t>
+            </a:r>
+            <a:r>
+              <a:rPr lang="en-US" altLang="ko-KR" dirty="0" smtClean="0"/>
+              <a:t>.</a:t>
+            </a:r>
+            <a:endParaRPr lang="ko-KR" altLang="en-US" dirty="0"/>
           </a:p>
         </p:txBody>
       </p:sp>
     </p:spTree>
+    <p:extLst>
+      <p:ext uri="{BB962C8B-B14F-4D97-AF65-F5344CB8AC3E}">
+        <p14:creationId xmlns:p14="http://schemas.microsoft.com/office/powerpoint/2010/main" val="230348456"/>
+      </p:ext>
+    </p:extLst>
   </p:cSld>
   <p:clrMapOvr>
     <a:masterClrMapping/>
   </p:clrMapOvr>
-  <p:transition xmlns:mc="http://schemas.openxmlformats.org/markup-compatibility/2006" xmlns:hp="http://schemas.haansoft.com/office/presentation/8.0" spd="slow" mc:Ignorable="hp" hp:hslDur="3000">
-    <p:push/>
-  </p:transition>
+  <mc:AlternateContent xmlns:mc="http://schemas.openxmlformats.org/markup-compatibility/2006" xmlns:p14="http://schemas.microsoft.com/office/powerpoint/2010/main">
+    <mc:Choice Requires="p14">
+      <p:transition spd="slow">
+        <p:push/>
+      </p:transition>
+    </mc:Choice>
+    <mc:Fallback xmlns="">
+      <p:transition spd="slow">
+        <p:push dir="l"/>
+      </p:transition>
+    </mc:Fallback>
+  </mc:AlternateContent>
+  <p:timing>
+    <p:tnLst>
+      <p:par>
+        <p:cTn id="1" dur="indefinite" restart="never" nodeType="tmRoot"/>
+      </p:par>
+    </p:tnLst>
+  </p:timing>
 </p:sld>
 </file>
 
-<file path=ppt/slides/slide7.xml><?xml version="1.0" encoding="utf-8"?>
-<p:sld xmlns:r="http://schemas.openxmlformats.org/officeDocument/2006/relationships" xmlns:c="http://schemas.openxmlformats.org/drawingml/2006/chart" xmlns:a="http://schemas.openxmlformats.org/drawingml/2006/main" xmlns:dgm="http://schemas.openxmlformats.org/drawingml/2006/diagram" xmlns:dsp="http://schemas.microsoft.com/office/drawing/2008/diagram" xmlns:p="http://schemas.openxmlformats.org/presentationml/2006/main">
+<file path=ppt/slides/slide6.xml><?xml version="1.0" encoding="utf-8"?>
+<p:sld xmlns:a="http://schemas.openxmlformats.org/drawingml/2006/main" xmlns:r="http://schemas.openxmlformats.org/officeDocument/2006/relationships" xmlns:p="http://schemas.openxmlformats.org/presentationml/2006/main">
   <p:cSld>
     <p:spTree>
       <p:nvGrpSpPr>
@@ -14934,8 +14779,8 @@
         </p:nvSpPr>
         <p:spPr>
           <a:xfrm>
-            <a:off x="1115695" y="201930"/>
-            <a:ext cx="6768465" cy="831215"/>
+            <a:off x="791580" y="201930"/>
+            <a:ext cx="7632769" cy="830997"/>
           </a:xfrm>
           <a:prstGeom prst="rect">
             <a:avLst/>
@@ -14950,70 +14795,56 @@
           </a:effectLst>
         </p:spPr>
         <p:txBody>
-          <a:bodyPr wrap="square">
+          <a:bodyPr wrap="square" rtlCol="0">
             <a:spAutoFit/>
           </a:bodyPr>
           <a:lstStyle/>
           <a:p>
-            <a:pPr algn="ctr">
-              <a:defRPr lang="ko-KR" altLang="en-US"/>
-            </a:pPr>
-            <a:r>
-              <a:rPr lang="en-US" altLang="ko-KR" sz="4800">
+            <a:pPr algn="ctr"/>
+            <a:r>
+              <a:rPr lang="en-US" altLang="ko-KR" sz="4800" dirty="0" smtClean="0">
                 <a:solidFill>
                   <a:schemeClr val="accent1">
                     <a:lumMod val="50000"/>
                   </a:schemeClr>
                 </a:solidFill>
-                <a:latin typeface="HY견고딕"/>
-                <a:ea typeface="HY견고딕"/>
-              </a:rPr>
-              <a:t>A5:</a:t>
-            </a:r>
-            <a:r>
-              <a:rPr lang="ko-KR" altLang="en-US" sz="4800">
+                <a:latin typeface="HY견고딕" panose="02030600000101010101" pitchFamily="18" charset="-127"/>
+                <a:ea typeface="HY견고딕" panose="02030600000101010101" pitchFamily="18" charset="-127"/>
+              </a:rPr>
+              <a:t>A4:XML-</a:t>
+            </a:r>
+            <a:r>
+              <a:rPr lang="ko-KR" altLang="en-US" sz="4800" dirty="0" smtClean="0">
                 <a:solidFill>
                   <a:schemeClr val="accent1">
                     <a:lumMod val="50000"/>
                   </a:schemeClr>
                 </a:solidFill>
-                <a:latin typeface="HY견고딕"/>
-                <a:ea typeface="HY견고딕"/>
-              </a:rPr>
-              <a:t>취약점 접근</a:t>
-            </a:r>
-            <a:r>
-              <a:rPr lang="en-US" altLang="ko-KR" sz="4800">
+                <a:latin typeface="HY견고딕" panose="02030600000101010101" pitchFamily="18" charset="-127"/>
+                <a:ea typeface="HY견고딕" panose="02030600000101010101" pitchFamily="18" charset="-127"/>
+              </a:rPr>
+              <a:t>외부 개체</a:t>
+            </a:r>
+            <a:r>
+              <a:rPr lang="en-US" altLang="ko-KR" sz="4800" dirty="0" smtClean="0">
                 <a:solidFill>
                   <a:schemeClr val="accent1">
                     <a:lumMod val="50000"/>
                   </a:schemeClr>
                 </a:solidFill>
-                <a:latin typeface="HY견고딕"/>
-                <a:ea typeface="HY견고딕"/>
-              </a:rPr>
-              <a:t> </a:t>
-            </a:r>
-            <a:r>
-              <a:rPr lang="ko-KR" altLang="en-US" sz="4800">
-                <a:solidFill>
-                  <a:schemeClr val="accent1">
-                    <a:lumMod val="50000"/>
-                  </a:schemeClr>
-                </a:solidFill>
-                <a:latin typeface="HY견고딕"/>
-                <a:ea typeface="HY견고딕"/>
-              </a:rPr>
-              <a:t>통제</a:t>
-            </a:r>
-            <a:endParaRPr lang="ko-KR" altLang="en-US" sz="4800">
+                <a:latin typeface="HY견고딕" panose="02030600000101010101" pitchFamily="18" charset="-127"/>
+                <a:ea typeface="HY견고딕" panose="02030600000101010101" pitchFamily="18" charset="-127"/>
+              </a:rPr>
+              <a:t>(XXE)</a:t>
+            </a:r>
+            <a:endParaRPr lang="ko-KR" altLang="en-US" sz="4800" dirty="0">
               <a:solidFill>
                 <a:schemeClr val="accent1">
                   <a:lumMod val="50000"/>
                 </a:schemeClr>
               </a:solidFill>
-              <a:latin typeface="HY견고딕"/>
-              <a:ea typeface="HY견고딕"/>
+              <a:latin typeface="HY견고딕" panose="02030600000101010101" pitchFamily="18" charset="-127"/>
+              <a:ea typeface="HY견고딕" panose="02030600000101010101" pitchFamily="18" charset="-127"/>
             </a:endParaRPr>
           </a:p>
         </p:txBody>
@@ -15078,12 +14909,10 @@
           </a:fontRef>
         </p:style>
         <p:txBody>
-          <a:bodyPr anchor="ctr"/>
-          <a:lstStyle/>
-          <a:p>
-            <a:pPr algn="ctr">
-              <a:defRPr lang="ko-KR" altLang="en-US"/>
-            </a:pPr>
+          <a:bodyPr rtlCol="0" anchor="ctr"/>
+          <a:lstStyle/>
+          <a:p>
+            <a:pPr algn="ctr"/>
             <a:endParaRPr lang="ko-KR" altLang="en-US"/>
           </a:p>
         </p:txBody>
@@ -15129,12 +14958,10 @@
           </a:fontRef>
         </p:style>
         <p:txBody>
-          <a:bodyPr anchor="ctr"/>
-          <a:lstStyle/>
-          <a:p>
-            <a:pPr algn="ctr">
-              <a:defRPr lang="ko-KR" altLang="en-US"/>
-            </a:pPr>
+          <a:bodyPr rtlCol="0" anchor="ctr"/>
+          <a:lstStyle/>
+          <a:p>
+            <a:pPr algn="ctr"/>
             <a:endParaRPr lang="ko-KR" altLang="en-US"/>
           </a:p>
         </p:txBody>
@@ -15180,12 +15007,10 @@
           </a:fontRef>
         </p:style>
         <p:txBody>
-          <a:bodyPr anchor="ctr"/>
-          <a:lstStyle/>
-          <a:p>
-            <a:pPr algn="ctr">
-              <a:defRPr lang="ko-KR" altLang="en-US"/>
-            </a:pPr>
+          <a:bodyPr rtlCol="0" anchor="ctr"/>
+          <a:lstStyle/>
+          <a:p>
+            <a:pPr algn="ctr"/>
             <a:endParaRPr lang="ko-KR" altLang="en-US"/>
           </a:p>
         </p:txBody>
@@ -15231,12 +15056,10 @@
           </a:fontRef>
         </p:style>
         <p:txBody>
-          <a:bodyPr anchor="ctr"/>
-          <a:lstStyle/>
-          <a:p>
-            <a:pPr algn="ctr">
-              <a:defRPr lang="ko-KR" altLang="en-US"/>
-            </a:pPr>
+          <a:bodyPr rtlCol="0" anchor="ctr"/>
+          <a:lstStyle/>
+          <a:p>
+            <a:pPr algn="ctr"/>
             <a:endParaRPr lang="ko-KR" altLang="en-US"/>
           </a:p>
         </p:txBody>
@@ -15250,7 +15073,7 @@
         <p:spPr>
           <a:xfrm>
             <a:off x="755576" y="1659795"/>
-            <a:ext cx="1164664" cy="461665"/>
+            <a:ext cx="1197764" cy="461665"/>
           </a:xfrm>
           <a:prstGeom prst="rect">
             <a:avLst/>
@@ -15258,18 +15081,17 @@
           <a:noFill/>
         </p:spPr>
         <p:txBody>
-          <a:bodyPr wrap="none">
+          <a:bodyPr wrap="none" rtlCol="0">
             <a:spAutoFit/>
           </a:bodyPr>
           <a:lstStyle/>
           <a:p>
             <a:pPr marL="285750" indent="-285750">
-              <a:buFont typeface="Wingdings"/>
+              <a:buFont typeface="Wingdings" panose="05000000000000000000" pitchFamily="2" charset="2"/>
               <a:buChar char="l"/>
-              <a:defRPr lang="ko-KR" altLang="en-US"/>
-            </a:pPr>
-            <a:r>
-              <a:rPr lang="ko-KR" altLang="en-US" sz="2400" b="1">
+            </a:pPr>
+            <a:r>
+              <a:rPr lang="ko-KR" altLang="en-US" sz="2400" b="1" dirty="0" smtClean="0">
                 <a:solidFill>
                   <a:schemeClr val="tx2">
                     <a:lumMod val="50000"/>
@@ -15278,7 +15100,7 @@
               </a:rPr>
               <a:t> 정의</a:t>
             </a:r>
-            <a:endParaRPr lang="ko-KR" altLang="en-US" b="1">
+            <a:endParaRPr lang="ko-KR" altLang="en-US" b="1" dirty="0">
               <a:solidFill>
                 <a:schemeClr val="tx2">
                   <a:lumMod val="50000"/>
@@ -15297,7 +15119,7 @@
         <p:spPr>
           <a:xfrm>
             <a:off x="755576" y="4005064"/>
-            <a:ext cx="1774264" cy="450731"/>
+            <a:ext cx="1813317" cy="461665"/>
           </a:xfrm>
           <a:prstGeom prst="rect">
             <a:avLst/>
@@ -15305,18 +15127,17 @@
           <a:noFill/>
         </p:spPr>
         <p:txBody>
-          <a:bodyPr wrap="none">
+          <a:bodyPr wrap="none" rtlCol="0">
             <a:spAutoFit/>
           </a:bodyPr>
           <a:lstStyle/>
           <a:p>
             <a:pPr marL="285750" indent="-285750">
-              <a:buFont typeface="Wingdings"/>
+              <a:buFont typeface="Wingdings" panose="05000000000000000000" pitchFamily="2" charset="2"/>
               <a:buChar char="l"/>
-              <a:defRPr lang="ko-KR" altLang="en-US"/>
-            </a:pPr>
-            <a:r>
-              <a:rPr lang="ko-KR" altLang="en-US" sz="2400" b="1">
+            </a:pPr>
+            <a:r>
+              <a:rPr lang="ko-KR" altLang="en-US" sz="2400" b="1" dirty="0" smtClean="0">
                 <a:solidFill>
                   <a:schemeClr val="tx2">
                     <a:lumMod val="50000"/>
@@ -15325,7 +15146,7 @@
               </a:rPr>
               <a:t> 보안대책</a:t>
             </a:r>
-            <a:endParaRPr lang="ko-KR" altLang="en-US" b="1">
+            <a:endParaRPr lang="ko-KR" altLang="en-US" b="1" dirty="0">
               <a:solidFill>
                 <a:schemeClr val="tx2">
                   <a:lumMod val="50000"/>
@@ -15344,7 +15165,7 @@
         <p:spPr>
           <a:xfrm>
             <a:off x="971600" y="2203015"/>
-            <a:ext cx="7673289" cy="646331"/>
+            <a:ext cx="8066888" cy="369332"/>
           </a:xfrm>
           <a:prstGeom prst="rect">
             <a:avLst/>
@@ -15352,45 +15173,48 @@
           <a:noFill/>
         </p:spPr>
         <p:txBody>
-          <a:bodyPr wrap="none">
+          <a:bodyPr wrap="none" rtlCol="0">
             <a:spAutoFit/>
           </a:bodyPr>
           <a:lstStyle/>
           <a:p>
-            <a:pPr lvl="0">
-              <a:defRPr lang="ko-KR" altLang="en-US"/>
-            </a:pPr>
-            <a:r>
-              <a:rPr lang="en-US" altLang="ko-KR"/>
-              <a:t>SQL, OS, XXE, LDAP </a:t>
-            </a:r>
-            <a:r>
-              <a:rPr lang="ko-KR" altLang="en-US"/>
-              <a:t>인젝션 취약점은 신뢰할 수 없는 데이터가 명령어나 </a:t>
-            </a:r>
-            <a:endParaRPr lang="ko-KR" altLang="en-US"/>
-          </a:p>
-          <a:p>
-            <a:pPr lvl="0">
-              <a:defRPr lang="ko-KR" altLang="en-US"/>
-            </a:pPr>
-            <a:r>
-              <a:rPr lang="ko-KR" altLang="en-US"/>
-              <a:t>쿼리문의 일부분으로써</a:t>
-            </a:r>
-            <a:r>
-              <a:rPr lang="en-US" altLang="ko-KR"/>
-              <a:t>, </a:t>
-            </a:r>
-            <a:r>
-              <a:rPr lang="ko-KR" altLang="en-US"/>
-              <a:t>인터프리터로 보내질 때 발생한다</a:t>
-            </a:r>
-            <a:r>
-              <a:rPr lang="en-US" altLang="ko-KR"/>
+            <a:r>
+              <a:rPr lang="en-US" altLang="ko-KR" dirty="0" smtClean="0"/>
+              <a:t>XXE</a:t>
+            </a:r>
+            <a:r>
+              <a:rPr lang="ko-KR" altLang="en-US" dirty="0" smtClean="0"/>
+              <a:t>취약점은 </a:t>
+            </a:r>
+            <a:r>
+              <a:rPr lang="en-US" altLang="ko-KR" dirty="0" smtClean="0"/>
+              <a:t>XML</a:t>
+            </a:r>
+            <a:r>
+              <a:rPr lang="ko-KR" altLang="en-US" dirty="0" smtClean="0"/>
+              <a:t>을 </a:t>
+            </a:r>
+            <a:r>
+              <a:rPr lang="ko-KR" altLang="en-US" dirty="0" err="1" smtClean="0"/>
+              <a:t>파싱하는</a:t>
+            </a:r>
+            <a:r>
+              <a:rPr lang="ko-KR" altLang="en-US" dirty="0" smtClean="0"/>
+              <a:t> 과정에서  </a:t>
+            </a:r>
+            <a:r>
+              <a:rPr lang="en-US" altLang="ko-KR" dirty="0" smtClean="0"/>
+              <a:t>ENTITY </a:t>
+            </a:r>
+            <a:r>
+              <a:rPr lang="ko-KR" altLang="en-US" dirty="0" smtClean="0"/>
+              <a:t>속성을 이용한 공격입니다</a:t>
+            </a:r>
+            <a:r>
+              <a:rPr lang="en-US" altLang="ko-KR" dirty="0"/>
               <a:t>.</a:t>
             </a:r>
-            <a:endParaRPr lang="ko-KR" altLang="en-US"/>
+            <a:endParaRPr lang="ko-KR" altLang="en-US" dirty="0"/>
           </a:p>
         </p:txBody>
       </p:sp>
@@ -15403,7 +15227,7 @@
         <p:spPr>
           <a:xfrm>
             <a:off x="971599" y="4581128"/>
-            <a:ext cx="7673290" cy="636667"/>
+            <a:ext cx="7686976" cy="923330"/>
           </a:xfrm>
           <a:prstGeom prst="rect">
             <a:avLst/>
@@ -15411,61 +15235,113 @@
           <a:noFill/>
         </p:spPr>
         <p:txBody>
-          <a:bodyPr wrap="none">
+          <a:bodyPr wrap="none" rtlCol="0">
             <a:spAutoFit/>
           </a:bodyPr>
           <a:lstStyle/>
           <a:p>
-            <a:pPr lvl="0">
-              <a:defRPr lang="ko-KR" altLang="en-US"/>
-            </a:pPr>
-            <a:r>
-              <a:rPr lang="en-US" altLang="ko-KR"/>
-              <a:t>SQL, OS, XXE, LDAP </a:t>
-            </a:r>
-            <a:r>
-              <a:rPr lang="ko-KR" altLang="en-US"/>
-              <a:t>인젝션 취약점은 신뢰할 수 없는 데이터가 명령어나 </a:t>
-            </a:r>
-            <a:endParaRPr lang="ko-KR" altLang="en-US"/>
-          </a:p>
-          <a:p>
-            <a:pPr lvl="0">
-              <a:defRPr lang="ko-KR" altLang="en-US"/>
-            </a:pPr>
-            <a:r>
-              <a:rPr lang="ko-KR" altLang="en-US"/>
-              <a:t>쿼리문의 일부분으로써</a:t>
-            </a:r>
-            <a:r>
-              <a:rPr lang="en-US" altLang="ko-KR"/>
-              <a:t>, </a:t>
-            </a:r>
-            <a:r>
-              <a:rPr lang="ko-KR" altLang="en-US"/>
-              <a:t>인터프리터로 보내질 때 발생한다</a:t>
-            </a:r>
-            <a:r>
-              <a:rPr lang="en-US" altLang="ko-KR"/>
+            <a:r>
+              <a:rPr lang="en-US" altLang="ko-KR" dirty="0" smtClean="0"/>
+              <a:t>XML Parser</a:t>
+            </a:r>
+            <a:r>
+              <a:rPr lang="ko-KR" altLang="en-US" dirty="0" smtClean="0"/>
+              <a:t>에서 </a:t>
+            </a:r>
+            <a:r>
+              <a:rPr lang="en-US" altLang="ko-KR" dirty="0" smtClean="0"/>
+              <a:t>DOCTYPE </a:t>
+            </a:r>
+            <a:r>
+              <a:rPr lang="ko-KR" altLang="en-US" dirty="0" smtClean="0"/>
+              <a:t>태그를 사용하지 않도록 설정한다</a:t>
+            </a:r>
+            <a:r>
+              <a:rPr lang="en-US" altLang="ko-KR" dirty="0" smtClean="0"/>
               <a:t>.</a:t>
             </a:r>
-            <a:endParaRPr lang="ko-KR" altLang="en-US"/>
+          </a:p>
+          <a:p>
+            <a:r>
+              <a:rPr lang="ko-KR" altLang="en-US" dirty="0" smtClean="0"/>
+              <a:t>코드 상 </a:t>
+            </a:r>
+            <a:r>
+              <a:rPr lang="en-US" altLang="ko-KR" dirty="0" smtClean="0"/>
+              <a:t>DOCTYPE </a:t>
+            </a:r>
+            <a:r>
+              <a:rPr lang="ko-KR" altLang="en-US" dirty="0" smtClean="0"/>
+              <a:t>태그를 포함하는 입력을 차단하도록 입력 검증을 사용</a:t>
+            </a:r>
+            <a:endParaRPr lang="en-US" altLang="ko-KR" dirty="0" smtClean="0"/>
+          </a:p>
+          <a:p>
+            <a:r>
+              <a:rPr lang="en-US" altLang="ko-KR" dirty="0" smtClean="0"/>
+              <a:t>XML</a:t>
+            </a:r>
+            <a:r>
+              <a:rPr lang="ko-KR" altLang="en-US" dirty="0"/>
+              <a:t> </a:t>
+            </a:r>
+            <a:r>
+              <a:rPr lang="en-US" altLang="ko-KR" dirty="0" smtClean="0"/>
+              <a:t>Parser</a:t>
+            </a:r>
+            <a:r>
+              <a:rPr lang="ko-KR" altLang="en-US" dirty="0" smtClean="0"/>
+              <a:t>에서 외부 </a:t>
+            </a:r>
+            <a:r>
+              <a:rPr lang="en-US" altLang="ko-KR" dirty="0" smtClean="0"/>
+              <a:t>Entity</a:t>
+            </a:r>
+            <a:r>
+              <a:rPr lang="ko-KR" altLang="en-US" dirty="0" smtClean="0"/>
+              <a:t>를 금지시킨다</a:t>
+            </a:r>
+            <a:r>
+              <a:rPr lang="en-US" altLang="ko-KR" dirty="0" smtClean="0"/>
+              <a:t>.</a:t>
+            </a:r>
           </a:p>
         </p:txBody>
       </p:sp>
     </p:spTree>
+    <p:extLst>
+      <p:ext uri="{BB962C8B-B14F-4D97-AF65-F5344CB8AC3E}">
+        <p14:creationId xmlns:p14="http://schemas.microsoft.com/office/powerpoint/2010/main" val="4126851307"/>
+      </p:ext>
+    </p:extLst>
   </p:cSld>
   <p:clrMapOvr>
     <a:masterClrMapping/>
   </p:clrMapOvr>
-  <p:transition xmlns:mc="http://schemas.openxmlformats.org/markup-compatibility/2006" xmlns:hp="http://schemas.haansoft.com/office/presentation/8.0" spd="slow" mc:Ignorable="hp" hp:hslDur="3000">
-    <p:push/>
-  </p:transition>
+  <mc:AlternateContent xmlns:mc="http://schemas.openxmlformats.org/markup-compatibility/2006" xmlns:p14="http://schemas.microsoft.com/office/powerpoint/2010/main">
+    <mc:Choice Requires="p14">
+      <p:transition spd="slow">
+        <p:push/>
+      </p:transition>
+    </mc:Choice>
+    <mc:Fallback xmlns="">
+      <p:transition spd="slow">
+        <p:push dir="l"/>
+      </p:transition>
+    </mc:Fallback>
+  </mc:AlternateContent>
+  <p:timing>
+    <p:tnLst>
+      <p:par>
+        <p:cTn id="1" dur="indefinite" restart="never" nodeType="tmRoot"/>
+      </p:par>
+    </p:tnLst>
+  </p:timing>
 </p:sld>
 </file>
 
-<file path=ppt/slides/slide8.xml><?xml version="1.0" encoding="utf-8"?>
-<p:sld xmlns:r="http://schemas.openxmlformats.org/officeDocument/2006/relationships" xmlns:c="http://schemas.openxmlformats.org/drawingml/2006/chart" xmlns:a="http://schemas.openxmlformats.org/drawingml/2006/main" xmlns:dgm="http://schemas.openxmlformats.org/drawingml/2006/diagram" xmlns:dsp="http://schemas.microsoft.com/office/drawing/2008/diagram" xmlns:p="http://schemas.openxmlformats.org/presentationml/2006/main">
+<file path=ppt/slides/slide7.xml><?xml version="1.0" encoding="utf-8"?>
+<p:sld xmlns:a="http://schemas.openxmlformats.org/drawingml/2006/main" xmlns:r="http://schemas.openxmlformats.org/officeDocument/2006/relationships" xmlns:p="http://schemas.openxmlformats.org/presentationml/2006/main">
   <p:cSld>
     <p:spTree>
       <p:nvGrpSpPr>
@@ -15489,8 +15365,8 @@
         </p:nvSpPr>
         <p:spPr>
           <a:xfrm>
-            <a:off x="1115695" y="201930"/>
-            <a:ext cx="6768465" cy="831215"/>
+            <a:off x="791580" y="201930"/>
+            <a:ext cx="7632769" cy="830997"/>
           </a:xfrm>
           <a:prstGeom prst="rect">
             <a:avLst/>
@@ -15505,46 +15381,56 @@
           </a:effectLst>
         </p:spPr>
         <p:txBody>
-          <a:bodyPr wrap="square">
+          <a:bodyPr wrap="square" rtlCol="0">
             <a:spAutoFit/>
           </a:bodyPr>
           <a:lstStyle/>
           <a:p>
-            <a:pPr algn="ctr">
-              <a:defRPr lang="ko-KR" altLang="en-US"/>
-            </a:pPr>
-            <a:r>
-              <a:rPr lang="en-US" altLang="ko-KR" sz="4800">
+            <a:pPr algn="ctr"/>
+            <a:r>
+              <a:rPr lang="en-US" altLang="ko-KR" sz="4800" dirty="0" smtClean="0">
                 <a:solidFill>
                   <a:schemeClr val="accent1">
                     <a:lumMod val="50000"/>
                   </a:schemeClr>
                 </a:solidFill>
-                <a:latin typeface="HY견고딕"/>
-                <a:ea typeface="HY견고딕"/>
-              </a:rPr>
-              <a:t>A6:</a:t>
-            </a:r>
-            <a:r>
-              <a:rPr lang="ko-KR" altLang="en-US" sz="4800">
+                <a:latin typeface="HY견고딕" panose="02030600000101010101" pitchFamily="18" charset="-127"/>
+                <a:ea typeface="HY견고딕" panose="02030600000101010101" pitchFamily="18" charset="-127"/>
+              </a:rPr>
+              <a:t>A4:XML-</a:t>
+            </a:r>
+            <a:r>
+              <a:rPr lang="ko-KR" altLang="en-US" sz="4800" dirty="0" smtClean="0">
                 <a:solidFill>
                   <a:schemeClr val="accent1">
                     <a:lumMod val="50000"/>
                   </a:schemeClr>
                 </a:solidFill>
-                <a:latin typeface="HY견고딕"/>
-                <a:ea typeface="HY견고딕"/>
-              </a:rPr>
-              <a:t>잘못된 보안 구성</a:t>
-            </a:r>
-            <a:endParaRPr lang="ko-KR" altLang="en-US" sz="4800">
+                <a:latin typeface="HY견고딕" panose="02030600000101010101" pitchFamily="18" charset="-127"/>
+                <a:ea typeface="HY견고딕" panose="02030600000101010101" pitchFamily="18" charset="-127"/>
+              </a:rPr>
+              <a:t>외부 개체</a:t>
+            </a:r>
+            <a:r>
+              <a:rPr lang="en-US" altLang="ko-KR" sz="4800" dirty="0" smtClean="0">
+                <a:solidFill>
+                  <a:schemeClr val="accent1">
+                    <a:lumMod val="50000"/>
+                  </a:schemeClr>
+                </a:solidFill>
+                <a:latin typeface="HY견고딕" panose="02030600000101010101" pitchFamily="18" charset="-127"/>
+                <a:ea typeface="HY견고딕" panose="02030600000101010101" pitchFamily="18" charset="-127"/>
+              </a:rPr>
+              <a:t>(XXE)</a:t>
+            </a:r>
+            <a:endParaRPr lang="ko-KR" altLang="en-US" sz="4800" dirty="0">
               <a:solidFill>
                 <a:schemeClr val="accent1">
                   <a:lumMod val="50000"/>
                 </a:schemeClr>
               </a:solidFill>
-              <a:latin typeface="HY견고딕"/>
-              <a:ea typeface="HY견고딕"/>
+              <a:latin typeface="HY견고딕" panose="02030600000101010101" pitchFamily="18" charset="-127"/>
+              <a:ea typeface="HY견고딕" panose="02030600000101010101" pitchFamily="18" charset="-127"/>
             </a:endParaRPr>
           </a:p>
         </p:txBody>
@@ -15609,12 +15495,10 @@
           </a:fontRef>
         </p:style>
         <p:txBody>
-          <a:bodyPr anchor="ctr"/>
-          <a:lstStyle/>
-          <a:p>
-            <a:pPr algn="ctr">
-              <a:defRPr lang="ko-KR" altLang="en-US"/>
-            </a:pPr>
+          <a:bodyPr rtlCol="0" anchor="ctr"/>
+          <a:lstStyle/>
+          <a:p>
+            <a:pPr algn="ctr"/>
             <a:endParaRPr lang="ko-KR" altLang="en-US"/>
           </a:p>
         </p:txBody>
@@ -15660,12 +15544,10 @@
           </a:fontRef>
         </p:style>
         <p:txBody>
-          <a:bodyPr anchor="ctr"/>
-          <a:lstStyle/>
-          <a:p>
-            <a:pPr algn="ctr">
-              <a:defRPr lang="ko-KR" altLang="en-US"/>
-            </a:pPr>
+          <a:bodyPr rtlCol="0" anchor="ctr"/>
+          <a:lstStyle/>
+          <a:p>
+            <a:pPr algn="ctr"/>
             <a:endParaRPr lang="ko-KR" altLang="en-US"/>
           </a:p>
         </p:txBody>
@@ -15711,12 +15593,10 @@
           </a:fontRef>
         </p:style>
         <p:txBody>
-          <a:bodyPr anchor="ctr"/>
-          <a:lstStyle/>
-          <a:p>
-            <a:pPr algn="ctr">
-              <a:defRPr lang="ko-KR" altLang="en-US"/>
-            </a:pPr>
+          <a:bodyPr rtlCol="0" anchor="ctr"/>
+          <a:lstStyle/>
+          <a:p>
+            <a:pPr algn="ctr"/>
             <a:endParaRPr lang="ko-KR" altLang="en-US"/>
           </a:p>
         </p:txBody>
@@ -15762,54 +15642,198 @@
           </a:fontRef>
         </p:style>
         <p:txBody>
-          <a:bodyPr anchor="ctr"/>
-          <a:lstStyle/>
-          <a:p>
-            <a:pPr algn="ctr">
-              <a:defRPr lang="ko-KR" altLang="en-US"/>
-            </a:pPr>
+          <a:bodyPr rtlCol="0" anchor="ctr"/>
+          <a:lstStyle/>
+          <a:p>
+            <a:pPr algn="ctr"/>
             <a:endParaRPr lang="ko-KR" altLang="en-US"/>
           </a:p>
         </p:txBody>
       </p:sp>
       <p:sp>
         <p:nvSpPr>
-          <p:cNvPr id="8" name="TextBox 7"/>
+          <p:cNvPr id="16" name="TextBox 15"/>
           <p:cNvSpPr txBox="1"/>
           <p:nvPr/>
         </p:nvSpPr>
         <p:spPr>
           <a:xfrm>
-            <a:off x="755576" y="1659795"/>
-            <a:ext cx="1164664" cy="461665"/>
+            <a:off x="1511660" y="2312877"/>
+            <a:ext cx="6768751" cy="1846659"/>
           </a:xfrm>
           <a:prstGeom prst="rect">
             <a:avLst/>
           </a:prstGeom>
           <a:noFill/>
-        </p:spPr>
-        <p:txBody>
-          <a:bodyPr wrap="none">
+          <a:ln>
+            <a:solidFill>
+              <a:schemeClr val="tx1"/>
+            </a:solidFill>
+          </a:ln>
+        </p:spPr>
+        <p:txBody>
+          <a:bodyPr wrap="square" rtlCol="0">
             <a:spAutoFit/>
           </a:bodyPr>
           <a:lstStyle/>
           <a:p>
-            <a:pPr marL="285750" indent="-285750">
-              <a:buFont typeface="Wingdings"/>
-              <a:buChar char="l"/>
-              <a:defRPr lang="ko-KR" altLang="en-US"/>
-            </a:pPr>
-            <a:r>
-              <a:rPr lang="ko-KR" altLang="en-US" sz="2400" b="1">
+            <a:r>
+              <a:rPr lang="en-US" altLang="ko-KR" sz="1600" dirty="0" smtClean="0"/>
+              <a:t>&lt;?xml version=“1.0”?&gt;</a:t>
+            </a:r>
+          </a:p>
+          <a:p>
+            <a:r>
+              <a:rPr lang="en-US" altLang="ko-KR" sz="1600" dirty="0" smtClean="0"/>
+              <a:t>&lt;!DOCTYPE change-log [</a:t>
+            </a:r>
+          </a:p>
+          <a:p>
+            <a:r>
+              <a:rPr lang="en-US" altLang="ko-KR" sz="1600" dirty="0"/>
+              <a:t>	</a:t>
+            </a:r>
+            <a:r>
+              <a:rPr lang="en-US" altLang="ko-KR" sz="1600" dirty="0" smtClean="0">
+                <a:solidFill>
+                  <a:srgbClr val="FF0000"/>
+                </a:solidFill>
+              </a:rPr>
+              <a:t>&lt;!ENTITY </a:t>
+            </a:r>
+            <a:r>
+              <a:rPr lang="en-US" altLang="ko-KR" sz="1600" dirty="0" err="1" smtClean="0">
+                <a:solidFill>
+                  <a:srgbClr val="FF0000"/>
+                </a:solidFill>
+              </a:rPr>
+              <a:t>systemEntity</a:t>
+            </a:r>
+            <a:r>
+              <a:rPr lang="en-US" altLang="ko-KR" sz="1600" dirty="0" smtClean="0">
+                <a:solidFill>
+                  <a:srgbClr val="FF0000"/>
+                </a:solidFill>
+              </a:rPr>
+              <a:t> SYSTEM “../../../../</a:t>
+            </a:r>
+            <a:r>
+              <a:rPr lang="en-US" altLang="ko-KR" sz="1600" dirty="0" err="1" smtClean="0">
+                <a:solidFill>
+                  <a:srgbClr val="FF0000"/>
+                </a:solidFill>
+              </a:rPr>
+              <a:t>etc</a:t>
+            </a:r>
+            <a:r>
+              <a:rPr lang="en-US" altLang="ko-KR" sz="1600" dirty="0" smtClean="0">
+                <a:solidFill>
+                  <a:srgbClr val="FF0000"/>
+                </a:solidFill>
+              </a:rPr>
+              <a:t>/</a:t>
+            </a:r>
+            <a:r>
+              <a:rPr lang="en-US" altLang="ko-KR" sz="1600" dirty="0" err="1" smtClean="0">
+                <a:solidFill>
+                  <a:srgbClr val="FF0000"/>
+                </a:solidFill>
+              </a:rPr>
+              <a:t>passwd</a:t>
+            </a:r>
+            <a:r>
+              <a:rPr lang="en-US" altLang="ko-KR" sz="1600" dirty="0" smtClean="0">
+                <a:solidFill>
+                  <a:srgbClr val="FF0000"/>
+                </a:solidFill>
+              </a:rPr>
+              <a:t>”&gt;</a:t>
+            </a:r>
+          </a:p>
+          <a:p>
+            <a:r>
+              <a:rPr lang="en-US" altLang="ko-KR" sz="1600" dirty="0" smtClean="0"/>
+              <a:t>]&gt;</a:t>
+            </a:r>
+          </a:p>
+          <a:p>
+            <a:r>
+              <a:rPr lang="en-US" altLang="ko-KR" sz="1600" dirty="0" smtClean="0"/>
+              <a:t>&lt;change-log&gt;</a:t>
+            </a:r>
+          </a:p>
+          <a:p>
+            <a:r>
+              <a:rPr lang="en-US" altLang="ko-KR" sz="1600" dirty="0"/>
+              <a:t>	</a:t>
+            </a:r>
+            <a:r>
+              <a:rPr lang="en-US" altLang="ko-KR" sz="1600" dirty="0" smtClean="0"/>
+              <a:t>&lt;text</a:t>
+            </a:r>
+            <a:r>
+              <a:rPr lang="en-US" altLang="ko-KR" sz="1600" dirty="0" smtClean="0">
+                <a:solidFill>
+                  <a:srgbClr val="FF0000"/>
+                </a:solidFill>
+              </a:rPr>
+              <a:t>&gt;&amp;</a:t>
+            </a:r>
+            <a:r>
+              <a:rPr lang="en-US" altLang="ko-KR" sz="1600" dirty="0" err="1" smtClean="0">
+                <a:solidFill>
+                  <a:srgbClr val="FF0000"/>
+                </a:solidFill>
+              </a:rPr>
+              <a:t>systemEntity</a:t>
+            </a:r>
+            <a:r>
+              <a:rPr lang="en-US" altLang="ko-KR" sz="1600" dirty="0" smtClean="0"/>
+              <a:t>;&lt;/text&gt;;</a:t>
+            </a:r>
+          </a:p>
+          <a:p>
+            <a:r>
+              <a:rPr lang="en-US" altLang="ko-KR" sz="1600" dirty="0" smtClean="0"/>
+              <a:t>&lt;/change-log&gt;</a:t>
+            </a:r>
+            <a:endParaRPr lang="ko-KR" altLang="en-US" sz="1600" dirty="0"/>
+          </a:p>
+        </p:txBody>
+      </p:sp>
+      <p:sp>
+        <p:nvSpPr>
+          <p:cNvPr id="17" name="TextBox 16"/>
+          <p:cNvSpPr txBox="1"/>
+          <p:nvPr/>
+        </p:nvSpPr>
+        <p:spPr>
+          <a:xfrm>
+            <a:off x="755576" y="1659795"/>
+            <a:ext cx="6885218" cy="461665"/>
+          </a:xfrm>
+          <a:prstGeom prst="rect">
+            <a:avLst/>
+          </a:prstGeom>
+          <a:noFill/>
+        </p:spPr>
+        <p:txBody>
+          <a:bodyPr wrap="none" rtlCol="0">
+            <a:spAutoFit/>
+          </a:bodyPr>
+          <a:lstStyle/>
+          <a:p>
+            <a:r>
+              <a:rPr lang="ko-KR" altLang="en-US" sz="2400" b="1" dirty="0" smtClean="0">
                 <a:solidFill>
                   <a:schemeClr val="tx2">
                     <a:lumMod val="50000"/>
                   </a:schemeClr>
                 </a:solidFill>
               </a:rPr>
-              <a:t> 정의</a:t>
-            </a:r>
-            <a:endParaRPr lang="ko-KR" altLang="en-US" b="1">
+              <a:t>상대경로를 이용한 원하는 파일 액세스가 가능함</a:t>
+            </a:r>
+            <a:endParaRPr lang="ko-KR" altLang="en-US" b="1" dirty="0">
               <a:solidFill>
                 <a:schemeClr val="tx2">
                   <a:lumMod val="50000"/>
@@ -15821,150 +15845,157 @@
       </p:sp>
       <p:sp>
         <p:nvSpPr>
-          <p:cNvPr id="9" name="TextBox 8"/>
+          <p:cNvPr id="18" name="TextBox 17"/>
           <p:cNvSpPr txBox="1"/>
           <p:nvPr/>
         </p:nvSpPr>
         <p:spPr>
           <a:xfrm>
-            <a:off x="755576" y="4005064"/>
-            <a:ext cx="1774264" cy="450731"/>
+            <a:off x="1511659" y="4311936"/>
+            <a:ext cx="6768751" cy="1846659"/>
           </a:xfrm>
           <a:prstGeom prst="rect">
             <a:avLst/>
           </a:prstGeom>
           <a:noFill/>
-        </p:spPr>
-        <p:txBody>
-          <a:bodyPr wrap="none">
+          <a:ln>
+            <a:solidFill>
+              <a:schemeClr val="tx1"/>
+            </a:solidFill>
+          </a:ln>
+        </p:spPr>
+        <p:txBody>
+          <a:bodyPr wrap="square" rtlCol="0">
             <a:spAutoFit/>
           </a:bodyPr>
           <a:lstStyle/>
           <a:p>
-            <a:pPr marL="285750" indent="-285750">
-              <a:buFont typeface="Wingdings"/>
-              <a:buChar char="l"/>
-              <a:defRPr lang="ko-KR" altLang="en-US"/>
-            </a:pPr>
-            <a:r>
-              <a:rPr lang="ko-KR" altLang="en-US" sz="2400" b="1">
+            <a:r>
+              <a:rPr lang="en-US" altLang="ko-KR" sz="1600" dirty="0" smtClean="0"/>
+              <a:t>&lt;?xml version=“1.0”?&gt;</a:t>
+            </a:r>
+          </a:p>
+          <a:p>
+            <a:r>
+              <a:rPr lang="en-US" altLang="ko-KR" sz="1600" dirty="0" smtClean="0"/>
+              <a:t>&lt;!DOCTYPE change-log [</a:t>
+            </a:r>
+          </a:p>
+          <a:p>
+            <a:r>
+              <a:rPr lang="en-US" altLang="ko-KR" sz="1600" dirty="0"/>
+              <a:t>	</a:t>
+            </a:r>
+            <a:r>
+              <a:rPr lang="en-US" altLang="ko-KR" sz="1600" dirty="0" smtClean="0">
                 <a:solidFill>
-                  <a:schemeClr val="tx2">
-                    <a:lumMod val="50000"/>
-                  </a:schemeClr>
+                  <a:srgbClr val="FF0000"/>
                 </a:solidFill>
               </a:rPr>
-              <a:t> 보안대책</a:t>
-            </a:r>
-            <a:endParaRPr lang="ko-KR" altLang="en-US" b="1">
-              <a:solidFill>
-                <a:schemeClr val="tx2">
-                  <a:lumMod val="50000"/>
-                </a:schemeClr>
-              </a:solidFill>
-            </a:endParaRPr>
-          </a:p>
-        </p:txBody>
-      </p:sp>
-      <p:sp>
-        <p:nvSpPr>
-          <p:cNvPr id="13" name="TextBox 12"/>
-          <p:cNvSpPr txBox="1"/>
-          <p:nvPr/>
-        </p:nvSpPr>
-        <p:spPr>
-          <a:xfrm>
-            <a:off x="971599" y="2203015"/>
-            <a:ext cx="7673291" cy="643055"/>
-          </a:xfrm>
-          <a:prstGeom prst="rect">
-            <a:avLst/>
-          </a:prstGeom>
-          <a:noFill/>
-        </p:spPr>
-        <p:txBody>
-          <a:bodyPr wrap="square">
-            <a:spAutoFit/>
-          </a:bodyPr>
-          <a:lstStyle/>
-          <a:p>
-            <a:pPr lvl="0">
-              <a:defRPr lang="ko-KR" altLang="en-US"/>
-            </a:pPr>
-            <a:r>
-              <a:rPr lang="en-US" altLang="ko-KR"/>
-              <a:t>개발자와 시스템 관리자들이 자주 실수로</a:t>
-            </a:r>
-            <a:endParaRPr lang="en-US" altLang="ko-KR"/>
-          </a:p>
-          <a:p>
-            <a:pPr lvl="0">
-              <a:defRPr lang="ko-KR" altLang="en-US"/>
-            </a:pPr>
-            <a:r>
-              <a:rPr lang="en-US" altLang="ko-KR"/>
-              <a:t>놓치게 되어 발생하는 문제들을 말한다.</a:t>
-            </a:r>
-            <a:endParaRPr lang="en-US" altLang="ko-KR"/>
-          </a:p>
-        </p:txBody>
-      </p:sp>
-      <p:sp>
-        <p:nvSpPr>
-          <p:cNvPr id="14" name="TextBox 13"/>
-          <p:cNvSpPr txBox="1"/>
-          <p:nvPr/>
-        </p:nvSpPr>
-        <p:spPr>
-          <a:xfrm>
-            <a:off x="971598" y="4581128"/>
-            <a:ext cx="7730442" cy="636667"/>
-          </a:xfrm>
-          <a:prstGeom prst="rect">
-            <a:avLst/>
-          </a:prstGeom>
-          <a:noFill/>
-        </p:spPr>
-        <p:txBody>
-          <a:bodyPr wrap="none">
-            <a:spAutoFit/>
-          </a:bodyPr>
-          <a:lstStyle/>
-          <a:p>
-            <a:pPr lvl="0">
-              <a:defRPr lang="ko-KR" altLang="en-US"/>
-            </a:pPr>
-            <a:r>
-              <a:rPr lang="en-US" altLang="ko-KR"/>
-              <a:t>불필요한 파일 관리, 최소한의 사용자 계정 사용, 디렉토리 index설정 제거</a:t>
-            </a:r>
-            <a:endParaRPr lang="en-US" altLang="ko-KR"/>
-          </a:p>
-          <a:p>
-            <a:pPr lvl="0">
-              <a:defRPr lang="ko-KR" altLang="en-US"/>
-            </a:pPr>
-            <a:r>
-              <a:rPr lang="en-US" altLang="ko-KR"/>
-              <a:t>심볼릭 링크 사용 설정 제거, 메소드 제한, 헤더 정보 제한 등</a:t>
-            </a:r>
-            <a:endParaRPr lang="en-US" altLang="ko-KR"/>
+              <a:t>&lt;!ENTITY </a:t>
+            </a:r>
+            <a:r>
+              <a:rPr lang="en-US" altLang="ko-KR" sz="1600" dirty="0" err="1" smtClean="0">
+                <a:solidFill>
+                  <a:srgbClr val="FF0000"/>
+                </a:solidFill>
+              </a:rPr>
+              <a:t>systemEntity</a:t>
+            </a:r>
+            <a:r>
+              <a:rPr lang="en-US" altLang="ko-KR" sz="1600" dirty="0" smtClean="0">
+                <a:solidFill>
+                  <a:srgbClr val="FF0000"/>
+                </a:solidFill>
+              </a:rPr>
+              <a:t> SYSTEM “.file:///etc/passwd”&gt;</a:t>
+            </a:r>
+          </a:p>
+          <a:p>
+            <a:r>
+              <a:rPr lang="en-US" altLang="ko-KR" sz="1600" dirty="0" smtClean="0"/>
+              <a:t>]&gt;</a:t>
+            </a:r>
+          </a:p>
+          <a:p>
+            <a:r>
+              <a:rPr lang="en-US" altLang="ko-KR" sz="1600" dirty="0" smtClean="0"/>
+              <a:t>&lt;change-log&gt;</a:t>
+            </a:r>
+          </a:p>
+          <a:p>
+            <a:r>
+              <a:rPr lang="en-US" altLang="ko-KR" sz="1600" dirty="0"/>
+              <a:t>	</a:t>
+            </a:r>
+            <a:r>
+              <a:rPr lang="en-US" altLang="ko-KR" sz="1600" dirty="0" smtClean="0"/>
+              <a:t>&lt;text</a:t>
+            </a:r>
+            <a:r>
+              <a:rPr lang="en-US" altLang="ko-KR" sz="1600" dirty="0" smtClean="0">
+                <a:solidFill>
+                  <a:srgbClr val="FF0000"/>
+                </a:solidFill>
+              </a:rPr>
+              <a:t>&gt;&amp;</a:t>
+            </a:r>
+            <a:r>
+              <a:rPr lang="en-US" altLang="ko-KR" sz="1600" dirty="0" err="1" smtClean="0">
+                <a:solidFill>
+                  <a:srgbClr val="FF0000"/>
+                </a:solidFill>
+              </a:rPr>
+              <a:t>systemEntity</a:t>
+            </a:r>
+            <a:r>
+              <a:rPr lang="en-US" altLang="ko-KR" sz="1600" dirty="0" smtClean="0"/>
+              <a:t>;&lt;/text&gt;;</a:t>
+            </a:r>
+          </a:p>
+          <a:p>
+            <a:r>
+              <a:rPr lang="en-US" altLang="ko-KR" sz="1600" dirty="0" smtClean="0"/>
+              <a:t>&lt;/change-log&gt;</a:t>
+            </a:r>
+            <a:endParaRPr lang="ko-KR" altLang="en-US" sz="1600" dirty="0"/>
           </a:p>
         </p:txBody>
       </p:sp>
     </p:spTree>
+    <p:extLst>
+      <p:ext uri="{BB962C8B-B14F-4D97-AF65-F5344CB8AC3E}">
+        <p14:creationId xmlns:p14="http://schemas.microsoft.com/office/powerpoint/2010/main" val="58170571"/>
+      </p:ext>
+    </p:extLst>
   </p:cSld>
   <p:clrMapOvr>
     <a:masterClrMapping/>
   </p:clrMapOvr>
-  <p:transition xmlns:mc="http://schemas.openxmlformats.org/markup-compatibility/2006" xmlns:hp="http://schemas.haansoft.com/office/presentation/8.0" spd="slow" mc:Ignorable="hp" hp:hslDur="3000">
-    <p:push/>
-  </p:transition>
+  <mc:AlternateContent xmlns:mc="http://schemas.openxmlformats.org/markup-compatibility/2006" xmlns:p14="http://schemas.microsoft.com/office/powerpoint/2010/main">
+    <mc:Choice Requires="p14">
+      <p:transition spd="slow">
+        <p:push/>
+      </p:transition>
+    </mc:Choice>
+    <mc:Fallback xmlns="">
+      <p:transition spd="slow">
+        <p:push dir="l"/>
+      </p:transition>
+    </mc:Fallback>
+  </mc:AlternateContent>
+  <p:timing>
+    <p:tnLst>
+      <p:par>
+        <p:cTn id="1" dur="indefinite" restart="never" nodeType="tmRoot"/>
+      </p:par>
+    </p:tnLst>
+  </p:timing>
 </p:sld>
 </file>
 
-<file path=ppt/slides/slide9.xml><?xml version="1.0" encoding="utf-8"?>
-<p:sld xmlns:r="http://schemas.openxmlformats.org/officeDocument/2006/relationships" xmlns:c="http://schemas.openxmlformats.org/drawingml/2006/chart" xmlns:a="http://schemas.openxmlformats.org/drawingml/2006/main" xmlns:dgm="http://schemas.openxmlformats.org/drawingml/2006/diagram" xmlns:dsp="http://schemas.microsoft.com/office/drawing/2008/diagram" xmlns:p="http://schemas.openxmlformats.org/presentationml/2006/main">
+<file path=ppt/slides/slide8.xml><?xml version="1.0" encoding="utf-8"?>
+<p:sld xmlns:a="http://schemas.openxmlformats.org/drawingml/2006/main" xmlns:r="http://schemas.openxmlformats.org/officeDocument/2006/relationships" xmlns:p="http://schemas.openxmlformats.org/presentationml/2006/main">
   <p:cSld>
     <p:spTree>
       <p:nvGrpSpPr>
@@ -15988,8 +16019,8 @@
         </p:nvSpPr>
         <p:spPr>
           <a:xfrm>
-            <a:off x="0" y="201930"/>
-            <a:ext cx="9144001" cy="758190"/>
+            <a:off x="1115695" y="201930"/>
+            <a:ext cx="6768465" cy="831215"/>
           </a:xfrm>
           <a:prstGeom prst="rect">
             <a:avLst/>
@@ -16004,58 +16035,68 @@
           </a:effectLst>
         </p:spPr>
         <p:txBody>
-          <a:bodyPr wrap="square">
+          <a:bodyPr wrap="square" rtlCol="0">
             <a:spAutoFit/>
           </a:bodyPr>
           <a:lstStyle/>
           <a:p>
-            <a:pPr algn="ctr">
-              <a:defRPr lang="ko-KR" altLang="en-US"/>
-            </a:pPr>
-            <a:r>
-              <a:rPr lang="en-US" altLang="ko-KR" sz="4400">
+            <a:pPr algn="ctr"/>
+            <a:r>
+              <a:rPr lang="en-US" altLang="ko-KR" sz="4800" dirty="0" smtClean="0">
                 <a:solidFill>
                   <a:schemeClr val="accent1">
                     <a:lumMod val="50000"/>
                   </a:schemeClr>
                 </a:solidFill>
-                <a:latin typeface="HY견고딕"/>
-                <a:ea typeface="HY견고딕"/>
-              </a:rPr>
-              <a:t>A7:</a:t>
-            </a:r>
-            <a:r>
-              <a:rPr lang="ko-KR" altLang="en-US" sz="4400">
+                <a:latin typeface="HY견고딕" panose="02030600000101010101" pitchFamily="18" charset="-127"/>
+                <a:ea typeface="HY견고딕" panose="02030600000101010101" pitchFamily="18" charset="-127"/>
+              </a:rPr>
+              <a:t>A5:</a:t>
+            </a:r>
+            <a:r>
+              <a:rPr lang="ko-KR" altLang="en-US" sz="4800" dirty="0" smtClean="0">
                 <a:solidFill>
                   <a:schemeClr val="accent1">
                     <a:lumMod val="50000"/>
                   </a:schemeClr>
                 </a:solidFill>
-                <a:latin typeface="HY견고딕"/>
-                <a:ea typeface="HY견고딕"/>
-              </a:rPr>
-              <a:t>크로스 사이트 스크립팅</a:t>
-            </a:r>
-            <a:r>
-              <a:rPr lang="en-US" altLang="ko-KR" sz="4400">
+                <a:latin typeface="HY견고딕" panose="02030600000101010101" pitchFamily="18" charset="-127"/>
+                <a:ea typeface="HY견고딕" panose="02030600000101010101" pitchFamily="18" charset="-127"/>
+              </a:rPr>
+              <a:t>취약점 접근</a:t>
+            </a:r>
+            <a:r>
+              <a:rPr lang="en-US" altLang="ko-KR" sz="4800" dirty="0" smtClean="0">
                 <a:solidFill>
                   <a:schemeClr val="accent1">
                     <a:lumMod val="50000"/>
                   </a:schemeClr>
                 </a:solidFill>
-                <a:latin typeface="HY견고딕"/>
-                <a:ea typeface="HY견고딕"/>
-              </a:rPr>
-              <a:t>(XSS)</a:t>
-            </a:r>
-            <a:endParaRPr lang="ko-KR" altLang="en-US" sz="4400">
+                <a:latin typeface="HY견고딕" panose="02030600000101010101" pitchFamily="18" charset="-127"/>
+                <a:ea typeface="HY견고딕" panose="02030600000101010101" pitchFamily="18" charset="-127"/>
+              </a:rPr>
+              <a:t> </a:t>
+            </a:r>
+            <a:r>
+              <a:rPr lang="ko-KR" altLang="en-US" sz="4800" dirty="0" smtClean="0">
+                <a:solidFill>
+                  <a:schemeClr val="accent1">
+                    <a:lumMod val="50000"/>
+                  </a:schemeClr>
+                </a:solidFill>
+                <a:latin typeface="HY견고딕" panose="02030600000101010101" pitchFamily="18" charset="-127"/>
+                <a:ea typeface="HY견고딕" panose="02030600000101010101" pitchFamily="18" charset="-127"/>
+              </a:rPr>
+              <a:t>통제</a:t>
+            </a:r>
+            <a:endParaRPr lang="ko-KR" altLang="en-US" sz="4800" dirty="0">
               <a:solidFill>
                 <a:schemeClr val="accent1">
                   <a:lumMod val="50000"/>
                 </a:schemeClr>
               </a:solidFill>
-              <a:latin typeface="HY견고딕"/>
-              <a:ea typeface="HY견고딕"/>
+              <a:latin typeface="HY견고딕" panose="02030600000101010101" pitchFamily="18" charset="-127"/>
+              <a:ea typeface="HY견고딕" panose="02030600000101010101" pitchFamily="18" charset="-127"/>
             </a:endParaRPr>
           </a:p>
         </p:txBody>
@@ -16120,12 +16161,10 @@
           </a:fontRef>
         </p:style>
         <p:txBody>
-          <a:bodyPr anchor="ctr"/>
-          <a:lstStyle/>
-          <a:p>
-            <a:pPr algn="ctr">
-              <a:defRPr lang="ko-KR" altLang="en-US"/>
-            </a:pPr>
+          <a:bodyPr rtlCol="0" anchor="ctr"/>
+          <a:lstStyle/>
+          <a:p>
+            <a:pPr algn="ctr"/>
             <a:endParaRPr lang="ko-KR" altLang="en-US"/>
           </a:p>
         </p:txBody>
@@ -16171,12 +16210,10 @@
           </a:fontRef>
         </p:style>
         <p:txBody>
-          <a:bodyPr anchor="ctr"/>
-          <a:lstStyle/>
-          <a:p>
-            <a:pPr algn="ctr">
-              <a:defRPr lang="ko-KR" altLang="en-US"/>
-            </a:pPr>
+          <a:bodyPr rtlCol="0" anchor="ctr"/>
+          <a:lstStyle/>
+          <a:p>
+            <a:pPr algn="ctr"/>
             <a:endParaRPr lang="ko-KR" altLang="en-US"/>
           </a:p>
         </p:txBody>
@@ -16222,12 +16259,10 @@
           </a:fontRef>
         </p:style>
         <p:txBody>
-          <a:bodyPr anchor="ctr"/>
-          <a:lstStyle/>
-          <a:p>
-            <a:pPr algn="ctr">
-              <a:defRPr lang="ko-KR" altLang="en-US"/>
-            </a:pPr>
+          <a:bodyPr rtlCol="0" anchor="ctr"/>
+          <a:lstStyle/>
+          <a:p>
+            <a:pPr algn="ctr"/>
             <a:endParaRPr lang="ko-KR" altLang="en-US"/>
           </a:p>
         </p:txBody>
@@ -16273,12 +16308,10 @@
           </a:fontRef>
         </p:style>
         <p:txBody>
-          <a:bodyPr anchor="ctr"/>
-          <a:lstStyle/>
-          <a:p>
-            <a:pPr algn="ctr">
-              <a:defRPr lang="ko-KR" altLang="en-US"/>
-            </a:pPr>
+          <a:bodyPr rtlCol="0" anchor="ctr"/>
+          <a:lstStyle/>
+          <a:p>
+            <a:pPr algn="ctr"/>
             <a:endParaRPr lang="ko-KR" altLang="en-US"/>
           </a:p>
         </p:txBody>
@@ -16292,7 +16325,7 @@
         <p:spPr>
           <a:xfrm>
             <a:off x="755576" y="1659795"/>
-            <a:ext cx="1164664" cy="461665"/>
+            <a:ext cx="1197764" cy="461665"/>
           </a:xfrm>
           <a:prstGeom prst="rect">
             <a:avLst/>
@@ -16300,18 +16333,17 @@
           <a:noFill/>
         </p:spPr>
         <p:txBody>
-          <a:bodyPr wrap="none">
+          <a:bodyPr wrap="none" rtlCol="0">
             <a:spAutoFit/>
           </a:bodyPr>
           <a:lstStyle/>
           <a:p>
             <a:pPr marL="285750" indent="-285750">
-              <a:buFont typeface="Wingdings"/>
+              <a:buFont typeface="Wingdings" panose="05000000000000000000" pitchFamily="2" charset="2"/>
               <a:buChar char="l"/>
-              <a:defRPr lang="ko-KR" altLang="en-US"/>
-            </a:pPr>
-            <a:r>
-              <a:rPr lang="ko-KR" altLang="en-US" sz="2400" b="1">
+            </a:pPr>
+            <a:r>
+              <a:rPr lang="ko-KR" altLang="en-US" sz="2400" b="1" dirty="0" smtClean="0">
                 <a:solidFill>
                   <a:schemeClr val="tx2">
                     <a:lumMod val="50000"/>
@@ -16320,7 +16352,7 @@
               </a:rPr>
               <a:t> 정의</a:t>
             </a:r>
-            <a:endParaRPr lang="ko-KR" altLang="en-US" b="1">
+            <a:endParaRPr lang="ko-KR" altLang="en-US" b="1" dirty="0">
               <a:solidFill>
                 <a:schemeClr val="tx2">
                   <a:lumMod val="50000"/>
@@ -16339,7 +16371,7 @@
         <p:spPr>
           <a:xfrm>
             <a:off x="755576" y="4005064"/>
-            <a:ext cx="1774264" cy="450731"/>
+            <a:ext cx="1813317" cy="461665"/>
           </a:xfrm>
           <a:prstGeom prst="rect">
             <a:avLst/>
@@ -16347,18 +16379,17 @@
           <a:noFill/>
         </p:spPr>
         <p:txBody>
-          <a:bodyPr wrap="none">
+          <a:bodyPr wrap="none" rtlCol="0">
             <a:spAutoFit/>
           </a:bodyPr>
           <a:lstStyle/>
           <a:p>
             <a:pPr marL="285750" indent="-285750">
-              <a:buFont typeface="Wingdings"/>
+              <a:buFont typeface="Wingdings" panose="05000000000000000000" pitchFamily="2" charset="2"/>
               <a:buChar char="l"/>
-              <a:defRPr lang="ko-KR" altLang="en-US"/>
-            </a:pPr>
-            <a:r>
-              <a:rPr lang="ko-KR" altLang="en-US" sz="2400" b="1">
+            </a:pPr>
+            <a:r>
+              <a:rPr lang="ko-KR" altLang="en-US" sz="2400" b="1" dirty="0" smtClean="0">
                 <a:solidFill>
                   <a:schemeClr val="tx2">
                     <a:lumMod val="50000"/>
@@ -16367,7 +16398,7 @@
               </a:rPr>
               <a:t> 보안대책</a:t>
             </a:r>
-            <a:endParaRPr lang="ko-KR" altLang="en-US" b="1">
+            <a:endParaRPr lang="ko-KR" altLang="en-US" b="1" dirty="0">
               <a:solidFill>
                 <a:schemeClr val="tx2">
                   <a:lumMod val="50000"/>
@@ -16385,8 +16416,8 @@
         </p:nvSpPr>
         <p:spPr>
           <a:xfrm>
-            <a:off x="971599" y="2203015"/>
-            <a:ext cx="7673291" cy="643055"/>
+            <a:off x="971600" y="2203015"/>
+            <a:ext cx="7778091" cy="646331"/>
           </a:xfrm>
           <a:prstGeom prst="rect">
             <a:avLst/>
@@ -16394,29 +16425,26 @@
           <a:noFill/>
         </p:spPr>
         <p:txBody>
-          <a:bodyPr wrap="square">
+          <a:bodyPr wrap="none" rtlCol="0">
             <a:spAutoFit/>
           </a:bodyPr>
           <a:lstStyle/>
           <a:p>
-            <a:pPr lvl="0">
-              <a:defRPr lang="ko-KR" altLang="en-US"/>
-            </a:pPr>
-            <a:r>
-              <a:rPr lang="en-US" altLang="ko-KR"/>
-              <a:t>공격자가 스크립트를 삽입한 웹사이트에 사용자가</a:t>
-            </a:r>
-            <a:endParaRPr lang="en-US" altLang="ko-KR"/>
-          </a:p>
-          <a:p>
-            <a:pPr lvl="0">
-              <a:defRPr lang="ko-KR" altLang="en-US"/>
-            </a:pPr>
-            <a:r>
-              <a:rPr lang="en-US" altLang="ko-KR"/>
-              <a:t>접근할 경우 스크립트가 실행되는 공격 기법이다.</a:t>
-            </a:r>
-            <a:endParaRPr lang="en-US" altLang="ko-KR"/>
+            <a:r>
+              <a:rPr lang="ko-KR" altLang="en-US" dirty="0" smtClean="0"/>
+              <a:t>취약한 접근 제어는 인증된 사용자가 수행할 수 있는 것에 제한이 재대로 </a:t>
+            </a:r>
+            <a:endParaRPr lang="en-US" altLang="ko-KR" dirty="0" smtClean="0"/>
+          </a:p>
+          <a:p>
+            <a:r>
+              <a:rPr lang="ko-KR" altLang="en-US" dirty="0" smtClean="0"/>
+              <a:t>적용되지 않는 것을 의미합니다</a:t>
+            </a:r>
+            <a:r>
+              <a:rPr lang="en-US" altLang="ko-KR" dirty="0" smtClean="0"/>
+              <a:t>. </a:t>
+            </a:r>
           </a:p>
         </p:txBody>
       </p:sp>
@@ -16428,8 +16456,8 @@
         </p:nvSpPr>
         <p:spPr>
           <a:xfrm>
-            <a:off x="971598" y="4581128"/>
-            <a:ext cx="7673292" cy="636667"/>
+            <a:off x="971599" y="4581128"/>
+            <a:ext cx="7925568" cy="2031325"/>
           </a:xfrm>
           <a:prstGeom prst="rect">
             <a:avLst/>
@@ -16437,79 +16465,731 @@
           <a:noFill/>
         </p:spPr>
         <p:txBody>
-          <a:bodyPr wrap="square">
+          <a:bodyPr wrap="none" rtlCol="0">
             <a:spAutoFit/>
           </a:bodyPr>
           <a:lstStyle/>
           <a:p>
-            <a:pPr lvl="0">
-              <a:defRPr lang="ko-KR" altLang="en-US"/>
-            </a:pPr>
-            <a:r>
-              <a:rPr lang="en-US" altLang="ko-KR"/>
-              <a:t>쿠키 인증 방식이 아닌 세션 인증 방식으로 바꾸면 된다.</a:t>
-            </a:r>
-            <a:endParaRPr lang="en-US" altLang="ko-KR"/>
-          </a:p>
-          <a:p>
-            <a:pPr lvl="0">
-              <a:defRPr lang="ko-KR" altLang="en-US"/>
-            </a:pPr>
-            <a:r>
-              <a:rPr lang="en-US" altLang="ko-KR"/>
-              <a:t>적절한 필터링, HTML포맷 사용 금지, 스크립트 자체 무효화 등</a:t>
-            </a:r>
-            <a:endParaRPr lang="en-US" altLang="ko-KR"/>
+            <a:pPr marL="342900" indent="-342900">
+              <a:buAutoNum type="arabicPeriod"/>
+            </a:pPr>
+            <a:r>
+              <a:rPr lang="ko-KR" altLang="en-US" dirty="0" smtClean="0"/>
+              <a:t>관리자 페이지에 임의의 사용자가 접근할 수 없도록 관리자 페이지에 </a:t>
+            </a:r>
+            <a:endParaRPr lang="en-US" altLang="ko-KR" dirty="0" smtClean="0"/>
+          </a:p>
+          <a:p>
+            <a:r>
+              <a:rPr lang="ko-KR" altLang="en-US" dirty="0" smtClean="0"/>
+              <a:t>접근할</a:t>
+            </a:r>
+            <a:r>
+              <a:rPr lang="en-US" altLang="ko-KR" dirty="0"/>
+              <a:t> </a:t>
+            </a:r>
+            <a:r>
+              <a:rPr lang="ko-KR" altLang="en-US" dirty="0" smtClean="0"/>
+              <a:t>수 없도록 접근권한을 설정한다</a:t>
+            </a:r>
+            <a:r>
+              <a:rPr lang="en-US" altLang="ko-KR" dirty="0" smtClean="0"/>
+              <a:t>.</a:t>
+            </a:r>
+          </a:p>
+          <a:p>
+            <a:r>
+              <a:rPr lang="en-US" altLang="ko-KR" dirty="0" smtClean="0"/>
+              <a:t>2. </a:t>
+            </a:r>
+            <a:r>
+              <a:rPr lang="ko-KR" altLang="en-US" dirty="0" smtClean="0"/>
+              <a:t>웹 관리자 메뉴의 접근을 특정 네트워크 대역으로 제한</a:t>
+            </a:r>
+            <a:endParaRPr lang="en-US" altLang="ko-KR" dirty="0"/>
+          </a:p>
+          <a:p>
+            <a:r>
+              <a:rPr lang="en-US" altLang="ko-KR" dirty="0" smtClean="0"/>
+              <a:t>3. </a:t>
+            </a:r>
+            <a:r>
+              <a:rPr lang="ko-KR" altLang="en-US" dirty="0" smtClean="0"/>
+              <a:t>관리자 페이지 각각에 대하여 관리자 인증을 위한 세션을 관리</a:t>
+            </a:r>
+            <a:endParaRPr lang="en-US" altLang="ko-KR" dirty="0" smtClean="0"/>
+          </a:p>
+          <a:p>
+            <a:r>
+              <a:rPr lang="en-US" altLang="ko-KR" dirty="0" smtClean="0"/>
+              <a:t>4. </a:t>
+            </a:r>
+            <a:r>
+              <a:rPr lang="ko-KR" altLang="en-US" dirty="0" smtClean="0"/>
+              <a:t>정보시스템 및 정보보호시스템에 대한 접근은 사용자 인증</a:t>
+            </a:r>
+            <a:r>
+              <a:rPr lang="en-US" altLang="ko-KR" dirty="0" smtClean="0"/>
+              <a:t>, </a:t>
+            </a:r>
+            <a:r>
+              <a:rPr lang="ko-KR" altLang="en-US" dirty="0" smtClean="0"/>
+              <a:t>로그인 횟수 </a:t>
+            </a:r>
+            <a:endParaRPr lang="en-US" altLang="ko-KR" dirty="0" smtClean="0"/>
+          </a:p>
+          <a:p>
+            <a:r>
+              <a:rPr lang="ko-KR" altLang="en-US" dirty="0" smtClean="0"/>
+              <a:t>제한</a:t>
+            </a:r>
+            <a:r>
+              <a:rPr lang="en-US" altLang="ko-KR" dirty="0" smtClean="0"/>
+              <a:t>, </a:t>
+            </a:r>
+            <a:r>
+              <a:rPr lang="ko-KR" altLang="en-US" dirty="0" smtClean="0"/>
+              <a:t>불법 로그인 시도 경고 등 안전한 사용자 인증 절차에 의해 통제</a:t>
+            </a:r>
+            <a:endParaRPr lang="en-US" altLang="ko-KR" dirty="0" smtClean="0"/>
+          </a:p>
+          <a:p>
+            <a:r>
+              <a:rPr lang="en-US" altLang="ko-KR" dirty="0"/>
+              <a:t>5</a:t>
+            </a:r>
+            <a:r>
+              <a:rPr lang="en-US" altLang="ko-KR" dirty="0" smtClean="0"/>
+              <a:t>. </a:t>
+            </a:r>
+            <a:r>
+              <a:rPr lang="ko-KR" altLang="en-US" dirty="0" smtClean="0"/>
+              <a:t>강화된 인증수단</a:t>
+            </a:r>
+            <a:r>
+              <a:rPr lang="en-US" altLang="ko-KR" dirty="0" smtClean="0"/>
+              <a:t>(OTP, </a:t>
+            </a:r>
+            <a:r>
+              <a:rPr lang="ko-KR" altLang="en-US" dirty="0" smtClean="0"/>
+              <a:t>공인인증서 등</a:t>
+            </a:r>
+            <a:r>
+              <a:rPr lang="en-US" altLang="ko-KR" dirty="0" smtClean="0"/>
+              <a:t>)</a:t>
+            </a:r>
+            <a:r>
+              <a:rPr lang="ko-KR" altLang="en-US" dirty="0" smtClean="0"/>
+              <a:t> 적용</a:t>
+            </a:r>
+            <a:endParaRPr lang="en-US" altLang="ko-KR" dirty="0" smtClean="0"/>
           </a:p>
         </p:txBody>
       </p:sp>
     </p:spTree>
+    <p:extLst>
+      <p:ext uri="{BB962C8B-B14F-4D97-AF65-F5344CB8AC3E}">
+        <p14:creationId xmlns:p14="http://schemas.microsoft.com/office/powerpoint/2010/main" val="2930831751"/>
+      </p:ext>
+    </p:extLst>
   </p:cSld>
   <p:clrMapOvr>
     <a:masterClrMapping/>
   </p:clrMapOvr>
-  <p:transition xmlns:mc="http://schemas.openxmlformats.org/markup-compatibility/2006" xmlns:hp="http://schemas.haansoft.com/office/presentation/8.0" spd="slow" mc:Ignorable="hp" hp:hslDur="3000">
-    <p:push/>
-  </p:transition>
+  <mc:AlternateContent xmlns:mc="http://schemas.openxmlformats.org/markup-compatibility/2006" xmlns:p14="http://schemas.microsoft.com/office/powerpoint/2010/main">
+    <mc:Choice Requires="p14">
+      <p:transition spd="slow">
+        <p:push/>
+      </p:transition>
+    </mc:Choice>
+    <mc:Fallback xmlns="">
+      <p:transition spd="slow">
+        <p:push dir="l"/>
+      </p:transition>
+    </mc:Fallback>
+  </mc:AlternateContent>
+  <p:timing>
+    <p:tnLst>
+      <p:par>
+        <p:cTn id="1" dur="indefinite" restart="never" nodeType="tmRoot"/>
+      </p:par>
+    </p:tnLst>
+  </p:timing>
+</p:sld>
+</file>
+
+<file path=ppt/slides/slide9.xml><?xml version="1.0" encoding="utf-8"?>
+<p:sld xmlns:a="http://schemas.openxmlformats.org/drawingml/2006/main" xmlns:r="http://schemas.openxmlformats.org/officeDocument/2006/relationships" xmlns:p="http://schemas.openxmlformats.org/presentationml/2006/main">
+  <p:cSld>
+    <p:spTree>
+      <p:nvGrpSpPr>
+        <p:cNvPr id="1" name=""/>
+        <p:cNvGrpSpPr/>
+        <p:nvPr/>
+      </p:nvGrpSpPr>
+      <p:grpSpPr>
+        <a:xfrm>
+          <a:off x="0" y="0"/>
+          <a:ext cx="0" cy="0"/>
+          <a:chOff x="0" y="0"/>
+          <a:chExt cx="0" cy="0"/>
+        </a:xfrm>
+      </p:grpSpPr>
+      <p:sp>
+        <p:nvSpPr>
+          <p:cNvPr id="12" name="TextBox 11"/>
+          <p:cNvSpPr txBox="1"/>
+          <p:nvPr/>
+        </p:nvSpPr>
+        <p:spPr>
+          <a:xfrm>
+            <a:off x="1115695" y="201930"/>
+            <a:ext cx="6768465" cy="831215"/>
+          </a:xfrm>
+          <a:prstGeom prst="rect">
+            <a:avLst/>
+          </a:prstGeom>
+          <a:noFill/>
+          <a:effectLst>
+            <a:outerShdw blurRad="50800" dist="38100" dir="5400000" algn="t" rotWithShape="0">
+              <a:prstClr val="black">
+                <a:alpha val="40000"/>
+              </a:prstClr>
+            </a:outerShdw>
+          </a:effectLst>
+        </p:spPr>
+        <p:txBody>
+          <a:bodyPr wrap="square" rtlCol="0">
+            <a:spAutoFit/>
+          </a:bodyPr>
+          <a:lstStyle/>
+          <a:p>
+            <a:pPr algn="ctr"/>
+            <a:r>
+              <a:rPr lang="en-US" altLang="ko-KR" sz="4800" dirty="0" smtClean="0">
+                <a:solidFill>
+                  <a:schemeClr val="accent1">
+                    <a:lumMod val="50000"/>
+                  </a:schemeClr>
+                </a:solidFill>
+                <a:latin typeface="HY견고딕" panose="02030600000101010101" pitchFamily="18" charset="-127"/>
+                <a:ea typeface="HY견고딕" panose="02030600000101010101" pitchFamily="18" charset="-127"/>
+              </a:rPr>
+              <a:t>A5:</a:t>
+            </a:r>
+            <a:r>
+              <a:rPr lang="ko-KR" altLang="en-US" sz="4800" dirty="0" smtClean="0">
+                <a:solidFill>
+                  <a:schemeClr val="accent1">
+                    <a:lumMod val="50000"/>
+                  </a:schemeClr>
+                </a:solidFill>
+                <a:latin typeface="HY견고딕" panose="02030600000101010101" pitchFamily="18" charset="-127"/>
+                <a:ea typeface="HY견고딕" panose="02030600000101010101" pitchFamily="18" charset="-127"/>
+              </a:rPr>
+              <a:t>취약점 접근</a:t>
+            </a:r>
+            <a:r>
+              <a:rPr lang="en-US" altLang="ko-KR" sz="4800" dirty="0" smtClean="0">
+                <a:solidFill>
+                  <a:schemeClr val="accent1">
+                    <a:lumMod val="50000"/>
+                  </a:schemeClr>
+                </a:solidFill>
+                <a:latin typeface="HY견고딕" panose="02030600000101010101" pitchFamily="18" charset="-127"/>
+                <a:ea typeface="HY견고딕" panose="02030600000101010101" pitchFamily="18" charset="-127"/>
+              </a:rPr>
+              <a:t> </a:t>
+            </a:r>
+            <a:r>
+              <a:rPr lang="ko-KR" altLang="en-US" sz="4800" dirty="0" smtClean="0">
+                <a:solidFill>
+                  <a:schemeClr val="accent1">
+                    <a:lumMod val="50000"/>
+                  </a:schemeClr>
+                </a:solidFill>
+                <a:latin typeface="HY견고딕" panose="02030600000101010101" pitchFamily="18" charset="-127"/>
+                <a:ea typeface="HY견고딕" panose="02030600000101010101" pitchFamily="18" charset="-127"/>
+              </a:rPr>
+              <a:t>통제</a:t>
+            </a:r>
+            <a:endParaRPr lang="ko-KR" altLang="en-US" sz="4800" dirty="0">
+              <a:solidFill>
+                <a:schemeClr val="accent1">
+                  <a:lumMod val="50000"/>
+                </a:schemeClr>
+              </a:solidFill>
+              <a:latin typeface="HY견고딕" panose="02030600000101010101" pitchFamily="18" charset="-127"/>
+              <a:ea typeface="HY견고딕" panose="02030600000101010101" pitchFamily="18" charset="-127"/>
+            </a:endParaRPr>
+          </a:p>
+        </p:txBody>
+      </p:sp>
+      <p:sp>
+        <p:nvSpPr>
+          <p:cNvPr id="2" name="직사각형 1"/>
+          <p:cNvSpPr/>
+          <p:nvPr/>
+        </p:nvSpPr>
+        <p:spPr>
+          <a:xfrm>
+            <a:off x="-52705" y="1066800"/>
+            <a:ext cx="2304415" cy="71755"/>
+          </a:xfrm>
+          <a:prstGeom prst="rect">
+            <a:avLst/>
+          </a:prstGeom>
+          <a:gradFill flip="none" rotWithShape="1">
+            <a:gsLst>
+              <a:gs pos="0">
+                <a:schemeClr val="accent1">
+                  <a:tint val="66000"/>
+                  <a:satMod val="160000"/>
+                </a:schemeClr>
+              </a:gs>
+              <a:gs pos="100000">
+                <a:schemeClr val="tx2">
+                  <a:lumMod val="90000"/>
+                  <a:lumOff val="10000"/>
+                  <a:alpha val="90000"/>
+                </a:schemeClr>
+              </a:gs>
+              <a:gs pos="100000">
+                <a:schemeClr val="accent1">
+                  <a:tint val="23500"/>
+                  <a:satMod val="160000"/>
+                </a:schemeClr>
+              </a:gs>
+            </a:gsLst>
+            <a:lin ang="10800000" scaled="1"/>
+            <a:tileRect/>
+          </a:gradFill>
+          <a:ln>
+            <a:noFill/>
+          </a:ln>
+        </p:spPr>
+        <p:style>
+          <a:lnRef idx="2">
+            <a:schemeClr val="accent1">
+              <a:shade val="50000"/>
+            </a:schemeClr>
+          </a:lnRef>
+          <a:fillRef idx="1">
+            <a:schemeClr val="accent1"/>
+          </a:fillRef>
+          <a:effectRef idx="0">
+            <a:schemeClr val="accent1"/>
+          </a:effectRef>
+          <a:fontRef idx="minor">
+            <a:schemeClr val="lt1"/>
+          </a:fontRef>
+        </p:style>
+        <p:txBody>
+          <a:bodyPr rtlCol="0" anchor="ctr"/>
+          <a:lstStyle/>
+          <a:p>
+            <a:pPr algn="ctr"/>
+            <a:endParaRPr lang="ko-KR" altLang="en-US"/>
+          </a:p>
+        </p:txBody>
+      </p:sp>
+      <p:sp>
+        <p:nvSpPr>
+          <p:cNvPr id="5" name="직사각형 4"/>
+          <p:cNvSpPr/>
+          <p:nvPr/>
+        </p:nvSpPr>
+        <p:spPr>
+          <a:xfrm>
+            <a:off x="2251075" y="1066800"/>
+            <a:ext cx="2304415" cy="71755"/>
+          </a:xfrm>
+          <a:prstGeom prst="rect">
+            <a:avLst/>
+          </a:prstGeom>
+          <a:solidFill>
+            <a:schemeClr val="accent1">
+              <a:lumMod val="60000"/>
+              <a:lumOff val="40000"/>
+            </a:schemeClr>
+          </a:solidFill>
+          <a:ln>
+            <a:noFill/>
+          </a:ln>
+        </p:spPr>
+        <p:style>
+          <a:lnRef idx="2">
+            <a:schemeClr val="accent1">
+              <a:shade val="50000"/>
+            </a:schemeClr>
+          </a:lnRef>
+          <a:fillRef idx="1">
+            <a:schemeClr val="accent1"/>
+          </a:fillRef>
+          <a:effectRef idx="0">
+            <a:schemeClr val="accent1"/>
+          </a:effectRef>
+          <a:fontRef idx="minor">
+            <a:schemeClr val="lt1"/>
+          </a:fontRef>
+        </p:style>
+        <p:txBody>
+          <a:bodyPr rtlCol="0" anchor="ctr"/>
+          <a:lstStyle/>
+          <a:p>
+            <a:pPr algn="ctr"/>
+            <a:endParaRPr lang="ko-KR" altLang="en-US"/>
+          </a:p>
+        </p:txBody>
+      </p:sp>
+      <p:sp>
+        <p:nvSpPr>
+          <p:cNvPr id="6" name="직사각형 5"/>
+          <p:cNvSpPr/>
+          <p:nvPr/>
+        </p:nvSpPr>
+        <p:spPr>
+          <a:xfrm>
+            <a:off x="4555490" y="1066800"/>
+            <a:ext cx="2304415" cy="71755"/>
+          </a:xfrm>
+          <a:prstGeom prst="rect">
+            <a:avLst/>
+          </a:prstGeom>
+          <a:solidFill>
+            <a:schemeClr val="accent1">
+              <a:lumMod val="40000"/>
+              <a:lumOff val="60000"/>
+            </a:schemeClr>
+          </a:solidFill>
+          <a:ln>
+            <a:noFill/>
+          </a:ln>
+        </p:spPr>
+        <p:style>
+          <a:lnRef idx="2">
+            <a:schemeClr val="accent1">
+              <a:shade val="50000"/>
+            </a:schemeClr>
+          </a:lnRef>
+          <a:fillRef idx="1">
+            <a:schemeClr val="accent1"/>
+          </a:fillRef>
+          <a:effectRef idx="0">
+            <a:schemeClr val="accent1"/>
+          </a:effectRef>
+          <a:fontRef idx="minor">
+            <a:schemeClr val="lt1"/>
+          </a:fontRef>
+        </p:style>
+        <p:txBody>
+          <a:bodyPr rtlCol="0" anchor="ctr"/>
+          <a:lstStyle/>
+          <a:p>
+            <a:pPr algn="ctr"/>
+            <a:endParaRPr lang="ko-KR" altLang="en-US"/>
+          </a:p>
+        </p:txBody>
+      </p:sp>
+      <p:sp>
+        <p:nvSpPr>
+          <p:cNvPr id="7" name="직사각형 6"/>
+          <p:cNvSpPr/>
+          <p:nvPr/>
+        </p:nvSpPr>
+        <p:spPr>
+          <a:xfrm>
+            <a:off x="6853555" y="1066800"/>
+            <a:ext cx="2304415" cy="71755"/>
+          </a:xfrm>
+          <a:prstGeom prst="rect">
+            <a:avLst/>
+          </a:prstGeom>
+          <a:solidFill>
+            <a:schemeClr val="accent1">
+              <a:lumMod val="20000"/>
+              <a:lumOff val="80000"/>
+            </a:schemeClr>
+          </a:solidFill>
+          <a:ln>
+            <a:noFill/>
+          </a:ln>
+        </p:spPr>
+        <p:style>
+          <a:lnRef idx="2">
+            <a:schemeClr val="accent1">
+              <a:shade val="50000"/>
+            </a:schemeClr>
+          </a:lnRef>
+          <a:fillRef idx="1">
+            <a:schemeClr val="accent1"/>
+          </a:fillRef>
+          <a:effectRef idx="0">
+            <a:schemeClr val="accent1"/>
+          </a:effectRef>
+          <a:fontRef idx="minor">
+            <a:schemeClr val="lt1"/>
+          </a:fontRef>
+        </p:style>
+        <p:txBody>
+          <a:bodyPr rtlCol="0" anchor="ctr"/>
+          <a:lstStyle/>
+          <a:p>
+            <a:pPr algn="ctr"/>
+            <a:endParaRPr lang="ko-KR" altLang="en-US"/>
+          </a:p>
+        </p:txBody>
+      </p:sp>
+      <p:pic>
+        <p:nvPicPr>
+          <p:cNvPr id="3" name="그림 2"/>
+          <p:cNvPicPr>
+            <a:picLocks noChangeAspect="1"/>
+          </p:cNvPicPr>
+          <p:nvPr/>
+        </p:nvPicPr>
+        <p:blipFill>
+          <a:blip r:embed="rId2">
+            <a:extLst>
+              <a:ext uri="{28A0092B-C50C-407E-A947-70E740481C1C}">
+                <a14:useLocalDpi xmlns:a14="http://schemas.microsoft.com/office/drawing/2010/main" val="0"/>
+              </a:ext>
+            </a:extLst>
+          </a:blip>
+          <a:stretch>
+            <a:fillRect/>
+          </a:stretch>
+        </p:blipFill>
+        <p:spPr>
+          <a:xfrm>
+            <a:off x="539553" y="1592796"/>
+            <a:ext cx="3277020" cy="2080140"/>
+          </a:xfrm>
+          <a:prstGeom prst="rect">
+            <a:avLst/>
+          </a:prstGeom>
+        </p:spPr>
+      </p:pic>
+      <p:pic>
+        <p:nvPicPr>
+          <p:cNvPr id="4" name="그림 3"/>
+          <p:cNvPicPr>
+            <a:picLocks noChangeAspect="1"/>
+          </p:cNvPicPr>
+          <p:nvPr/>
+        </p:nvPicPr>
+        <p:blipFill>
+          <a:blip r:embed="rId3">
+            <a:extLst>
+              <a:ext uri="{28A0092B-C50C-407E-A947-70E740481C1C}">
+                <a14:useLocalDpi xmlns:a14="http://schemas.microsoft.com/office/drawing/2010/main" val="0"/>
+              </a:ext>
+            </a:extLst>
+          </a:blip>
+          <a:stretch>
+            <a:fillRect/>
+          </a:stretch>
+        </p:blipFill>
+        <p:spPr>
+          <a:xfrm>
+            <a:off x="5220072" y="1592796"/>
+            <a:ext cx="3619020" cy="2080139"/>
+          </a:xfrm>
+          <a:prstGeom prst="rect">
+            <a:avLst/>
+          </a:prstGeom>
+        </p:spPr>
+      </p:pic>
+      <p:pic>
+        <p:nvPicPr>
+          <p:cNvPr id="13" name="그림 12"/>
+          <p:cNvPicPr>
+            <a:picLocks noChangeAspect="1"/>
+          </p:cNvPicPr>
+          <p:nvPr/>
+        </p:nvPicPr>
+        <p:blipFill>
+          <a:blip r:embed="rId4">
+            <a:extLst>
+              <a:ext uri="{28A0092B-C50C-407E-A947-70E740481C1C}">
+                <a14:useLocalDpi xmlns:a14="http://schemas.microsoft.com/office/drawing/2010/main" val="0"/>
+              </a:ext>
+            </a:extLst>
+          </a:blip>
+          <a:stretch>
+            <a:fillRect/>
+          </a:stretch>
+        </p:blipFill>
+        <p:spPr>
+          <a:xfrm>
+            <a:off x="2707187" y="4365104"/>
+            <a:ext cx="3585479" cy="2194913"/>
+          </a:xfrm>
+          <a:prstGeom prst="rect">
+            <a:avLst/>
+          </a:prstGeom>
+        </p:spPr>
+      </p:pic>
+      <p:sp>
+        <p:nvSpPr>
+          <p:cNvPr id="14" name="오른쪽 화살표 13"/>
+          <p:cNvSpPr/>
+          <p:nvPr/>
+        </p:nvSpPr>
+        <p:spPr>
+          <a:xfrm>
+            <a:off x="4164976" y="2391789"/>
+            <a:ext cx="720080" cy="360040"/>
+          </a:xfrm>
+          <a:prstGeom prst="rightArrow">
+            <a:avLst/>
+          </a:prstGeom>
+          <a:solidFill>
+            <a:schemeClr val="accent2"/>
+          </a:solidFill>
+          <a:ln>
+            <a:noFill/>
+          </a:ln>
+        </p:spPr>
+        <p:style>
+          <a:lnRef idx="2">
+            <a:schemeClr val="accent1">
+              <a:shade val="50000"/>
+            </a:schemeClr>
+          </a:lnRef>
+          <a:fillRef idx="1">
+            <a:schemeClr val="accent1"/>
+          </a:fillRef>
+          <a:effectRef idx="0">
+            <a:schemeClr val="accent1"/>
+          </a:effectRef>
+          <a:fontRef idx="minor">
+            <a:schemeClr val="lt1"/>
+          </a:fontRef>
+        </p:style>
+        <p:txBody>
+          <a:bodyPr rtlCol="0" anchor="ctr"/>
+          <a:lstStyle/>
+          <a:p>
+            <a:pPr algn="ctr"/>
+            <a:endParaRPr lang="ko-KR" altLang="en-US"/>
+          </a:p>
+        </p:txBody>
+      </p:sp>
+      <p:sp>
+        <p:nvSpPr>
+          <p:cNvPr id="15" name="오른쪽 화살표 14"/>
+          <p:cNvSpPr/>
+          <p:nvPr/>
+        </p:nvSpPr>
+        <p:spPr>
+          <a:xfrm rot="7506489">
+            <a:off x="6267641" y="3881593"/>
+            <a:ext cx="720080" cy="360040"/>
+          </a:xfrm>
+          <a:prstGeom prst="rightArrow">
+            <a:avLst/>
+          </a:prstGeom>
+          <a:solidFill>
+            <a:schemeClr val="accent2"/>
+          </a:solidFill>
+          <a:ln>
+            <a:noFill/>
+          </a:ln>
+        </p:spPr>
+        <p:style>
+          <a:lnRef idx="2">
+            <a:schemeClr val="accent1">
+              <a:shade val="50000"/>
+            </a:schemeClr>
+          </a:lnRef>
+          <a:fillRef idx="1">
+            <a:schemeClr val="accent1"/>
+          </a:fillRef>
+          <a:effectRef idx="0">
+            <a:schemeClr val="accent1"/>
+          </a:effectRef>
+          <a:fontRef idx="minor">
+            <a:schemeClr val="lt1"/>
+          </a:fontRef>
+        </p:style>
+        <p:txBody>
+          <a:bodyPr rtlCol="0" anchor="ctr"/>
+          <a:lstStyle/>
+          <a:p>
+            <a:pPr algn="ctr"/>
+            <a:endParaRPr lang="ko-KR" altLang="en-US"/>
+          </a:p>
+        </p:txBody>
+      </p:sp>
+    </p:spTree>
+    <p:extLst>
+      <p:ext uri="{BB962C8B-B14F-4D97-AF65-F5344CB8AC3E}">
+        <p14:creationId xmlns:p14="http://schemas.microsoft.com/office/powerpoint/2010/main" val="1447076047"/>
+      </p:ext>
+    </p:extLst>
+  </p:cSld>
+  <p:clrMapOvr>
+    <a:masterClrMapping/>
+  </p:clrMapOvr>
+  <mc:AlternateContent xmlns:mc="http://schemas.openxmlformats.org/markup-compatibility/2006" xmlns:p14="http://schemas.microsoft.com/office/powerpoint/2010/main">
+    <mc:Choice Requires="p14">
+      <p:transition spd="slow">
+        <p:push/>
+      </p:transition>
+    </mc:Choice>
+    <mc:Fallback xmlns="">
+      <p:transition spd="slow">
+        <p:push dir="l"/>
+      </p:transition>
+    </mc:Fallback>
+  </mc:AlternateContent>
+  <p:timing>
+    <p:tnLst>
+      <p:par>
+        <p:cTn id="1" dur="indefinite" restart="never" nodeType="tmRoot"/>
+      </p:par>
+    </p:tnLst>
+  </p:timing>
 </p:sld>
 </file>
 
 <file path=ppt/theme/theme1.xml><?xml version="1.0" encoding="utf-8"?>
-<a:theme xmlns:r="http://schemas.openxmlformats.org/officeDocument/2006/relationships" xmlns:c="http://schemas.openxmlformats.org/drawingml/2006/chart" xmlns:dgm="http://schemas.openxmlformats.org/drawingml/2006/diagram" xmlns:dsp="http://schemas.microsoft.com/office/drawing/2008/diagram" xmlns:a="http://schemas.openxmlformats.org/drawingml/2006/main" xmlns:pic="http://schemas.openxmlformats.org/drawingml/2006/picture" xmlns:wp="http://schemas.openxmlformats.org/drawingml/2006/wordprocessingDrawing" xmlns:xdr="http://schemas.openxmlformats.org/drawingml/2006/spreadsheetDrawing" name="Office 테마">
+<a:theme xmlns:a="http://schemas.openxmlformats.org/drawingml/2006/main" name="Office 테마">
   <a:themeElements>
     <a:clrScheme name="Office">
       <a:dk1>
         <a:sysClr val="windowText" lastClr="000000"/>
       </a:dk1>
       <a:lt1>
-        <a:sysClr val="window" lastClr="ffffff"/>
+        <a:sysClr val="window" lastClr="FFFFFF"/>
       </a:lt1>
       <a:dk2>
-        <a:srgbClr val="1f497d"/>
+        <a:srgbClr val="1F497D"/>
       </a:dk2>
       <a:lt2>
-        <a:srgbClr val="eeece1"/>
+        <a:srgbClr val="EEECE1"/>
       </a:lt2>
       <a:accent1>
-        <a:srgbClr val="4f81bd"/>
+        <a:srgbClr val="4F81BD"/>
       </a:accent1>
       <a:accent2>
-        <a:srgbClr val="c0504d"/>
+        <a:srgbClr val="C0504D"/>
       </a:accent2>
       <a:accent3>
-        <a:srgbClr val="9bbb59"/>
+        <a:srgbClr val="9BBB59"/>
       </a:accent3>
       <a:accent4>
-        <a:srgbClr val="8064a2"/>
+        <a:srgbClr val="8064A2"/>
       </a:accent4>
       <a:accent5>
-        <a:srgbClr val="4bacc6"/>
+        <a:srgbClr val="4BACC6"/>
       </a:accent5>
       <a:accent6>
-        <a:srgbClr val="f79646"/>
+        <a:srgbClr val="F79646"/>
       </a:accent6>
       <a:hlink>
-        <a:srgbClr val="0000ff"/>
+        <a:srgbClr val="0000FF"/>
       </a:hlink>
       <a:folHlink>
         <a:srgbClr val="800080"/>
@@ -16743,53 +17423,55 @@
       </a:bgFillStyleLst>
     </a:fmtScheme>
   </a:themeElements>
+  <a:objectDefaults/>
+  <a:extraClrSchemeLst/>
 </a:theme>
 </file>
 
 <file path=ppt/theme/theme2.xml><?xml version="1.0" encoding="utf-8"?>
-<a:theme xmlns:r="http://schemas.openxmlformats.org/officeDocument/2006/relationships" xmlns:c="http://schemas.openxmlformats.org/drawingml/2006/chart" xmlns:dgm="http://schemas.openxmlformats.org/drawingml/2006/diagram" xmlns:dsp="http://schemas.microsoft.com/office/drawing/2008/diagram" xmlns:a="http://schemas.openxmlformats.org/drawingml/2006/main" xmlns:pic="http://schemas.openxmlformats.org/drawingml/2006/picture" xmlns:wp="http://schemas.openxmlformats.org/drawingml/2006/wordprocessingDrawing" xmlns:xdr="http://schemas.openxmlformats.org/drawingml/2006/spreadsheetDrawing" name="Office theme">
+<a:theme xmlns:a="http://schemas.openxmlformats.org/drawingml/2006/main" name="Office theme">
   <a:themeElements>
     <a:clrScheme name="Office">
       <a:dk1>
         <a:sysClr val="windowText" lastClr="000000"/>
       </a:dk1>
       <a:lt1>
-        <a:sysClr val="window" lastClr="ffffff"/>
+        <a:sysClr val="window" lastClr="FFFFFF"/>
       </a:lt1>
       <a:dk2>
-        <a:srgbClr val="44546a"/>
+        <a:srgbClr val="44546A"/>
       </a:dk2>
       <a:lt2>
-        <a:srgbClr val="e7e6e6"/>
+        <a:srgbClr val="E7E6E6"/>
       </a:lt2>
       <a:accent1>
-        <a:srgbClr val="5b9bd5"/>
+        <a:srgbClr val="5B9BD5"/>
       </a:accent1>
       <a:accent2>
-        <a:srgbClr val="ed7d31"/>
+        <a:srgbClr val="ED7D31"/>
       </a:accent2>
       <a:accent3>
-        <a:srgbClr val="a5a5a5"/>
+        <a:srgbClr val="A5A5A5"/>
       </a:accent3>
       <a:accent4>
-        <a:srgbClr val="ffc000"/>
+        <a:srgbClr val="FFC000"/>
       </a:accent4>
       <a:accent5>
-        <a:srgbClr val="4472c4"/>
+        <a:srgbClr val="4472C4"/>
       </a:accent5>
       <a:accent6>
-        <a:srgbClr val="70ad47"/>
+        <a:srgbClr val="70AD47"/>
       </a:accent6>
       <a:hlink>
-        <a:srgbClr val="0563c1"/>
+        <a:srgbClr val="0563C1"/>
       </a:hlink>
       <a:folHlink>
-        <a:srgbClr val="954f72"/>
+        <a:srgbClr val="954F72"/>
       </a:folHlink>
     </a:clrScheme>
     <a:fontScheme name="Office">
       <a:majorFont>
-        <a:latin typeface="맑은 고딕" panose="20"/>
+        <a:latin typeface="맑은 고딕" panose="20000000000000000000"/>
         <a:ea typeface=""/>
         <a:cs typeface=""/>
         <a:font script="Jpan" typeface="ＭＳ Ｐゴシック"/>
@@ -16824,7 +17506,7 @@
         <a:font script="Geor" typeface="Sylfaen"/>
       </a:majorFont>
       <a:minorFont>
-        <a:latin typeface="맑은 고딕" panose="20"/>
+        <a:latin typeface="맑은 고딕" panose="20000000000000000000"/>
         <a:ea typeface=""/>
         <a:cs typeface=""/>
         <a:font script="Jpan" typeface="ＭＳ Ｐゴシック"/>
@@ -16997,45 +17679,47 @@
       </a:bgFillStyleLst>
     </a:fmtScheme>
   </a:themeElements>
+  <a:objectDefaults/>
+  <a:extraClrSchemeLst/>
 </a:theme>
 </file>
 
 <file path=ppt/theme/theme3.xml><?xml version="1.0" encoding="utf-8"?>
-<a:theme xmlns:r="http://schemas.openxmlformats.org/officeDocument/2006/relationships" xmlns:c="http://schemas.openxmlformats.org/drawingml/2006/chart" xmlns:dgm="http://schemas.openxmlformats.org/drawingml/2006/diagram" xmlns:dsp="http://schemas.microsoft.com/office/drawing/2008/diagram" xmlns:a="http://schemas.openxmlformats.org/drawingml/2006/main" xmlns:pic="http://schemas.openxmlformats.org/drawingml/2006/picture" xmlns:wp="http://schemas.openxmlformats.org/drawingml/2006/wordprocessingDrawing" xmlns:xdr="http://schemas.openxmlformats.org/drawingml/2006/spreadsheetDrawing" name="Office 테마">
+<a:theme xmlns:a="http://schemas.openxmlformats.org/drawingml/2006/main" name="Office 테마">
   <a:themeElements>
     <a:clrScheme name="Office">
       <a:dk1>
         <a:sysClr val="windowText" lastClr="000000"/>
       </a:dk1>
       <a:lt1>
-        <a:sysClr val="window" lastClr="ffffff"/>
+        <a:sysClr val="window" lastClr="FFFFFF"/>
       </a:lt1>
       <a:dk2>
-        <a:srgbClr val="1f497d"/>
+        <a:srgbClr val="1F497D"/>
       </a:dk2>
       <a:lt2>
-        <a:srgbClr val="eeece1"/>
+        <a:srgbClr val="EEECE1"/>
       </a:lt2>
       <a:accent1>
-        <a:srgbClr val="4f81bd"/>
+        <a:srgbClr val="4F81BD"/>
       </a:accent1>
       <a:accent2>
-        <a:srgbClr val="c0504d"/>
+        <a:srgbClr val="C0504D"/>
       </a:accent2>
       <a:accent3>
-        <a:srgbClr val="9bbb59"/>
+        <a:srgbClr val="9BBB59"/>
       </a:accent3>
       <a:accent4>
-        <a:srgbClr val="8064a2"/>
+        <a:srgbClr val="8064A2"/>
       </a:accent4>
       <a:accent5>
-        <a:srgbClr val="4bacc6"/>
+        <a:srgbClr val="4BACC6"/>
       </a:accent5>
       <a:accent6>
-        <a:srgbClr val="f79646"/>
+        <a:srgbClr val="F79646"/>
       </a:accent6>
       <a:hlink>
-        <a:srgbClr val="0000ff"/>
+        <a:srgbClr val="0000FF"/>
       </a:hlink>
       <a:folHlink>
         <a:srgbClr val="800080"/>
@@ -17269,5 +17953,7 @@
       </a:bgFillStyleLst>
     </a:fmtScheme>
   </a:themeElements>
+  <a:objectDefaults/>
+  <a:extraClrSchemeLst/>
 </a:theme>
 </file>